--- a/ВКР (выпускная квалификационная работа)/MP-49_Ivanov_Roman_present.pptx
+++ b/ВКР (выпускная квалификационная работа)/MP-49_Ivanov_Roman_present.pptx
@@ -210,7 +210,7 @@
             <a:fld id="{B86B2470-1CD7-4829-B73C-9667EBC1A288}" type="datetimeFigureOut">
               <a:rPr lang="ru-RU" smtClean="0"/>
               <a:pPr/>
-              <a:t>06.06.2015</a:t>
+              <a:t>07.06.2015</a:t>
             </a:fld>
             <a:endParaRPr lang="ru-RU"/>
           </a:p>
@@ -674,7 +674,7 @@
             <a:fld id="{9C196748-12CE-4DEA-9B8A-997BD35B5B69}" type="datetime1">
               <a:rPr lang="ru-RU" smtClean="0"/>
               <a:pPr/>
-              <a:t>06.06.2015</a:t>
+              <a:t>07.06.2015</a:t>
             </a:fld>
             <a:endParaRPr lang="ru-RU"/>
           </a:p>
@@ -841,7 +841,7 @@
             <a:fld id="{7E92490A-DFE9-449C-A37B-ACF45A47C826}" type="datetime1">
               <a:rPr lang="ru-RU" smtClean="0"/>
               <a:pPr/>
-              <a:t>06.06.2015</a:t>
+              <a:t>07.06.2015</a:t>
             </a:fld>
             <a:endParaRPr lang="ru-RU"/>
           </a:p>
@@ -1018,7 +1018,7 @@
             <a:fld id="{5C2ABF62-A280-4785-AA8D-56FE2C1D7A2C}" type="datetime1">
               <a:rPr lang="ru-RU" smtClean="0"/>
               <a:pPr/>
-              <a:t>06.06.2015</a:t>
+              <a:t>07.06.2015</a:t>
             </a:fld>
             <a:endParaRPr lang="ru-RU"/>
           </a:p>
@@ -1203,7 +1203,7 @@
             <a:fld id="{0B14BCE1-6324-491D-B9D8-AAB97C56567D}" type="datetime1">
               <a:rPr lang="ru-RU" smtClean="0"/>
               <a:pPr/>
-              <a:t>06.06.2015</a:t>
+              <a:t>07.06.2015</a:t>
             </a:fld>
             <a:endParaRPr lang="ru-RU"/>
           </a:p>
@@ -1467,7 +1467,7 @@
             <a:fld id="{06883494-896F-419E-BE70-6FD85D7061DD}" type="datetime1">
               <a:rPr lang="ru-RU" smtClean="0"/>
               <a:pPr/>
-              <a:t>06.06.2015</a:t>
+              <a:t>07.06.2015</a:t>
             </a:fld>
             <a:endParaRPr lang="ru-RU"/>
           </a:p>
@@ -1817,7 +1817,7 @@
             <a:fld id="{CF23157E-5E3C-4926-BB70-A4F8CC6D9899}" type="datetime1">
               <a:rPr lang="ru-RU" smtClean="0"/>
               <a:pPr/>
-              <a:t>06.06.2015</a:t>
+              <a:t>07.06.2015</a:t>
             </a:fld>
             <a:endParaRPr lang="ru-RU"/>
           </a:p>
@@ -2127,7 +2127,7 @@
             <a:fld id="{8874231B-65A0-479E-9915-554DE5036CFE}" type="datetime1">
               <a:rPr lang="ru-RU" smtClean="0"/>
               <a:pPr/>
-              <a:t>06.06.2015</a:t>
+              <a:t>07.06.2015</a:t>
             </a:fld>
             <a:endParaRPr lang="ru-RU"/>
           </a:p>
@@ -2356,7 +2356,7 @@
             <a:fld id="{D3A0BB5F-E8B1-4B61-A389-241E6D21C330}" type="datetime1">
               <a:rPr lang="ru-RU" smtClean="0"/>
               <a:pPr/>
-              <a:t>06.06.2015</a:t>
+              <a:t>07.06.2015</a:t>
             </a:fld>
             <a:endParaRPr lang="ru-RU"/>
           </a:p>
@@ -2448,7 +2448,7 @@
             <a:fld id="{1EA07046-F941-4119-B1A7-15A2FE7D6BE7}" type="datetime1">
               <a:rPr lang="ru-RU" smtClean="0"/>
               <a:pPr/>
-              <a:t>06.06.2015</a:t>
+              <a:t>07.06.2015</a:t>
             </a:fld>
             <a:endParaRPr lang="ru-RU"/>
           </a:p>
@@ -2738,7 +2738,7 @@
             <a:fld id="{D7EB4620-3D8A-4934-9335-473CB7A1AC43}" type="datetime1">
               <a:rPr lang="ru-RU" smtClean="0"/>
               <a:pPr/>
-              <a:t>06.06.2015</a:t>
+              <a:t>07.06.2015</a:t>
             </a:fld>
             <a:endParaRPr lang="ru-RU"/>
           </a:p>
@@ -3009,7 +3009,7 @@
             <a:fld id="{1812D7F8-392F-419B-8334-FF9DF9925E2F}" type="datetime1">
               <a:rPr lang="ru-RU" smtClean="0"/>
               <a:pPr/>
-              <a:t>06.06.2015</a:t>
+              <a:t>07.06.2015</a:t>
             </a:fld>
             <a:endParaRPr lang="ru-RU"/>
           </a:p>
@@ -3221,7 +3221,7 @@
             <a:fld id="{CFF7BB73-DC8F-47D5-9065-CCED7C8A3619}" type="datetime1">
               <a:rPr lang="ru-RU" smtClean="0"/>
               <a:pPr/>
-              <a:t>06.06.2015</a:t>
+              <a:t>07.06.2015</a:t>
             </a:fld>
             <a:endParaRPr lang="ru-RU"/>
           </a:p>
@@ -4079,14 +4079,7 @@
                 <a:latin typeface="Arial" pitchFamily="34" charset="0"/>
                 <a:cs typeface="Arial" pitchFamily="34" charset="0"/>
               </a:rPr>
-              <a:t>	Р</a:t>
-            </a:r>
-            <a:r>
-              <a:rPr lang="ru-RU" b="1" dirty="0" smtClean="0">
-                <a:latin typeface="Arial" pitchFamily="34" charset="0"/>
-                <a:cs typeface="Arial" pitchFamily="34" charset="0"/>
-              </a:rPr>
-              <a:t>. В</a:t>
+              <a:t>	Р. В</a:t>
             </a:r>
             <a:r>
               <a:rPr lang="ru-RU" b="1" dirty="0">
@@ -4134,21 +4127,7 @@
                 <a:latin typeface="Arial" pitchFamily="34" charset="0"/>
                 <a:cs typeface="Arial" pitchFamily="34" charset="0"/>
               </a:rPr>
-              <a:t>			             </a:t>
-            </a:r>
-            <a:r>
-              <a:rPr lang="ru-RU" b="1" dirty="0" smtClean="0">
-                <a:latin typeface="Arial" pitchFamily="34" charset="0"/>
-                <a:cs typeface="Arial" pitchFamily="34" charset="0"/>
-              </a:rPr>
-              <a:t>В</a:t>
-            </a:r>
-            <a:r>
-              <a:rPr lang="ru-RU" b="1" dirty="0" smtClean="0">
-                <a:latin typeface="Arial" pitchFamily="34" charset="0"/>
-                <a:cs typeface="Arial" pitchFamily="34" charset="0"/>
-              </a:rPr>
-              <a:t>. П. </a:t>
+              <a:t>			             В. П. </a:t>
             </a:r>
             <a:r>
               <a:rPr lang="ru-RU" b="1" dirty="0" err="1" smtClean="0">
@@ -4189,21 +4168,7 @@
                 <a:latin typeface="Arial" pitchFamily="34" charset="0"/>
                 <a:cs typeface="Arial" pitchFamily="34" charset="0"/>
               </a:rPr>
-              <a:t>             </a:t>
-            </a:r>
-            <a:r>
-              <a:rPr lang="ru-RU" b="1" dirty="0" smtClean="0">
-                <a:latin typeface="Arial" pitchFamily="34" charset="0"/>
-                <a:cs typeface="Arial" pitchFamily="34" charset="0"/>
-              </a:rPr>
-              <a:t>О</a:t>
-            </a:r>
-            <a:r>
-              <a:rPr lang="ru-RU" b="1" dirty="0" smtClean="0">
-                <a:latin typeface="Arial" pitchFamily="34" charset="0"/>
-                <a:cs typeface="Arial" pitchFamily="34" charset="0"/>
-              </a:rPr>
-              <a:t>. П. Симонова</a:t>
+              <a:t>             О. П. Симонова</a:t>
             </a:r>
             <a:endParaRPr lang="ru-RU" dirty="0" smtClean="0">
               <a:latin typeface="Arial" pitchFamily="34" charset="0"/>
@@ -4284,8 +4249,8 @@
         </p:nvSpPr>
         <p:spPr>
           <a:xfrm>
-            <a:off x="4355976" y="19664"/>
-            <a:ext cx="2592288" cy="477054"/>
+            <a:off x="957313" y="-72390"/>
+            <a:ext cx="7907816" cy="477054"/>
           </a:xfrm>
           <a:prstGeom prst="rect">
             <a:avLst/>
@@ -4300,33 +4265,36 @@
           <a:p>
             <a:pPr algn="just"/>
             <a:r>
-              <a:rPr lang="ru-RU" sz="2500" b="1" i="1" dirty="0" smtClean="0">
+              <a:rPr lang="ru-RU" sz="2500" b="1" dirty="0" smtClean="0">
                 <a:solidFill>
                   <a:srgbClr val="FF0000"/>
                 </a:solidFill>
                 <a:latin typeface="Arial" pitchFamily="34" charset="0"/>
                 <a:cs typeface="Arial" pitchFamily="34" charset="0"/>
               </a:rPr>
-              <a:t>Второй этап</a:t>
-            </a:r>
-            <a:r>
-              <a:rPr lang="en-US" sz="2500" b="1" i="1" dirty="0" smtClean="0">
+              <a:t>Второй </a:t>
+            </a:r>
+            <a:r>
+              <a:rPr lang="ru-RU" sz="2500" b="1" dirty="0" smtClean="0">
                 <a:solidFill>
                   <a:srgbClr val="FF0000"/>
                 </a:solidFill>
                 <a:latin typeface="Arial" pitchFamily="34" charset="0"/>
                 <a:cs typeface="Arial" pitchFamily="34" charset="0"/>
               </a:rPr>
-              <a:t>:</a:t>
-            </a:r>
-            <a:r>
-              <a:rPr lang="ru-RU" sz="2500" dirty="0" smtClean="0">
-                <a:latin typeface="Arial" pitchFamily="34" charset="0"/>
-                <a:cs typeface="Arial" pitchFamily="34" charset="0"/>
-              </a:rPr>
-              <a:t> </a:t>
-            </a:r>
-            <a:endParaRPr lang="ru-RU" sz="2500" dirty="0">
+              <a:t>этап </a:t>
+            </a:r>
+            <a:r>
+              <a:rPr lang="ru-RU" sz="2500" b="1" dirty="0" smtClean="0">
+                <a:latin typeface="Arial" pitchFamily="34" charset="0"/>
+                <a:cs typeface="Arial" pitchFamily="34" charset="0"/>
+              </a:rPr>
+              <a:t>криптографического протокола</a:t>
+            </a:r>
+            <a:endParaRPr lang="ru-RU" sz="2500" b="1" dirty="0">
+              <a:solidFill>
+                <a:srgbClr val="FF0000"/>
+              </a:solidFill>
               <a:latin typeface="Arial" pitchFamily="34" charset="0"/>
               <a:cs typeface="Arial" pitchFamily="34" charset="0"/>
             </a:endParaRPr>
@@ -4466,8 +4434,8 @@
         </p:nvSpPr>
         <p:spPr>
           <a:xfrm>
-            <a:off x="0" y="5855588"/>
-            <a:ext cx="8879417" cy="1077218"/>
+            <a:off x="0" y="5888536"/>
+            <a:ext cx="8879417" cy="830997"/>
           </a:xfrm>
           <a:prstGeom prst="rect">
             <a:avLst/>
@@ -4489,7 +4457,17 @@
                 <a:latin typeface="Arial" pitchFamily="34" charset="0"/>
                 <a:cs typeface="Arial" pitchFamily="34" charset="0"/>
               </a:rPr>
-              <a:t>p</a:t>
+              <a:t>p, g</a:t>
+            </a:r>
+            <a:r>
+              <a:rPr lang="ru-RU" sz="1600" b="1" dirty="0" smtClean="0">
+                <a:solidFill>
+                  <a:srgbClr val="FF0000"/>
+                </a:solidFill>
+                <a:latin typeface="Arial" pitchFamily="34" charset="0"/>
+                <a:cs typeface="Arial" pitchFamily="34" charset="0"/>
+              </a:rPr>
+              <a:t> </a:t>
             </a:r>
             <a:r>
               <a:rPr lang="en-US" sz="1600" b="1" dirty="0" smtClean="0">
@@ -4499,7 +4477,28 @@
                 <a:latin typeface="Arial" pitchFamily="34" charset="0"/>
                 <a:cs typeface="Arial" pitchFamily="34" charset="0"/>
               </a:rPr>
-              <a:t>, g</a:t>
+              <a:t> </a:t>
+            </a:r>
+            <a:r>
+              <a:rPr lang="en-US" sz="1600" dirty="0" smtClean="0">
+                <a:latin typeface="Arial" pitchFamily="34" charset="0"/>
+                <a:cs typeface="Arial" pitchFamily="34" charset="0"/>
+              </a:rPr>
+              <a:t>-</a:t>
+            </a:r>
+            <a:r>
+              <a:rPr lang="ru-RU" sz="1600" dirty="0" smtClean="0">
+                <a:latin typeface="Arial" pitchFamily="34" charset="0"/>
+                <a:cs typeface="Arial" pitchFamily="34" charset="0"/>
+              </a:rPr>
+              <a:t> исходные параметры для протокола </a:t>
+            </a:r>
+            <a:r>
+              <a:rPr lang="en-US" sz="1600" dirty="0" smtClean="0">
+                <a:latin typeface="Arial" pitchFamily="34" charset="0"/>
+                <a:cs typeface="Arial" pitchFamily="34" charset="0"/>
+              </a:rPr>
+              <a:t> </a:t>
             </a:r>
             <a:r>
               <a:rPr lang="ru-RU" sz="1600" b="1" dirty="0" smtClean="0">
@@ -4509,7 +4508,14 @@
                 <a:latin typeface="Arial" pitchFamily="34" charset="0"/>
                 <a:cs typeface="Arial" pitchFamily="34" charset="0"/>
               </a:rPr>
-              <a:t> </a:t>
+              <a:t>Диффи-Хеллмана</a:t>
+            </a:r>
+            <a:r>
+              <a:rPr lang="ru-RU" sz="1600" b="1" dirty="0" smtClean="0">
+                <a:latin typeface="Arial" pitchFamily="34" charset="0"/>
+                <a:cs typeface="Arial" pitchFamily="34" charset="0"/>
+              </a:rPr>
+              <a:t>, </a:t>
             </a:r>
             <a:r>
               <a:rPr lang="en-US" sz="1600" b="1" dirty="0" smtClean="0">
@@ -4519,45 +4525,28 @@
                 <a:latin typeface="Arial" pitchFamily="34" charset="0"/>
                 <a:cs typeface="Arial" pitchFamily="34" charset="0"/>
               </a:rPr>
-              <a:t> </a:t>
+              <a:t>A </a:t>
             </a:r>
             <a:r>
               <a:rPr lang="en-US" sz="1600" dirty="0" smtClean="0">
                 <a:latin typeface="Arial" pitchFamily="34" charset="0"/>
                 <a:cs typeface="Arial" pitchFamily="34" charset="0"/>
               </a:rPr>
-              <a:t>-</a:t>
+              <a:t>–</a:t>
             </a:r>
             <a:r>
               <a:rPr lang="ru-RU" sz="1600" dirty="0" smtClean="0">
                 <a:latin typeface="Arial" pitchFamily="34" charset="0"/>
                 <a:cs typeface="Arial" pitchFamily="34" charset="0"/>
               </a:rPr>
-              <a:t> исходные параметры для протокола </a:t>
-            </a:r>
-            <a:r>
-              <a:rPr lang="en-US" sz="1600" dirty="0" smtClean="0">
-                <a:latin typeface="Arial" pitchFamily="34" charset="0"/>
-                <a:cs typeface="Arial" pitchFamily="34" charset="0"/>
-              </a:rPr>
-              <a:t> </a:t>
-            </a:r>
-            <a:r>
-              <a:rPr lang="ru-RU" sz="1600" b="1" dirty="0" smtClean="0">
-                <a:solidFill>
-                  <a:srgbClr val="FF0000"/>
-                </a:solidFill>
-                <a:latin typeface="Arial" pitchFamily="34" charset="0"/>
-                <a:cs typeface="Arial" pitchFamily="34" charset="0"/>
-              </a:rPr>
-              <a:t>Диффи-Хеллмана</a:t>
-            </a:r>
-            <a:r>
-              <a:rPr lang="ru-RU" sz="1600" b="1" dirty="0" smtClean="0">
-                <a:latin typeface="Arial" pitchFamily="34" charset="0"/>
-                <a:cs typeface="Arial" pitchFamily="34" charset="0"/>
-              </a:rPr>
-              <a:t>, </a:t>
+              <a:t> открытый </a:t>
+            </a:r>
+            <a:r>
+              <a:rPr lang="ru-RU" sz="1600" dirty="0" smtClean="0">
+                <a:latin typeface="Arial" pitchFamily="34" charset="0"/>
+                <a:cs typeface="Arial" pitchFamily="34" charset="0"/>
+              </a:rPr>
+              <a:t>ключ сервера, </a:t>
             </a:r>
             <a:r>
               <a:rPr lang="en-US" sz="1600" b="1" dirty="0" smtClean="0">
@@ -4567,28 +4556,28 @@
                 <a:latin typeface="Arial" pitchFamily="34" charset="0"/>
                 <a:cs typeface="Arial" pitchFamily="34" charset="0"/>
               </a:rPr>
-              <a:t>A </a:t>
+              <a:t>B </a:t>
             </a:r>
             <a:r>
               <a:rPr lang="en-US" sz="1600" dirty="0" smtClean="0">
                 <a:latin typeface="Arial" pitchFamily="34" charset="0"/>
                 <a:cs typeface="Arial" pitchFamily="34" charset="0"/>
               </a:rPr>
-              <a:t>–</a:t>
+              <a:t>– </a:t>
             </a:r>
             <a:r>
               <a:rPr lang="ru-RU" sz="1600" dirty="0" smtClean="0">
                 <a:latin typeface="Arial" pitchFamily="34" charset="0"/>
                 <a:cs typeface="Arial" pitchFamily="34" charset="0"/>
               </a:rPr>
-              <a:t> открытый ключи, генерирующий </a:t>
+              <a:t>открытый </a:t>
             </a:r>
             <a:r>
               <a:rPr lang="ru-RU" sz="1600" dirty="0" smtClean="0">
                 <a:latin typeface="Arial" pitchFamily="34" charset="0"/>
                 <a:cs typeface="Arial" pitchFamily="34" charset="0"/>
               </a:rPr>
-              <a:t>сервер, </a:t>
+              <a:t>ключ клиента, </a:t>
             </a:r>
             <a:r>
               <a:rPr lang="en-US" sz="1600" b="1" dirty="0" smtClean="0">
@@ -4598,28 +4587,28 @@
                 <a:latin typeface="Arial" pitchFamily="34" charset="0"/>
                 <a:cs typeface="Arial" pitchFamily="34" charset="0"/>
               </a:rPr>
-              <a:t>B </a:t>
+              <a:t>K</a:t>
             </a:r>
             <a:r>
               <a:rPr lang="en-US" sz="1600" dirty="0" smtClean="0">
                 <a:latin typeface="Arial" pitchFamily="34" charset="0"/>
                 <a:cs typeface="Arial" pitchFamily="34" charset="0"/>
               </a:rPr>
-              <a:t>– </a:t>
+              <a:t> –</a:t>
             </a:r>
             <a:r>
               <a:rPr lang="ru-RU" sz="1600" dirty="0" smtClean="0">
                 <a:latin typeface="Arial" pitchFamily="34" charset="0"/>
                 <a:cs typeface="Arial" pitchFamily="34" charset="0"/>
               </a:rPr>
-              <a:t>открытый ключ генерирующий </a:t>
+              <a:t> полученный в результате обмена сессионный </a:t>
             </a:r>
             <a:r>
               <a:rPr lang="ru-RU" sz="1600" dirty="0" smtClean="0">
                 <a:latin typeface="Arial" pitchFamily="34" charset="0"/>
                 <a:cs typeface="Arial" pitchFamily="34" charset="0"/>
               </a:rPr>
-              <a:t>клиент, </a:t>
+              <a:t>ключ, </a:t>
             </a:r>
             <a:r>
               <a:rPr lang="en-US" sz="1600" b="1" dirty="0" smtClean="0">
@@ -4629,76 +4618,21 @@
                 <a:latin typeface="Arial" pitchFamily="34" charset="0"/>
                 <a:cs typeface="Arial" pitchFamily="34" charset="0"/>
               </a:rPr>
-              <a:t>K</a:t>
+              <a:t>H</a:t>
             </a:r>
             <a:r>
               <a:rPr lang="en-US" sz="1600" dirty="0" smtClean="0">
                 <a:latin typeface="Arial" pitchFamily="34" charset="0"/>
                 <a:cs typeface="Arial" pitchFamily="34" charset="0"/>
               </a:rPr>
-              <a:t> </a:t>
-            </a:r>
-            <a:r>
-              <a:rPr lang="en-US" sz="1600" dirty="0" smtClean="0">
-                <a:latin typeface="Arial" pitchFamily="34" charset="0"/>
-                <a:cs typeface="Arial" pitchFamily="34" charset="0"/>
-              </a:rPr>
-              <a:t>–</a:t>
+              <a:t> – </a:t>
             </a:r>
             <a:r>
               <a:rPr lang="ru-RU" sz="1600" dirty="0" smtClean="0">
                 <a:latin typeface="Arial" pitchFamily="34" charset="0"/>
                 <a:cs typeface="Arial" pitchFamily="34" charset="0"/>
               </a:rPr>
-              <a:t> полученный в результате обмена сессионный ключ симметричного </a:t>
-            </a:r>
-            <a:r>
-              <a:rPr lang="ru-RU" sz="1600" dirty="0" smtClean="0">
-                <a:latin typeface="Arial" pitchFamily="34" charset="0"/>
-                <a:cs typeface="Arial" pitchFamily="34" charset="0"/>
-              </a:rPr>
-              <a:t>шифрования</a:t>
-            </a:r>
-          </a:p>
-          <a:p>
-            <a:pPr algn="ctr"/>
-            <a:r>
-              <a:rPr lang="en-US" sz="1600" b="1" dirty="0" smtClean="0">
-                <a:solidFill>
-                  <a:srgbClr val="FF0000"/>
-                </a:solidFill>
-                <a:latin typeface="Arial" pitchFamily="34" charset="0"/>
-                <a:cs typeface="Arial" pitchFamily="34" charset="0"/>
-              </a:rPr>
-              <a:t>H</a:t>
-            </a:r>
-            <a:r>
-              <a:rPr lang="en-US" sz="1600" dirty="0" smtClean="0">
-                <a:latin typeface="Arial" pitchFamily="34" charset="0"/>
-                <a:cs typeface="Arial" pitchFamily="34" charset="0"/>
-              </a:rPr>
-              <a:t> – </a:t>
-            </a:r>
-            <a:r>
-              <a:rPr lang="ru-RU" sz="1600" dirty="0" smtClean="0">
-                <a:latin typeface="Arial" pitchFamily="34" charset="0"/>
-                <a:cs typeface="Arial" pitchFamily="34" charset="0"/>
-              </a:rPr>
-              <a:t>хеш</a:t>
-            </a:r>
-            <a:r>
-              <a:rPr lang="ru-RU" sz="1600" dirty="0">
-                <a:latin typeface="Arial" pitchFamily="34" charset="0"/>
-                <a:cs typeface="Arial" pitchFamily="34" charset="0"/>
-              </a:rPr>
-              <a:t>-</a:t>
-            </a:r>
-            <a:r>
-              <a:rPr lang="ru-RU" sz="1600" dirty="0" smtClean="0">
-                <a:latin typeface="Arial" pitchFamily="34" charset="0"/>
-                <a:cs typeface="Arial" pitchFamily="34" charset="0"/>
-              </a:rPr>
-              <a:t>функция</a:t>
+              <a:t>хеш-функция</a:t>
             </a:r>
             <a:endParaRPr lang="ru-RU" sz="1600" dirty="0" smtClean="0">
               <a:latin typeface="Arial" pitchFamily="34" charset="0"/>
@@ -4709,7 +4643,7 @@
       </p:sp>
       <p:pic>
         <p:nvPicPr>
-          <p:cNvPr id="15563" name="Picture 203"/>
+          <p:cNvPr id="1029" name="Picture 5"/>
           <p:cNvPicPr>
             <a:picLocks noChangeAspect="1" noChangeArrowheads="1"/>
           </p:cNvPicPr>
@@ -4730,8 +4664,8 @@
         </p:blipFill>
         <p:spPr bwMode="auto">
           <a:xfrm>
-            <a:off x="546707" y="-12551"/>
-            <a:ext cx="8328095" cy="5900044"/>
+            <a:off x="691580" y="404664"/>
+            <a:ext cx="8063961" cy="5483872"/>
           </a:xfrm>
           <a:prstGeom prst="rect">
             <a:avLst/>
@@ -4933,9 +4867,63 @@
           </a:p>
         </p:txBody>
       </p:sp>
+      <p:sp>
+        <p:nvSpPr>
+          <p:cNvPr id="9" name="TextBox 8"/>
+          <p:cNvSpPr txBox="1"/>
+          <p:nvPr/>
+        </p:nvSpPr>
+        <p:spPr>
+          <a:xfrm>
+            <a:off x="848742" y="0"/>
+            <a:ext cx="7488832" cy="477054"/>
+          </a:xfrm>
+          <a:prstGeom prst="rect">
+            <a:avLst/>
+          </a:prstGeom>
+          <a:noFill/>
+        </p:spPr>
+        <p:txBody>
+          <a:bodyPr wrap="square" rtlCol="0">
+            <a:spAutoFit/>
+          </a:bodyPr>
+          <a:lstStyle/>
+          <a:p>
+            <a:pPr algn="just"/>
+            <a:r>
+              <a:rPr lang="ru-RU" sz="2500" b="1" dirty="0" smtClean="0">
+                <a:solidFill>
+                  <a:srgbClr val="FF0000"/>
+                </a:solidFill>
+                <a:latin typeface="Arial" pitchFamily="34" charset="0"/>
+                <a:cs typeface="Arial" pitchFamily="34" charset="0"/>
+              </a:rPr>
+              <a:t>Третий этап</a:t>
+            </a:r>
+            <a:r>
+              <a:rPr lang="ru-RU" sz="2500" b="1" dirty="0" smtClean="0">
+                <a:latin typeface="Arial" pitchFamily="34" charset="0"/>
+                <a:cs typeface="Arial" pitchFamily="34" charset="0"/>
+              </a:rPr>
+              <a:t> криптографического протокола</a:t>
+            </a:r>
+            <a:r>
+              <a:rPr lang="ru-RU" sz="2500" dirty="0" smtClean="0">
+                <a:latin typeface="Arial" pitchFamily="34" charset="0"/>
+                <a:cs typeface="Arial" pitchFamily="34" charset="0"/>
+              </a:rPr>
+              <a:t> </a:t>
+            </a:r>
+            <a:endParaRPr lang="ru-RU" sz="2500" dirty="0">
+              <a:latin typeface="Arial" pitchFamily="34" charset="0"/>
+              <a:cs typeface="Arial" pitchFamily="34" charset="0"/>
+            </a:endParaRPr>
+          </a:p>
+        </p:txBody>
+      </p:sp>
       <p:pic>
         <p:nvPicPr>
-          <p:cNvPr id="14535" name="Picture 199"/>
+          <p:cNvPr id="3074" name="Picture 2"/>
           <p:cNvPicPr>
             <a:picLocks noChangeAspect="1" noChangeArrowheads="1"/>
           </p:cNvPicPr>
@@ -4956,8 +4944,8 @@
         </p:blipFill>
         <p:spPr bwMode="auto">
           <a:xfrm>
-            <a:off x="233772" y="1201712"/>
-            <a:ext cx="8802724" cy="5097277"/>
+            <a:off x="78957" y="745826"/>
+            <a:ext cx="8986085" cy="5203454"/>
           </a:xfrm>
           <a:prstGeom prst="rect">
             <a:avLst/>
@@ -4999,14 +4987,14 @@
       </p:pic>
       <p:sp>
         <p:nvSpPr>
-          <p:cNvPr id="9" name="TextBox 8"/>
+          <p:cNvPr id="10" name="TextBox 9"/>
           <p:cNvSpPr txBox="1"/>
           <p:nvPr/>
         </p:nvSpPr>
         <p:spPr>
           <a:xfrm>
-            <a:off x="848742" y="0"/>
-            <a:ext cx="7488832" cy="477054"/>
+            <a:off x="0" y="5888536"/>
+            <a:ext cx="8879417" cy="584775"/>
           </a:xfrm>
           <a:prstGeom prst="rect">
             <a:avLst/>
@@ -5019,32 +5007,39 @@
           </a:bodyPr>
           <a:lstStyle/>
           <a:p>
-            <a:pPr algn="just"/>
-            <a:r>
-              <a:rPr lang="ru-RU" sz="2500" b="1" dirty="0" smtClean="0">
+            <a:pPr algn="ctr"/>
+            <a:r>
+              <a:rPr lang="ru-RU" sz="1600" b="1" dirty="0" smtClean="0">
                 <a:solidFill>
                   <a:srgbClr val="FF0000"/>
                 </a:solidFill>
                 <a:latin typeface="Arial" pitchFamily="34" charset="0"/>
                 <a:cs typeface="Arial" pitchFamily="34" charset="0"/>
               </a:rPr>
-              <a:t>Третий этап</a:t>
-            </a:r>
-            <a:r>
-              <a:rPr lang="ru-RU" sz="2500" b="1" dirty="0" smtClean="0">
-                <a:latin typeface="Arial" pitchFamily="34" charset="0"/>
-                <a:cs typeface="Arial" pitchFamily="34" charset="0"/>
-              </a:rPr>
-              <a:t> криптографического протокола</a:t>
-            </a:r>
-            <a:r>
-              <a:rPr lang="ru-RU" sz="2500" dirty="0" smtClean="0">
-                <a:latin typeface="Arial" pitchFamily="34" charset="0"/>
-                <a:cs typeface="Arial" pitchFamily="34" charset="0"/>
-              </a:rPr>
-              <a:t> </a:t>
-            </a:r>
-            <a:endParaRPr lang="ru-RU" sz="2500" dirty="0">
+              <a:t>Третий этап </a:t>
+            </a:r>
+            <a:r>
+              <a:rPr lang="ru-RU" sz="1600" dirty="0" smtClean="0">
+                <a:latin typeface="Arial" pitchFamily="34" charset="0"/>
+                <a:cs typeface="Arial" pitchFamily="34" charset="0"/>
+              </a:rPr>
+              <a:t>протокола предназначен для двухфакторной аутентификации пользователей по защищенному каналу </a:t>
+            </a:r>
+            <a:r>
+              <a:rPr lang="ru-RU" sz="1600" dirty="0" err="1" smtClean="0">
+                <a:latin typeface="Arial" pitchFamily="34" charset="0"/>
+                <a:cs typeface="Arial" pitchFamily="34" charset="0"/>
+              </a:rPr>
+              <a:t>свзяи</a:t>
+            </a:r>
+            <a:r>
+              <a:rPr lang="ru-RU" sz="1600" dirty="0" smtClean="0">
+                <a:latin typeface="Arial" pitchFamily="34" charset="0"/>
+                <a:cs typeface="Arial" pitchFamily="34" charset="0"/>
+              </a:rPr>
+              <a:t>  </a:t>
+            </a:r>
+            <a:endParaRPr lang="ru-RU" sz="1600" dirty="0" smtClean="0">
               <a:latin typeface="Arial" pitchFamily="34" charset="0"/>
               <a:cs typeface="Arial" pitchFamily="34" charset="0"/>
             </a:endParaRPr>
@@ -11138,17 +11133,7 @@
                 <a:latin typeface="Arial" pitchFamily="34" charset="0"/>
                 <a:cs typeface="Arial" pitchFamily="34" charset="0"/>
               </a:rPr>
-              <a:t>Требования к </a:t>
-            </a:r>
-            <a:r>
-              <a:rPr lang="ru-RU" sz="2500" b="1" u="sng" dirty="0" smtClean="0">
-                <a:solidFill>
-                  <a:srgbClr val="FF0000"/>
-                </a:solidFill>
-                <a:latin typeface="Arial" pitchFamily="34" charset="0"/>
-                <a:cs typeface="Arial" pitchFamily="34" charset="0"/>
-              </a:rPr>
-              <a:t>программной части</a:t>
+              <a:t>Требования к программной части</a:t>
             </a:r>
             <a:r>
               <a:rPr lang="en-US" sz="2500" b="1" u="sng" dirty="0" smtClean="0">
@@ -11201,19 +11186,8 @@
                 <a:latin typeface="Arial" pitchFamily="34" charset="0"/>
                 <a:cs typeface="Arial" pitchFamily="34" charset="0"/>
               </a:rPr>
-              <a:t>применять </a:t>
-            </a:r>
-            <a:r>
-              <a:rPr lang="ru-RU" sz="2000" dirty="0" smtClean="0">
-                <a:latin typeface="Arial" pitchFamily="34" charset="0"/>
-                <a:cs typeface="Arial" pitchFamily="34" charset="0"/>
-              </a:rPr>
-              <a:t>российские криптографические стандарты</a:t>
-            </a:r>
-            <a:endParaRPr lang="ru-RU" sz="2000" dirty="0" smtClean="0">
-              <a:latin typeface="Arial" pitchFamily="34" charset="0"/>
-              <a:cs typeface="Arial" pitchFamily="34" charset="0"/>
-            </a:endParaRPr>
+              <a:t>применять российские криптографические стандарты</a:t>
+            </a:r>
           </a:p>
           <a:p>
             <a:pPr marL="342900" indent="-342900">
@@ -11256,14 +11230,7 @@
                 <a:latin typeface="Arial" pitchFamily="34" charset="0"/>
                 <a:cs typeface="Arial" pitchFamily="34" charset="0"/>
               </a:rPr>
-              <a:t>криптографический протокол </a:t>
-            </a:r>
-            <a:r>
-              <a:rPr lang="ru-RU" sz="2000" dirty="0" smtClean="0">
-                <a:latin typeface="Arial" pitchFamily="34" charset="0"/>
-                <a:cs typeface="Arial" pitchFamily="34" charset="0"/>
-              </a:rPr>
-              <a:t>должен содержать необходимый для данной задачи функционал </a:t>
+              <a:t>криптографический протокол должен содержать необходимый для данной задачи функционал </a:t>
             </a:r>
             <a:endParaRPr lang="en-US" sz="2000" dirty="0">
               <a:latin typeface="Arial" pitchFamily="34" charset="0"/>
@@ -11589,14 +11556,7 @@
                 <a:latin typeface="Arial" pitchFamily="34" charset="0"/>
                 <a:cs typeface="Arial" pitchFamily="34" charset="0"/>
               </a:rPr>
-              <a:t>разработать приложение для </a:t>
-            </a:r>
-            <a:r>
-              <a:rPr lang="ru-RU" sz="2400" dirty="0" smtClean="0">
-                <a:latin typeface="Arial" pitchFamily="34" charset="0"/>
-                <a:cs typeface="Arial" pitchFamily="34" charset="0"/>
-              </a:rPr>
-              <a:t>тестирования</a:t>
+              <a:t>разработать приложение для тестирования</a:t>
             </a:r>
           </a:p>
           <a:p>
@@ -11619,14 +11579,7 @@
                 <a:latin typeface="Arial" pitchFamily="34" charset="0"/>
                 <a:cs typeface="Arial" pitchFamily="34" charset="0"/>
               </a:rPr>
-              <a:t>написать </a:t>
-            </a:r>
-            <a:r>
-              <a:rPr lang="ru-RU" sz="2400" dirty="0" smtClean="0">
-                <a:latin typeface="Arial" pitchFamily="34" charset="0"/>
-                <a:cs typeface="Arial" pitchFamily="34" charset="0"/>
-              </a:rPr>
-              <a:t>документ, описывающий интерфейс доступа к программной части.</a:t>
+              <a:t>написать документ, описывающий интерфейс доступа к программной части.</a:t>
             </a:r>
             <a:endParaRPr lang="ru-RU" sz="2400" dirty="0">
               <a:latin typeface="Arial" pitchFamily="34" charset="0"/>
@@ -11884,11 +11837,7 @@
             <a:pPr algn="ctr"/>
             <a:r>
               <a:rPr lang="ru-RU" dirty="0" smtClean="0"/>
-              <a:t>(встраиваемая </a:t>
-            </a:r>
-            <a:r>
-              <a:rPr lang="ru-RU" dirty="0" smtClean="0"/>
-              <a:t>система)</a:t>
+              <a:t>(встраиваемая система)</a:t>
             </a:r>
             <a:endParaRPr lang="ru-RU" dirty="0"/>
           </a:p>
@@ -12322,11 +12271,7 @@
             <a:pPr algn="ctr"/>
             <a:r>
               <a:rPr lang="ru-RU" sz="2000" dirty="0" smtClean="0"/>
-              <a:t>открытый канал </a:t>
-            </a:r>
-            <a:r>
-              <a:rPr lang="ru-RU" sz="2000" dirty="0" smtClean="0"/>
-              <a:t>связи</a:t>
+              <a:t>открытый канал связи</a:t>
             </a:r>
             <a:endParaRPr lang="ru-RU" sz="2000" dirty="0"/>
           </a:p>
@@ -13346,17 +13291,7 @@
                 <a:latin typeface="Arial" pitchFamily="34" charset="0"/>
                 <a:cs typeface="Arial" pitchFamily="34" charset="0"/>
               </a:rPr>
-              <a:t>У</a:t>
-            </a:r>
-            <a:r>
-              <a:rPr lang="ru-RU" sz="2500" b="1" dirty="0" smtClean="0">
-                <a:solidFill>
-                  <a:srgbClr val="FF0000"/>
-                </a:solidFill>
-                <a:latin typeface="Arial" pitchFamily="34" charset="0"/>
-                <a:cs typeface="Arial" pitchFamily="34" charset="0"/>
-              </a:rPr>
-              <a:t>грозы,</a:t>
+              <a:t>Угрозы,</a:t>
             </a:r>
             <a:r>
               <a:rPr lang="ru-RU" sz="2500" b="1" dirty="0" smtClean="0">
@@ -13662,17 +13597,7 @@
                           <a:latin typeface="Arial" pitchFamily="34" charset="0"/>
                           <a:cs typeface="Arial" pitchFamily="34" charset="0"/>
                         </a:rPr>
-                        <a:t>Перехват и анализ </a:t>
-                      </a:r>
-                      <a:r>
-                        <a:rPr lang="ru-RU" sz="1800" dirty="0" smtClean="0">
-                          <a:solidFill>
-                            <a:sysClr val="windowText" lastClr="000000"/>
-                          </a:solidFill>
-                          <a:latin typeface="Arial" pitchFamily="34" charset="0"/>
-                          <a:cs typeface="Arial" pitchFamily="34" charset="0"/>
-                        </a:rPr>
-                        <a:t>сетевого трафика</a:t>
+                        <a:t>Перехват и анализ сетевого трафика</a:t>
                       </a:r>
                       <a:endParaRPr lang="ru-RU" sz="1800" dirty="0">
                         <a:solidFill>
@@ -13749,17 +13674,7 @@
                           <a:latin typeface="Arial" pitchFamily="34" charset="0"/>
                           <a:cs typeface="Arial" pitchFamily="34" charset="0"/>
                         </a:rPr>
-                        <a:t> </a:t>
-                      </a:r>
-                      <a:r>
-                        <a:rPr lang="ru-RU" sz="1800" baseline="0" dirty="0" smtClean="0">
-                          <a:solidFill>
-                            <a:sysClr val="windowText" lastClr="000000"/>
-                          </a:solidFill>
-                          <a:latin typeface="Arial" pitchFamily="34" charset="0"/>
-                          <a:cs typeface="Arial" pitchFamily="34" charset="0"/>
-                        </a:rPr>
-                        <a:t>шифрования </a:t>
+                        <a:t> шифрования </a:t>
                       </a:r>
                     </a:p>
                     <a:p>
@@ -14154,37 +14069,7 @@
                           <a:latin typeface="Arial" pitchFamily="34" charset="0"/>
                           <a:cs typeface="Arial" pitchFamily="34" charset="0"/>
                         </a:rPr>
-                        <a:t>Подмена доверенного объекта сети и передача </a:t>
-                      </a:r>
-                      <a:r>
-                        <a:rPr lang="ru-RU" sz="1800" dirty="0" smtClean="0">
-                          <a:solidFill>
-                            <a:sysClr val="windowText" lastClr="000000"/>
-                          </a:solidFill>
-                          <a:latin typeface="Arial" pitchFamily="34" charset="0"/>
-                          <a:cs typeface="Arial" pitchFamily="34" charset="0"/>
-                        </a:rPr>
-                        <a:t>сообщений </a:t>
-                      </a:r>
-                      <a:r>
-                        <a:rPr lang="ru-RU" sz="1800" dirty="0" smtClean="0">
-                          <a:solidFill>
-                            <a:sysClr val="windowText" lastClr="000000"/>
-                          </a:solidFill>
-                          <a:latin typeface="Arial" pitchFamily="34" charset="0"/>
-                          <a:cs typeface="Arial" pitchFamily="34" charset="0"/>
-                        </a:rPr>
-                        <a:t>от его имени с </a:t>
-                      </a:r>
-                      <a:r>
-                        <a:rPr lang="ru-RU" sz="1800" dirty="0" smtClean="0">
-                          <a:solidFill>
-                            <a:sysClr val="windowText" lastClr="000000"/>
-                          </a:solidFill>
-                          <a:latin typeface="Arial" pitchFamily="34" charset="0"/>
-                          <a:cs typeface="Arial" pitchFamily="34" charset="0"/>
-                        </a:rPr>
-                        <a:t>присвоением</a:t>
+                        <a:t>Подмена доверенного объекта сети и передача сообщений от его имени с присвоением</a:t>
                       </a:r>
                       <a:r>
                         <a:rPr lang="ru-RU" sz="1800" baseline="0" dirty="0" smtClean="0">
@@ -14281,17 +14166,7 @@
                           <a:latin typeface="Arial" pitchFamily="34" charset="0"/>
                           <a:cs typeface="Arial" pitchFamily="34" charset="0"/>
                         </a:rPr>
-                        <a:t> описанные  в </a:t>
-                      </a:r>
-                      <a:r>
-                        <a:rPr lang="ru-RU" sz="1800" baseline="0" dirty="0" smtClean="0">
-                          <a:solidFill>
-                            <a:sysClr val="windowText" lastClr="000000"/>
-                          </a:solidFill>
-                          <a:latin typeface="Arial" pitchFamily="34" charset="0"/>
-                          <a:cs typeface="Arial" pitchFamily="34" charset="0"/>
-                        </a:rPr>
-                        <a:t>стандарте </a:t>
+                        <a:t> описанные  в стандарте </a:t>
                       </a:r>
                       <a:r>
                         <a:rPr lang="en-US" sz="1800" b="1" baseline="0" dirty="0" smtClean="0">
@@ -14645,17 +14520,7 @@
                           <a:latin typeface="Arial" pitchFamily="34" charset="0"/>
                           <a:cs typeface="Arial" pitchFamily="34" charset="0"/>
                         </a:rPr>
-                        <a:t>Вся программная </a:t>
-                      </a:r>
-                      <a:r>
-                        <a:rPr lang="ru-RU" sz="1800" dirty="0" smtClean="0">
-                          <a:solidFill>
-                            <a:sysClr val="windowText" lastClr="000000"/>
-                          </a:solidFill>
-                          <a:latin typeface="Arial" pitchFamily="34" charset="0"/>
-                          <a:cs typeface="Arial" pitchFamily="34" charset="0"/>
-                        </a:rPr>
-                        <a:t>часть</a:t>
+                        <a:t>Вся программная часть</a:t>
                       </a:r>
                     </a:p>
                     <a:p>
@@ -15147,21 +15012,7 @@
                 <a:latin typeface="Arial" pitchFamily="34" charset="0"/>
                 <a:cs typeface="Arial" pitchFamily="34" charset="0"/>
               </a:rPr>
-              <a:t>описанн</a:t>
-            </a:r>
-            <a:r>
-              <a:rPr lang="ru-RU" sz="2500" b="1" dirty="0" smtClean="0">
-                <a:latin typeface="Arial" pitchFamily="34" charset="0"/>
-                <a:cs typeface="Arial" pitchFamily="34" charset="0"/>
-              </a:rPr>
-              <a:t>ых</a:t>
-            </a:r>
-            <a:r>
-              <a:rPr lang="ru-RU" sz="2500" b="1" dirty="0" smtClean="0">
-                <a:latin typeface="Arial" pitchFamily="34" charset="0"/>
-                <a:cs typeface="Arial" pitchFamily="34" charset="0"/>
-              </a:rPr>
-              <a:t> в</a:t>
+              <a:t>описанных в</a:t>
             </a:r>
             <a:r>
               <a:rPr lang="en-US" sz="2500" b="1" dirty="0" smtClean="0">
@@ -17180,14 +17031,7 @@
                 <a:latin typeface="Arial" pitchFamily="34" charset="0"/>
                 <a:cs typeface="Arial" pitchFamily="34" charset="0"/>
               </a:rPr>
-              <a:t>протокола </a:t>
-            </a:r>
-            <a:r>
-              <a:rPr lang="ru-RU" sz="2800" b="1" dirty="0" smtClean="0">
-                <a:latin typeface="Arial" pitchFamily="34" charset="0"/>
-                <a:cs typeface="Arial" pitchFamily="34" charset="0"/>
-              </a:rPr>
-              <a:t>двухфакторной аутентификации</a:t>
+              <a:t>протокола двухфакторной аутентификации</a:t>
             </a:r>
             <a:endParaRPr lang="ru-RU" sz="2800" b="1" dirty="0">
               <a:latin typeface="Arial" pitchFamily="34" charset="0"/>
@@ -17512,17 +17356,7 @@
                 <a:latin typeface="Arial" pitchFamily="34" charset="0"/>
                 <a:cs typeface="Arial" pitchFamily="34" charset="0"/>
               </a:rPr>
-              <a:t>Первый </a:t>
-            </a:r>
-            <a:r>
-              <a:rPr lang="ru-RU" sz="2500" b="1" dirty="0" smtClean="0">
-                <a:solidFill>
-                  <a:srgbClr val="FF0000"/>
-                </a:solidFill>
-                <a:latin typeface="Arial" pitchFamily="34" charset="0"/>
-                <a:cs typeface="Arial" pitchFamily="34" charset="0"/>
-              </a:rPr>
-              <a:t>этап</a:t>
+              <a:t>Первый этап</a:t>
             </a:r>
             <a:r>
               <a:rPr lang="ru-RU" sz="2500" b="1" dirty="0">
@@ -17560,7 +17394,7 @@
         </p:nvSpPr>
         <p:spPr>
           <a:xfrm>
-            <a:off x="-11411" y="5995669"/>
+            <a:off x="197768" y="5995669"/>
             <a:ext cx="8748464" cy="646331"/>
           </a:xfrm>
           <a:prstGeom prst="rect">
@@ -17580,14 +17414,7 @@
                 <a:latin typeface="Arial" pitchFamily="34" charset="0"/>
                 <a:cs typeface="Arial" pitchFamily="34" charset="0"/>
               </a:rPr>
-              <a:t>Для </a:t>
-            </a:r>
-            <a:r>
-              <a:rPr lang="ru-RU" dirty="0" smtClean="0">
-                <a:latin typeface="Arial" pitchFamily="34" charset="0"/>
-                <a:cs typeface="Arial" pitchFamily="34" charset="0"/>
-              </a:rPr>
-              <a:t>обеспечения целостности и защиты от фальсификации передаваемого сообщения </a:t>
+              <a:t>Для обеспечения целостности и защиты от фальсификации передаваемого сообщения </a:t>
             </a:r>
             <a:r>
               <a:rPr lang="ru-RU" dirty="0">
@@ -17803,7 +17630,7 @@
       </p:sp>
       <p:pic>
         <p:nvPicPr>
-          <p:cNvPr id="16578" name="Picture 194"/>
+          <p:cNvPr id="2051" name="Picture 3"/>
           <p:cNvPicPr>
             <a:picLocks noChangeAspect="1" noChangeArrowheads="1"/>
           </p:cNvPicPr>
@@ -17824,8 +17651,8 @@
         </p:blipFill>
         <p:spPr bwMode="auto">
           <a:xfrm>
-            <a:off x="1269926" y="473834"/>
-            <a:ext cx="7200800" cy="5521835"/>
+            <a:off x="1187624" y="473834"/>
+            <a:ext cx="6336704" cy="5098069"/>
           </a:xfrm>
           <a:prstGeom prst="rect">
             <a:avLst/>

--- a/ВКР (выпускная квалификационная работа)/MP-49_Ivanov_Roman_present.pptx
+++ b/ВКР (выпускная квалификационная работа)/MP-49_Ivanov_Roman_present.pptx
@@ -4272,17 +4272,7 @@
                 <a:latin typeface="Arial" pitchFamily="34" charset="0"/>
                 <a:cs typeface="Arial" pitchFamily="34" charset="0"/>
               </a:rPr>
-              <a:t>Второй </a:t>
-            </a:r>
-            <a:r>
-              <a:rPr lang="ru-RU" sz="2500" b="1" dirty="0" smtClean="0">
-                <a:solidFill>
-                  <a:srgbClr val="FF0000"/>
-                </a:solidFill>
-                <a:latin typeface="Arial" pitchFamily="34" charset="0"/>
-                <a:cs typeface="Arial" pitchFamily="34" charset="0"/>
-              </a:rPr>
-              <a:t>этап </a:t>
+              <a:t>Второй этап </a:t>
             </a:r>
             <a:r>
               <a:rPr lang="ru-RU" sz="2500" b="1" dirty="0" smtClean="0">
@@ -4434,7 +4424,7 @@
         </p:nvSpPr>
         <p:spPr>
           <a:xfrm>
-            <a:off x="0" y="5888536"/>
+            <a:off x="-14288" y="6002600"/>
             <a:ext cx="8879417" cy="830997"/>
           </a:xfrm>
           <a:prstGeom prst="rect">
@@ -4539,14 +4529,7 @@
                 <a:latin typeface="Arial" pitchFamily="34" charset="0"/>
                 <a:cs typeface="Arial" pitchFamily="34" charset="0"/>
               </a:rPr>
-              <a:t> открытый </a:t>
-            </a:r>
-            <a:r>
-              <a:rPr lang="ru-RU" sz="1600" dirty="0" smtClean="0">
-                <a:latin typeface="Arial" pitchFamily="34" charset="0"/>
-                <a:cs typeface="Arial" pitchFamily="34" charset="0"/>
-              </a:rPr>
-              <a:t>ключ сервера, </a:t>
+              <a:t> открытый ключ сервера, </a:t>
             </a:r>
             <a:r>
               <a:rPr lang="en-US" sz="1600" b="1" dirty="0" smtClean="0">
@@ -4570,14 +4553,7 @@
                 <a:latin typeface="Arial" pitchFamily="34" charset="0"/>
                 <a:cs typeface="Arial" pitchFamily="34" charset="0"/>
               </a:rPr>
-              <a:t>открытый </a:t>
-            </a:r>
-            <a:r>
-              <a:rPr lang="ru-RU" sz="1600" dirty="0" smtClean="0">
-                <a:latin typeface="Arial" pitchFamily="34" charset="0"/>
-                <a:cs typeface="Arial" pitchFamily="34" charset="0"/>
-              </a:rPr>
-              <a:t>ключ клиента, </a:t>
+              <a:t>открытый ключ клиента, </a:t>
             </a:r>
             <a:r>
               <a:rPr lang="en-US" sz="1600" b="1" dirty="0" smtClean="0">
@@ -4601,14 +4577,7 @@
                 <a:latin typeface="Arial" pitchFamily="34" charset="0"/>
                 <a:cs typeface="Arial" pitchFamily="34" charset="0"/>
               </a:rPr>
-              <a:t> полученный в результате обмена сессионный </a:t>
-            </a:r>
-            <a:r>
-              <a:rPr lang="ru-RU" sz="1600" dirty="0" smtClean="0">
-                <a:latin typeface="Arial" pitchFamily="34" charset="0"/>
-                <a:cs typeface="Arial" pitchFamily="34" charset="0"/>
-              </a:rPr>
-              <a:t>ключ, </a:t>
+              <a:t> полученный в результате обмена сессионный ключ, </a:t>
             </a:r>
             <a:r>
               <a:rPr lang="en-US" sz="1600" b="1" dirty="0" smtClean="0">
@@ -4634,16 +4603,12 @@
               </a:rPr>
               <a:t>хеш-функция</a:t>
             </a:r>
-            <a:endParaRPr lang="ru-RU" sz="1600" dirty="0" smtClean="0">
-              <a:latin typeface="Arial" pitchFamily="34" charset="0"/>
-              <a:cs typeface="Arial" pitchFamily="34" charset="0"/>
-            </a:endParaRPr>
           </a:p>
         </p:txBody>
       </p:sp>
       <p:pic>
         <p:nvPicPr>
-          <p:cNvPr id="1029" name="Picture 5"/>
+          <p:cNvPr id="1027" name="Picture 3"/>
           <p:cNvPicPr>
             <a:picLocks noChangeAspect="1" noChangeArrowheads="1"/>
           </p:cNvPicPr>
@@ -4664,8 +4629,8 @@
         </p:blipFill>
         <p:spPr bwMode="auto">
           <a:xfrm>
-            <a:off x="691580" y="404664"/>
-            <a:ext cx="8063961" cy="5483872"/>
+            <a:off x="599272" y="404664"/>
+            <a:ext cx="8362243" cy="5686718"/>
           </a:xfrm>
           <a:prstGeom prst="rect">
             <a:avLst/>
@@ -5023,26 +4988,8 @@
                 <a:latin typeface="Arial" pitchFamily="34" charset="0"/>
                 <a:cs typeface="Arial" pitchFamily="34" charset="0"/>
               </a:rPr>
-              <a:t>протокола предназначен для двухфакторной аутентификации пользователей по защищенному каналу </a:t>
-            </a:r>
-            <a:r>
-              <a:rPr lang="ru-RU" sz="1600" dirty="0" err="1" smtClean="0">
-                <a:latin typeface="Arial" pitchFamily="34" charset="0"/>
-                <a:cs typeface="Arial" pitchFamily="34" charset="0"/>
-              </a:rPr>
-              <a:t>свзяи</a:t>
-            </a:r>
-            <a:r>
-              <a:rPr lang="ru-RU" sz="1600" dirty="0" smtClean="0">
-                <a:latin typeface="Arial" pitchFamily="34" charset="0"/>
-                <a:cs typeface="Arial" pitchFamily="34" charset="0"/>
-              </a:rPr>
-              <a:t>  </a:t>
-            </a:r>
-            <a:endParaRPr lang="ru-RU" sz="1600" dirty="0" smtClean="0">
-              <a:latin typeface="Arial" pitchFamily="34" charset="0"/>
-              <a:cs typeface="Arial" pitchFamily="34" charset="0"/>
-            </a:endParaRPr>
+              <a:t>протокола предназначен для двухфакторной аутентификации пользователей по защищенному каналу связи  </a:t>
+            </a:r>
           </a:p>
         </p:txBody>
       </p:sp>
@@ -5091,8 +5038,8 @@
         </p:nvSpPr>
         <p:spPr>
           <a:xfrm>
-            <a:off x="753445" y="0"/>
-            <a:ext cx="7776864" cy="584775"/>
+            <a:off x="-108520" y="0"/>
+            <a:ext cx="9361040" cy="477054"/>
           </a:xfrm>
           <a:prstGeom prst="rect">
             <a:avLst/>
@@ -5107,14 +5054,21 @@
           <a:p>
             <a:pPr algn="ctr"/>
             <a:r>
-              <a:rPr lang="ru-RU" sz="3200" b="1" dirty="0" smtClean="0">
-                <a:latin typeface="Arial" pitchFamily="34" charset="0"/>
-                <a:cs typeface="Arial" pitchFamily="34" charset="0"/>
-              </a:rPr>
-              <a:t>Алгоритм </a:t>
-            </a:r>
-            <a:r>
-              <a:rPr lang="ru-RU" sz="3200" b="1" dirty="0" smtClean="0">
+              <a:rPr lang="ru-RU" sz="2500" b="1" dirty="0" smtClean="0">
+                <a:latin typeface="Arial" pitchFamily="34" charset="0"/>
+                <a:cs typeface="Arial" pitchFamily="34" charset="0"/>
+              </a:rPr>
+              <a:t>Реализация </a:t>
+            </a:r>
+            <a:r>
+              <a:rPr lang="ru-RU" sz="2500" b="1" dirty="0" smtClean="0">
+                <a:latin typeface="Arial" pitchFamily="34" charset="0"/>
+                <a:cs typeface="Arial" pitchFamily="34" charset="0"/>
+              </a:rPr>
+              <a:t>алгоритма </a:t>
+            </a:r>
+            <a:r>
+              <a:rPr lang="ru-RU" sz="2500" b="1" dirty="0" smtClean="0">
                 <a:solidFill>
                   <a:srgbClr val="FF0000"/>
                 </a:solidFill>
@@ -5123,7 +5077,7 @@
               </a:rPr>
               <a:t>ГОСТ 28147-89</a:t>
             </a:r>
-            <a:endParaRPr lang="ru-RU" sz="3200" b="1" dirty="0">
+            <a:endParaRPr lang="ru-RU" sz="2500" b="1" dirty="0">
               <a:solidFill>
                 <a:srgbClr val="FF0000"/>
               </a:solidFill>
@@ -5141,8 +5095,8 @@
         </p:nvSpPr>
         <p:spPr>
           <a:xfrm>
-            <a:off x="159633" y="5562078"/>
-            <a:ext cx="8964488" cy="1246495"/>
+            <a:off x="159633" y="6038368"/>
+            <a:ext cx="8964488" cy="400110"/>
           </a:xfrm>
           <a:prstGeom prst="rect">
             <a:avLst/>
@@ -5157,47 +5111,33 @@
           <a:p>
             <a:pPr algn="ctr"/>
             <a:r>
-              <a:rPr lang="ru-RU" sz="2500" dirty="0" smtClean="0">
-                <a:latin typeface="Arial" pitchFamily="34" charset="0"/>
-                <a:cs typeface="Arial" pitchFamily="34" charset="0"/>
-              </a:rPr>
-              <a:t>Результат тестирования алгоритма симметричного шифрования </a:t>
-            </a:r>
-            <a:r>
-              <a:rPr lang="ru-RU" sz="2500" b="1" dirty="0" smtClean="0">
+              <a:rPr lang="ru-RU" sz="2000" b="1" dirty="0" smtClean="0">
                 <a:solidFill>
                   <a:srgbClr val="FF0000"/>
                 </a:solidFill>
                 <a:latin typeface="Arial" pitchFamily="34" charset="0"/>
                 <a:cs typeface="Arial" pitchFamily="34" charset="0"/>
               </a:rPr>
-              <a:t>ГОСТ28147-89.</a:t>
-            </a:r>
-            <a:r>
-              <a:rPr lang="ru-RU" sz="2500" dirty="0" smtClean="0">
-                <a:latin typeface="Arial" pitchFamily="34" charset="0"/>
-                <a:cs typeface="Arial" pitchFamily="34" charset="0"/>
-              </a:rPr>
-              <a:t> </a:t>
-            </a:r>
-            <a:r>
-              <a:rPr lang="ru-RU" sz="2500" b="1" dirty="0" smtClean="0">
+              <a:t>Вектор </a:t>
+            </a:r>
+            <a:r>
+              <a:rPr lang="ru-RU" sz="2000" b="1" dirty="0" smtClean="0">
                 <a:solidFill>
                   <a:srgbClr val="FF0000"/>
                 </a:solidFill>
                 <a:latin typeface="Arial" pitchFamily="34" charset="0"/>
                 <a:cs typeface="Arial" pitchFamily="34" charset="0"/>
               </a:rPr>
-              <a:t>Вектор инициализации </a:t>
-            </a:r>
-            <a:r>
-              <a:rPr lang="ru-RU" sz="2500" dirty="0" smtClean="0">
-                <a:latin typeface="Arial" pitchFamily="34" charset="0"/>
-                <a:cs typeface="Arial" pitchFamily="34" charset="0"/>
-              </a:rPr>
-              <a:t>считывается из файла.</a:t>
-            </a:r>
-            <a:endParaRPr lang="ru-RU" sz="2500" dirty="0" smtClean="0">
+              <a:t>инициализации </a:t>
+            </a:r>
+            <a:r>
+              <a:rPr lang="ru-RU" sz="2000" dirty="0" smtClean="0">
+                <a:latin typeface="Arial" pitchFamily="34" charset="0"/>
+                <a:cs typeface="Arial" pitchFamily="34" charset="0"/>
+              </a:rPr>
+              <a:t>считывается из файла</a:t>
+            </a:r>
+            <a:endParaRPr lang="ru-RU" sz="2000" dirty="0" smtClean="0">
               <a:solidFill>
                 <a:srgbClr val="FF0000"/>
               </a:solidFill>
@@ -5215,7 +5155,7 @@
         </p:nvSpPr>
         <p:spPr>
           <a:xfrm>
-            <a:off x="456168" y="5015011"/>
+            <a:off x="462954" y="5669036"/>
             <a:ext cx="8426405" cy="369332"/>
           </a:xfrm>
           <a:prstGeom prst="rect">
@@ -5235,7 +5175,14 @@
                 <a:latin typeface="Arial" pitchFamily="34" charset="0"/>
                 <a:cs typeface="Arial" pitchFamily="34" charset="0"/>
               </a:rPr>
-              <a:t>Приложение тестирования. Тестирование алгоритма </a:t>
+              <a:t>Приложение тестирования. </a:t>
+            </a:r>
+            <a:r>
+              <a:rPr lang="ru-RU" dirty="0" smtClean="0">
+                <a:latin typeface="Arial" pitchFamily="34" charset="0"/>
+                <a:cs typeface="Arial" pitchFamily="34" charset="0"/>
+              </a:rPr>
+              <a:t>Реализация алгоритма </a:t>
             </a:r>
             <a:r>
               <a:rPr lang="ru-RU" b="1" dirty="0" smtClean="0">
@@ -5280,7 +5227,7 @@
         </p:blipFill>
         <p:spPr bwMode="auto">
           <a:xfrm>
-            <a:off x="417432" y="614863"/>
+            <a:off x="376523" y="1378083"/>
             <a:ext cx="8448890" cy="4283574"/>
           </a:xfrm>
           <a:prstGeom prst="rect">
@@ -5337,11 +5284,591 @@
           <a:lstStyle/>
           <a:p>
             <a:fld id="{B19B0651-EE4F-4900-A07F-96A6BFA9D0F0}" type="slidenum">
-              <a:rPr lang="ru-RU" smtClean="0"/>
+              <a:rPr lang="ru-RU" sz="2000" smtClean="0"/>
               <a:pPr/>
               <a:t>12</a:t>
             </a:fld>
+            <a:endParaRPr lang="ru-RU" sz="2000" dirty="0"/>
+          </a:p>
+        </p:txBody>
+      </p:sp>
+      <p:sp>
+        <p:nvSpPr>
+          <p:cNvPr id="5" name="Прямоугольник 4"/>
+          <p:cNvSpPr/>
+          <p:nvPr/>
+        </p:nvSpPr>
+        <p:spPr>
+          <a:xfrm>
+            <a:off x="311434" y="2282031"/>
+            <a:ext cx="2559150" cy="1584176"/>
+          </a:xfrm>
+          <a:prstGeom prst="rect">
+            <a:avLst/>
+          </a:prstGeom>
+          <a:noFill/>
+          <a:ln>
+            <a:solidFill>
+              <a:srgbClr val="FF0000"/>
+            </a:solidFill>
+            <a:prstDash val="lgDash"/>
+          </a:ln>
+        </p:spPr>
+        <p:style>
+          <a:lnRef idx="2">
+            <a:schemeClr val="accent1">
+              <a:shade val="50000"/>
+            </a:schemeClr>
+          </a:lnRef>
+          <a:fillRef idx="1">
+            <a:schemeClr val="accent1"/>
+          </a:fillRef>
+          <a:effectRef idx="0">
+            <a:schemeClr val="accent1"/>
+          </a:effectRef>
+          <a:fontRef idx="minor">
+            <a:schemeClr val="lt1"/>
+          </a:fontRef>
+        </p:style>
+        <p:txBody>
+          <a:bodyPr rtlCol="0" anchor="ctr"/>
+          <a:lstStyle/>
+          <a:p>
+            <a:pPr algn="ctr"/>
             <a:endParaRPr lang="ru-RU"/>
+          </a:p>
+        </p:txBody>
+      </p:sp>
+      <p:sp>
+        <p:nvSpPr>
+          <p:cNvPr id="12" name="Прямоугольник 11"/>
+          <p:cNvSpPr/>
+          <p:nvPr/>
+        </p:nvSpPr>
+        <p:spPr>
+          <a:xfrm>
+            <a:off x="2510631" y="4009628"/>
+            <a:ext cx="2559150" cy="306894"/>
+          </a:xfrm>
+          <a:prstGeom prst="rect">
+            <a:avLst/>
+          </a:prstGeom>
+          <a:noFill/>
+          <a:ln>
+            <a:solidFill>
+              <a:srgbClr val="FF0000"/>
+            </a:solidFill>
+            <a:prstDash val="lgDash"/>
+          </a:ln>
+        </p:spPr>
+        <p:style>
+          <a:lnRef idx="2">
+            <a:schemeClr val="accent1">
+              <a:shade val="50000"/>
+            </a:schemeClr>
+          </a:lnRef>
+          <a:fillRef idx="1">
+            <a:schemeClr val="accent1"/>
+          </a:fillRef>
+          <a:effectRef idx="0">
+            <a:schemeClr val="accent1"/>
+          </a:effectRef>
+          <a:fontRef idx="minor">
+            <a:schemeClr val="lt1"/>
+          </a:fontRef>
+        </p:style>
+        <p:txBody>
+          <a:bodyPr rtlCol="0" anchor="ctr"/>
+          <a:lstStyle/>
+          <a:p>
+            <a:pPr algn="ctr"/>
+            <a:endParaRPr lang="ru-RU"/>
+          </a:p>
+        </p:txBody>
+      </p:sp>
+      <p:sp>
+        <p:nvSpPr>
+          <p:cNvPr id="13" name="Прямоугольник 12"/>
+          <p:cNvSpPr/>
+          <p:nvPr/>
+        </p:nvSpPr>
+        <p:spPr>
+          <a:xfrm>
+            <a:off x="2510631" y="4797152"/>
+            <a:ext cx="2559150" cy="306894"/>
+          </a:xfrm>
+          <a:prstGeom prst="rect">
+            <a:avLst/>
+          </a:prstGeom>
+          <a:noFill/>
+          <a:ln>
+            <a:solidFill>
+              <a:srgbClr val="FF0000"/>
+            </a:solidFill>
+            <a:prstDash val="lgDash"/>
+          </a:ln>
+        </p:spPr>
+        <p:style>
+          <a:lnRef idx="2">
+            <a:schemeClr val="accent1">
+              <a:shade val="50000"/>
+            </a:schemeClr>
+          </a:lnRef>
+          <a:fillRef idx="1">
+            <a:schemeClr val="accent1"/>
+          </a:fillRef>
+          <a:effectRef idx="0">
+            <a:schemeClr val="accent1"/>
+          </a:effectRef>
+          <a:fontRef idx="minor">
+            <a:schemeClr val="lt1"/>
+          </a:fontRef>
+        </p:style>
+        <p:txBody>
+          <a:bodyPr rtlCol="0" anchor="ctr"/>
+          <a:lstStyle/>
+          <a:p>
+            <a:pPr algn="ctr"/>
+            <a:endParaRPr lang="ru-RU"/>
+          </a:p>
+        </p:txBody>
+      </p:sp>
+      <p:sp>
+        <p:nvSpPr>
+          <p:cNvPr id="15" name="Прямоугольник 14"/>
+          <p:cNvSpPr/>
+          <p:nvPr/>
+        </p:nvSpPr>
+        <p:spPr>
+          <a:xfrm>
+            <a:off x="2510631" y="5104046"/>
+            <a:ext cx="2559150" cy="306894"/>
+          </a:xfrm>
+          <a:prstGeom prst="rect">
+            <a:avLst/>
+          </a:prstGeom>
+          <a:noFill/>
+          <a:ln>
+            <a:solidFill>
+              <a:srgbClr val="FF0000"/>
+            </a:solidFill>
+            <a:prstDash val="lgDash"/>
+          </a:ln>
+        </p:spPr>
+        <p:style>
+          <a:lnRef idx="2">
+            <a:schemeClr val="accent1">
+              <a:shade val="50000"/>
+            </a:schemeClr>
+          </a:lnRef>
+          <a:fillRef idx="1">
+            <a:schemeClr val="accent1"/>
+          </a:fillRef>
+          <a:effectRef idx="0">
+            <a:schemeClr val="accent1"/>
+          </a:effectRef>
+          <a:fontRef idx="minor">
+            <a:schemeClr val="lt1"/>
+          </a:fontRef>
+        </p:style>
+        <p:txBody>
+          <a:bodyPr rtlCol="0" anchor="ctr"/>
+          <a:lstStyle/>
+          <a:p>
+            <a:pPr algn="ctr"/>
+            <a:endParaRPr lang="ru-RU"/>
+          </a:p>
+        </p:txBody>
+      </p:sp>
+      <p:sp>
+        <p:nvSpPr>
+          <p:cNvPr id="18" name="Прямоугольник 17"/>
+          <p:cNvSpPr/>
+          <p:nvPr/>
+        </p:nvSpPr>
+        <p:spPr>
+          <a:xfrm>
+            <a:off x="376522" y="4316522"/>
+            <a:ext cx="8371941" cy="480630"/>
+          </a:xfrm>
+          <a:prstGeom prst="rect">
+            <a:avLst/>
+          </a:prstGeom>
+          <a:noFill/>
+          <a:ln>
+            <a:solidFill>
+              <a:srgbClr val="FF0000"/>
+            </a:solidFill>
+            <a:prstDash val="lgDash"/>
+          </a:ln>
+        </p:spPr>
+        <p:style>
+          <a:lnRef idx="2">
+            <a:schemeClr val="accent1">
+              <a:shade val="50000"/>
+            </a:schemeClr>
+          </a:lnRef>
+          <a:fillRef idx="1">
+            <a:schemeClr val="accent1"/>
+          </a:fillRef>
+          <a:effectRef idx="0">
+            <a:schemeClr val="accent1"/>
+          </a:effectRef>
+          <a:fontRef idx="minor">
+            <a:schemeClr val="lt1"/>
+          </a:fontRef>
+        </p:style>
+        <p:txBody>
+          <a:bodyPr rtlCol="0" anchor="ctr"/>
+          <a:lstStyle/>
+          <a:p>
+            <a:pPr algn="ctr"/>
+            <a:endParaRPr lang="ru-RU"/>
+          </a:p>
+        </p:txBody>
+      </p:sp>
+      <p:sp>
+        <p:nvSpPr>
+          <p:cNvPr id="20" name="Выноска 2 (без границы) 19"/>
+          <p:cNvSpPr/>
+          <p:nvPr/>
+        </p:nvSpPr>
+        <p:spPr>
+          <a:xfrm>
+            <a:off x="428674" y="833187"/>
+            <a:ext cx="2952328" cy="349814"/>
+          </a:xfrm>
+          <a:prstGeom prst="callout2">
+            <a:avLst>
+              <a:gd name="adj1" fmla="val 95235"/>
+              <a:gd name="adj2" fmla="val 88794"/>
+              <a:gd name="adj3" fmla="val 97108"/>
+              <a:gd name="adj4" fmla="val 29487"/>
+              <a:gd name="adj5" fmla="val 407559"/>
+              <a:gd name="adj6" fmla="val 23747"/>
+            </a:avLst>
+          </a:prstGeom>
+          <a:noFill/>
+          <a:ln>
+            <a:solidFill>
+              <a:srgbClr val="7030A0"/>
+            </a:solidFill>
+          </a:ln>
+        </p:spPr>
+        <p:style>
+          <a:lnRef idx="2">
+            <a:schemeClr val="accent1">
+              <a:shade val="50000"/>
+            </a:schemeClr>
+          </a:lnRef>
+          <a:fillRef idx="1">
+            <a:schemeClr val="accent1"/>
+          </a:fillRef>
+          <a:effectRef idx="0">
+            <a:schemeClr val="accent1"/>
+          </a:effectRef>
+          <a:fontRef idx="minor">
+            <a:schemeClr val="lt1"/>
+          </a:fontRef>
+        </p:style>
+        <p:txBody>
+          <a:bodyPr rtlCol="0" anchor="ctr"/>
+          <a:lstStyle/>
+          <a:p>
+            <a:pPr algn="ctr"/>
+            <a:r>
+              <a:rPr lang="ru-RU" dirty="0" smtClean="0">
+                <a:solidFill>
+                  <a:schemeClr val="tx1"/>
+                </a:solidFill>
+                <a:latin typeface="Arial" pitchFamily="34" charset="0"/>
+                <a:cs typeface="Arial" pitchFamily="34" charset="0"/>
+              </a:rPr>
+              <a:t>Вектор инициализации</a:t>
+            </a:r>
+            <a:endParaRPr lang="ru-RU" dirty="0">
+              <a:solidFill>
+                <a:schemeClr val="tx1"/>
+              </a:solidFill>
+              <a:latin typeface="Arial" pitchFamily="34" charset="0"/>
+              <a:cs typeface="Arial" pitchFamily="34" charset="0"/>
+            </a:endParaRPr>
+          </a:p>
+        </p:txBody>
+      </p:sp>
+      <p:sp>
+        <p:nvSpPr>
+          <p:cNvPr id="21" name="Выноска 2 (без границы) 20"/>
+          <p:cNvSpPr/>
+          <p:nvPr/>
+        </p:nvSpPr>
+        <p:spPr>
+          <a:xfrm>
+            <a:off x="3209723" y="846473"/>
+            <a:ext cx="2864308" cy="342038"/>
+          </a:xfrm>
+          <a:prstGeom prst="callout2">
+            <a:avLst>
+              <a:gd name="adj1" fmla="val 99412"/>
+              <a:gd name="adj2" fmla="val 89702"/>
+              <a:gd name="adj3" fmla="val 101285"/>
+              <a:gd name="adj4" fmla="val 8679"/>
+              <a:gd name="adj5" fmla="val 915966"/>
+              <a:gd name="adj6" fmla="val 8957"/>
+            </a:avLst>
+          </a:prstGeom>
+          <a:noFill/>
+          <a:ln>
+            <a:solidFill>
+              <a:srgbClr val="7030A0"/>
+            </a:solidFill>
+          </a:ln>
+        </p:spPr>
+        <p:style>
+          <a:lnRef idx="2">
+            <a:schemeClr val="accent1">
+              <a:shade val="50000"/>
+            </a:schemeClr>
+          </a:lnRef>
+          <a:fillRef idx="1">
+            <a:schemeClr val="accent1"/>
+          </a:fillRef>
+          <a:effectRef idx="0">
+            <a:schemeClr val="accent1"/>
+          </a:effectRef>
+          <a:fontRef idx="minor">
+            <a:schemeClr val="lt1"/>
+          </a:fontRef>
+        </p:style>
+        <p:txBody>
+          <a:bodyPr rtlCol="0" anchor="ctr"/>
+          <a:lstStyle/>
+          <a:p>
+            <a:pPr algn="ctr"/>
+            <a:r>
+              <a:rPr lang="ru-RU" dirty="0" smtClean="0">
+                <a:solidFill>
+                  <a:schemeClr val="tx1"/>
+                </a:solidFill>
+                <a:latin typeface="Arial" pitchFamily="34" charset="0"/>
+                <a:cs typeface="Arial" pitchFamily="34" charset="0"/>
+              </a:rPr>
+              <a:t>Тестовые данные 8 байт</a:t>
+            </a:r>
+            <a:endParaRPr lang="ru-RU" dirty="0">
+              <a:solidFill>
+                <a:schemeClr val="tx1"/>
+              </a:solidFill>
+              <a:latin typeface="Arial" pitchFamily="34" charset="0"/>
+              <a:cs typeface="Arial" pitchFamily="34" charset="0"/>
+            </a:endParaRPr>
+          </a:p>
+        </p:txBody>
+      </p:sp>
+      <p:sp>
+        <p:nvSpPr>
+          <p:cNvPr id="22" name="Выноска 2 (без границы) 21"/>
+          <p:cNvSpPr/>
+          <p:nvPr/>
+        </p:nvSpPr>
+        <p:spPr>
+          <a:xfrm>
+            <a:off x="5984839" y="835047"/>
+            <a:ext cx="3228380" cy="342038"/>
+          </a:xfrm>
+          <a:prstGeom prst="callout2">
+            <a:avLst>
+              <a:gd name="adj1" fmla="val 99412"/>
+              <a:gd name="adj2" fmla="val 96177"/>
+              <a:gd name="adj3" fmla="val 97108"/>
+              <a:gd name="adj4" fmla="val 6916"/>
+              <a:gd name="adj5" fmla="val 1013433"/>
+              <a:gd name="adj6" fmla="val -13037"/>
+            </a:avLst>
+          </a:prstGeom>
+          <a:noFill/>
+          <a:ln>
+            <a:solidFill>
+              <a:srgbClr val="7030A0"/>
+            </a:solidFill>
+          </a:ln>
+        </p:spPr>
+        <p:style>
+          <a:lnRef idx="2">
+            <a:schemeClr val="accent1">
+              <a:shade val="50000"/>
+            </a:schemeClr>
+          </a:lnRef>
+          <a:fillRef idx="1">
+            <a:schemeClr val="accent1"/>
+          </a:fillRef>
+          <a:effectRef idx="0">
+            <a:schemeClr val="accent1"/>
+          </a:effectRef>
+          <a:fontRef idx="minor">
+            <a:schemeClr val="lt1"/>
+          </a:fontRef>
+        </p:style>
+        <p:txBody>
+          <a:bodyPr rtlCol="0" anchor="ctr"/>
+          <a:lstStyle/>
+          <a:p>
+            <a:pPr algn="ctr"/>
+            <a:r>
+              <a:rPr lang="ru-RU" dirty="0" smtClean="0">
+                <a:solidFill>
+                  <a:schemeClr val="tx1"/>
+                </a:solidFill>
+                <a:latin typeface="Arial" pitchFamily="34" charset="0"/>
+                <a:cs typeface="Arial" pitchFamily="34" charset="0"/>
+              </a:rPr>
+              <a:t>Ключ шифрования 256 бит</a:t>
+            </a:r>
+            <a:endParaRPr lang="ru-RU" dirty="0">
+              <a:solidFill>
+                <a:schemeClr val="tx1"/>
+              </a:solidFill>
+              <a:latin typeface="Arial" pitchFamily="34" charset="0"/>
+              <a:cs typeface="Arial" pitchFamily="34" charset="0"/>
+            </a:endParaRPr>
+          </a:p>
+        </p:txBody>
+      </p:sp>
+      <p:sp>
+        <p:nvSpPr>
+          <p:cNvPr id="23" name="Выноска 2 (без границы) 22"/>
+          <p:cNvSpPr/>
+          <p:nvPr/>
+        </p:nvSpPr>
+        <p:spPr>
+          <a:xfrm>
+            <a:off x="3163469" y="493009"/>
+            <a:ext cx="2874997" cy="342038"/>
+          </a:xfrm>
+          <a:prstGeom prst="callout2">
+            <a:avLst>
+              <a:gd name="adj1" fmla="val 99412"/>
+              <a:gd name="adj2" fmla="val 97505"/>
+              <a:gd name="adj3" fmla="val 101285"/>
+              <a:gd name="adj4" fmla="val 5633"/>
+              <a:gd name="adj5" fmla="val 1262672"/>
+              <a:gd name="adj6" fmla="val -14266"/>
+            </a:avLst>
+          </a:prstGeom>
+          <a:noFill/>
+          <a:ln>
+            <a:solidFill>
+              <a:srgbClr val="7030A0"/>
+            </a:solidFill>
+          </a:ln>
+        </p:spPr>
+        <p:style>
+          <a:lnRef idx="2">
+            <a:schemeClr val="accent1">
+              <a:shade val="50000"/>
+            </a:schemeClr>
+          </a:lnRef>
+          <a:fillRef idx="1">
+            <a:schemeClr val="accent1"/>
+          </a:fillRef>
+          <a:effectRef idx="0">
+            <a:schemeClr val="accent1"/>
+          </a:effectRef>
+          <a:fontRef idx="minor">
+            <a:schemeClr val="lt1"/>
+          </a:fontRef>
+        </p:style>
+        <p:txBody>
+          <a:bodyPr rtlCol="0" anchor="ctr"/>
+          <a:lstStyle/>
+          <a:p>
+            <a:pPr algn="ctr"/>
+            <a:r>
+              <a:rPr lang="ru-RU" dirty="0" smtClean="0">
+                <a:solidFill>
+                  <a:schemeClr val="tx1"/>
+                </a:solidFill>
+                <a:latin typeface="Arial" pitchFamily="34" charset="0"/>
+                <a:cs typeface="Arial" pitchFamily="34" charset="0"/>
+              </a:rPr>
+              <a:t>Зашифрованные данные</a:t>
+            </a:r>
+            <a:endParaRPr lang="ru-RU" dirty="0">
+              <a:solidFill>
+                <a:schemeClr val="tx1"/>
+              </a:solidFill>
+              <a:latin typeface="Arial" pitchFamily="34" charset="0"/>
+              <a:cs typeface="Arial" pitchFamily="34" charset="0"/>
+            </a:endParaRPr>
+          </a:p>
+        </p:txBody>
+      </p:sp>
+      <p:sp>
+        <p:nvSpPr>
+          <p:cNvPr id="24" name="Выноска 2 (без границы) 23"/>
+          <p:cNvSpPr/>
+          <p:nvPr/>
+        </p:nvSpPr>
+        <p:spPr>
+          <a:xfrm>
+            <a:off x="5968630" y="491149"/>
+            <a:ext cx="3175370" cy="342038"/>
+          </a:xfrm>
+          <a:prstGeom prst="callout2">
+            <a:avLst>
+              <a:gd name="adj1" fmla="val 99412"/>
+              <a:gd name="adj2" fmla="val 97505"/>
+              <a:gd name="adj3" fmla="val 101285"/>
+              <a:gd name="adj4" fmla="val 5136"/>
+              <a:gd name="adj5" fmla="val 1386595"/>
+              <a:gd name="adj6" fmla="val -91439"/>
+            </a:avLst>
+          </a:prstGeom>
+          <a:noFill/>
+          <a:ln>
+            <a:solidFill>
+              <a:srgbClr val="7030A0"/>
+            </a:solidFill>
+          </a:ln>
+        </p:spPr>
+        <p:style>
+          <a:lnRef idx="2">
+            <a:schemeClr val="accent1">
+              <a:shade val="50000"/>
+            </a:schemeClr>
+          </a:lnRef>
+          <a:fillRef idx="1">
+            <a:schemeClr val="accent1"/>
+          </a:fillRef>
+          <a:effectRef idx="0">
+            <a:schemeClr val="accent1"/>
+          </a:effectRef>
+          <a:fontRef idx="minor">
+            <a:schemeClr val="lt1"/>
+          </a:fontRef>
+        </p:style>
+        <p:txBody>
+          <a:bodyPr rtlCol="0" anchor="ctr"/>
+          <a:lstStyle/>
+          <a:p>
+            <a:pPr algn="ctr"/>
+            <a:r>
+              <a:rPr lang="ru-RU" dirty="0" smtClean="0">
+                <a:solidFill>
+                  <a:schemeClr val="tx1"/>
+                </a:solidFill>
+                <a:latin typeface="Arial" pitchFamily="34" charset="0"/>
+                <a:cs typeface="Arial" pitchFamily="34" charset="0"/>
+              </a:rPr>
+              <a:t>Дешифрованные данные</a:t>
+            </a:r>
+            <a:endParaRPr lang="ru-RU" dirty="0">
+              <a:solidFill>
+                <a:schemeClr val="tx1"/>
+              </a:solidFill>
+              <a:latin typeface="Arial" pitchFamily="34" charset="0"/>
+              <a:cs typeface="Arial" pitchFamily="34" charset="0"/>
+            </a:endParaRPr>
           </a:p>
         </p:txBody>
       </p:sp>
@@ -5410,7 +5937,7 @@
                 <a:latin typeface="Arial" pitchFamily="34" charset="0"/>
                 <a:cs typeface="Arial" pitchFamily="34" charset="0"/>
               </a:rPr>
-              <a:t>Параметры </a:t>
+              <a:t>Реализация</a:t>
             </a:r>
             <a:r>
               <a:rPr lang="ru-RU" sz="3200" b="1" dirty="0" smtClean="0">
@@ -5420,17 +5947,7 @@
                 <a:latin typeface="Arial" pitchFamily="34" charset="0"/>
                 <a:cs typeface="Arial" pitchFamily="34" charset="0"/>
               </a:rPr>
-              <a:t>протокола </a:t>
-            </a:r>
-            <a:r>
-              <a:rPr lang="ru-RU" sz="3200" b="1" dirty="0" err="1" smtClean="0">
-                <a:solidFill>
-                  <a:srgbClr val="FF0000"/>
-                </a:solidFill>
-                <a:latin typeface="Arial" pitchFamily="34" charset="0"/>
-                <a:cs typeface="Arial" pitchFamily="34" charset="0"/>
-              </a:rPr>
-              <a:t>Диффи-Хеллмана</a:t>
+              <a:t> протокола Диффи-Хеллмана</a:t>
             </a:r>
             <a:endParaRPr lang="ru-RU" sz="3200" b="1" dirty="0">
               <a:solidFill>
@@ -5439,214 +5956,6 @@
               <a:latin typeface="Arial" pitchFamily="34" charset="0"/>
               <a:cs typeface="Arial" pitchFamily="34" charset="0"/>
             </a:endParaRPr>
-          </a:p>
-        </p:txBody>
-      </p:sp>
-      <p:sp>
-        <p:nvSpPr>
-          <p:cNvPr id="6" name="TextBox 5"/>
-          <p:cNvSpPr txBox="1"/>
-          <p:nvPr/>
-        </p:nvSpPr>
-        <p:spPr>
-          <a:xfrm>
-            <a:off x="355239" y="4194522"/>
-            <a:ext cx="8519614" cy="1938992"/>
-          </a:xfrm>
-          <a:prstGeom prst="rect">
-            <a:avLst/>
-          </a:prstGeom>
-          <a:noFill/>
-        </p:spPr>
-        <p:txBody>
-          <a:bodyPr wrap="square" rtlCol="0">
-            <a:spAutoFit/>
-          </a:bodyPr>
-          <a:lstStyle/>
-          <a:p>
-            <a:pPr algn="ctr"/>
-            <a:r>
-              <a:rPr lang="ru-RU" sz="2000" dirty="0" smtClean="0">
-                <a:latin typeface="Arial" pitchFamily="34" charset="0"/>
-                <a:cs typeface="Arial" pitchFamily="34" charset="0"/>
-              </a:rPr>
-              <a:t> Параметры </a:t>
-            </a:r>
-            <a:r>
-              <a:rPr lang="en-US" sz="2000" b="1" dirty="0" smtClean="0">
-                <a:solidFill>
-                  <a:srgbClr val="FF0000"/>
-                </a:solidFill>
-                <a:latin typeface="Arial" pitchFamily="34" charset="0"/>
-                <a:cs typeface="Arial" pitchFamily="34" charset="0"/>
-              </a:rPr>
-              <a:t>P,</a:t>
-            </a:r>
-            <a:r>
-              <a:rPr lang="ru-RU" sz="2000" b="1" dirty="0" smtClean="0">
-                <a:solidFill>
-                  <a:srgbClr val="FF0000"/>
-                </a:solidFill>
-                <a:latin typeface="Arial" pitchFamily="34" charset="0"/>
-                <a:cs typeface="Arial" pitchFamily="34" charset="0"/>
-              </a:rPr>
-              <a:t> </a:t>
-            </a:r>
-            <a:r>
-              <a:rPr lang="en-US" sz="2000" b="1" dirty="0" smtClean="0">
-                <a:solidFill>
-                  <a:srgbClr val="FF0000"/>
-                </a:solidFill>
-                <a:latin typeface="Arial" pitchFamily="34" charset="0"/>
-                <a:cs typeface="Arial" pitchFamily="34" charset="0"/>
-              </a:rPr>
-              <a:t>Q </a:t>
-            </a:r>
-            <a:r>
-              <a:rPr lang="en-US" sz="2000" dirty="0" smtClean="0">
-                <a:latin typeface="Arial" pitchFamily="34" charset="0"/>
-                <a:cs typeface="Arial" pitchFamily="34" charset="0"/>
-              </a:rPr>
-              <a:t>-</a:t>
-            </a:r>
-            <a:r>
-              <a:rPr lang="ru-RU" sz="2000" dirty="0" smtClean="0">
-                <a:latin typeface="Arial" pitchFamily="34" charset="0"/>
-                <a:cs typeface="Arial" pitchFamily="34" charset="0"/>
-              </a:rPr>
-              <a:t> исходные параметры для протокола </a:t>
-            </a:r>
-          </a:p>
-          <a:p>
-            <a:pPr algn="ctr"/>
-            <a:r>
-              <a:rPr lang="ru-RU" sz="2000" b="1" dirty="0" err="1" smtClean="0">
-                <a:solidFill>
-                  <a:srgbClr val="FF0000"/>
-                </a:solidFill>
-                <a:latin typeface="Arial" pitchFamily="34" charset="0"/>
-                <a:cs typeface="Arial" pitchFamily="34" charset="0"/>
-              </a:rPr>
-              <a:t>Диффи-Хеллмана</a:t>
-            </a:r>
-            <a:endParaRPr lang="ru-RU" sz="2000" b="1" dirty="0">
-              <a:solidFill>
-                <a:srgbClr val="FF0000"/>
-              </a:solidFill>
-              <a:latin typeface="Arial" pitchFamily="34" charset="0"/>
-              <a:cs typeface="Arial" pitchFamily="34" charset="0"/>
-            </a:endParaRPr>
-          </a:p>
-          <a:p>
-            <a:pPr algn="ctr"/>
-            <a:r>
-              <a:rPr lang="ru-RU" sz="2000" b="1" dirty="0" smtClean="0">
-                <a:solidFill>
-                  <a:srgbClr val="FF0000"/>
-                </a:solidFill>
-                <a:latin typeface="Arial" pitchFamily="34" charset="0"/>
-                <a:cs typeface="Arial" pitchFamily="34" charset="0"/>
-              </a:rPr>
-              <a:t>    </a:t>
-            </a:r>
-            <a:r>
-              <a:rPr lang="en-US" sz="2000" b="1" dirty="0" smtClean="0">
-                <a:solidFill>
-                  <a:srgbClr val="FF0000"/>
-                </a:solidFill>
-                <a:latin typeface="Arial" pitchFamily="34" charset="0"/>
-                <a:cs typeface="Arial" pitchFamily="34" charset="0"/>
-              </a:rPr>
-              <a:t>Public key A </a:t>
-            </a:r>
-            <a:r>
-              <a:rPr lang="en-US" sz="2000" dirty="0" smtClean="0">
-                <a:latin typeface="Arial" pitchFamily="34" charset="0"/>
-                <a:cs typeface="Arial" pitchFamily="34" charset="0"/>
-              </a:rPr>
-              <a:t>–</a:t>
-            </a:r>
-            <a:r>
-              <a:rPr lang="ru-RU" sz="2000" dirty="0" smtClean="0">
-                <a:latin typeface="Arial" pitchFamily="34" charset="0"/>
-                <a:cs typeface="Arial" pitchFamily="34" charset="0"/>
-              </a:rPr>
-              <a:t> открытый ключи, генерирующий сервер</a:t>
-            </a:r>
-          </a:p>
-          <a:p>
-            <a:pPr algn="ctr"/>
-            <a:r>
-              <a:rPr lang="ru-RU" sz="2000" b="1" dirty="0" smtClean="0">
-                <a:solidFill>
-                  <a:srgbClr val="FF0000"/>
-                </a:solidFill>
-                <a:latin typeface="Arial" pitchFamily="34" charset="0"/>
-                <a:cs typeface="Arial" pitchFamily="34" charset="0"/>
-              </a:rPr>
-              <a:t> </a:t>
-            </a:r>
-            <a:r>
-              <a:rPr lang="en-US" sz="2000" b="1" dirty="0" smtClean="0">
-                <a:solidFill>
-                  <a:srgbClr val="FF0000"/>
-                </a:solidFill>
-                <a:latin typeface="Arial" pitchFamily="34" charset="0"/>
-                <a:cs typeface="Arial" pitchFamily="34" charset="0"/>
-              </a:rPr>
-              <a:t>Public key B </a:t>
-            </a:r>
-            <a:r>
-              <a:rPr lang="en-US" sz="2000" dirty="0" smtClean="0">
-                <a:latin typeface="Arial" pitchFamily="34" charset="0"/>
-                <a:cs typeface="Arial" pitchFamily="34" charset="0"/>
-              </a:rPr>
-              <a:t>– </a:t>
-            </a:r>
-            <a:r>
-              <a:rPr lang="ru-RU" sz="2000" dirty="0" smtClean="0">
-                <a:latin typeface="Arial" pitchFamily="34" charset="0"/>
-                <a:cs typeface="Arial" pitchFamily="34" charset="0"/>
-              </a:rPr>
-              <a:t>открытый ключ генерирующий клиент</a:t>
-            </a:r>
-          </a:p>
-          <a:p>
-            <a:pPr algn="ctr"/>
-            <a:r>
-              <a:rPr lang="ru-RU" sz="2000" b="1" dirty="0" smtClean="0">
-                <a:solidFill>
-                  <a:srgbClr val="FF0000"/>
-                </a:solidFill>
-                <a:latin typeface="Arial" pitchFamily="34" charset="0"/>
-                <a:cs typeface="Arial" pitchFamily="34" charset="0"/>
-              </a:rPr>
-              <a:t>     </a:t>
-            </a:r>
-            <a:r>
-              <a:rPr lang="en-US" sz="2000" b="1" dirty="0" smtClean="0">
-                <a:solidFill>
-                  <a:srgbClr val="FF0000"/>
-                </a:solidFill>
-                <a:latin typeface="Arial" pitchFamily="34" charset="0"/>
-                <a:cs typeface="Arial" pitchFamily="34" charset="0"/>
-              </a:rPr>
-              <a:t>K</a:t>
-            </a:r>
-            <a:r>
-              <a:rPr lang="en-US" sz="2000" dirty="0" smtClean="0">
-                <a:latin typeface="Arial" pitchFamily="34" charset="0"/>
-                <a:cs typeface="Arial" pitchFamily="34" charset="0"/>
-              </a:rPr>
-              <a:t> –</a:t>
-            </a:r>
-            <a:r>
-              <a:rPr lang="ru-RU" sz="2000" dirty="0" smtClean="0">
-                <a:latin typeface="Arial" pitchFamily="34" charset="0"/>
-                <a:cs typeface="Arial" pitchFamily="34" charset="0"/>
-              </a:rPr>
-              <a:t> полученный в результате обмена сессионный ключ симметричного шифрования</a:t>
-            </a:r>
           </a:p>
         </p:txBody>
       </p:sp>
@@ -5730,15 +6039,20 @@
         </p:blipFill>
         <p:spPr bwMode="auto">
           <a:xfrm>
-            <a:off x="272793" y="908720"/>
+            <a:off x="239715" y="1785049"/>
             <a:ext cx="8662153" cy="2626936"/>
           </a:xfrm>
           <a:prstGeom prst="rect">
             <a:avLst/>
           </a:prstGeom>
           <a:noFill/>
-          <a:ln>
-            <a:noFill/>
+          <a:ln w="9525">
+            <a:solidFill>
+              <a:schemeClr val="tx1"/>
+            </a:solidFill>
+            <a:miter lim="800000"/>
+            <a:headEnd/>
+            <a:tailEnd/>
           </a:ln>
           <a:effectLst/>
           <a:extLst>
@@ -5748,16 +6062,6 @@
                   <a:schemeClr val="accent1"/>
                 </a:solidFill>
               </a14:hiddenFill>
-            </a:ext>
-            <a:ext uri="{91240B29-F687-4F45-9708-019B960494DF}">
-              <a14:hiddenLine xmlns:a14="http://schemas.microsoft.com/office/drawing/2010/main" w="9525">
-                <a:solidFill>
-                  <a:schemeClr val="tx1"/>
-                </a:solidFill>
-                <a:miter lim="800000"/>
-                <a:headEnd/>
-                <a:tailEnd/>
-              </a14:hiddenLine>
             </a:ext>
             <a:ext uri="{AF507438-7753-43E0-B8FC-AC1667EBCBE1}">
               <a14:hiddenEffects xmlns:a14="http://schemas.microsoft.com/office/drawing/2010/main">
@@ -5779,7 +6083,7 @@
         </p:nvSpPr>
         <p:spPr>
           <a:xfrm>
-            <a:off x="344063" y="3535656"/>
+            <a:off x="223972" y="5728696"/>
             <a:ext cx="8340652" cy="646331"/>
           </a:xfrm>
           <a:prstGeom prst="rect">
@@ -5799,7 +6103,24 @@
                 <a:latin typeface="Arial" pitchFamily="34" charset="0"/>
                 <a:cs typeface="Arial" pitchFamily="34" charset="0"/>
               </a:rPr>
-              <a:t>Рис 9. Приложение для тестирования криптографических алгоритмов. Тестирование протокола обмена ключами</a:t>
+              <a:t>Приложение тестирования. </a:t>
+            </a:r>
+            <a:r>
+              <a:rPr lang="ru-RU" dirty="0" smtClean="0">
+                <a:latin typeface="Arial" pitchFamily="34" charset="0"/>
+                <a:cs typeface="Arial" pitchFamily="34" charset="0"/>
+              </a:rPr>
+              <a:t>Выработка сессионного ключа симметричного шифрования </a:t>
+            </a:r>
+            <a:r>
+              <a:rPr lang="ru-RU" b="1" dirty="0" smtClean="0">
+                <a:solidFill>
+                  <a:srgbClr val="FF0000"/>
+                </a:solidFill>
+                <a:latin typeface="Arial" pitchFamily="34" charset="0"/>
+                <a:cs typeface="Arial" pitchFamily="34" charset="0"/>
+              </a:rPr>
+              <a:t>ГОСТ 28147-89</a:t>
             </a:r>
             <a:endParaRPr lang="ru-RU" b="1" dirty="0">
               <a:solidFill>
@@ -5827,11 +6148,908 @@
           <a:lstStyle/>
           <a:p>
             <a:fld id="{B19B0651-EE4F-4900-A07F-96A6BFA9D0F0}" type="slidenum">
-              <a:rPr lang="ru-RU" smtClean="0"/>
+              <a:rPr lang="ru-RU" sz="2000" smtClean="0"/>
               <a:pPr/>
               <a:t>13</a:t>
             </a:fld>
+            <a:endParaRPr lang="ru-RU" sz="2000"/>
+          </a:p>
+        </p:txBody>
+      </p:sp>
+      <p:sp>
+        <p:nvSpPr>
+          <p:cNvPr id="2" name="Прямоугольник 1"/>
+          <p:cNvSpPr/>
+          <p:nvPr/>
+        </p:nvSpPr>
+        <p:spPr>
+          <a:xfrm>
+            <a:off x="239715" y="2060848"/>
+            <a:ext cx="8662153" cy="445683"/>
+          </a:xfrm>
+          <a:prstGeom prst="rect">
+            <a:avLst/>
+          </a:prstGeom>
+          <a:noFill/>
+          <a:ln>
+            <a:solidFill>
+              <a:srgbClr val="FF0000"/>
+            </a:solidFill>
+            <a:prstDash val="lgDash"/>
+          </a:ln>
+        </p:spPr>
+        <p:style>
+          <a:lnRef idx="2">
+            <a:schemeClr val="accent1">
+              <a:shade val="50000"/>
+            </a:schemeClr>
+          </a:lnRef>
+          <a:fillRef idx="1">
+            <a:schemeClr val="accent1"/>
+          </a:fillRef>
+          <a:effectRef idx="0">
+            <a:schemeClr val="accent1"/>
+          </a:effectRef>
+          <a:fontRef idx="minor">
+            <a:schemeClr val="lt1"/>
+          </a:fontRef>
+        </p:style>
+        <p:txBody>
+          <a:bodyPr rtlCol="0" anchor="ctr"/>
+          <a:lstStyle/>
+          <a:p>
+            <a:pPr algn="ctr"/>
             <a:endParaRPr lang="ru-RU"/>
+          </a:p>
+        </p:txBody>
+      </p:sp>
+      <p:sp>
+        <p:nvSpPr>
+          <p:cNvPr id="9" name="Выноска 2 (без границы) 8"/>
+          <p:cNvSpPr/>
+          <p:nvPr/>
+        </p:nvSpPr>
+        <p:spPr>
+          <a:xfrm>
+            <a:off x="0" y="659373"/>
+            <a:ext cx="3888891" cy="342038"/>
+          </a:xfrm>
+          <a:prstGeom prst="callout2">
+            <a:avLst>
+              <a:gd name="adj1" fmla="val 99412"/>
+              <a:gd name="adj2" fmla="val 68374"/>
+              <a:gd name="adj3" fmla="val 101287"/>
+              <a:gd name="adj4" fmla="val 34263"/>
+              <a:gd name="adj5" fmla="val 399390"/>
+              <a:gd name="adj6" fmla="val 20229"/>
+            </a:avLst>
+          </a:prstGeom>
+          <a:noFill/>
+          <a:ln>
+            <a:solidFill>
+              <a:srgbClr val="7030A0"/>
+            </a:solidFill>
+          </a:ln>
+        </p:spPr>
+        <p:style>
+          <a:lnRef idx="2">
+            <a:schemeClr val="accent1">
+              <a:shade val="50000"/>
+            </a:schemeClr>
+          </a:lnRef>
+          <a:fillRef idx="1">
+            <a:schemeClr val="accent1"/>
+          </a:fillRef>
+          <a:effectRef idx="0">
+            <a:schemeClr val="accent1"/>
+          </a:effectRef>
+          <a:fontRef idx="minor">
+            <a:schemeClr val="lt1"/>
+          </a:fontRef>
+        </p:style>
+        <p:txBody>
+          <a:bodyPr rtlCol="0" anchor="ctr"/>
+          <a:lstStyle/>
+          <a:p>
+            <a:pPr algn="ctr"/>
+            <a:r>
+              <a:rPr lang="ru-RU" dirty="0" smtClean="0">
+                <a:solidFill>
+                  <a:schemeClr val="tx1"/>
+                </a:solidFill>
+                <a:latin typeface="Arial" pitchFamily="34" charset="0"/>
+                <a:cs typeface="Arial" pitchFamily="34" charset="0"/>
+              </a:rPr>
+              <a:t>Параметр </a:t>
+            </a:r>
+            <a:r>
+              <a:rPr lang="en-US" b="1" i="1" dirty="0" smtClean="0">
+                <a:solidFill>
+                  <a:srgbClr val="FF0000"/>
+                </a:solidFill>
+                <a:latin typeface="Arial" pitchFamily="34" charset="0"/>
+                <a:cs typeface="Arial" pitchFamily="34" charset="0"/>
+              </a:rPr>
+              <a:t>p</a:t>
+            </a:r>
+            <a:endParaRPr lang="ru-RU" b="1" i="1" dirty="0">
+              <a:solidFill>
+                <a:srgbClr val="FF0000"/>
+              </a:solidFill>
+              <a:latin typeface="Arial" pitchFamily="34" charset="0"/>
+              <a:cs typeface="Arial" pitchFamily="34" charset="0"/>
+            </a:endParaRPr>
+          </a:p>
+        </p:txBody>
+      </p:sp>
+      <p:sp>
+        <p:nvSpPr>
+          <p:cNvPr id="12" name="Прямоугольник 11"/>
+          <p:cNvSpPr/>
+          <p:nvPr/>
+        </p:nvSpPr>
+        <p:spPr>
+          <a:xfrm>
+            <a:off x="270573" y="2506531"/>
+            <a:ext cx="8631296" cy="445683"/>
+          </a:xfrm>
+          <a:prstGeom prst="rect">
+            <a:avLst/>
+          </a:prstGeom>
+          <a:noFill/>
+          <a:ln>
+            <a:solidFill>
+              <a:srgbClr val="FF0000"/>
+            </a:solidFill>
+            <a:prstDash val="lgDash"/>
+          </a:ln>
+        </p:spPr>
+        <p:style>
+          <a:lnRef idx="2">
+            <a:schemeClr val="accent1">
+              <a:shade val="50000"/>
+            </a:schemeClr>
+          </a:lnRef>
+          <a:fillRef idx="1">
+            <a:schemeClr val="accent1"/>
+          </a:fillRef>
+          <a:effectRef idx="0">
+            <a:schemeClr val="accent1"/>
+          </a:effectRef>
+          <a:fontRef idx="minor">
+            <a:schemeClr val="lt1"/>
+          </a:fontRef>
+        </p:style>
+        <p:txBody>
+          <a:bodyPr rtlCol="0" anchor="ctr"/>
+          <a:lstStyle/>
+          <a:p>
+            <a:pPr algn="ctr"/>
+            <a:endParaRPr lang="ru-RU"/>
+          </a:p>
+        </p:txBody>
+      </p:sp>
+      <p:sp>
+        <p:nvSpPr>
+          <p:cNvPr id="13" name="Выноска 2 (без границы) 12"/>
+          <p:cNvSpPr/>
+          <p:nvPr/>
+        </p:nvSpPr>
+        <p:spPr>
+          <a:xfrm>
+            <a:off x="1187624" y="1153811"/>
+            <a:ext cx="3888891" cy="342038"/>
+          </a:xfrm>
+          <a:prstGeom prst="callout2">
+            <a:avLst>
+              <a:gd name="adj1" fmla="val 103589"/>
+              <a:gd name="adj2" fmla="val 66904"/>
+              <a:gd name="adj3" fmla="val 101287"/>
+              <a:gd name="adj4" fmla="val 34263"/>
+              <a:gd name="adj5" fmla="val 399390"/>
+              <a:gd name="adj6" fmla="val 20229"/>
+            </a:avLst>
+          </a:prstGeom>
+          <a:noFill/>
+          <a:ln>
+            <a:solidFill>
+              <a:srgbClr val="7030A0"/>
+            </a:solidFill>
+          </a:ln>
+        </p:spPr>
+        <p:style>
+          <a:lnRef idx="2">
+            <a:schemeClr val="accent1">
+              <a:shade val="50000"/>
+            </a:schemeClr>
+          </a:lnRef>
+          <a:fillRef idx="1">
+            <a:schemeClr val="accent1"/>
+          </a:fillRef>
+          <a:effectRef idx="0">
+            <a:schemeClr val="accent1"/>
+          </a:effectRef>
+          <a:fontRef idx="minor">
+            <a:schemeClr val="lt1"/>
+          </a:fontRef>
+        </p:style>
+        <p:txBody>
+          <a:bodyPr rtlCol="0" anchor="ctr"/>
+          <a:lstStyle/>
+          <a:p>
+            <a:pPr algn="ctr"/>
+            <a:r>
+              <a:rPr lang="ru-RU" dirty="0" smtClean="0">
+                <a:solidFill>
+                  <a:schemeClr val="tx1"/>
+                </a:solidFill>
+                <a:latin typeface="Arial" pitchFamily="34" charset="0"/>
+                <a:cs typeface="Arial" pitchFamily="34" charset="0"/>
+              </a:rPr>
+              <a:t>Параметр </a:t>
+            </a:r>
+            <a:r>
+              <a:rPr lang="en-US" b="1" i="1" dirty="0">
+                <a:solidFill>
+                  <a:srgbClr val="FF0000"/>
+                </a:solidFill>
+                <a:latin typeface="Arial" pitchFamily="34" charset="0"/>
+                <a:cs typeface="Arial" pitchFamily="34" charset="0"/>
+              </a:rPr>
+              <a:t>g</a:t>
+            </a:r>
+            <a:endParaRPr lang="ru-RU" b="1" i="1" dirty="0">
+              <a:solidFill>
+                <a:srgbClr val="FF0000"/>
+              </a:solidFill>
+              <a:latin typeface="Arial" pitchFamily="34" charset="0"/>
+              <a:cs typeface="Arial" pitchFamily="34" charset="0"/>
+            </a:endParaRPr>
+          </a:p>
+        </p:txBody>
+      </p:sp>
+      <p:sp>
+        <p:nvSpPr>
+          <p:cNvPr id="14" name="Прямоугольник 13"/>
+          <p:cNvSpPr/>
+          <p:nvPr/>
+        </p:nvSpPr>
+        <p:spPr>
+          <a:xfrm>
+            <a:off x="223972" y="3093218"/>
+            <a:ext cx="8631296" cy="445683"/>
+          </a:xfrm>
+          <a:prstGeom prst="rect">
+            <a:avLst/>
+          </a:prstGeom>
+          <a:noFill/>
+          <a:ln>
+            <a:solidFill>
+              <a:srgbClr val="FF0000"/>
+            </a:solidFill>
+            <a:prstDash val="lgDash"/>
+          </a:ln>
+        </p:spPr>
+        <p:style>
+          <a:lnRef idx="2">
+            <a:schemeClr val="accent1">
+              <a:shade val="50000"/>
+            </a:schemeClr>
+          </a:lnRef>
+          <a:fillRef idx="1">
+            <a:schemeClr val="accent1"/>
+          </a:fillRef>
+          <a:effectRef idx="0">
+            <a:schemeClr val="accent1"/>
+          </a:effectRef>
+          <a:fontRef idx="minor">
+            <a:schemeClr val="lt1"/>
+          </a:fontRef>
+        </p:style>
+        <p:txBody>
+          <a:bodyPr rtlCol="0" anchor="ctr"/>
+          <a:lstStyle/>
+          <a:p>
+            <a:pPr algn="ctr"/>
+            <a:endParaRPr lang="ru-RU"/>
+          </a:p>
+        </p:txBody>
+      </p:sp>
+      <p:sp>
+        <p:nvSpPr>
+          <p:cNvPr id="15" name="Выноска 2 (без границы) 14"/>
+          <p:cNvSpPr/>
+          <p:nvPr/>
+        </p:nvSpPr>
+        <p:spPr>
+          <a:xfrm>
+            <a:off x="2987824" y="659373"/>
+            <a:ext cx="4608512" cy="492247"/>
+          </a:xfrm>
+          <a:prstGeom prst="callout2">
+            <a:avLst>
+              <a:gd name="adj1" fmla="val 99412"/>
+              <a:gd name="adj2" fmla="val 68374"/>
+              <a:gd name="adj3" fmla="val 104189"/>
+              <a:gd name="adj4" fmla="val 23722"/>
+              <a:gd name="adj5" fmla="val 488402"/>
+              <a:gd name="adj6" fmla="val 9484"/>
+            </a:avLst>
+          </a:prstGeom>
+          <a:noFill/>
+          <a:ln>
+            <a:solidFill>
+              <a:srgbClr val="7030A0"/>
+            </a:solidFill>
+          </a:ln>
+        </p:spPr>
+        <p:style>
+          <a:lnRef idx="2">
+            <a:schemeClr val="accent1">
+              <a:shade val="50000"/>
+            </a:schemeClr>
+          </a:lnRef>
+          <a:fillRef idx="1">
+            <a:schemeClr val="accent1"/>
+          </a:fillRef>
+          <a:effectRef idx="0">
+            <a:schemeClr val="accent1"/>
+          </a:effectRef>
+          <a:fontRef idx="minor">
+            <a:schemeClr val="lt1"/>
+          </a:fontRef>
+        </p:style>
+        <p:txBody>
+          <a:bodyPr rtlCol="0" anchor="ctr"/>
+          <a:lstStyle/>
+          <a:p>
+            <a:r>
+              <a:rPr lang="ru-RU" dirty="0" smtClean="0">
+                <a:solidFill>
+                  <a:schemeClr val="tx1"/>
+                </a:solidFill>
+                <a:latin typeface="Arial" pitchFamily="34" charset="0"/>
+                <a:cs typeface="Arial" pitchFamily="34" charset="0"/>
+              </a:rPr>
+              <a:t>Открытый ключ клиента  </a:t>
+            </a:r>
+            <a:r>
+              <a:rPr lang="en-US" b="1" i="1" dirty="0" smtClean="0">
+                <a:solidFill>
+                  <a:srgbClr val="FF0000"/>
+                </a:solidFill>
+                <a:latin typeface="Arial" pitchFamily="34" charset="0"/>
+                <a:cs typeface="Arial" pitchFamily="34" charset="0"/>
+              </a:rPr>
+              <a:t>B</a:t>
+            </a:r>
+            <a:r>
+              <a:rPr lang="ru-RU" b="1" i="1" dirty="0" smtClean="0">
+                <a:solidFill>
+                  <a:srgbClr val="FF0000"/>
+                </a:solidFill>
+                <a:latin typeface="Arial" pitchFamily="34" charset="0"/>
+                <a:cs typeface="Arial" pitchFamily="34" charset="0"/>
+              </a:rPr>
+              <a:t> </a:t>
+            </a:r>
+            <a:r>
+              <a:rPr lang="en-US" b="1" i="1" dirty="0" smtClean="0">
+                <a:solidFill>
+                  <a:srgbClr val="FF0000"/>
+                </a:solidFill>
+                <a:latin typeface="Arial" pitchFamily="34" charset="0"/>
+                <a:cs typeface="Arial" pitchFamily="34" charset="0"/>
+              </a:rPr>
+              <a:t>=</a:t>
+            </a:r>
+            <a:r>
+              <a:rPr lang="ru-RU" b="1" i="1" dirty="0" smtClean="0">
+                <a:solidFill>
+                  <a:srgbClr val="FF0000"/>
+                </a:solidFill>
+                <a:latin typeface="Arial" pitchFamily="34" charset="0"/>
+                <a:cs typeface="Arial" pitchFamily="34" charset="0"/>
+              </a:rPr>
+              <a:t> </a:t>
+            </a:r>
+            <a:r>
+              <a:rPr lang="en-US" b="1" i="1" dirty="0" smtClean="0">
+                <a:solidFill>
+                  <a:srgbClr val="FF0000"/>
+                </a:solidFill>
+                <a:latin typeface="Arial" pitchFamily="34" charset="0"/>
+                <a:cs typeface="Arial" pitchFamily="34" charset="0"/>
+              </a:rPr>
+              <a:t>g</a:t>
+            </a:r>
+            <a:r>
+              <a:rPr lang="ru-RU" b="1" i="1" dirty="0" smtClean="0">
+                <a:solidFill>
+                  <a:srgbClr val="FF0000"/>
+                </a:solidFill>
+                <a:latin typeface="Arial" pitchFamily="34" charset="0"/>
+                <a:cs typeface="Arial" pitchFamily="34" charset="0"/>
+              </a:rPr>
+              <a:t> </a:t>
+            </a:r>
+            <a:r>
+              <a:rPr lang="en-US" b="1" i="1" baseline="30000" dirty="0" smtClean="0">
+                <a:solidFill>
+                  <a:srgbClr val="FF0000"/>
+                </a:solidFill>
+                <a:latin typeface="Arial" pitchFamily="34" charset="0"/>
+                <a:cs typeface="Arial" pitchFamily="34" charset="0"/>
+              </a:rPr>
+              <a:t>b</a:t>
+            </a:r>
+            <a:r>
+              <a:rPr lang="en-US" b="1" i="1" dirty="0">
+                <a:solidFill>
+                  <a:srgbClr val="FF0000"/>
+                </a:solidFill>
+                <a:latin typeface="Arial" pitchFamily="34" charset="0"/>
+                <a:cs typeface="Arial" pitchFamily="34" charset="0"/>
+              </a:rPr>
+              <a:t> mod </a:t>
+            </a:r>
+            <a:r>
+              <a:rPr lang="en-US" b="1" i="1" dirty="0" smtClean="0">
+                <a:solidFill>
+                  <a:srgbClr val="FF0000"/>
+                </a:solidFill>
+                <a:latin typeface="Arial" pitchFamily="34" charset="0"/>
+                <a:cs typeface="Arial" pitchFamily="34" charset="0"/>
+              </a:rPr>
+              <a:t>p</a:t>
+            </a:r>
+            <a:endParaRPr lang="ru-RU" b="1" dirty="0">
+              <a:solidFill>
+                <a:srgbClr val="FF0000"/>
+              </a:solidFill>
+              <a:latin typeface="Arial" pitchFamily="34" charset="0"/>
+              <a:cs typeface="Arial" pitchFamily="34" charset="0"/>
+            </a:endParaRPr>
+          </a:p>
+        </p:txBody>
+      </p:sp>
+      <p:sp>
+        <p:nvSpPr>
+          <p:cNvPr id="16" name="Прямоугольник 15"/>
+          <p:cNvSpPr/>
+          <p:nvPr/>
+        </p:nvSpPr>
+        <p:spPr>
+          <a:xfrm>
+            <a:off x="258455" y="3538901"/>
+            <a:ext cx="8631296" cy="445683"/>
+          </a:xfrm>
+          <a:prstGeom prst="rect">
+            <a:avLst/>
+          </a:prstGeom>
+          <a:noFill/>
+          <a:ln>
+            <a:solidFill>
+              <a:srgbClr val="FF0000"/>
+            </a:solidFill>
+            <a:prstDash val="lgDash"/>
+          </a:ln>
+        </p:spPr>
+        <p:style>
+          <a:lnRef idx="2">
+            <a:schemeClr val="accent1">
+              <a:shade val="50000"/>
+            </a:schemeClr>
+          </a:lnRef>
+          <a:fillRef idx="1">
+            <a:schemeClr val="accent1"/>
+          </a:fillRef>
+          <a:effectRef idx="0">
+            <a:schemeClr val="accent1"/>
+          </a:effectRef>
+          <a:fontRef idx="minor">
+            <a:schemeClr val="lt1"/>
+          </a:fontRef>
+        </p:style>
+        <p:txBody>
+          <a:bodyPr rtlCol="0" anchor="ctr"/>
+          <a:lstStyle/>
+          <a:p>
+            <a:pPr algn="ctr"/>
+            <a:endParaRPr lang="ru-RU"/>
+          </a:p>
+        </p:txBody>
+      </p:sp>
+      <p:sp>
+        <p:nvSpPr>
+          <p:cNvPr id="17" name="Выноска 2 (без границы) 16"/>
+          <p:cNvSpPr/>
+          <p:nvPr/>
+        </p:nvSpPr>
+        <p:spPr>
+          <a:xfrm>
+            <a:off x="4446323" y="1227862"/>
+            <a:ext cx="4608512" cy="492247"/>
+          </a:xfrm>
+          <a:prstGeom prst="callout2">
+            <a:avLst>
+              <a:gd name="adj1" fmla="val 90704"/>
+              <a:gd name="adj2" fmla="val 91316"/>
+              <a:gd name="adj3" fmla="val 89677"/>
+              <a:gd name="adj4" fmla="val 2950"/>
+              <a:gd name="adj5" fmla="val 479695"/>
+              <a:gd name="adj6" fmla="val -1987"/>
+            </a:avLst>
+          </a:prstGeom>
+          <a:noFill/>
+          <a:ln>
+            <a:solidFill>
+              <a:srgbClr val="7030A0"/>
+            </a:solidFill>
+          </a:ln>
+        </p:spPr>
+        <p:style>
+          <a:lnRef idx="2">
+            <a:schemeClr val="accent1">
+              <a:shade val="50000"/>
+            </a:schemeClr>
+          </a:lnRef>
+          <a:fillRef idx="1">
+            <a:schemeClr val="accent1"/>
+          </a:fillRef>
+          <a:effectRef idx="0">
+            <a:schemeClr val="accent1"/>
+          </a:effectRef>
+          <a:fontRef idx="minor">
+            <a:schemeClr val="lt1"/>
+          </a:fontRef>
+        </p:style>
+        <p:txBody>
+          <a:bodyPr rtlCol="0" anchor="ctr"/>
+          <a:lstStyle/>
+          <a:p>
+            <a:r>
+              <a:rPr lang="ru-RU" dirty="0" smtClean="0">
+                <a:solidFill>
+                  <a:schemeClr val="tx1"/>
+                </a:solidFill>
+                <a:latin typeface="Arial" pitchFamily="34" charset="0"/>
+                <a:cs typeface="Arial" pitchFamily="34" charset="0"/>
+              </a:rPr>
+              <a:t>Открытый ключ сервера </a:t>
+            </a:r>
+            <a:r>
+              <a:rPr lang="en-US" b="1" i="1" dirty="0" smtClean="0">
+                <a:solidFill>
+                  <a:srgbClr val="FF0000"/>
+                </a:solidFill>
+                <a:latin typeface="Arial" pitchFamily="34" charset="0"/>
+                <a:cs typeface="Arial" pitchFamily="34" charset="0"/>
+              </a:rPr>
+              <a:t>A</a:t>
+            </a:r>
+            <a:r>
+              <a:rPr lang="ru-RU" b="1" i="1" dirty="0" smtClean="0">
+                <a:solidFill>
+                  <a:srgbClr val="FF0000"/>
+                </a:solidFill>
+                <a:latin typeface="Arial" pitchFamily="34" charset="0"/>
+                <a:cs typeface="Arial" pitchFamily="34" charset="0"/>
+              </a:rPr>
+              <a:t> </a:t>
+            </a:r>
+            <a:r>
+              <a:rPr lang="en-US" b="1" i="1" dirty="0" smtClean="0">
+                <a:solidFill>
+                  <a:srgbClr val="FF0000"/>
+                </a:solidFill>
+                <a:latin typeface="Arial" pitchFamily="34" charset="0"/>
+                <a:cs typeface="Arial" pitchFamily="34" charset="0"/>
+              </a:rPr>
+              <a:t>=</a:t>
+            </a:r>
+            <a:r>
+              <a:rPr lang="ru-RU" b="1" i="1" dirty="0" smtClean="0">
+                <a:solidFill>
+                  <a:srgbClr val="FF0000"/>
+                </a:solidFill>
+                <a:latin typeface="Arial" pitchFamily="34" charset="0"/>
+                <a:cs typeface="Arial" pitchFamily="34" charset="0"/>
+              </a:rPr>
+              <a:t> </a:t>
+            </a:r>
+            <a:r>
+              <a:rPr lang="en-US" b="1" i="1" dirty="0" smtClean="0">
+                <a:solidFill>
+                  <a:srgbClr val="FF0000"/>
+                </a:solidFill>
+                <a:latin typeface="Arial" pitchFamily="34" charset="0"/>
+                <a:cs typeface="Arial" pitchFamily="34" charset="0"/>
+              </a:rPr>
+              <a:t>g</a:t>
+            </a:r>
+            <a:r>
+              <a:rPr lang="ru-RU" b="1" i="1" dirty="0" smtClean="0">
+                <a:solidFill>
+                  <a:srgbClr val="FF0000"/>
+                </a:solidFill>
+                <a:latin typeface="Arial" pitchFamily="34" charset="0"/>
+                <a:cs typeface="Arial" pitchFamily="34" charset="0"/>
+              </a:rPr>
+              <a:t> </a:t>
+            </a:r>
+            <a:r>
+              <a:rPr lang="en-US" b="1" i="1" baseline="30000" dirty="0">
+                <a:solidFill>
+                  <a:srgbClr val="FF0000"/>
+                </a:solidFill>
+                <a:latin typeface="Arial" pitchFamily="34" charset="0"/>
+                <a:cs typeface="Arial" pitchFamily="34" charset="0"/>
+              </a:rPr>
+              <a:t>a</a:t>
+            </a:r>
+            <a:r>
+              <a:rPr lang="en-US" b="1" i="1" dirty="0">
+                <a:solidFill>
+                  <a:srgbClr val="FF0000"/>
+                </a:solidFill>
+                <a:latin typeface="Arial" pitchFamily="34" charset="0"/>
+                <a:cs typeface="Arial" pitchFamily="34" charset="0"/>
+              </a:rPr>
+              <a:t> mod </a:t>
+            </a:r>
+            <a:r>
+              <a:rPr lang="en-US" b="1" i="1" dirty="0" smtClean="0">
+                <a:solidFill>
+                  <a:srgbClr val="FF0000"/>
+                </a:solidFill>
+                <a:latin typeface="Arial" pitchFamily="34" charset="0"/>
+                <a:cs typeface="Arial" pitchFamily="34" charset="0"/>
+              </a:rPr>
+              <a:t>p</a:t>
+            </a:r>
+            <a:endParaRPr lang="ru-RU" b="1" dirty="0">
+              <a:solidFill>
+                <a:srgbClr val="FF0000"/>
+              </a:solidFill>
+              <a:latin typeface="Arial" pitchFamily="34" charset="0"/>
+              <a:cs typeface="Arial" pitchFamily="34" charset="0"/>
+            </a:endParaRPr>
+          </a:p>
+        </p:txBody>
+      </p:sp>
+      <p:sp>
+        <p:nvSpPr>
+          <p:cNvPr id="19" name="Прямоугольник 18"/>
+          <p:cNvSpPr/>
+          <p:nvPr/>
+        </p:nvSpPr>
+        <p:spPr>
+          <a:xfrm>
+            <a:off x="255143" y="3991429"/>
+            <a:ext cx="8631296" cy="445683"/>
+          </a:xfrm>
+          <a:prstGeom prst="rect">
+            <a:avLst/>
+          </a:prstGeom>
+          <a:noFill/>
+          <a:ln>
+            <a:solidFill>
+              <a:srgbClr val="FF0000"/>
+            </a:solidFill>
+            <a:prstDash val="lgDash"/>
+          </a:ln>
+        </p:spPr>
+        <p:style>
+          <a:lnRef idx="2">
+            <a:schemeClr val="accent1">
+              <a:shade val="50000"/>
+            </a:schemeClr>
+          </a:lnRef>
+          <a:fillRef idx="1">
+            <a:schemeClr val="accent1"/>
+          </a:fillRef>
+          <a:effectRef idx="0">
+            <a:schemeClr val="accent1"/>
+          </a:effectRef>
+          <a:fontRef idx="minor">
+            <a:schemeClr val="lt1"/>
+          </a:fontRef>
+        </p:style>
+        <p:txBody>
+          <a:bodyPr rtlCol="0" anchor="ctr"/>
+          <a:lstStyle/>
+          <a:p>
+            <a:pPr algn="ctr"/>
+            <a:endParaRPr lang="ru-RU"/>
+          </a:p>
+        </p:txBody>
+      </p:sp>
+      <p:sp>
+        <p:nvSpPr>
+          <p:cNvPr id="20" name="Выноска 2 (без границы) 19"/>
+          <p:cNvSpPr/>
+          <p:nvPr/>
+        </p:nvSpPr>
+        <p:spPr>
+          <a:xfrm>
+            <a:off x="223972" y="4797152"/>
+            <a:ext cx="5356140" cy="576064"/>
+          </a:xfrm>
+          <a:prstGeom prst="callout2">
+            <a:avLst>
+              <a:gd name="adj1" fmla="val 102314"/>
+              <a:gd name="adj2" fmla="val 789"/>
+              <a:gd name="adj3" fmla="val 95482"/>
+              <a:gd name="adj4" fmla="val 99368"/>
+              <a:gd name="adj5" fmla="val -80633"/>
+              <a:gd name="adj6" fmla="val 106241"/>
+            </a:avLst>
+          </a:prstGeom>
+          <a:noFill/>
+          <a:ln>
+            <a:solidFill>
+              <a:srgbClr val="7030A0"/>
+            </a:solidFill>
+          </a:ln>
+        </p:spPr>
+        <p:style>
+          <a:lnRef idx="2">
+            <a:schemeClr val="accent1">
+              <a:shade val="50000"/>
+            </a:schemeClr>
+          </a:lnRef>
+          <a:fillRef idx="1">
+            <a:schemeClr val="accent1"/>
+          </a:fillRef>
+          <a:effectRef idx="0">
+            <a:schemeClr val="accent1"/>
+          </a:effectRef>
+          <a:fontRef idx="minor">
+            <a:schemeClr val="lt1"/>
+          </a:fontRef>
+        </p:style>
+        <p:txBody>
+          <a:bodyPr rtlCol="0" anchor="ctr"/>
+          <a:lstStyle/>
+          <a:p>
+            <a:r>
+              <a:rPr lang="ru-RU" dirty="0" smtClean="0">
+                <a:solidFill>
+                  <a:prstClr val="black"/>
+                </a:solidFill>
+                <a:latin typeface="Arial" pitchFamily="34" charset="0"/>
+                <a:cs typeface="Arial" pitchFamily="34" charset="0"/>
+              </a:rPr>
+              <a:t>Сессионный ключ симметричного шифрования </a:t>
+            </a:r>
+            <a:r>
+              <a:rPr lang="en-US" sz="2000" b="1" i="1" dirty="0" smtClean="0">
+                <a:solidFill>
+                  <a:srgbClr val="FF0000"/>
+                </a:solidFill>
+                <a:latin typeface="Arial" pitchFamily="34" charset="0"/>
+                <a:cs typeface="Arial" pitchFamily="34" charset="0"/>
+              </a:rPr>
+              <a:t>K = B</a:t>
+            </a:r>
+            <a:r>
+              <a:rPr lang="ru-RU" sz="2000" b="1" i="1" dirty="0" smtClean="0">
+                <a:solidFill>
+                  <a:srgbClr val="FF0000"/>
+                </a:solidFill>
+                <a:latin typeface="Arial" pitchFamily="34" charset="0"/>
+                <a:cs typeface="Arial" pitchFamily="34" charset="0"/>
+              </a:rPr>
+              <a:t> </a:t>
+            </a:r>
+            <a:r>
+              <a:rPr lang="en-US" sz="2000" b="1" i="1" baseline="30000" dirty="0" smtClean="0">
+                <a:solidFill>
+                  <a:srgbClr val="FF0000"/>
+                </a:solidFill>
+                <a:latin typeface="Arial" pitchFamily="34" charset="0"/>
+                <a:cs typeface="Arial" pitchFamily="34" charset="0"/>
+              </a:rPr>
+              <a:t>a</a:t>
+            </a:r>
+            <a:r>
+              <a:rPr lang="en-US" sz="2000" b="1" i="1" dirty="0">
+                <a:solidFill>
+                  <a:srgbClr val="FF0000"/>
+                </a:solidFill>
+                <a:latin typeface="Arial" pitchFamily="34" charset="0"/>
+                <a:cs typeface="Arial" pitchFamily="34" charset="0"/>
+              </a:rPr>
+              <a:t> mod p </a:t>
+            </a:r>
+            <a:r>
+              <a:rPr lang="en-US" sz="2000" b="1" i="1" dirty="0" smtClean="0">
+                <a:solidFill>
+                  <a:srgbClr val="FF0000"/>
+                </a:solidFill>
+                <a:latin typeface="Arial" pitchFamily="34" charset="0"/>
+                <a:cs typeface="Arial" pitchFamily="34" charset="0"/>
+              </a:rPr>
+              <a:t>=</a:t>
+            </a:r>
+            <a:r>
+              <a:rPr lang="ru-RU" sz="2000" b="1" i="1" dirty="0" smtClean="0">
+                <a:solidFill>
+                  <a:srgbClr val="FF0000"/>
+                </a:solidFill>
+                <a:latin typeface="Arial" pitchFamily="34" charset="0"/>
+                <a:cs typeface="Arial" pitchFamily="34" charset="0"/>
+              </a:rPr>
+              <a:t> </a:t>
+            </a:r>
+            <a:r>
+              <a:rPr lang="en-US" sz="2000" b="1" i="1" dirty="0" smtClean="0">
+                <a:solidFill>
+                  <a:srgbClr val="FF0000"/>
+                </a:solidFill>
+                <a:latin typeface="Arial" pitchFamily="34" charset="0"/>
+                <a:cs typeface="Arial" pitchFamily="34" charset="0"/>
+              </a:rPr>
+              <a:t>A</a:t>
+            </a:r>
+            <a:r>
+              <a:rPr lang="ru-RU" sz="2000" b="1" i="1" dirty="0" smtClean="0">
+                <a:solidFill>
+                  <a:srgbClr val="FF0000"/>
+                </a:solidFill>
+                <a:latin typeface="Arial" pitchFamily="34" charset="0"/>
+                <a:cs typeface="Arial" pitchFamily="34" charset="0"/>
+              </a:rPr>
+              <a:t> </a:t>
+            </a:r>
+            <a:r>
+              <a:rPr lang="en-US" sz="2000" b="1" i="1" baseline="30000" dirty="0" smtClean="0">
+                <a:solidFill>
+                  <a:srgbClr val="FF0000"/>
+                </a:solidFill>
+                <a:latin typeface="Arial" pitchFamily="34" charset="0"/>
+                <a:cs typeface="Arial" pitchFamily="34" charset="0"/>
+              </a:rPr>
+              <a:t>b</a:t>
+            </a:r>
+            <a:r>
+              <a:rPr lang="ru-RU" sz="2000" b="1" i="1" baseline="30000" dirty="0" smtClean="0">
+                <a:solidFill>
+                  <a:srgbClr val="FF0000"/>
+                </a:solidFill>
+                <a:latin typeface="Arial" pitchFamily="34" charset="0"/>
+                <a:cs typeface="Arial" pitchFamily="34" charset="0"/>
+              </a:rPr>
+              <a:t> </a:t>
+            </a:r>
+            <a:r>
+              <a:rPr lang="en-US" sz="2000" b="1" i="1" dirty="0" smtClean="0">
+                <a:solidFill>
+                  <a:srgbClr val="FF0000"/>
+                </a:solidFill>
+                <a:latin typeface="Arial" pitchFamily="34" charset="0"/>
+                <a:cs typeface="Arial" pitchFamily="34" charset="0"/>
+              </a:rPr>
+              <a:t>mod </a:t>
+            </a:r>
+            <a:r>
+              <a:rPr lang="en-US" sz="2000" b="1" i="1" dirty="0">
+                <a:solidFill>
+                  <a:srgbClr val="FF0000"/>
+                </a:solidFill>
+                <a:latin typeface="Arial" pitchFamily="34" charset="0"/>
+                <a:cs typeface="Arial" pitchFamily="34" charset="0"/>
+              </a:rPr>
+              <a:t>p </a:t>
+            </a:r>
+            <a:endParaRPr lang="ru-RU" sz="2000" b="1" i="1" dirty="0">
+              <a:solidFill>
+                <a:srgbClr val="FF0000"/>
+              </a:solidFill>
+              <a:latin typeface="Arial" pitchFamily="34" charset="0"/>
+              <a:cs typeface="Arial" pitchFamily="34" charset="0"/>
+            </a:endParaRPr>
           </a:p>
         </p:txBody>
       </p:sp>
@@ -5880,7 +7098,7 @@
         </p:nvSpPr>
         <p:spPr>
           <a:xfrm>
-            <a:off x="827584" y="291239"/>
+            <a:off x="827584" y="62639"/>
             <a:ext cx="7776864" cy="584775"/>
           </a:xfrm>
           <a:prstGeom prst="rect">
@@ -5938,13 +7156,13 @@
           <p:nvPr>
             <p:extLst>
               <p:ext uri="{D42A27DB-BD31-4B8C-83A1-F6EECF244321}">
-                <p14:modId xmlns:p14="http://schemas.microsoft.com/office/powerpoint/2010/main" val="3908728416"/>
+                <p14:modId xmlns:p14="http://schemas.microsoft.com/office/powerpoint/2010/main" val="839608892"/>
               </p:ext>
             </p:extLst>
           </p:nvPr>
         </p:nvGraphicFramePr>
         <p:xfrm>
-          <a:off x="467544" y="1244019"/>
+          <a:off x="1695905" y="687414"/>
           <a:ext cx="6096000" cy="365760"/>
         </p:xfrm>
         <a:graphic>
@@ -6134,7 +7352,7 @@
         </p:blipFill>
         <p:spPr bwMode="auto">
           <a:xfrm>
-            <a:off x="414129" y="1604059"/>
+            <a:off x="1642490" y="1047454"/>
             <a:ext cx="1296144" cy="563541"/>
           </a:xfrm>
           <a:prstGeom prst="rect">
@@ -6198,7 +7416,7 @@
         </p:blipFill>
         <p:spPr bwMode="auto">
           <a:xfrm>
-            <a:off x="1688984" y="1642598"/>
+            <a:off x="2917345" y="1085993"/>
             <a:ext cx="557471" cy="525002"/>
           </a:xfrm>
           <a:prstGeom prst="rect">
@@ -6262,7 +7480,7 @@
         </p:blipFill>
         <p:spPr bwMode="auto">
           <a:xfrm>
-            <a:off x="2246455" y="1642598"/>
+            <a:off x="3474816" y="1085993"/>
             <a:ext cx="1296144" cy="563541"/>
           </a:xfrm>
           <a:prstGeom prst="rect">
@@ -6326,7 +7544,7 @@
         </p:blipFill>
         <p:spPr bwMode="auto">
           <a:xfrm>
-            <a:off x="4211960" y="1689521"/>
+            <a:off x="5440321" y="1132916"/>
             <a:ext cx="2440916" cy="447675"/>
           </a:xfrm>
           <a:prstGeom prst="rect">
@@ -6375,7 +7593,7 @@
         </p:nvSpPr>
         <p:spPr>
           <a:xfrm>
-            <a:off x="282681" y="2175360"/>
+            <a:off x="1640233" y="1580591"/>
             <a:ext cx="1427592" cy="369332"/>
           </a:xfrm>
           <a:prstGeom prst="rect">
@@ -6418,8 +7636,8 @@
         </p:nvSpPr>
         <p:spPr>
           <a:xfrm rot="16200000">
-            <a:off x="919891" y="3069301"/>
-            <a:ext cx="2095657" cy="369332"/>
+            <a:off x="2409128" y="2248573"/>
+            <a:ext cx="1567410" cy="369332"/>
           </a:xfrm>
           <a:prstGeom prst="rect">
             <a:avLst/>
@@ -6437,7 +7655,21 @@
                 <a:latin typeface="Arial" pitchFamily="34" charset="0"/>
                 <a:cs typeface="Arial" pitchFamily="34" charset="0"/>
               </a:rPr>
-              <a:t>бит доп. флагов</a:t>
+              <a:t>бит </a:t>
+            </a:r>
+            <a:r>
+              <a:rPr lang="ru-RU" b="1" dirty="0" smtClean="0">
+                <a:latin typeface="Arial" pitchFamily="34" charset="0"/>
+                <a:cs typeface="Arial" pitchFamily="34" charset="0"/>
+              </a:rPr>
+              <a:t> </a:t>
+            </a:r>
+            <a:r>
+              <a:rPr lang="ru-RU" b="1" dirty="0" smtClean="0">
+                <a:latin typeface="Arial" pitchFamily="34" charset="0"/>
+                <a:cs typeface="Arial" pitchFamily="34" charset="0"/>
+              </a:rPr>
+              <a:t>флагов</a:t>
             </a:r>
             <a:endParaRPr lang="ru-RU" b="1" dirty="0">
               <a:latin typeface="Arial" pitchFamily="34" charset="0"/>
@@ -6454,7 +7686,7 @@
         </p:nvSpPr>
         <p:spPr>
           <a:xfrm>
-            <a:off x="2080764" y="2221526"/>
+            <a:off x="3335418" y="1581158"/>
             <a:ext cx="1627526" cy="646331"/>
           </a:xfrm>
           <a:prstGeom prst="rect">
@@ -6527,7 +7759,7 @@
         </p:blipFill>
         <p:spPr bwMode="auto">
           <a:xfrm>
-            <a:off x="3501176" y="1689521"/>
+            <a:off x="4729537" y="1132916"/>
             <a:ext cx="710784" cy="525002"/>
           </a:xfrm>
           <a:prstGeom prst="rect">
@@ -6576,7 +7808,7 @@
         </p:nvSpPr>
         <p:spPr>
           <a:xfrm rot="16200000">
-            <a:off x="2911659" y="2976274"/>
+            <a:off x="4140020" y="2216939"/>
             <a:ext cx="1889819" cy="366316"/>
           </a:xfrm>
           <a:prstGeom prst="rect">
@@ -6619,7 +7851,7 @@
         </p:nvSpPr>
         <p:spPr>
           <a:xfrm>
-            <a:off x="4892358" y="2221526"/>
+            <a:off x="6120719" y="1610995"/>
             <a:ext cx="1080120" cy="369332"/>
           </a:xfrm>
           <a:prstGeom prst="rect">
@@ -6663,83 +7895,678 @@
           <a:lstStyle/>
           <a:p>
             <a:fld id="{B19B0651-EE4F-4900-A07F-96A6BFA9D0F0}" type="slidenum">
-              <a:rPr lang="ru-RU" smtClean="0"/>
+              <a:rPr lang="ru-RU" sz="2000" smtClean="0"/>
               <a:pPr/>
               <a:t>14</a:t>
             </a:fld>
-            <a:endParaRPr lang="ru-RU"/>
-          </a:p>
-        </p:txBody>
-      </p:sp>
-      <p:sp>
-        <p:nvSpPr>
-          <p:cNvPr id="2" name="TextBox 1"/>
-          <p:cNvSpPr txBox="1"/>
-          <p:nvPr/>
-        </p:nvSpPr>
-        <p:spPr>
-          <a:xfrm>
-            <a:off x="6652876" y="2544691"/>
-            <a:ext cx="1951572" cy="1754326"/>
-          </a:xfrm>
-          <a:prstGeom prst="rect">
-            <a:avLst/>
-          </a:prstGeom>
-          <a:noFill/>
-        </p:spPr>
-        <p:txBody>
-          <a:bodyPr wrap="square" rtlCol="0">
-            <a:spAutoFit/>
-          </a:bodyPr>
-          <a:lstStyle/>
-          <a:p>
-            <a:r>
-              <a:rPr lang="ru-RU" dirty="0" smtClean="0"/>
-              <a:t>Флаги</a:t>
-            </a:r>
-            <a:r>
-              <a:rPr lang="en-US" dirty="0" smtClean="0"/>
-              <a:t>:</a:t>
-            </a:r>
-          </a:p>
-          <a:p>
-            <a:r>
-              <a:rPr lang="en-US" dirty="0" smtClean="0"/>
-              <a:t>0x01 – </a:t>
-            </a:r>
-            <a:r>
-              <a:rPr lang="ru-RU" dirty="0" smtClean="0"/>
-              <a:t>передача</a:t>
-            </a:r>
-          </a:p>
-          <a:p>
-            <a:endParaRPr lang="ru-RU" dirty="0"/>
-          </a:p>
-          <a:p>
-            <a:r>
-              <a:rPr lang="ru-RU" dirty="0" smtClean="0"/>
-              <a:t>0</a:t>
-            </a:r>
-            <a:r>
-              <a:rPr lang="en-US" dirty="0" smtClean="0"/>
-              <a:t>x02 - </a:t>
-            </a:r>
-          </a:p>
-          <a:p>
-            <a:endParaRPr lang="en-US" dirty="0"/>
-          </a:p>
-          <a:p>
-            <a:r>
-              <a:rPr lang="en-US" dirty="0" smtClean="0"/>
-              <a:t>0x03 - </a:t>
-            </a:r>
-            <a:r>
-              <a:rPr lang="ru-RU" dirty="0" smtClean="0"/>
-              <a:t> </a:t>
-            </a:r>
-          </a:p>
-        </p:txBody>
-      </p:sp>
+            <a:endParaRPr lang="ru-RU" sz="2000" dirty="0"/>
+          </a:p>
+        </p:txBody>
+      </p:sp>
+      <p:graphicFrame>
+        <p:nvGraphicFramePr>
+          <p:cNvPr id="7" name="Таблица 6"/>
+          <p:cNvGraphicFramePr>
+            <a:graphicFrameLocks noGrp="1"/>
+          </p:cNvGraphicFramePr>
+          <p:nvPr>
+            <p:extLst>
+              <p:ext uri="{D42A27DB-BD31-4B8C-83A1-F6EECF244321}">
+                <p14:modId xmlns:p14="http://schemas.microsoft.com/office/powerpoint/2010/main" val="3340914057"/>
+              </p:ext>
+            </p:extLst>
+          </p:nvPr>
+        </p:nvGraphicFramePr>
+        <p:xfrm>
+          <a:off x="179512" y="3345007"/>
+          <a:ext cx="8259087" cy="3235960"/>
+        </p:xfrm>
+        <a:graphic>
+          <a:graphicData uri="http://schemas.openxmlformats.org/drawingml/2006/table">
+            <a:tbl>
+              <a:tblPr firstRow="1" bandRow="1">
+                <a:tableStyleId>{5C22544A-7EE6-4342-B048-85BDC9FD1C3A}</a:tableStyleId>
+              </a:tblPr>
+              <a:tblGrid>
+                <a:gridCol w="1130286"/>
+                <a:gridCol w="1622745"/>
+                <a:gridCol w="969543"/>
+                <a:gridCol w="1783487"/>
+                <a:gridCol w="1024825"/>
+                <a:gridCol w="1728201"/>
+              </a:tblGrid>
+              <a:tr h="370840">
+                <a:tc>
+                  <a:txBody>
+                    <a:bodyPr/>
+                    <a:lstStyle/>
+                    <a:p>
+                      <a:pPr algn="ctr"/>
+                      <a:r>
+                        <a:rPr lang="ru-RU" dirty="0" smtClean="0"/>
+                        <a:t>Код запроса</a:t>
+                      </a:r>
+                      <a:endParaRPr lang="ru-RU" dirty="0"/>
+                    </a:p>
+                  </a:txBody>
+                  <a:tcPr/>
+                </a:tc>
+                <a:tc>
+                  <a:txBody>
+                    <a:bodyPr/>
+                    <a:lstStyle/>
+                    <a:p>
+                      <a:pPr algn="ctr"/>
+                      <a:r>
+                        <a:rPr lang="ru-RU" dirty="0" smtClean="0"/>
+                        <a:t>Значение</a:t>
+                      </a:r>
+                      <a:endParaRPr lang="ru-RU" dirty="0"/>
+                    </a:p>
+                  </a:txBody>
+                  <a:tcPr/>
+                </a:tc>
+                <a:tc>
+                  <a:txBody>
+                    <a:bodyPr/>
+                    <a:lstStyle/>
+                    <a:p>
+                      <a:pPr algn="ctr"/>
+                      <a:r>
+                        <a:rPr lang="ru-RU" dirty="0" smtClean="0"/>
+                        <a:t>Код ответа</a:t>
+                      </a:r>
+                      <a:endParaRPr lang="ru-RU" dirty="0"/>
+                    </a:p>
+                  </a:txBody>
+                  <a:tcPr/>
+                </a:tc>
+                <a:tc>
+                  <a:txBody>
+                    <a:bodyPr/>
+                    <a:lstStyle/>
+                    <a:p>
+                      <a:pPr algn="ctr"/>
+                      <a:r>
+                        <a:rPr lang="ru-RU" dirty="0" smtClean="0"/>
+                        <a:t>Значение</a:t>
+                      </a:r>
+                      <a:endParaRPr lang="ru-RU" dirty="0"/>
+                    </a:p>
+                  </a:txBody>
+                  <a:tcPr/>
+                </a:tc>
+                <a:tc>
+                  <a:txBody>
+                    <a:bodyPr/>
+                    <a:lstStyle/>
+                    <a:p>
+                      <a:pPr algn="ctr"/>
+                      <a:r>
+                        <a:rPr lang="ru-RU" dirty="0" smtClean="0"/>
+                        <a:t>Бит</a:t>
+                      </a:r>
+                      <a:r>
+                        <a:rPr lang="ru-RU" baseline="0" dirty="0" smtClean="0"/>
+                        <a:t> флагов</a:t>
+                      </a:r>
+                      <a:endParaRPr lang="ru-RU" dirty="0"/>
+                    </a:p>
+                  </a:txBody>
+                  <a:tcPr/>
+                </a:tc>
+                <a:tc>
+                  <a:txBody>
+                    <a:bodyPr/>
+                    <a:lstStyle/>
+                    <a:p>
+                      <a:pPr algn="ctr"/>
+                      <a:r>
+                        <a:rPr lang="ru-RU" dirty="0" smtClean="0"/>
+                        <a:t>Значение</a:t>
+                      </a:r>
+                      <a:endParaRPr lang="ru-RU" dirty="0"/>
+                    </a:p>
+                  </a:txBody>
+                  <a:tcPr/>
+                </a:tc>
+              </a:tr>
+              <a:tr h="370840">
+                <a:tc>
+                  <a:txBody>
+                    <a:bodyPr/>
+                    <a:lstStyle/>
+                    <a:p>
+                      <a:pPr algn="ctr"/>
+                      <a:r>
+                        <a:rPr lang="en-US" dirty="0" smtClean="0"/>
+                        <a:t>0x00</a:t>
+                      </a:r>
+                      <a:endParaRPr lang="ru-RU" dirty="0"/>
+                    </a:p>
+                  </a:txBody>
+                  <a:tcPr/>
+                </a:tc>
+                <a:tc>
+                  <a:txBody>
+                    <a:bodyPr/>
+                    <a:lstStyle/>
+                    <a:p>
+                      <a:pPr algn="ctr"/>
+                      <a:endParaRPr lang="ru-RU" dirty="0"/>
+                    </a:p>
+                  </a:txBody>
+                  <a:tcPr/>
+                </a:tc>
+                <a:tc>
+                  <a:txBody>
+                    <a:bodyPr/>
+                    <a:lstStyle/>
+                    <a:p>
+                      <a:pPr algn="ctr"/>
+                      <a:r>
+                        <a:rPr lang="en-US" dirty="0" smtClean="0"/>
+                        <a:t>0x01</a:t>
+                      </a:r>
+                      <a:endParaRPr lang="ru-RU" dirty="0"/>
+                    </a:p>
+                  </a:txBody>
+                  <a:tcPr/>
+                </a:tc>
+                <a:tc>
+                  <a:txBody>
+                    <a:bodyPr/>
+                    <a:lstStyle/>
+                    <a:p>
+                      <a:pPr algn="ctr"/>
+                      <a:endParaRPr lang="ru-RU" dirty="0"/>
+                    </a:p>
+                  </a:txBody>
+                  <a:tcPr/>
+                </a:tc>
+                <a:tc>
+                  <a:txBody>
+                    <a:bodyPr/>
+                    <a:lstStyle/>
+                    <a:p>
+                      <a:pPr algn="ctr"/>
+                      <a:endParaRPr lang="ru-RU" dirty="0"/>
+                    </a:p>
+                  </a:txBody>
+                  <a:tcPr/>
+                </a:tc>
+                <a:tc>
+                  <a:txBody>
+                    <a:bodyPr/>
+                    <a:lstStyle/>
+                    <a:p>
+                      <a:pPr algn="ctr"/>
+                      <a:endParaRPr lang="ru-RU" dirty="0"/>
+                    </a:p>
+                  </a:txBody>
+                  <a:tcPr/>
+                </a:tc>
+              </a:tr>
+              <a:tr h="370840">
+                <a:tc>
+                  <a:txBody>
+                    <a:bodyPr/>
+                    <a:lstStyle/>
+                    <a:p>
+                      <a:pPr algn="ctr"/>
+                      <a:r>
+                        <a:rPr lang="en-US" dirty="0" smtClean="0"/>
+                        <a:t>0x02</a:t>
+                      </a:r>
+                      <a:endParaRPr lang="ru-RU" dirty="0"/>
+                    </a:p>
+                  </a:txBody>
+                  <a:tcPr/>
+                </a:tc>
+                <a:tc>
+                  <a:txBody>
+                    <a:bodyPr/>
+                    <a:lstStyle/>
+                    <a:p>
+                      <a:pPr algn="ctr"/>
+                      <a:endParaRPr lang="ru-RU" dirty="0"/>
+                    </a:p>
+                  </a:txBody>
+                  <a:tcPr/>
+                </a:tc>
+                <a:tc>
+                  <a:txBody>
+                    <a:bodyPr/>
+                    <a:lstStyle/>
+                    <a:p>
+                      <a:pPr algn="ctr"/>
+                      <a:r>
+                        <a:rPr lang="en-US" dirty="0" smtClean="0"/>
+                        <a:t>0x03</a:t>
+                      </a:r>
+                      <a:endParaRPr lang="ru-RU" dirty="0"/>
+                    </a:p>
+                  </a:txBody>
+                  <a:tcPr/>
+                </a:tc>
+                <a:tc>
+                  <a:txBody>
+                    <a:bodyPr/>
+                    <a:lstStyle/>
+                    <a:p>
+                      <a:pPr algn="ctr"/>
+                      <a:endParaRPr lang="ru-RU" dirty="0"/>
+                    </a:p>
+                  </a:txBody>
+                  <a:tcPr/>
+                </a:tc>
+                <a:tc>
+                  <a:txBody>
+                    <a:bodyPr/>
+                    <a:lstStyle/>
+                    <a:p>
+                      <a:pPr algn="ctr"/>
+                      <a:endParaRPr lang="ru-RU"/>
+                    </a:p>
+                  </a:txBody>
+                  <a:tcPr/>
+                </a:tc>
+                <a:tc>
+                  <a:txBody>
+                    <a:bodyPr/>
+                    <a:lstStyle/>
+                    <a:p>
+                      <a:pPr algn="ctr"/>
+                      <a:endParaRPr lang="ru-RU" dirty="0"/>
+                    </a:p>
+                  </a:txBody>
+                  <a:tcPr/>
+                </a:tc>
+              </a:tr>
+              <a:tr h="370840">
+                <a:tc>
+                  <a:txBody>
+                    <a:bodyPr/>
+                    <a:lstStyle/>
+                    <a:p>
+                      <a:pPr algn="ctr"/>
+                      <a:r>
+                        <a:rPr lang="en-US" dirty="0" smtClean="0"/>
+                        <a:t>0x04</a:t>
+                      </a:r>
+                      <a:endParaRPr lang="ru-RU" dirty="0"/>
+                    </a:p>
+                  </a:txBody>
+                  <a:tcPr/>
+                </a:tc>
+                <a:tc>
+                  <a:txBody>
+                    <a:bodyPr/>
+                    <a:lstStyle/>
+                    <a:p>
+                      <a:pPr algn="ctr"/>
+                      <a:endParaRPr lang="ru-RU" dirty="0"/>
+                    </a:p>
+                  </a:txBody>
+                  <a:tcPr/>
+                </a:tc>
+                <a:tc>
+                  <a:txBody>
+                    <a:bodyPr/>
+                    <a:lstStyle/>
+                    <a:p>
+                      <a:pPr algn="ctr"/>
+                      <a:r>
+                        <a:rPr lang="en-US" dirty="0" smtClean="0"/>
+                        <a:t>0x05</a:t>
+                      </a:r>
+                      <a:endParaRPr lang="ru-RU" dirty="0"/>
+                    </a:p>
+                  </a:txBody>
+                  <a:tcPr/>
+                </a:tc>
+                <a:tc>
+                  <a:txBody>
+                    <a:bodyPr/>
+                    <a:lstStyle/>
+                    <a:p>
+                      <a:pPr algn="ctr"/>
+                      <a:endParaRPr lang="ru-RU" dirty="0"/>
+                    </a:p>
+                  </a:txBody>
+                  <a:tcPr/>
+                </a:tc>
+                <a:tc>
+                  <a:txBody>
+                    <a:bodyPr/>
+                    <a:lstStyle/>
+                    <a:p>
+                      <a:pPr algn="ctr"/>
+                      <a:endParaRPr lang="ru-RU"/>
+                    </a:p>
+                  </a:txBody>
+                  <a:tcPr/>
+                </a:tc>
+                <a:tc>
+                  <a:txBody>
+                    <a:bodyPr/>
+                    <a:lstStyle/>
+                    <a:p>
+                      <a:pPr algn="ctr"/>
+                      <a:endParaRPr lang="ru-RU"/>
+                    </a:p>
+                  </a:txBody>
+                  <a:tcPr/>
+                </a:tc>
+              </a:tr>
+              <a:tr h="370840">
+                <a:tc>
+                  <a:txBody>
+                    <a:bodyPr/>
+                    <a:lstStyle/>
+                    <a:p>
+                      <a:pPr algn="ctr"/>
+                      <a:r>
+                        <a:rPr lang="en-US" dirty="0" smtClean="0"/>
+                        <a:t>0x06</a:t>
+                      </a:r>
+                      <a:endParaRPr lang="ru-RU" dirty="0"/>
+                    </a:p>
+                  </a:txBody>
+                  <a:tcPr/>
+                </a:tc>
+                <a:tc>
+                  <a:txBody>
+                    <a:bodyPr/>
+                    <a:lstStyle/>
+                    <a:p>
+                      <a:pPr algn="ctr"/>
+                      <a:endParaRPr lang="ru-RU" dirty="0"/>
+                    </a:p>
+                  </a:txBody>
+                  <a:tcPr/>
+                </a:tc>
+                <a:tc>
+                  <a:txBody>
+                    <a:bodyPr/>
+                    <a:lstStyle/>
+                    <a:p>
+                      <a:pPr algn="ctr"/>
+                      <a:r>
+                        <a:rPr lang="en-US" dirty="0" smtClean="0"/>
+                        <a:t>0x07</a:t>
+                      </a:r>
+                      <a:endParaRPr lang="ru-RU" dirty="0"/>
+                    </a:p>
+                  </a:txBody>
+                  <a:tcPr/>
+                </a:tc>
+                <a:tc>
+                  <a:txBody>
+                    <a:bodyPr/>
+                    <a:lstStyle/>
+                    <a:p>
+                      <a:pPr algn="ctr"/>
+                      <a:endParaRPr lang="ru-RU" dirty="0"/>
+                    </a:p>
+                  </a:txBody>
+                  <a:tcPr/>
+                </a:tc>
+                <a:tc>
+                  <a:txBody>
+                    <a:bodyPr/>
+                    <a:lstStyle/>
+                    <a:p>
+                      <a:pPr algn="ctr"/>
+                      <a:endParaRPr lang="ru-RU"/>
+                    </a:p>
+                  </a:txBody>
+                  <a:tcPr/>
+                </a:tc>
+                <a:tc>
+                  <a:txBody>
+                    <a:bodyPr/>
+                    <a:lstStyle/>
+                    <a:p>
+                      <a:pPr algn="ctr"/>
+                      <a:endParaRPr lang="ru-RU"/>
+                    </a:p>
+                  </a:txBody>
+                  <a:tcPr/>
+                </a:tc>
+              </a:tr>
+              <a:tr h="370840">
+                <a:tc>
+                  <a:txBody>
+                    <a:bodyPr/>
+                    <a:lstStyle/>
+                    <a:p>
+                      <a:pPr algn="ctr"/>
+                      <a:r>
+                        <a:rPr lang="en-US" dirty="0" smtClean="0"/>
+                        <a:t>0x08</a:t>
+                      </a:r>
+                      <a:endParaRPr lang="ru-RU" dirty="0"/>
+                    </a:p>
+                  </a:txBody>
+                  <a:tcPr/>
+                </a:tc>
+                <a:tc>
+                  <a:txBody>
+                    <a:bodyPr/>
+                    <a:lstStyle/>
+                    <a:p>
+                      <a:pPr algn="ctr"/>
+                      <a:endParaRPr lang="ru-RU" dirty="0"/>
+                    </a:p>
+                  </a:txBody>
+                  <a:tcPr/>
+                </a:tc>
+                <a:tc>
+                  <a:txBody>
+                    <a:bodyPr/>
+                    <a:lstStyle/>
+                    <a:p>
+                      <a:pPr algn="ctr"/>
+                      <a:r>
+                        <a:rPr lang="en-US" dirty="0" smtClean="0"/>
+                        <a:t>0x09</a:t>
+                      </a:r>
+                      <a:endParaRPr lang="ru-RU" dirty="0"/>
+                    </a:p>
+                  </a:txBody>
+                  <a:tcPr/>
+                </a:tc>
+                <a:tc>
+                  <a:txBody>
+                    <a:bodyPr/>
+                    <a:lstStyle/>
+                    <a:p>
+                      <a:pPr algn="ctr"/>
+                      <a:endParaRPr lang="ru-RU" dirty="0"/>
+                    </a:p>
+                  </a:txBody>
+                  <a:tcPr/>
+                </a:tc>
+                <a:tc>
+                  <a:txBody>
+                    <a:bodyPr/>
+                    <a:lstStyle/>
+                    <a:p>
+                      <a:pPr algn="ctr"/>
+                      <a:endParaRPr lang="ru-RU"/>
+                    </a:p>
+                  </a:txBody>
+                  <a:tcPr/>
+                </a:tc>
+                <a:tc>
+                  <a:txBody>
+                    <a:bodyPr/>
+                    <a:lstStyle/>
+                    <a:p>
+                      <a:pPr algn="ctr"/>
+                      <a:endParaRPr lang="ru-RU"/>
+                    </a:p>
+                  </a:txBody>
+                  <a:tcPr/>
+                </a:tc>
+              </a:tr>
+              <a:tr h="370840">
+                <a:tc>
+                  <a:txBody>
+                    <a:bodyPr/>
+                    <a:lstStyle/>
+                    <a:p>
+                      <a:pPr algn="ctr"/>
+                      <a:r>
+                        <a:rPr lang="en-US" dirty="0" smtClean="0"/>
+                        <a:t>0x0A</a:t>
+                      </a:r>
+                      <a:endParaRPr lang="ru-RU" dirty="0"/>
+                    </a:p>
+                  </a:txBody>
+                  <a:tcPr/>
+                </a:tc>
+                <a:tc>
+                  <a:txBody>
+                    <a:bodyPr/>
+                    <a:lstStyle/>
+                    <a:p>
+                      <a:pPr algn="ctr"/>
+                      <a:endParaRPr lang="ru-RU" dirty="0"/>
+                    </a:p>
+                  </a:txBody>
+                  <a:tcPr/>
+                </a:tc>
+                <a:tc>
+                  <a:txBody>
+                    <a:bodyPr/>
+                    <a:lstStyle/>
+                    <a:p>
+                      <a:pPr algn="ctr"/>
+                      <a:r>
+                        <a:rPr lang="en-US" dirty="0" smtClean="0"/>
+                        <a:t>0x0B</a:t>
+                      </a:r>
+                      <a:endParaRPr lang="ru-RU" dirty="0"/>
+                    </a:p>
+                  </a:txBody>
+                  <a:tcPr/>
+                </a:tc>
+                <a:tc>
+                  <a:txBody>
+                    <a:bodyPr/>
+                    <a:lstStyle/>
+                    <a:p>
+                      <a:pPr algn="ctr"/>
+                      <a:endParaRPr lang="ru-RU" dirty="0"/>
+                    </a:p>
+                  </a:txBody>
+                  <a:tcPr/>
+                </a:tc>
+                <a:tc>
+                  <a:txBody>
+                    <a:bodyPr/>
+                    <a:lstStyle/>
+                    <a:p>
+                      <a:pPr algn="ctr"/>
+                      <a:endParaRPr lang="ru-RU"/>
+                    </a:p>
+                  </a:txBody>
+                  <a:tcPr/>
+                </a:tc>
+                <a:tc>
+                  <a:txBody>
+                    <a:bodyPr/>
+                    <a:lstStyle/>
+                    <a:p>
+                      <a:pPr algn="ctr"/>
+                      <a:endParaRPr lang="ru-RU"/>
+                    </a:p>
+                  </a:txBody>
+                  <a:tcPr/>
+                </a:tc>
+              </a:tr>
+              <a:tr h="370840">
+                <a:tc>
+                  <a:txBody>
+                    <a:bodyPr/>
+                    <a:lstStyle/>
+                    <a:p>
+                      <a:pPr algn="ctr"/>
+                      <a:r>
+                        <a:rPr lang="en-US" dirty="0" smtClean="0"/>
+                        <a:t>0x0C</a:t>
+                      </a:r>
+                      <a:endParaRPr lang="ru-RU" dirty="0"/>
+                    </a:p>
+                  </a:txBody>
+                  <a:tcPr/>
+                </a:tc>
+                <a:tc>
+                  <a:txBody>
+                    <a:bodyPr/>
+                    <a:lstStyle/>
+                    <a:p>
+                      <a:pPr algn="ctr"/>
+                      <a:endParaRPr lang="ru-RU" dirty="0"/>
+                    </a:p>
+                  </a:txBody>
+                  <a:tcPr/>
+                </a:tc>
+                <a:tc>
+                  <a:txBody>
+                    <a:bodyPr/>
+                    <a:lstStyle/>
+                    <a:p>
+                      <a:pPr algn="ctr"/>
+                      <a:r>
+                        <a:rPr lang="en-US" dirty="0" smtClean="0"/>
+                        <a:t>0x0D</a:t>
+                      </a:r>
+                      <a:endParaRPr lang="ru-RU" dirty="0"/>
+                    </a:p>
+                  </a:txBody>
+                  <a:tcPr/>
+                </a:tc>
+                <a:tc>
+                  <a:txBody>
+                    <a:bodyPr/>
+                    <a:lstStyle/>
+                    <a:p>
+                      <a:pPr algn="ctr"/>
+                      <a:endParaRPr lang="ru-RU" dirty="0"/>
+                    </a:p>
+                  </a:txBody>
+                  <a:tcPr/>
+                </a:tc>
+                <a:tc>
+                  <a:txBody>
+                    <a:bodyPr/>
+                    <a:lstStyle/>
+                    <a:p>
+                      <a:pPr algn="ctr"/>
+                      <a:endParaRPr lang="ru-RU"/>
+                    </a:p>
+                  </a:txBody>
+                  <a:tcPr/>
+                </a:tc>
+                <a:tc>
+                  <a:txBody>
+                    <a:bodyPr/>
+                    <a:lstStyle/>
+                    <a:p>
+                      <a:pPr algn="ctr"/>
+                      <a:endParaRPr lang="ru-RU" dirty="0"/>
+                    </a:p>
+                  </a:txBody>
+                  <a:tcPr/>
+                </a:tc>
+              </a:tr>
+            </a:tbl>
+          </a:graphicData>
+        </a:graphic>
+      </p:graphicFrame>
     </p:spTree>
     <p:extLst>
       <p:ext uri="{BB962C8B-B14F-4D97-AF65-F5344CB8AC3E}">

--- a/ВКР (выпускная квалификационная работа)/MP-49_Ivanov_Roman_present.pptx
+++ b/ВКР (выпускная квалификационная работа)/MP-49_Ivanov_Roman_present.pptx
@@ -6152,7 +6152,7 @@
               <a:pPr/>
               <a:t>13</a:t>
             </a:fld>
-            <a:endParaRPr lang="ru-RU" sz="2000"/>
+            <a:endParaRPr lang="ru-RU" sz="2000" dirty="0"/>
           </a:p>
         </p:txBody>
       </p:sp>
@@ -7098,8 +7098,8 @@
         </p:nvSpPr>
         <p:spPr>
           <a:xfrm>
-            <a:off x="827584" y="62639"/>
-            <a:ext cx="7776864" cy="584775"/>
+            <a:off x="856159" y="62638"/>
+            <a:ext cx="7776864" cy="477054"/>
           </a:xfrm>
           <a:prstGeom prst="rect">
             <a:avLst/>
@@ -7114,21 +7114,21 @@
           <a:p>
             <a:pPr algn="ctr"/>
             <a:r>
-              <a:rPr lang="ru-RU" sz="3200" b="1" dirty="0" smtClean="0">
+              <a:rPr lang="ru-RU" sz="2500" b="1" dirty="0" smtClean="0">
                 <a:latin typeface="Arial" pitchFamily="34" charset="0"/>
                 <a:cs typeface="Arial" pitchFamily="34" charset="0"/>
               </a:rPr>
               <a:t>Формат передаваемого</a:t>
             </a:r>
             <a:r>
-              <a:rPr lang="ru-RU" sz="3200" b="1" dirty="0">
+              <a:rPr lang="ru-RU" sz="2500" b="1" dirty="0">
                 <a:latin typeface="Arial" pitchFamily="34" charset="0"/>
                 <a:cs typeface="Arial" pitchFamily="34" charset="0"/>
               </a:rPr>
               <a:t> </a:t>
             </a:r>
             <a:r>
-              <a:rPr lang="ru-RU" sz="3200" b="1" dirty="0" smtClean="0">
+              <a:rPr lang="ru-RU" sz="2500" b="1" dirty="0" smtClean="0">
                 <a:solidFill>
                   <a:srgbClr val="FF0000"/>
                 </a:solidFill>
@@ -7137,7 +7137,7 @@
               </a:rPr>
               <a:t>сообщения</a:t>
             </a:r>
-            <a:endParaRPr lang="ru-RU" sz="3200" b="1" dirty="0">
+            <a:endParaRPr lang="ru-RU" sz="2500" b="1" dirty="0">
               <a:solidFill>
                 <a:srgbClr val="FF0000"/>
               </a:solidFill>
@@ -7416,7 +7416,7 @@
         </p:blipFill>
         <p:spPr bwMode="auto">
           <a:xfrm>
-            <a:off x="2917345" y="1085993"/>
+            <a:off x="2917345" y="1046894"/>
             <a:ext cx="557471" cy="525002"/>
           </a:xfrm>
           <a:prstGeom prst="rect">
@@ -7480,7 +7480,7 @@
         </p:blipFill>
         <p:spPr bwMode="auto">
           <a:xfrm>
-            <a:off x="3474816" y="1085993"/>
+            <a:off x="3474816" y="1046894"/>
             <a:ext cx="1296144" cy="563541"/>
           </a:xfrm>
           <a:prstGeom prst="rect">
@@ -7544,7 +7544,7 @@
         </p:blipFill>
         <p:spPr bwMode="auto">
           <a:xfrm>
-            <a:off x="5440321" y="1132916"/>
+            <a:off x="5453259" y="1046894"/>
             <a:ext cx="2440916" cy="447675"/>
           </a:xfrm>
           <a:prstGeom prst="rect">
@@ -7594,7 +7594,7 @@
         <p:spPr>
           <a:xfrm>
             <a:off x="1640233" y="1580591"/>
-            <a:ext cx="1427592" cy="369332"/>
+            <a:ext cx="1427592" cy="338554"/>
           </a:xfrm>
           <a:prstGeom prst="rect">
             <a:avLst/>
@@ -7608,20 +7608,20 @@
           <a:lstStyle/>
           <a:p>
             <a:r>
-              <a:rPr lang="en-US" b="1" dirty="0" smtClean="0">
+              <a:rPr lang="en-US" sz="1600" b="1" dirty="0" smtClean="0">
                 <a:latin typeface="Arial" pitchFamily="34" charset="0"/>
                 <a:cs typeface="Arial" pitchFamily="34" charset="0"/>
               </a:rPr>
               <a:t>id </a:t>
             </a:r>
             <a:r>
-              <a:rPr lang="ru-RU" b="1" dirty="0" smtClean="0">
+              <a:rPr lang="ru-RU" sz="1600" b="1" dirty="0" smtClean="0">
                 <a:latin typeface="Arial" pitchFamily="34" charset="0"/>
                 <a:cs typeface="Arial" pitchFamily="34" charset="0"/>
               </a:rPr>
               <a:t>клиента</a:t>
             </a:r>
-            <a:endParaRPr lang="ru-RU" b="1" dirty="0">
+            <a:endParaRPr lang="ru-RU" sz="1600" b="1" dirty="0">
               <a:latin typeface="Arial" pitchFamily="34" charset="0"/>
               <a:cs typeface="Arial" pitchFamily="34" charset="0"/>
             </a:endParaRPr>
@@ -7636,8 +7636,8 @@
         </p:nvSpPr>
         <p:spPr>
           <a:xfrm rot="16200000">
-            <a:off x="2409128" y="2248573"/>
-            <a:ext cx="1567410" cy="369332"/>
+            <a:off x="2445649" y="2000167"/>
+            <a:ext cx="1440985" cy="338554"/>
           </a:xfrm>
           <a:prstGeom prst="rect">
             <a:avLst/>
@@ -7651,27 +7651,27 @@
           <a:lstStyle/>
           <a:p>
             <a:r>
-              <a:rPr lang="ru-RU" b="1" dirty="0" smtClean="0">
+              <a:rPr lang="ru-RU" sz="1600" b="1" dirty="0" smtClean="0">
                 <a:latin typeface="Arial" pitchFamily="34" charset="0"/>
                 <a:cs typeface="Arial" pitchFamily="34" charset="0"/>
               </a:rPr>
               <a:t>бит </a:t>
             </a:r>
             <a:r>
-              <a:rPr lang="ru-RU" b="1" dirty="0" smtClean="0">
+              <a:rPr lang="ru-RU" sz="1600" b="1" dirty="0" smtClean="0">
                 <a:latin typeface="Arial" pitchFamily="34" charset="0"/>
                 <a:cs typeface="Arial" pitchFamily="34" charset="0"/>
               </a:rPr>
               <a:t> </a:t>
             </a:r>
             <a:r>
-              <a:rPr lang="ru-RU" b="1" dirty="0" smtClean="0">
+              <a:rPr lang="ru-RU" sz="1600" b="1" dirty="0" smtClean="0">
                 <a:latin typeface="Arial" pitchFamily="34" charset="0"/>
                 <a:cs typeface="Arial" pitchFamily="34" charset="0"/>
               </a:rPr>
               <a:t>флагов</a:t>
             </a:r>
-            <a:endParaRPr lang="ru-RU" b="1" dirty="0">
+            <a:endParaRPr lang="ru-RU" sz="1600" b="1" dirty="0">
               <a:latin typeface="Arial" pitchFamily="34" charset="0"/>
               <a:cs typeface="Arial" pitchFamily="34" charset="0"/>
             </a:endParaRPr>
@@ -7687,7 +7687,7 @@
         <p:spPr>
           <a:xfrm>
             <a:off x="3335418" y="1581158"/>
-            <a:ext cx="1627526" cy="646331"/>
+            <a:ext cx="1627526" cy="584775"/>
           </a:xfrm>
           <a:prstGeom prst="rect">
             <a:avLst/>
@@ -7702,34 +7702,34 @@
           <a:p>
             <a:pPr algn="ctr"/>
             <a:r>
-              <a:rPr lang="ru-RU" b="1" dirty="0">
+              <a:rPr lang="ru-RU" sz="1600" b="1" dirty="0">
                 <a:latin typeface="Arial" pitchFamily="34" charset="0"/>
                 <a:cs typeface="Arial" pitchFamily="34" charset="0"/>
               </a:rPr>
               <a:t>к</a:t>
             </a:r>
             <a:r>
-              <a:rPr lang="ru-RU" b="1" dirty="0" smtClean="0">
+              <a:rPr lang="ru-RU" sz="1600" b="1" dirty="0" smtClean="0">
                 <a:latin typeface="Arial" pitchFamily="34" charset="0"/>
                 <a:cs typeface="Arial" pitchFamily="34" charset="0"/>
               </a:rPr>
               <a:t>од ответа</a:t>
             </a:r>
             <a:r>
-              <a:rPr lang="en-US" b="1" dirty="0" smtClean="0">
+              <a:rPr lang="en-US" sz="1600" b="1" dirty="0" smtClean="0">
                 <a:latin typeface="Arial" pitchFamily="34" charset="0"/>
                 <a:cs typeface="Arial" pitchFamily="34" charset="0"/>
               </a:rPr>
               <a:t>/</a:t>
             </a:r>
             <a:r>
-              <a:rPr lang="ru-RU" b="1" dirty="0" smtClean="0">
+              <a:rPr lang="ru-RU" sz="1600" b="1" dirty="0" smtClean="0">
                 <a:latin typeface="Arial" pitchFamily="34" charset="0"/>
                 <a:cs typeface="Arial" pitchFamily="34" charset="0"/>
               </a:rPr>
               <a:t> запроса</a:t>
             </a:r>
-            <a:endParaRPr lang="ru-RU" b="1" dirty="0">
+            <a:endParaRPr lang="ru-RU" sz="1600" b="1" dirty="0">
               <a:latin typeface="Arial" pitchFamily="34" charset="0"/>
               <a:cs typeface="Arial" pitchFamily="34" charset="0"/>
             </a:endParaRPr>
@@ -7759,8 +7759,8 @@
         </p:blipFill>
         <p:spPr bwMode="auto">
           <a:xfrm>
-            <a:off x="4729537" y="1132916"/>
-            <a:ext cx="710784" cy="525002"/>
+            <a:off x="4716020" y="1109278"/>
+            <a:ext cx="710784" cy="322905"/>
           </a:xfrm>
           <a:prstGeom prst="rect">
             <a:avLst/>
@@ -7808,8 +7808,8 @@
         </p:nvSpPr>
         <p:spPr>
           <a:xfrm rot="16200000">
-            <a:off x="4140020" y="2216939"/>
-            <a:ext cx="1889819" cy="366316"/>
+            <a:off x="4189467" y="1838714"/>
+            <a:ext cx="1763891" cy="338554"/>
           </a:xfrm>
           <a:prstGeom prst="rect">
             <a:avLst/>
@@ -7823,20 +7823,20 @@
           <a:lstStyle/>
           <a:p>
             <a:r>
-              <a:rPr lang="ru-RU" b="1" dirty="0">
+              <a:rPr lang="ru-RU" sz="1600" b="1" dirty="0">
                 <a:latin typeface="Arial" pitchFamily="34" charset="0"/>
                 <a:cs typeface="Arial" pitchFamily="34" charset="0"/>
               </a:rPr>
               <a:t>д</a:t>
             </a:r>
             <a:r>
-              <a:rPr lang="ru-RU" b="1" dirty="0" smtClean="0">
+              <a:rPr lang="ru-RU" sz="1600" b="1" dirty="0" smtClean="0">
                 <a:latin typeface="Arial" pitchFamily="34" charset="0"/>
                 <a:cs typeface="Arial" pitchFamily="34" charset="0"/>
               </a:rPr>
               <a:t>лина данных</a:t>
             </a:r>
-            <a:endParaRPr lang="ru-RU" b="1" dirty="0">
+            <a:endParaRPr lang="ru-RU" sz="1600" b="1" dirty="0">
               <a:latin typeface="Arial" pitchFamily="34" charset="0"/>
               <a:cs typeface="Arial" pitchFamily="34" charset="0"/>
             </a:endParaRPr>
@@ -7852,7 +7852,7 @@
         <p:spPr>
           <a:xfrm>
             <a:off x="6120719" y="1610995"/>
-            <a:ext cx="1080120" cy="369332"/>
+            <a:ext cx="1080120" cy="338554"/>
           </a:xfrm>
           <a:prstGeom prst="rect">
             <a:avLst/>
@@ -7866,40 +7866,16 @@
           <a:lstStyle/>
           <a:p>
             <a:r>
-              <a:rPr lang="ru-RU" b="1" dirty="0" smtClean="0">
+              <a:rPr lang="ru-RU" sz="1600" b="1" dirty="0" smtClean="0">
                 <a:latin typeface="Arial" pitchFamily="34" charset="0"/>
                 <a:cs typeface="Arial" pitchFamily="34" charset="0"/>
               </a:rPr>
               <a:t>данные</a:t>
             </a:r>
-            <a:endParaRPr lang="ru-RU" b="1" dirty="0">
+            <a:endParaRPr lang="ru-RU" sz="1600" b="1" dirty="0">
               <a:latin typeface="Arial" pitchFamily="34" charset="0"/>
               <a:cs typeface="Arial" pitchFamily="34" charset="0"/>
             </a:endParaRPr>
-          </a:p>
-        </p:txBody>
-      </p:sp>
-      <p:sp>
-        <p:nvSpPr>
-          <p:cNvPr id="23" name="Номер слайда 22"/>
-          <p:cNvSpPr>
-            <a:spLocks noGrp="1"/>
-          </p:cNvSpPr>
-          <p:nvPr>
-            <p:ph type="sldNum" sz="quarter" idx="12"/>
-          </p:nvPr>
-        </p:nvSpPr>
-        <p:spPr/>
-        <p:txBody>
-          <a:bodyPr/>
-          <a:lstStyle/>
-          <a:p>
-            <a:fld id="{B19B0651-EE4F-4900-A07F-96A6BFA9D0F0}" type="slidenum">
-              <a:rPr lang="ru-RU" sz="2000" smtClean="0"/>
-              <a:pPr/>
-              <a:t>14</a:t>
-            </a:fld>
-            <a:endParaRPr lang="ru-RU" sz="2000" dirty="0"/>
           </a:p>
         </p:txBody>
       </p:sp>
@@ -7912,14 +7888,14 @@
           <p:nvPr>
             <p:extLst>
               <p:ext uri="{D42A27DB-BD31-4B8C-83A1-F6EECF244321}">
-                <p14:modId xmlns:p14="http://schemas.microsoft.com/office/powerpoint/2010/main" val="3340914057"/>
+                <p14:modId xmlns:p14="http://schemas.microsoft.com/office/powerpoint/2010/main" val="2097032537"/>
               </p:ext>
             </p:extLst>
           </p:nvPr>
         </p:nvGraphicFramePr>
         <p:xfrm>
-          <a:off x="179512" y="3345007"/>
-          <a:ext cx="8259087" cy="3235960"/>
+          <a:off x="232259" y="2842475"/>
+          <a:ext cx="8817534" cy="3814735"/>
         </p:xfrm>
         <a:graphic>
           <a:graphicData uri="http://schemas.openxmlformats.org/drawingml/2006/table">
@@ -7928,12 +7904,10 @@
                 <a:tableStyleId>{5C22544A-7EE6-4342-B048-85BDC9FD1C3A}</a:tableStyleId>
               </a:tblPr>
               <a:tblGrid>
-                <a:gridCol w="1130286"/>
-                <a:gridCol w="1622745"/>
-                <a:gridCol w="969543"/>
-                <a:gridCol w="1783487"/>
-                <a:gridCol w="1024825"/>
-                <a:gridCol w="1728201"/>
+                <a:gridCol w="1477518"/>
+                <a:gridCol w="3245292"/>
+                <a:gridCol w="1470232"/>
+                <a:gridCol w="2624492"/>
               </a:tblGrid>
               <a:tr h="370840">
                 <a:tc>
@@ -7943,10 +7917,16 @@
                     <a:p>
                       <a:pPr algn="ctr"/>
                       <a:r>
-                        <a:rPr lang="ru-RU" dirty="0" smtClean="0"/>
+                        <a:rPr lang="ru-RU" sz="1600" dirty="0" smtClean="0">
+                          <a:latin typeface="Arial" pitchFamily="34" charset="0"/>
+                          <a:cs typeface="Arial" pitchFamily="34" charset="0"/>
+                        </a:rPr>
                         <a:t>Код запроса</a:t>
                       </a:r>
-                      <a:endParaRPr lang="ru-RU" dirty="0"/>
+                      <a:endParaRPr lang="ru-RU" sz="1600" dirty="0">
+                        <a:latin typeface="Arial" pitchFamily="34" charset="0"/>
+                        <a:cs typeface="Arial" pitchFamily="34" charset="0"/>
+                      </a:endParaRPr>
                     </a:p>
                   </a:txBody>
                   <a:tcPr/>
@@ -7958,10 +7938,16 @@
                     <a:p>
                       <a:pPr algn="ctr"/>
                       <a:r>
-                        <a:rPr lang="ru-RU" dirty="0" smtClean="0"/>
+                        <a:rPr lang="ru-RU" sz="1600" dirty="0" smtClean="0">
+                          <a:latin typeface="Arial" pitchFamily="34" charset="0"/>
+                          <a:cs typeface="Arial" pitchFamily="34" charset="0"/>
+                        </a:rPr>
                         <a:t>Значение</a:t>
                       </a:r>
-                      <a:endParaRPr lang="ru-RU" dirty="0"/>
+                      <a:endParaRPr lang="ru-RU" sz="1600" dirty="0">
+                        <a:latin typeface="Arial" pitchFamily="34" charset="0"/>
+                        <a:cs typeface="Arial" pitchFamily="34" charset="0"/>
+                      </a:endParaRPr>
                     </a:p>
                   </a:txBody>
                   <a:tcPr/>
@@ -7973,10 +7959,16 @@
                     <a:p>
                       <a:pPr algn="ctr"/>
                       <a:r>
-                        <a:rPr lang="ru-RU" dirty="0" smtClean="0"/>
+                        <a:rPr lang="ru-RU" sz="1600" dirty="0" smtClean="0">
+                          <a:latin typeface="Arial" pitchFamily="34" charset="0"/>
+                          <a:cs typeface="Arial" pitchFamily="34" charset="0"/>
+                        </a:rPr>
                         <a:t>Код ответа</a:t>
                       </a:r>
-                      <a:endParaRPr lang="ru-RU" dirty="0"/>
+                      <a:endParaRPr lang="ru-RU" sz="1600" dirty="0">
+                        <a:latin typeface="Arial" pitchFamily="34" charset="0"/>
+                        <a:cs typeface="Arial" pitchFamily="34" charset="0"/>
+                      </a:endParaRPr>
                     </a:p>
                   </a:txBody>
                   <a:tcPr/>
@@ -7988,44 +7980,16 @@
                     <a:p>
                       <a:pPr algn="ctr"/>
                       <a:r>
-                        <a:rPr lang="ru-RU" dirty="0" smtClean="0"/>
+                        <a:rPr lang="ru-RU" sz="1600" dirty="0" smtClean="0">
+                          <a:latin typeface="Arial" pitchFamily="34" charset="0"/>
+                          <a:cs typeface="Arial" pitchFamily="34" charset="0"/>
+                        </a:rPr>
                         <a:t>Значение</a:t>
                       </a:r>
-                      <a:endParaRPr lang="ru-RU" dirty="0"/>
-                    </a:p>
-                  </a:txBody>
-                  <a:tcPr/>
-                </a:tc>
-                <a:tc>
-                  <a:txBody>
-                    <a:bodyPr/>
-                    <a:lstStyle/>
-                    <a:p>
-                      <a:pPr algn="ctr"/>
-                      <a:r>
-                        <a:rPr lang="ru-RU" dirty="0" smtClean="0"/>
-                        <a:t>Бит</a:t>
-                      </a:r>
-                      <a:r>
-                        <a:rPr lang="ru-RU" baseline="0" dirty="0" smtClean="0"/>
-                        <a:t> флагов</a:t>
-                      </a:r>
-                      <a:endParaRPr lang="ru-RU" dirty="0"/>
-                    </a:p>
-                  </a:txBody>
-                  <a:tcPr/>
-                </a:tc>
-                <a:tc>
-                  <a:txBody>
-                    <a:bodyPr/>
-                    <a:lstStyle/>
-                    <a:p>
-                      <a:pPr algn="ctr"/>
-                      <a:r>
-                        <a:rPr lang="ru-RU" dirty="0" smtClean="0"/>
-                        <a:t>Значение</a:t>
-                      </a:r>
-                      <a:endParaRPr lang="ru-RU" dirty="0"/>
+                      <a:endParaRPr lang="ru-RU" sz="1600" dirty="0">
+                        <a:latin typeface="Arial" pitchFamily="34" charset="0"/>
+                        <a:cs typeface="Arial" pitchFamily="34" charset="0"/>
+                      </a:endParaRPr>
                     </a:p>
                   </a:txBody>
                   <a:tcPr/>
@@ -8039,21 +8003,22 @@
                     <a:p>
                       <a:pPr algn="ctr"/>
                       <a:r>
-                        <a:rPr lang="en-US" dirty="0" smtClean="0"/>
+                        <a:rPr lang="en-US" sz="1600" b="1" dirty="0" smtClean="0">
+                          <a:solidFill>
+                            <a:srgbClr val="FF0000"/>
+                          </a:solidFill>
+                          <a:latin typeface="Arial" pitchFamily="34" charset="0"/>
+                          <a:cs typeface="Arial" pitchFamily="34" charset="0"/>
+                        </a:rPr>
                         <a:t>0x00</a:t>
                       </a:r>
-                      <a:endParaRPr lang="ru-RU" dirty="0"/>
-                    </a:p>
-                  </a:txBody>
-                  <a:tcPr/>
-                </a:tc>
-                <a:tc>
-                  <a:txBody>
-                    <a:bodyPr/>
-                    <a:lstStyle/>
-                    <a:p>
-                      <a:pPr algn="ctr"/>
-                      <a:endParaRPr lang="ru-RU" dirty="0"/>
+                      <a:endParaRPr lang="ru-RU" sz="1600" b="1" dirty="0">
+                        <a:solidFill>
+                          <a:srgbClr val="FF0000"/>
+                        </a:solidFill>
+                        <a:latin typeface="Arial" pitchFamily="34" charset="0"/>
+                        <a:cs typeface="Arial" pitchFamily="34" charset="0"/>
+                      </a:endParaRPr>
                     </a:p>
                   </a:txBody>
                   <a:tcPr/>
@@ -8065,10 +8030,16 @@
                     <a:p>
                       <a:pPr algn="ctr"/>
                       <a:r>
-                        <a:rPr lang="en-US" dirty="0" smtClean="0"/>
-                        <a:t>0x01</a:t>
+                        <a:rPr lang="ru-RU" sz="1400" baseline="0" dirty="0" smtClean="0">
+                          <a:latin typeface="Arial" pitchFamily="34" charset="0"/>
+                          <a:cs typeface="Arial" pitchFamily="34" charset="0"/>
+                        </a:rPr>
+                        <a:t>Запрос на аутентификацию клиента</a:t>
                       </a:r>
-                      <a:endParaRPr lang="ru-RU" dirty="0"/>
+                      <a:endParaRPr lang="ru-RU" sz="1400" dirty="0">
+                        <a:latin typeface="Arial" pitchFamily="34" charset="0"/>
+                        <a:cs typeface="Arial" pitchFamily="34" charset="0"/>
+                      </a:endParaRPr>
                     </a:p>
                   </a:txBody>
                   <a:tcPr/>
@@ -8079,7 +8050,23 @@
                     <a:lstStyle/>
                     <a:p>
                       <a:pPr algn="ctr"/>
-                      <a:endParaRPr lang="ru-RU" dirty="0"/>
+                      <a:r>
+                        <a:rPr lang="en-US" sz="1600" b="1" dirty="0" smtClean="0">
+                          <a:solidFill>
+                            <a:srgbClr val="FF0000"/>
+                          </a:solidFill>
+                          <a:latin typeface="Arial" pitchFamily="34" charset="0"/>
+                          <a:cs typeface="Arial" pitchFamily="34" charset="0"/>
+                        </a:rPr>
+                        <a:t>0x01</a:t>
+                      </a:r>
+                      <a:endParaRPr lang="ru-RU" sz="1600" b="1" dirty="0">
+                        <a:solidFill>
+                          <a:srgbClr val="FF0000"/>
+                        </a:solidFill>
+                        <a:latin typeface="Arial" pitchFamily="34" charset="0"/>
+                        <a:cs typeface="Arial" pitchFamily="34" charset="0"/>
+                      </a:endParaRPr>
                     </a:p>
                   </a:txBody>
                   <a:tcPr/>
@@ -8090,18 +8077,37 @@
                     <a:lstStyle/>
                     <a:p>
                       <a:pPr algn="ctr"/>
-                      <a:endParaRPr lang="ru-RU" dirty="0"/>
-                    </a:p>
-                  </a:txBody>
-                  <a:tcPr/>
-                </a:tc>
-                <a:tc>
-                  <a:txBody>
-                    <a:bodyPr/>
-                    <a:lstStyle/>
-                    <a:p>
-                      <a:pPr algn="ctr"/>
-                      <a:endParaRPr lang="ru-RU" dirty="0"/>
+                      <a:r>
+                        <a:rPr lang="ru-RU" sz="1400" dirty="0" smtClean="0">
+                          <a:latin typeface="Arial" pitchFamily="34" charset="0"/>
+                          <a:cs typeface="Arial" pitchFamily="34" charset="0"/>
+                        </a:rPr>
+                        <a:t>Случайное</a:t>
+                      </a:r>
+                      <a:r>
+                        <a:rPr lang="ru-RU" sz="1400" baseline="0" dirty="0" smtClean="0">
+                          <a:latin typeface="Arial" pitchFamily="34" charset="0"/>
+                          <a:cs typeface="Arial" pitchFamily="34" charset="0"/>
+                        </a:rPr>
+                        <a:t> число </a:t>
+                      </a:r>
+                      <a:r>
+                        <a:rPr lang="en-US" sz="1400" b="1" i="0" baseline="0" dirty="0" smtClean="0">
+                          <a:solidFill>
+                            <a:srgbClr val="FF0000"/>
+                          </a:solidFill>
+                          <a:latin typeface="Arial" pitchFamily="34" charset="0"/>
+                          <a:cs typeface="Arial" pitchFamily="34" charset="0"/>
+                        </a:rPr>
+                        <a:t>r1</a:t>
+                      </a:r>
+                      <a:endParaRPr lang="ru-RU" sz="1400" b="1" i="0" dirty="0">
+                        <a:solidFill>
+                          <a:srgbClr val="FF0000"/>
+                        </a:solidFill>
+                        <a:latin typeface="Arial" pitchFamily="34" charset="0"/>
+                        <a:cs typeface="Arial" pitchFamily="34" charset="0"/>
+                      </a:endParaRPr>
                     </a:p>
                   </a:txBody>
                   <a:tcPr/>
@@ -8115,21 +8121,22 @@
                     <a:p>
                       <a:pPr algn="ctr"/>
                       <a:r>
-                        <a:rPr lang="en-US" dirty="0" smtClean="0"/>
+                        <a:rPr lang="en-US" sz="1600" b="1" dirty="0" smtClean="0">
+                          <a:solidFill>
+                            <a:srgbClr val="FF0000"/>
+                          </a:solidFill>
+                          <a:latin typeface="Arial" pitchFamily="34" charset="0"/>
+                          <a:cs typeface="Arial" pitchFamily="34" charset="0"/>
+                        </a:rPr>
                         <a:t>0x02</a:t>
                       </a:r>
-                      <a:endParaRPr lang="ru-RU" dirty="0"/>
-                    </a:p>
-                  </a:txBody>
-                  <a:tcPr/>
-                </a:tc>
-                <a:tc>
-                  <a:txBody>
-                    <a:bodyPr/>
-                    <a:lstStyle/>
-                    <a:p>
-                      <a:pPr algn="ctr"/>
-                      <a:endParaRPr lang="ru-RU" dirty="0"/>
+                      <a:endParaRPr lang="ru-RU" sz="1600" b="1" dirty="0">
+                        <a:solidFill>
+                          <a:srgbClr val="FF0000"/>
+                        </a:solidFill>
+                        <a:latin typeface="Arial" pitchFamily="34" charset="0"/>
+                        <a:cs typeface="Arial" pitchFamily="34" charset="0"/>
+                      </a:endParaRPr>
                     </a:p>
                   </a:txBody>
                   <a:tcPr/>
@@ -8141,10 +8148,23 @@
                     <a:p>
                       <a:pPr algn="ctr"/>
                       <a:r>
-                        <a:rPr lang="en-US" dirty="0" smtClean="0"/>
-                        <a:t>0x03</a:t>
+                        <a:rPr lang="ru-RU" sz="1400" dirty="0" smtClean="0">
+                          <a:latin typeface="Arial" pitchFamily="34" charset="0"/>
+                          <a:cs typeface="Arial" pitchFamily="34" charset="0"/>
+                        </a:rPr>
+                        <a:t>Результат</a:t>
                       </a:r>
-                      <a:endParaRPr lang="ru-RU" dirty="0"/>
+                      <a:r>
+                        <a:rPr lang="ru-RU" sz="1400" baseline="0" dirty="0" smtClean="0">
+                          <a:latin typeface="Arial" pitchFamily="34" charset="0"/>
+                          <a:cs typeface="Arial" pitchFamily="34" charset="0"/>
+                        </a:rPr>
+                        <a:t> проверки подлинности клиента</a:t>
+                      </a:r>
+                      <a:endParaRPr lang="ru-RU" sz="1400" dirty="0">
+                        <a:latin typeface="Arial" pitchFamily="34" charset="0"/>
+                        <a:cs typeface="Arial" pitchFamily="34" charset="0"/>
+                      </a:endParaRPr>
                     </a:p>
                   </a:txBody>
                   <a:tcPr/>
@@ -8155,7 +8175,23 @@
                     <a:lstStyle/>
                     <a:p>
                       <a:pPr algn="ctr"/>
-                      <a:endParaRPr lang="ru-RU" dirty="0"/>
+                      <a:r>
+                        <a:rPr lang="en-US" sz="1400" b="1" dirty="0" smtClean="0">
+                          <a:solidFill>
+                            <a:srgbClr val="FF0000"/>
+                          </a:solidFill>
+                          <a:latin typeface="Arial" pitchFamily="34" charset="0"/>
+                          <a:cs typeface="Arial" pitchFamily="34" charset="0"/>
+                        </a:rPr>
+                        <a:t>0x03</a:t>
+                      </a:r>
+                      <a:endParaRPr lang="ru-RU" sz="1400" b="1" dirty="0">
+                        <a:solidFill>
+                          <a:srgbClr val="FF0000"/>
+                        </a:solidFill>
+                        <a:latin typeface="Arial" pitchFamily="34" charset="0"/>
+                        <a:cs typeface="Arial" pitchFamily="34" charset="0"/>
+                      </a:endParaRPr>
                     </a:p>
                   </a:txBody>
                   <a:tcPr/>
@@ -8166,18 +8202,87 @@
                     <a:lstStyle/>
                     <a:p>
                       <a:pPr algn="ctr"/>
-                      <a:endParaRPr lang="ru-RU"/>
-                    </a:p>
-                  </a:txBody>
-                  <a:tcPr/>
-                </a:tc>
-                <a:tc>
-                  <a:txBody>
-                    <a:bodyPr/>
-                    <a:lstStyle/>
-                    <a:p>
-                      <a:pPr algn="ctr"/>
-                      <a:endParaRPr lang="ru-RU" dirty="0"/>
+                      <a:r>
+                        <a:rPr lang="ru-RU" sz="1400" b="0" i="0" u="none" strike="noStrike" kern="1200" baseline="0" dirty="0" smtClean="0">
+                          <a:solidFill>
+                            <a:schemeClr val="dk1"/>
+                          </a:solidFill>
+                          <a:latin typeface="Arial" pitchFamily="34" charset="0"/>
+                          <a:ea typeface="+mn-ea"/>
+                          <a:cs typeface="Arial" pitchFamily="34" charset="0"/>
+                        </a:rPr>
+                        <a:t>Значение </a:t>
+                      </a:r>
+                      <a:r>
+                        <a:rPr lang="en-US" sz="1400" b="1" i="0" u="none" strike="noStrike" kern="1200" baseline="0" dirty="0" err="1" smtClean="0">
+                          <a:solidFill>
+                            <a:srgbClr val="FF0000"/>
+                          </a:solidFill>
+                          <a:latin typeface="Arial" pitchFamily="34" charset="0"/>
+                          <a:ea typeface="+mn-ea"/>
+                          <a:cs typeface="Arial" pitchFamily="34" charset="0"/>
+                        </a:rPr>
+                        <a:t>E</a:t>
+                      </a:r>
+                      <a:r>
+                        <a:rPr lang="en-US" sz="1400" b="1" i="0" u="none" strike="noStrike" kern="1200" baseline="-25000" dirty="0" err="1" smtClean="0">
+                          <a:solidFill>
+                            <a:srgbClr val="FF0000"/>
+                          </a:solidFill>
+                          <a:latin typeface="Arial" pitchFamily="34" charset="0"/>
+                          <a:ea typeface="+mn-ea"/>
+                          <a:cs typeface="Arial" pitchFamily="34" charset="0"/>
+                        </a:rPr>
+                        <a:t>k</a:t>
+                      </a:r>
+                      <a:r>
+                        <a:rPr lang="ru-RU" sz="1400" b="1" i="0" u="none" strike="noStrike" kern="1200" baseline="0" dirty="0" smtClean="0">
+                          <a:solidFill>
+                            <a:srgbClr val="FF0000"/>
+                          </a:solidFill>
+                          <a:latin typeface="Arial" pitchFamily="34" charset="0"/>
+                          <a:ea typeface="+mn-ea"/>
+                          <a:cs typeface="Arial" pitchFamily="34" charset="0"/>
+                        </a:rPr>
+                        <a:t>(</a:t>
+                      </a:r>
+                      <a:r>
+                        <a:rPr lang="en-US" sz="1400" b="1" i="0" u="none" strike="noStrike" kern="1200" baseline="0" dirty="0" smtClean="0">
+                          <a:solidFill>
+                            <a:srgbClr val="FF0000"/>
+                          </a:solidFill>
+                          <a:latin typeface="Arial" pitchFamily="34" charset="0"/>
+                          <a:ea typeface="+mn-ea"/>
+                          <a:cs typeface="Arial" pitchFamily="34" charset="0"/>
+                        </a:rPr>
+                        <a:t>r</a:t>
+                      </a:r>
+                      <a:r>
+                        <a:rPr lang="ru-RU" sz="1400" b="1" i="0" u="none" strike="noStrike" kern="1200" baseline="0" dirty="0" smtClean="0">
+                          <a:solidFill>
+                            <a:srgbClr val="FF0000"/>
+                          </a:solidFill>
+                          <a:latin typeface="Arial" pitchFamily="34" charset="0"/>
+                          <a:ea typeface="+mn-ea"/>
+                          <a:cs typeface="Arial" pitchFamily="34" charset="0"/>
+                        </a:rPr>
+                        <a:t>1)</a:t>
+                      </a:r>
+                      <a:r>
+                        <a:rPr lang="ru-RU" sz="1400" b="0" i="0" u="none" strike="noStrike" kern="1200" baseline="0" dirty="0" smtClean="0">
+                          <a:solidFill>
+                            <a:schemeClr val="dk1"/>
+                          </a:solidFill>
+                          <a:latin typeface="Arial" pitchFamily="34" charset="0"/>
+                          <a:ea typeface="+mn-ea"/>
+                          <a:cs typeface="Arial" pitchFamily="34" charset="0"/>
+                        </a:rPr>
+                        <a:t> + имитовставка </a:t>
+                      </a:r>
+                      <a:endParaRPr lang="ru-RU" sz="1400" dirty="0">
+                        <a:latin typeface="Arial" pitchFamily="34" charset="0"/>
+                        <a:cs typeface="Arial" pitchFamily="34" charset="0"/>
+                      </a:endParaRPr>
                     </a:p>
                   </a:txBody>
                   <a:tcPr/>
@@ -8191,10 +8296,22 @@
                     <a:p>
                       <a:pPr algn="ctr"/>
                       <a:r>
-                        <a:rPr lang="en-US" dirty="0" smtClean="0"/>
+                        <a:rPr lang="en-US" sz="1600" b="1" dirty="0" smtClean="0">
+                          <a:solidFill>
+                            <a:srgbClr val="FF0000"/>
+                          </a:solidFill>
+                          <a:latin typeface="Arial" pitchFamily="34" charset="0"/>
+                          <a:cs typeface="Arial" pitchFamily="34" charset="0"/>
+                        </a:rPr>
                         <a:t>0x04</a:t>
                       </a:r>
-                      <a:endParaRPr lang="ru-RU" dirty="0"/>
+                      <a:endParaRPr lang="ru-RU" sz="1600" b="1" dirty="0">
+                        <a:solidFill>
+                          <a:srgbClr val="FF0000"/>
+                        </a:solidFill>
+                        <a:latin typeface="Arial" pitchFamily="34" charset="0"/>
+                        <a:cs typeface="Arial" pitchFamily="34" charset="0"/>
+                      </a:endParaRPr>
                     </a:p>
                   </a:txBody>
                   <a:tcPr/>
@@ -8204,8 +8321,74 @@
                     <a:bodyPr/>
                     <a:lstStyle/>
                     <a:p>
-                      <a:pPr algn="ctr"/>
-                      <a:endParaRPr lang="ru-RU" dirty="0"/>
+                      <a:pPr marL="0" marR="0" indent="0" algn="ctr" defTabSz="914400" rtl="0" eaLnBrk="1" fontAlgn="auto" latinLnBrk="0" hangingPunct="1">
+                        <a:lnSpc>
+                          <a:spcPct val="100000"/>
+                        </a:lnSpc>
+                        <a:spcBef>
+                          <a:spcPts val="0"/>
+                        </a:spcBef>
+                        <a:spcAft>
+                          <a:spcPts val="0"/>
+                        </a:spcAft>
+                        <a:buClrTx/>
+                        <a:buSzTx/>
+                        <a:buFontTx/>
+                        <a:buNone/>
+                        <a:tabLst/>
+                        <a:defRPr/>
+                      </a:pPr>
+                      <a:r>
+                        <a:rPr lang="ru-RU" sz="1400" dirty="0" smtClean="0">
+                          <a:latin typeface="Arial" pitchFamily="34" charset="0"/>
+                          <a:cs typeface="Arial" pitchFamily="34" charset="0"/>
+                        </a:rPr>
+                        <a:t>Параметр</a:t>
+                      </a:r>
+                      <a:r>
+                        <a:rPr lang="ru-RU" sz="1400" baseline="0" dirty="0" smtClean="0">
+                          <a:latin typeface="Arial" pitchFamily="34" charset="0"/>
+                          <a:cs typeface="Arial" pitchFamily="34" charset="0"/>
+                        </a:rPr>
+                        <a:t> </a:t>
+                      </a:r>
+                      <a:r>
+                        <a:rPr lang="en-US" sz="1400" b="1" i="1" baseline="0" dirty="0" smtClean="0">
+                          <a:solidFill>
+                            <a:srgbClr val="FF0000"/>
+                          </a:solidFill>
+                          <a:latin typeface="Arial" pitchFamily="34" charset="0"/>
+                          <a:cs typeface="Arial" pitchFamily="34" charset="0"/>
+                        </a:rPr>
+                        <a:t>p</a:t>
+                      </a:r>
+                      <a:r>
+                        <a:rPr lang="ru-RU" sz="1400" b="0" i="0" baseline="0" dirty="0" smtClean="0">
+                          <a:solidFill>
+                            <a:schemeClr val="tx1"/>
+                          </a:solidFill>
+                          <a:latin typeface="Arial" pitchFamily="34" charset="0"/>
+                          <a:cs typeface="Arial" pitchFamily="34" charset="0"/>
+                        </a:rPr>
+                        <a:t>, запрос </a:t>
+                      </a:r>
+                      <a:r>
+                        <a:rPr lang="en-US" sz="1400" b="0" i="0" baseline="0" dirty="0" smtClean="0">
+                          <a:solidFill>
+                            <a:schemeClr val="tx1"/>
+                          </a:solidFill>
+                          <a:latin typeface="Arial" pitchFamily="34" charset="0"/>
+                          <a:cs typeface="Arial" pitchFamily="34" charset="0"/>
+                        </a:rPr>
+                        <a:t>H(p)</a:t>
+                      </a:r>
+                      <a:endParaRPr lang="ru-RU" sz="1400" b="1" dirty="0" smtClean="0">
+                        <a:solidFill>
+                          <a:srgbClr val="FF0000"/>
+                        </a:solidFill>
+                        <a:latin typeface="Arial" pitchFamily="34" charset="0"/>
+                        <a:cs typeface="Arial" pitchFamily="34" charset="0"/>
+                      </a:endParaRPr>
                     </a:p>
                   </a:txBody>
                   <a:tcPr/>
@@ -8217,10 +8400,22 @@
                     <a:p>
                       <a:pPr algn="ctr"/>
                       <a:r>
-                        <a:rPr lang="en-US" dirty="0" smtClean="0"/>
+                        <a:rPr lang="en-US" sz="1600" b="1" dirty="0" smtClean="0">
+                          <a:solidFill>
+                            <a:srgbClr val="FF0000"/>
+                          </a:solidFill>
+                          <a:latin typeface="Arial" pitchFamily="34" charset="0"/>
+                          <a:cs typeface="Arial" pitchFamily="34" charset="0"/>
+                        </a:rPr>
                         <a:t>0x05</a:t>
                       </a:r>
-                      <a:endParaRPr lang="ru-RU" dirty="0"/>
+                      <a:endParaRPr lang="ru-RU" sz="1600" b="1" dirty="0">
+                        <a:solidFill>
+                          <a:srgbClr val="FF0000"/>
+                        </a:solidFill>
+                        <a:latin typeface="Arial" pitchFamily="34" charset="0"/>
+                        <a:cs typeface="Arial" pitchFamily="34" charset="0"/>
+                      </a:endParaRPr>
                     </a:p>
                   </a:txBody>
                   <a:tcPr/>
@@ -8230,30 +8425,54 @@
                     <a:bodyPr/>
                     <a:lstStyle/>
                     <a:p>
-                      <a:pPr algn="ctr"/>
-                      <a:endParaRPr lang="ru-RU" dirty="0"/>
-                    </a:p>
-                  </a:txBody>
-                  <a:tcPr/>
-                </a:tc>
-                <a:tc>
-                  <a:txBody>
-                    <a:bodyPr/>
-                    <a:lstStyle/>
-                    <a:p>
-                      <a:pPr algn="ctr"/>
-                      <a:endParaRPr lang="ru-RU"/>
-                    </a:p>
-                  </a:txBody>
-                  <a:tcPr/>
-                </a:tc>
-                <a:tc>
-                  <a:txBody>
-                    <a:bodyPr/>
-                    <a:lstStyle/>
-                    <a:p>
-                      <a:pPr algn="ctr"/>
-                      <a:endParaRPr lang="ru-RU"/>
+                      <a:pPr marL="0" marR="0" indent="0" algn="ctr" defTabSz="914400" rtl="0" eaLnBrk="1" fontAlgn="auto" latinLnBrk="0" hangingPunct="1">
+                        <a:lnSpc>
+                          <a:spcPct val="100000"/>
+                        </a:lnSpc>
+                        <a:spcBef>
+                          <a:spcPts val="0"/>
+                        </a:spcBef>
+                        <a:spcAft>
+                          <a:spcPts val="0"/>
+                        </a:spcAft>
+                        <a:buClrTx/>
+                        <a:buSzTx/>
+                        <a:buFontTx/>
+                        <a:buNone/>
+                        <a:tabLst/>
+                        <a:defRPr/>
+                      </a:pPr>
+                      <a:r>
+                        <a:rPr lang="ru-RU" sz="1400" baseline="0" dirty="0" smtClean="0">
+                          <a:latin typeface="Arial" pitchFamily="34" charset="0"/>
+                          <a:cs typeface="Arial" pitchFamily="34" charset="0"/>
+                        </a:rPr>
+                        <a:t>Значение</a:t>
+                      </a:r>
+                      <a:r>
+                        <a:rPr lang="en-US" sz="1400" baseline="0" dirty="0" smtClean="0">
+                          <a:latin typeface="Arial" pitchFamily="34" charset="0"/>
+                          <a:cs typeface="Arial" pitchFamily="34" charset="0"/>
+                        </a:rPr>
+                        <a:t> </a:t>
+                      </a:r>
+                      <a:r>
+                        <a:rPr lang="en-US" sz="1400" b="1" i="0" dirty="0" smtClean="0">
+                          <a:solidFill>
+                            <a:srgbClr val="FF0000"/>
+                          </a:solidFill>
+                          <a:latin typeface="Arial" pitchFamily="34" charset="0"/>
+                          <a:cs typeface="Arial" pitchFamily="34" charset="0"/>
+                        </a:rPr>
+                        <a:t>H(p)</a:t>
+                      </a:r>
+                      <a:endParaRPr lang="ru-RU" sz="1400" b="1" i="0" dirty="0" smtClean="0">
+                        <a:solidFill>
+                          <a:srgbClr val="FF0000"/>
+                        </a:solidFill>
+                        <a:latin typeface="Arial" pitchFamily="34" charset="0"/>
+                        <a:cs typeface="Arial" pitchFamily="34" charset="0"/>
+                      </a:endParaRPr>
                     </a:p>
                   </a:txBody>
                   <a:tcPr/>
@@ -8267,10 +8486,22 @@
                     <a:p>
                       <a:pPr algn="ctr"/>
                       <a:r>
-                        <a:rPr lang="en-US" dirty="0" smtClean="0"/>
+                        <a:rPr lang="en-US" sz="1600" b="1" dirty="0" smtClean="0">
+                          <a:solidFill>
+                            <a:srgbClr val="FF0000"/>
+                          </a:solidFill>
+                          <a:latin typeface="Arial" pitchFamily="34" charset="0"/>
+                          <a:cs typeface="Arial" pitchFamily="34" charset="0"/>
+                        </a:rPr>
                         <a:t>0x06</a:t>
                       </a:r>
-                      <a:endParaRPr lang="ru-RU" dirty="0"/>
+                      <a:endParaRPr lang="ru-RU" sz="1600" b="1" dirty="0">
+                        <a:solidFill>
+                          <a:srgbClr val="FF0000"/>
+                        </a:solidFill>
+                        <a:latin typeface="Arial" pitchFamily="34" charset="0"/>
+                        <a:cs typeface="Arial" pitchFamily="34" charset="0"/>
+                      </a:endParaRPr>
                     </a:p>
                   </a:txBody>
                   <a:tcPr/>
@@ -8280,8 +8511,74 @@
                     <a:bodyPr/>
                     <a:lstStyle/>
                     <a:p>
-                      <a:pPr algn="ctr"/>
-                      <a:endParaRPr lang="ru-RU" dirty="0"/>
+                      <a:pPr marL="0" marR="0" indent="0" algn="ctr" defTabSz="914400" rtl="0" eaLnBrk="1" fontAlgn="auto" latinLnBrk="0" hangingPunct="1">
+                        <a:lnSpc>
+                          <a:spcPct val="100000"/>
+                        </a:lnSpc>
+                        <a:spcBef>
+                          <a:spcPts val="0"/>
+                        </a:spcBef>
+                        <a:spcAft>
+                          <a:spcPts val="0"/>
+                        </a:spcAft>
+                        <a:buClrTx/>
+                        <a:buSzTx/>
+                        <a:buFontTx/>
+                        <a:buNone/>
+                        <a:tabLst/>
+                        <a:defRPr/>
+                      </a:pPr>
+                      <a:r>
+                        <a:rPr lang="ru-RU" sz="1400" dirty="0" smtClean="0">
+                          <a:latin typeface="Arial" pitchFamily="34" charset="0"/>
+                          <a:cs typeface="Arial" pitchFamily="34" charset="0"/>
+                        </a:rPr>
+                        <a:t>Параметр</a:t>
+                      </a:r>
+                      <a:r>
+                        <a:rPr lang="ru-RU" sz="1400" baseline="0" dirty="0" smtClean="0">
+                          <a:latin typeface="Arial" pitchFamily="34" charset="0"/>
+                          <a:cs typeface="Arial" pitchFamily="34" charset="0"/>
+                        </a:rPr>
+                        <a:t> </a:t>
+                      </a:r>
+                      <a:r>
+                        <a:rPr lang="en-US" sz="1400" b="1" i="1" baseline="0" dirty="0" smtClean="0">
+                          <a:solidFill>
+                            <a:srgbClr val="FF0000"/>
+                          </a:solidFill>
+                          <a:latin typeface="Arial" pitchFamily="34" charset="0"/>
+                          <a:cs typeface="Arial" pitchFamily="34" charset="0"/>
+                        </a:rPr>
+                        <a:t>g</a:t>
+                      </a:r>
+                      <a:r>
+                        <a:rPr lang="ru-RU" sz="1400" b="0" i="0" baseline="0" dirty="0" smtClean="0">
+                          <a:solidFill>
+                            <a:schemeClr val="tx1"/>
+                          </a:solidFill>
+                          <a:latin typeface="Arial" pitchFamily="34" charset="0"/>
+                          <a:cs typeface="Arial" pitchFamily="34" charset="0"/>
+                        </a:rPr>
+                        <a:t>, запрос </a:t>
+                      </a:r>
+                      <a:r>
+                        <a:rPr lang="en-US" sz="1400" b="0" i="0" baseline="0" dirty="0" smtClean="0">
+                          <a:solidFill>
+                            <a:schemeClr val="tx1"/>
+                          </a:solidFill>
+                          <a:latin typeface="Arial" pitchFamily="34" charset="0"/>
+                          <a:cs typeface="Arial" pitchFamily="34" charset="0"/>
+                        </a:rPr>
+                        <a:t>H(g)</a:t>
+                      </a:r>
+                      <a:endParaRPr lang="ru-RU" sz="1400" b="1" i="1" dirty="0" smtClean="0">
+                        <a:solidFill>
+                          <a:srgbClr val="FF0000"/>
+                        </a:solidFill>
+                        <a:latin typeface="Arial" pitchFamily="34" charset="0"/>
+                        <a:cs typeface="Arial" pitchFamily="34" charset="0"/>
+                      </a:endParaRPr>
                     </a:p>
                   </a:txBody>
                   <a:tcPr/>
@@ -8293,10 +8590,22 @@
                     <a:p>
                       <a:pPr algn="ctr"/>
                       <a:r>
-                        <a:rPr lang="en-US" dirty="0" smtClean="0"/>
+                        <a:rPr lang="en-US" sz="1600" b="1" dirty="0" smtClean="0">
+                          <a:solidFill>
+                            <a:srgbClr val="FF0000"/>
+                          </a:solidFill>
+                          <a:latin typeface="Arial" pitchFamily="34" charset="0"/>
+                          <a:cs typeface="Arial" pitchFamily="34" charset="0"/>
+                        </a:rPr>
                         <a:t>0x07</a:t>
                       </a:r>
-                      <a:endParaRPr lang="ru-RU" dirty="0"/>
+                      <a:endParaRPr lang="ru-RU" sz="1600" b="1" dirty="0">
+                        <a:solidFill>
+                          <a:srgbClr val="FF0000"/>
+                        </a:solidFill>
+                        <a:latin typeface="Arial" pitchFamily="34" charset="0"/>
+                        <a:cs typeface="Arial" pitchFamily="34" charset="0"/>
+                      </a:endParaRPr>
                     </a:p>
                   </a:txBody>
                   <a:tcPr/>
@@ -8307,7 +8616,132 @@
                     <a:lstStyle/>
                     <a:p>
                       <a:pPr algn="ctr"/>
-                      <a:endParaRPr lang="ru-RU" dirty="0"/>
+                      <a:r>
+                        <a:rPr lang="ru-RU" sz="1400" baseline="0" dirty="0" smtClean="0">
+                          <a:latin typeface="Arial" pitchFamily="34" charset="0"/>
+                          <a:cs typeface="Arial" pitchFamily="34" charset="0"/>
+                        </a:rPr>
+                        <a:t>Значение </a:t>
+                      </a:r>
+                      <a:r>
+                        <a:rPr lang="en-US" sz="1400" b="1" i="0" dirty="0" smtClean="0">
+                          <a:solidFill>
+                            <a:srgbClr val="FF0000"/>
+                          </a:solidFill>
+                          <a:latin typeface="Arial" pitchFamily="34" charset="0"/>
+                          <a:cs typeface="Arial" pitchFamily="34" charset="0"/>
+                        </a:rPr>
+                        <a:t>H(g)</a:t>
+                      </a:r>
+                      <a:endParaRPr lang="ru-RU" sz="1400" b="1" i="0" dirty="0">
+                        <a:solidFill>
+                          <a:srgbClr val="FF0000"/>
+                        </a:solidFill>
+                        <a:latin typeface="Arial" pitchFamily="34" charset="0"/>
+                        <a:cs typeface="Arial" pitchFamily="34" charset="0"/>
+                      </a:endParaRPr>
+                    </a:p>
+                  </a:txBody>
+                  <a:tcPr/>
+                </a:tc>
+              </a:tr>
+              <a:tr h="416855">
+                <a:tc>
+                  <a:txBody>
+                    <a:bodyPr/>
+                    <a:lstStyle/>
+                    <a:p>
+                      <a:pPr algn="ctr"/>
+                      <a:r>
+                        <a:rPr lang="en-US" sz="1600" b="1" dirty="0" smtClean="0">
+                          <a:solidFill>
+                            <a:srgbClr val="FF0000"/>
+                          </a:solidFill>
+                          <a:latin typeface="Arial" pitchFamily="34" charset="0"/>
+                          <a:cs typeface="Arial" pitchFamily="34" charset="0"/>
+                        </a:rPr>
+                        <a:t>0x08</a:t>
+                      </a:r>
+                      <a:endParaRPr lang="ru-RU" sz="1600" b="1" dirty="0">
+                        <a:solidFill>
+                          <a:srgbClr val="FF0000"/>
+                        </a:solidFill>
+                        <a:latin typeface="Arial" pitchFamily="34" charset="0"/>
+                        <a:cs typeface="Arial" pitchFamily="34" charset="0"/>
+                      </a:endParaRPr>
+                    </a:p>
+                  </a:txBody>
+                  <a:tcPr/>
+                </a:tc>
+                <a:tc>
+                  <a:txBody>
+                    <a:bodyPr/>
+                    <a:lstStyle/>
+                    <a:p>
+                      <a:pPr marL="0" marR="0" lvl="0" indent="0" algn="ctr" defTabSz="914400" rtl="0" eaLnBrk="1" fontAlgn="auto" latinLnBrk="0" hangingPunct="1">
+                        <a:lnSpc>
+                          <a:spcPct val="100000"/>
+                        </a:lnSpc>
+                        <a:spcBef>
+                          <a:spcPts val="0"/>
+                        </a:spcBef>
+                        <a:spcAft>
+                          <a:spcPts val="0"/>
+                        </a:spcAft>
+                        <a:buClrTx/>
+                        <a:buSzTx/>
+                        <a:buFontTx/>
+                        <a:buNone/>
+                        <a:tabLst/>
+                        <a:defRPr/>
+                      </a:pPr>
+                      <a:r>
+                        <a:rPr lang="ru-RU" sz="1400" b="0" baseline="0" dirty="0" smtClean="0">
+                          <a:solidFill>
+                            <a:schemeClr val="tx1"/>
+                          </a:solidFill>
+                          <a:latin typeface="Arial" pitchFamily="34" charset="0"/>
+                          <a:cs typeface="Arial" pitchFamily="34" charset="0"/>
+                        </a:rPr>
+                        <a:t>Значение </a:t>
+                      </a:r>
+                      <a:r>
+                        <a:rPr lang="en-US" sz="1400" b="1" baseline="0" dirty="0" smtClean="0">
+                          <a:solidFill>
+                            <a:srgbClr val="FF0000"/>
+                          </a:solidFill>
+                          <a:latin typeface="Arial" pitchFamily="34" charset="0"/>
+                          <a:cs typeface="Arial" pitchFamily="34" charset="0"/>
+                        </a:rPr>
+                        <a:t>A</a:t>
+                      </a:r>
+                      <a:r>
+                        <a:rPr lang="ru-RU" sz="1400" b="0" baseline="0" dirty="0" smtClean="0">
+                          <a:solidFill>
+                            <a:schemeClr val="tx1"/>
+                          </a:solidFill>
+                          <a:latin typeface="Arial" pitchFamily="34" charset="0"/>
+                          <a:cs typeface="Arial" pitchFamily="34" charset="0"/>
+                        </a:rPr>
+                        <a:t>, запрос </a:t>
+                      </a:r>
+                      <a:r>
+                        <a:rPr lang="en-US" sz="1400" b="0" baseline="0" dirty="0" smtClean="0">
+                          <a:solidFill>
+                            <a:schemeClr val="tx1"/>
+                          </a:solidFill>
+                          <a:latin typeface="Arial" pitchFamily="34" charset="0"/>
+                          <a:cs typeface="Arial" pitchFamily="34" charset="0"/>
+                        </a:rPr>
+                        <a:t>H(A)</a:t>
+                      </a:r>
+                      <a:endParaRPr lang="ru-RU" sz="1400" b="1" dirty="0" smtClean="0">
+                        <a:solidFill>
+                          <a:srgbClr val="FF0000"/>
+                        </a:solidFill>
+                        <a:latin typeface="Arial" pitchFamily="34" charset="0"/>
+                        <a:cs typeface="Arial" pitchFamily="34" charset="0"/>
+                      </a:endParaRPr>
                     </a:p>
                   </a:txBody>
                   <a:tcPr/>
@@ -8318,7 +8752,199 @@
                     <a:lstStyle/>
                     <a:p>
                       <a:pPr algn="ctr"/>
-                      <a:endParaRPr lang="ru-RU"/>
+                      <a:r>
+                        <a:rPr lang="en-US" sz="1600" b="1" dirty="0" smtClean="0">
+                          <a:solidFill>
+                            <a:srgbClr val="FF0000"/>
+                          </a:solidFill>
+                          <a:latin typeface="Arial" pitchFamily="34" charset="0"/>
+                          <a:cs typeface="Arial" pitchFamily="34" charset="0"/>
+                        </a:rPr>
+                        <a:t>0x09</a:t>
+                      </a:r>
+                      <a:endParaRPr lang="ru-RU" sz="1600" b="1" dirty="0">
+                        <a:solidFill>
+                          <a:srgbClr val="FF0000"/>
+                        </a:solidFill>
+                        <a:latin typeface="Arial" pitchFamily="34" charset="0"/>
+                        <a:cs typeface="Arial" pitchFamily="34" charset="0"/>
+                      </a:endParaRPr>
+                    </a:p>
+                  </a:txBody>
+                  <a:tcPr/>
+                </a:tc>
+                <a:tc>
+                  <a:txBody>
+                    <a:bodyPr/>
+                    <a:lstStyle/>
+                    <a:p>
+                      <a:pPr marL="0" marR="0" lvl="0" indent="0" algn="ctr" defTabSz="914400" rtl="0" eaLnBrk="1" fontAlgn="auto" latinLnBrk="0" hangingPunct="1">
+                        <a:lnSpc>
+                          <a:spcPct val="100000"/>
+                        </a:lnSpc>
+                        <a:spcBef>
+                          <a:spcPts val="0"/>
+                        </a:spcBef>
+                        <a:spcAft>
+                          <a:spcPts val="0"/>
+                        </a:spcAft>
+                        <a:buClrTx/>
+                        <a:buSzTx/>
+                        <a:buFontTx/>
+                        <a:buNone/>
+                        <a:tabLst/>
+                        <a:defRPr/>
+                      </a:pPr>
+                      <a:r>
+                        <a:rPr kumimoji="0" lang="ru-RU" sz="1400" b="0" i="0" u="none" strike="noStrike" kern="1200" cap="none" spc="0" normalizeH="0" baseline="0" noProof="0" dirty="0" smtClean="0">
+                          <a:ln>
+                            <a:noFill/>
+                          </a:ln>
+                          <a:solidFill>
+                            <a:prstClr val="black"/>
+                          </a:solidFill>
+                          <a:effectLst/>
+                          <a:uLnTx/>
+                          <a:uFillTx/>
+                          <a:latin typeface="Arial" pitchFamily="34" charset="0"/>
+                          <a:ea typeface="+mn-ea"/>
+                          <a:cs typeface="Arial" pitchFamily="34" charset="0"/>
+                        </a:rPr>
+                        <a:t>Значение </a:t>
+                      </a:r>
+                      <a:r>
+                        <a:rPr kumimoji="0" lang="en-US" sz="1400" b="1" i="0" u="none" strike="noStrike" kern="1200" cap="none" spc="0" normalizeH="0" baseline="0" noProof="0" dirty="0" smtClean="0">
+                          <a:ln>
+                            <a:noFill/>
+                          </a:ln>
+                          <a:solidFill>
+                            <a:srgbClr val="FF0000"/>
+                          </a:solidFill>
+                          <a:effectLst/>
+                          <a:uLnTx/>
+                          <a:uFillTx/>
+                          <a:latin typeface="Arial" pitchFamily="34" charset="0"/>
+                          <a:ea typeface="+mn-ea"/>
+                          <a:cs typeface="Arial" pitchFamily="34" charset="0"/>
+                        </a:rPr>
+                        <a:t>H(A)</a:t>
+                      </a:r>
+                      <a:endParaRPr kumimoji="0" lang="ru-RU" sz="1400" b="1" i="0" u="none" strike="noStrike" kern="1200" cap="none" spc="0" normalizeH="0" baseline="0" noProof="0" dirty="0" smtClean="0">
+                        <a:ln>
+                          <a:noFill/>
+                        </a:ln>
+                        <a:solidFill>
+                          <a:srgbClr val="FF0000"/>
+                        </a:solidFill>
+                        <a:effectLst/>
+                        <a:uLnTx/>
+                        <a:uFillTx/>
+                        <a:latin typeface="Arial" pitchFamily="34" charset="0"/>
+                        <a:ea typeface="+mn-ea"/>
+                        <a:cs typeface="Arial" pitchFamily="34" charset="0"/>
+                      </a:endParaRPr>
+                    </a:p>
+                  </a:txBody>
+                  <a:tcPr/>
+                </a:tc>
+              </a:tr>
+              <a:tr h="360040">
+                <a:tc>
+                  <a:txBody>
+                    <a:bodyPr/>
+                    <a:lstStyle/>
+                    <a:p>
+                      <a:pPr algn="ctr"/>
+                      <a:r>
+                        <a:rPr lang="en-US" sz="1600" b="1" dirty="0" smtClean="0">
+                          <a:solidFill>
+                            <a:srgbClr val="FF0000"/>
+                          </a:solidFill>
+                          <a:latin typeface="Arial" pitchFamily="34" charset="0"/>
+                          <a:cs typeface="Arial" pitchFamily="34" charset="0"/>
+                        </a:rPr>
+                        <a:t>0x0A</a:t>
+                      </a:r>
+                      <a:endParaRPr lang="ru-RU" sz="1600" b="1" dirty="0">
+                        <a:solidFill>
+                          <a:srgbClr val="FF0000"/>
+                        </a:solidFill>
+                        <a:latin typeface="Arial" pitchFamily="34" charset="0"/>
+                        <a:cs typeface="Arial" pitchFamily="34" charset="0"/>
+                      </a:endParaRPr>
+                    </a:p>
+                  </a:txBody>
+                  <a:tcPr/>
+                </a:tc>
+                <a:tc>
+                  <a:txBody>
+                    <a:bodyPr/>
+                    <a:lstStyle/>
+                    <a:p>
+                      <a:pPr marL="0" marR="0" lvl="0" indent="0" algn="ctr" defTabSz="914400" rtl="0" eaLnBrk="1" fontAlgn="auto" latinLnBrk="0" hangingPunct="1">
+                        <a:lnSpc>
+                          <a:spcPct val="100000"/>
+                        </a:lnSpc>
+                        <a:spcBef>
+                          <a:spcPts val="0"/>
+                        </a:spcBef>
+                        <a:spcAft>
+                          <a:spcPts val="0"/>
+                        </a:spcAft>
+                        <a:buClrTx/>
+                        <a:buSzTx/>
+                        <a:buFontTx/>
+                        <a:buNone/>
+                        <a:tabLst/>
+                        <a:defRPr/>
+                      </a:pPr>
+                      <a:r>
+                        <a:rPr lang="ru-RU" sz="1400" b="0" baseline="0" dirty="0" smtClean="0">
+                          <a:solidFill>
+                            <a:schemeClr val="tx1"/>
+                          </a:solidFill>
+                          <a:latin typeface="Arial" pitchFamily="34" charset="0"/>
+                          <a:cs typeface="Arial" pitchFamily="34" charset="0"/>
+                        </a:rPr>
+                        <a:t>Значение </a:t>
+                      </a:r>
+                      <a:r>
+                        <a:rPr lang="en-US" sz="1400" b="1" baseline="0" dirty="0" smtClean="0">
+                          <a:solidFill>
+                            <a:srgbClr val="FF0000"/>
+                          </a:solidFill>
+                          <a:latin typeface="Arial" pitchFamily="34" charset="0"/>
+                          <a:cs typeface="Arial" pitchFamily="34" charset="0"/>
+                        </a:rPr>
+                        <a:t>B</a:t>
+                      </a:r>
+                      <a:r>
+                        <a:rPr lang="ru-RU" sz="1400" b="0" baseline="0" dirty="0" smtClean="0">
+                          <a:solidFill>
+                            <a:schemeClr val="tx1"/>
+                          </a:solidFill>
+                          <a:latin typeface="Arial" pitchFamily="34" charset="0"/>
+                          <a:cs typeface="Arial" pitchFamily="34" charset="0"/>
+                        </a:rPr>
+                        <a:t>, запрос</a:t>
+                      </a:r>
+                      <a:r>
+                        <a:rPr lang="en-US" sz="1400" b="0" baseline="0" dirty="0" smtClean="0">
+                          <a:solidFill>
+                            <a:schemeClr val="tx1"/>
+                          </a:solidFill>
+                          <a:latin typeface="Arial" pitchFamily="34" charset="0"/>
+                          <a:cs typeface="Arial" pitchFamily="34" charset="0"/>
+                        </a:rPr>
+                        <a:t> H(B)</a:t>
+                      </a:r>
+                      <a:endParaRPr lang="en-US" sz="1400" b="1" baseline="0" dirty="0" smtClean="0">
+                        <a:solidFill>
+                          <a:srgbClr val="FF0000"/>
+                        </a:solidFill>
+                        <a:latin typeface="Arial" pitchFamily="34" charset="0"/>
+                        <a:cs typeface="Arial" pitchFamily="34" charset="0"/>
+                      </a:endParaRPr>
                     </a:p>
                   </a:txBody>
                   <a:tcPr/>
@@ -8329,7 +8955,97 @@
                     <a:lstStyle/>
                     <a:p>
                       <a:pPr algn="ctr"/>
-                      <a:endParaRPr lang="ru-RU"/>
+                      <a:r>
+                        <a:rPr lang="en-US" sz="1600" b="1" dirty="0" smtClean="0">
+                          <a:solidFill>
+                            <a:srgbClr val="FF0000"/>
+                          </a:solidFill>
+                          <a:latin typeface="Arial" pitchFamily="34" charset="0"/>
+                          <a:cs typeface="Arial" pitchFamily="34" charset="0"/>
+                        </a:rPr>
+                        <a:t>0x0B</a:t>
+                      </a:r>
+                      <a:endParaRPr lang="ru-RU" sz="1600" b="1" dirty="0">
+                        <a:solidFill>
+                          <a:srgbClr val="FF0000"/>
+                        </a:solidFill>
+                        <a:latin typeface="Arial" pitchFamily="34" charset="0"/>
+                        <a:cs typeface="Arial" pitchFamily="34" charset="0"/>
+                      </a:endParaRPr>
+                    </a:p>
+                  </a:txBody>
+                  <a:tcPr/>
+                </a:tc>
+                <a:tc>
+                  <a:txBody>
+                    <a:bodyPr/>
+                    <a:lstStyle/>
+                    <a:p>
+                      <a:pPr marL="0" marR="0" lvl="0" indent="0" algn="ctr" defTabSz="914400" rtl="0" eaLnBrk="1" fontAlgn="auto" latinLnBrk="0" hangingPunct="1">
+                        <a:lnSpc>
+                          <a:spcPct val="100000"/>
+                        </a:lnSpc>
+                        <a:spcBef>
+                          <a:spcPts val="0"/>
+                        </a:spcBef>
+                        <a:spcAft>
+                          <a:spcPts val="0"/>
+                        </a:spcAft>
+                        <a:buClrTx/>
+                        <a:buSzTx/>
+                        <a:buFontTx/>
+                        <a:buNone/>
+                        <a:tabLst/>
+                        <a:defRPr/>
+                      </a:pPr>
+                      <a:r>
+                        <a:rPr kumimoji="0" lang="ru-RU" sz="1400" b="0" i="0" u="none" strike="noStrike" kern="1200" cap="none" spc="0" normalizeH="0" baseline="0" noProof="0" dirty="0" smtClean="0">
+                          <a:ln>
+                            <a:noFill/>
+                          </a:ln>
+                          <a:solidFill>
+                            <a:prstClr val="black"/>
+                          </a:solidFill>
+                          <a:effectLst/>
+                          <a:uLnTx/>
+                          <a:uFillTx/>
+                          <a:latin typeface="Arial" pitchFamily="34" charset="0"/>
+                          <a:ea typeface="+mn-ea"/>
+                          <a:cs typeface="Arial" pitchFamily="34" charset="0"/>
+                        </a:rPr>
+                        <a:t>Значение </a:t>
+                      </a:r>
+                      <a:r>
+                        <a:rPr kumimoji="0" lang="en-US" sz="1400" b="1" i="0" u="none" strike="noStrike" kern="1200" cap="none" spc="0" normalizeH="0" baseline="0" noProof="0" dirty="0" smtClean="0">
+                          <a:ln>
+                            <a:noFill/>
+                          </a:ln>
+                          <a:solidFill>
+                            <a:srgbClr val="FF0000"/>
+                          </a:solidFill>
+                          <a:effectLst/>
+                          <a:uLnTx/>
+                          <a:uFillTx/>
+                          <a:latin typeface="Arial" pitchFamily="34" charset="0"/>
+                          <a:ea typeface="+mn-ea"/>
+                          <a:cs typeface="Arial" pitchFamily="34" charset="0"/>
+                        </a:rPr>
+                        <a:t>H(B)</a:t>
+                      </a:r>
+                      <a:endParaRPr kumimoji="0" lang="ru-RU" sz="1400" b="1" i="0" u="none" strike="noStrike" kern="1200" cap="none" spc="0" normalizeH="0" baseline="0" noProof="0" dirty="0" smtClean="0">
+                        <a:ln>
+                          <a:noFill/>
+                        </a:ln>
+                        <a:solidFill>
+                          <a:srgbClr val="FF0000"/>
+                        </a:solidFill>
+                        <a:effectLst/>
+                        <a:uLnTx/>
+                        <a:uFillTx/>
+                        <a:latin typeface="Arial" pitchFamily="34" charset="0"/>
+                        <a:ea typeface="+mn-ea"/>
+                        <a:cs typeface="Arial" pitchFamily="34" charset="0"/>
+                      </a:endParaRPr>
                     </a:p>
                   </a:txBody>
                   <a:tcPr/>
@@ -8343,21 +9059,22 @@
                     <a:p>
                       <a:pPr algn="ctr"/>
                       <a:r>
-                        <a:rPr lang="en-US" dirty="0" smtClean="0"/>
-                        <a:t>0x08</a:t>
+                        <a:rPr lang="en-US" sz="1600" b="1" dirty="0" smtClean="0">
+                          <a:solidFill>
+                            <a:srgbClr val="FF0000"/>
+                          </a:solidFill>
+                          <a:latin typeface="Arial" pitchFamily="34" charset="0"/>
+                          <a:cs typeface="Arial" pitchFamily="34" charset="0"/>
+                        </a:rPr>
+                        <a:t>0x0C</a:t>
                       </a:r>
-                      <a:endParaRPr lang="ru-RU" dirty="0"/>
-                    </a:p>
-                  </a:txBody>
-                  <a:tcPr/>
-                </a:tc>
-                <a:tc>
-                  <a:txBody>
-                    <a:bodyPr/>
-                    <a:lstStyle/>
-                    <a:p>
-                      <a:pPr algn="ctr"/>
-                      <a:endParaRPr lang="ru-RU" dirty="0"/>
+                      <a:endParaRPr lang="ru-RU" sz="1600" b="1" dirty="0">
+                        <a:solidFill>
+                          <a:srgbClr val="FF0000"/>
+                        </a:solidFill>
+                        <a:latin typeface="Arial" pitchFamily="34" charset="0"/>
+                        <a:cs typeface="Arial" pitchFamily="34" charset="0"/>
+                      </a:endParaRPr>
                     </a:p>
                   </a:txBody>
                   <a:tcPr/>
@@ -8369,10 +9086,40 @@
                     <a:p>
                       <a:pPr algn="ctr"/>
                       <a:r>
-                        <a:rPr lang="en-US" dirty="0" smtClean="0"/>
-                        <a:t>0x09</a:t>
+                        <a:rPr lang="ru-RU" sz="1400" dirty="0" smtClean="0">
+                          <a:latin typeface="Arial" pitchFamily="34" charset="0"/>
+                          <a:cs typeface="Arial" pitchFamily="34" charset="0"/>
+                        </a:rPr>
+                        <a:t>Значение </a:t>
                       </a:r>
-                      <a:endParaRPr lang="ru-RU" dirty="0"/>
+                      <a:r>
+                        <a:rPr lang="en-US" sz="1400" b="1" dirty="0" smtClean="0">
+                          <a:solidFill>
+                            <a:srgbClr val="FF0000"/>
+                          </a:solidFill>
+                          <a:latin typeface="Arial" pitchFamily="34" charset="0"/>
+                          <a:cs typeface="Arial" pitchFamily="34" charset="0"/>
+                        </a:rPr>
+                        <a:t>ID</a:t>
+                      </a:r>
+                      <a:r>
+                        <a:rPr lang="en-US" sz="1400" baseline="0" dirty="0" smtClean="0">
+                          <a:latin typeface="Arial" pitchFamily="34" charset="0"/>
+                          <a:cs typeface="Arial" pitchFamily="34" charset="0"/>
+                        </a:rPr>
+                        <a:t> </a:t>
+                      </a:r>
+                      <a:r>
+                        <a:rPr lang="ru-RU" sz="1400" baseline="0" dirty="0" smtClean="0">
+                          <a:latin typeface="Arial" pitchFamily="34" charset="0"/>
+                          <a:cs typeface="Arial" pitchFamily="34" charset="0"/>
+                        </a:rPr>
+                        <a:t>смарт-карты, запрос на проверку в БД</a:t>
+                      </a:r>
+                      <a:endParaRPr lang="ru-RU" sz="1400" dirty="0">
+                        <a:latin typeface="Arial" pitchFamily="34" charset="0"/>
+                        <a:cs typeface="Arial" pitchFamily="34" charset="0"/>
+                      </a:endParaRPr>
                     </a:p>
                   </a:txBody>
                   <a:tcPr/>
@@ -8383,7 +9130,23 @@
                     <a:lstStyle/>
                     <a:p>
                       <a:pPr algn="ctr"/>
-                      <a:endParaRPr lang="ru-RU" dirty="0"/>
+                      <a:r>
+                        <a:rPr lang="en-US" sz="1600" b="1" dirty="0" smtClean="0">
+                          <a:solidFill>
+                            <a:srgbClr val="FF0000"/>
+                          </a:solidFill>
+                          <a:latin typeface="Arial" pitchFamily="34" charset="0"/>
+                          <a:cs typeface="Arial" pitchFamily="34" charset="0"/>
+                        </a:rPr>
+                        <a:t>0x0D</a:t>
+                      </a:r>
+                      <a:endParaRPr lang="ru-RU" sz="1600" b="1" dirty="0">
+                        <a:solidFill>
+                          <a:srgbClr val="FF0000"/>
+                        </a:solidFill>
+                        <a:latin typeface="Arial" pitchFamily="34" charset="0"/>
+                        <a:cs typeface="Arial" pitchFamily="34" charset="0"/>
+                      </a:endParaRPr>
                     </a:p>
                   </a:txBody>
                   <a:tcPr/>
@@ -8394,18 +9157,38 @@
                     <a:lstStyle/>
                     <a:p>
                       <a:pPr algn="ctr"/>
-                      <a:endParaRPr lang="ru-RU"/>
-                    </a:p>
-                  </a:txBody>
-                  <a:tcPr/>
-                </a:tc>
-                <a:tc>
-                  <a:txBody>
-                    <a:bodyPr/>
-                    <a:lstStyle/>
-                    <a:p>
-                      <a:pPr algn="ctr"/>
-                      <a:endParaRPr lang="ru-RU"/>
+                      <a:r>
+                        <a:rPr lang="ru-RU" sz="1400" dirty="0" smtClean="0">
+                          <a:latin typeface="Arial" pitchFamily="34" charset="0"/>
+                          <a:cs typeface="Arial" pitchFamily="34" charset="0"/>
+                        </a:rPr>
+                        <a:t>Результат</a:t>
+                      </a:r>
+                      <a:r>
+                        <a:rPr lang="ru-RU" sz="1400" baseline="0" dirty="0" smtClean="0">
+                          <a:latin typeface="Arial" pitchFamily="34" charset="0"/>
+                          <a:cs typeface="Arial" pitchFamily="34" charset="0"/>
+                        </a:rPr>
+                        <a:t> проверки </a:t>
+                      </a:r>
+                      <a:r>
+                        <a:rPr lang="en-US" sz="1400" baseline="0" dirty="0" smtClean="0">
+                          <a:latin typeface="Arial" pitchFamily="34" charset="0"/>
+                          <a:cs typeface="Arial" pitchFamily="34" charset="0"/>
+                        </a:rPr>
+                        <a:t>ID </a:t>
+                      </a:r>
+                      <a:r>
+                        <a:rPr lang="ru-RU" sz="1400" baseline="0" dirty="0" smtClean="0">
+                          <a:latin typeface="Arial" pitchFamily="34" charset="0"/>
+                          <a:cs typeface="Arial" pitchFamily="34" charset="0"/>
+                        </a:rPr>
+                        <a:t>смарт-карты</a:t>
+                      </a:r>
+                      <a:endParaRPr lang="ru-RU" sz="1400" dirty="0">
+                        <a:latin typeface="Arial" pitchFamily="34" charset="0"/>
+                        <a:cs typeface="Arial" pitchFamily="34" charset="0"/>
+                      </a:endParaRPr>
                     </a:p>
                   </a:txBody>
                   <a:tcPr/>
@@ -8419,21 +9202,32 @@
                     <a:p>
                       <a:pPr algn="ctr"/>
                       <a:r>
-                        <a:rPr lang="en-US" dirty="0" smtClean="0"/>
-                        <a:t>0x0A</a:t>
+                        <a:rPr lang="ru-RU" sz="1600" b="1" dirty="0" smtClean="0">
+                          <a:solidFill>
+                            <a:srgbClr val="FF0000"/>
+                          </a:solidFill>
+                          <a:latin typeface="Arial" pitchFamily="34" charset="0"/>
+                          <a:cs typeface="Arial" pitchFamily="34" charset="0"/>
+                        </a:rPr>
+                        <a:t>0</a:t>
                       </a:r>
-                      <a:endParaRPr lang="ru-RU" dirty="0"/>
-                    </a:p>
-                  </a:txBody>
-                  <a:tcPr/>
-                </a:tc>
-                <a:tc>
-                  <a:txBody>
-                    <a:bodyPr/>
-                    <a:lstStyle/>
-                    <a:p>
-                      <a:pPr algn="ctr"/>
-                      <a:endParaRPr lang="ru-RU" dirty="0"/>
+                      <a:r>
+                        <a:rPr lang="en-US" sz="1600" b="1" dirty="0" smtClean="0">
+                          <a:solidFill>
+                            <a:srgbClr val="FF0000"/>
+                          </a:solidFill>
+                          <a:latin typeface="Arial" pitchFamily="34" charset="0"/>
+                          <a:cs typeface="Arial" pitchFamily="34" charset="0"/>
+                        </a:rPr>
+                        <a:t>x0E</a:t>
+                      </a:r>
+                      <a:endParaRPr lang="ru-RU" sz="1600" b="1" dirty="0">
+                        <a:solidFill>
+                          <a:srgbClr val="FF0000"/>
+                        </a:solidFill>
+                        <a:latin typeface="Arial" pitchFamily="34" charset="0"/>
+                        <a:cs typeface="Arial" pitchFamily="34" charset="0"/>
+                      </a:endParaRPr>
                     </a:p>
                   </a:txBody>
                   <a:tcPr/>
@@ -8445,71 +9239,36 @@
                     <a:p>
                       <a:pPr algn="ctr"/>
                       <a:r>
-                        <a:rPr lang="en-US" dirty="0" smtClean="0"/>
-                        <a:t>0x0B</a:t>
+                        <a:rPr lang="ru-RU" sz="1400" b="1" dirty="0" err="1" smtClean="0">
+                          <a:solidFill>
+                            <a:srgbClr val="FF0000"/>
+                          </a:solidFill>
+                          <a:latin typeface="Arial" pitchFamily="34" charset="0"/>
+                          <a:cs typeface="Arial" pitchFamily="34" charset="0"/>
+                        </a:rPr>
+                        <a:t>Хеш</a:t>
                       </a:r>
-                      <a:endParaRPr lang="ru-RU" dirty="0"/>
-                    </a:p>
-                  </a:txBody>
-                  <a:tcPr/>
-                </a:tc>
-                <a:tc>
-                  <a:txBody>
-                    <a:bodyPr/>
-                    <a:lstStyle/>
-                    <a:p>
-                      <a:pPr algn="ctr"/>
-                      <a:endParaRPr lang="ru-RU" dirty="0"/>
-                    </a:p>
-                  </a:txBody>
-                  <a:tcPr/>
-                </a:tc>
-                <a:tc>
-                  <a:txBody>
-                    <a:bodyPr/>
-                    <a:lstStyle/>
-                    <a:p>
-                      <a:pPr algn="ctr"/>
-                      <a:endParaRPr lang="ru-RU"/>
-                    </a:p>
-                  </a:txBody>
-                  <a:tcPr/>
-                </a:tc>
-                <a:tc>
-                  <a:txBody>
-                    <a:bodyPr/>
-                    <a:lstStyle/>
-                    <a:p>
-                      <a:pPr algn="ctr"/>
-                      <a:endParaRPr lang="ru-RU"/>
-                    </a:p>
-                  </a:txBody>
-                  <a:tcPr/>
-                </a:tc>
-              </a:tr>
-              <a:tr h="370840">
-                <a:tc>
-                  <a:txBody>
-                    <a:bodyPr/>
-                    <a:lstStyle/>
-                    <a:p>
-                      <a:pPr algn="ctr"/>
                       <a:r>
-                        <a:rPr lang="en-US" dirty="0" smtClean="0"/>
-                        <a:t>0x0C</a:t>
+                        <a:rPr lang="ru-RU" sz="1400" b="1" baseline="0" dirty="0" smtClean="0">
+                          <a:solidFill>
+                            <a:srgbClr val="FF0000"/>
+                          </a:solidFill>
+                          <a:latin typeface="Arial" pitchFamily="34" charset="0"/>
+                          <a:cs typeface="Arial" pitchFamily="34" charset="0"/>
+                        </a:rPr>
+                        <a:t> пароля </a:t>
                       </a:r>
-                      <a:endParaRPr lang="ru-RU" dirty="0"/>
-                    </a:p>
-                  </a:txBody>
-                  <a:tcPr/>
-                </a:tc>
-                <a:tc>
-                  <a:txBody>
-                    <a:bodyPr/>
-                    <a:lstStyle/>
-                    <a:p>
-                      <a:pPr algn="ctr"/>
-                      <a:endParaRPr lang="ru-RU" dirty="0"/>
+                      <a:r>
+                        <a:rPr lang="ru-RU" sz="1400" baseline="0" dirty="0" smtClean="0">
+                          <a:latin typeface="Arial" pitchFamily="34" charset="0"/>
+                          <a:cs typeface="Arial" pitchFamily="34" charset="0"/>
+                        </a:rPr>
+                        <a:t>пользователя, запрос на результат аутентификации</a:t>
+                      </a:r>
+                      <a:endParaRPr lang="ru-RU" sz="1400" dirty="0">
+                        <a:latin typeface="Arial" pitchFamily="34" charset="0"/>
+                        <a:cs typeface="Arial" pitchFamily="34" charset="0"/>
+                      </a:endParaRPr>
                     </a:p>
                   </a:txBody>
                   <a:tcPr/>
@@ -8521,10 +9280,22 @@
                     <a:p>
                       <a:pPr algn="ctr"/>
                       <a:r>
-                        <a:rPr lang="en-US" dirty="0" smtClean="0"/>
-                        <a:t>0x0D</a:t>
+                        <a:rPr lang="en-US" sz="1600" b="1" dirty="0" smtClean="0">
+                          <a:solidFill>
+                            <a:srgbClr val="FF0000"/>
+                          </a:solidFill>
+                          <a:latin typeface="Arial" pitchFamily="34" charset="0"/>
+                          <a:cs typeface="Arial" pitchFamily="34" charset="0"/>
+                        </a:rPr>
+                        <a:t>0x0F</a:t>
                       </a:r>
-                      <a:endParaRPr lang="ru-RU" dirty="0"/>
+                      <a:endParaRPr lang="ru-RU" sz="1600" b="1" dirty="0">
+                        <a:solidFill>
+                          <a:srgbClr val="FF0000"/>
+                        </a:solidFill>
+                        <a:latin typeface="Arial" pitchFamily="34" charset="0"/>
+                        <a:cs typeface="Arial" pitchFamily="34" charset="0"/>
+                      </a:endParaRPr>
                     </a:p>
                   </a:txBody>
                   <a:tcPr/>
@@ -8535,29 +9306,17 @@
                     <a:lstStyle/>
                     <a:p>
                       <a:pPr algn="ctr"/>
-                      <a:endParaRPr lang="ru-RU" dirty="0"/>
-                    </a:p>
-                  </a:txBody>
-                  <a:tcPr/>
-                </a:tc>
-                <a:tc>
-                  <a:txBody>
-                    <a:bodyPr/>
-                    <a:lstStyle/>
-                    <a:p>
-                      <a:pPr algn="ctr"/>
-                      <a:endParaRPr lang="ru-RU"/>
-                    </a:p>
-                  </a:txBody>
-                  <a:tcPr/>
-                </a:tc>
-                <a:tc>
-                  <a:txBody>
-                    <a:bodyPr/>
-                    <a:lstStyle/>
-                    <a:p>
-                      <a:pPr algn="ctr"/>
-                      <a:endParaRPr lang="ru-RU" dirty="0"/>
+                      <a:r>
+                        <a:rPr lang="ru-RU" sz="1400" dirty="0" smtClean="0">
+                          <a:latin typeface="Arial" pitchFamily="34" charset="0"/>
+                          <a:cs typeface="Arial" pitchFamily="34" charset="0"/>
+                        </a:rPr>
+                        <a:t>Результат аутентификации пользователя </a:t>
+                      </a:r>
+                      <a:endParaRPr lang="ru-RU" sz="1400" dirty="0">
+                        <a:latin typeface="Arial" pitchFamily="34" charset="0"/>
+                        <a:cs typeface="Arial" pitchFamily="34" charset="0"/>
+                      </a:endParaRPr>
                     </a:p>
                   </a:txBody>
                   <a:tcPr/>
@@ -8567,6 +9326,216 @@
           </a:graphicData>
         </a:graphic>
       </p:graphicFrame>
+      <p:sp>
+        <p:nvSpPr>
+          <p:cNvPr id="9" name="TextBox 8"/>
+          <p:cNvSpPr txBox="1"/>
+          <p:nvPr/>
+        </p:nvSpPr>
+        <p:spPr>
+          <a:xfrm>
+            <a:off x="5240690" y="1919145"/>
+            <a:ext cx="4011830" cy="923330"/>
+          </a:xfrm>
+          <a:prstGeom prst="rect">
+            <a:avLst/>
+          </a:prstGeom>
+          <a:noFill/>
+        </p:spPr>
+        <p:txBody>
+          <a:bodyPr wrap="square" rtlCol="0">
+            <a:spAutoFit/>
+          </a:bodyPr>
+          <a:lstStyle/>
+          <a:p>
+            <a:r>
+              <a:rPr lang="ru-RU" dirty="0" smtClean="0">
+                <a:latin typeface="Arial" pitchFamily="34" charset="0"/>
+                <a:cs typeface="Arial" pitchFamily="34" charset="0"/>
+              </a:rPr>
+              <a:t>Флаг </a:t>
+            </a:r>
+            <a:r>
+              <a:rPr lang="en-US" b="1" dirty="0" smtClean="0">
+                <a:solidFill>
+                  <a:srgbClr val="FF0000"/>
+                </a:solidFill>
+                <a:latin typeface="Arial" pitchFamily="34" charset="0"/>
+                <a:cs typeface="Arial" pitchFamily="34" charset="0"/>
+              </a:rPr>
+              <a:t>0x1</a:t>
+            </a:r>
+            <a:r>
+              <a:rPr lang="en-US" dirty="0" smtClean="0">
+                <a:latin typeface="Arial" pitchFamily="34" charset="0"/>
+                <a:cs typeface="Arial" pitchFamily="34" charset="0"/>
+              </a:rPr>
+              <a:t> – </a:t>
+            </a:r>
+            <a:r>
+              <a:rPr lang="ru-RU" b="1" dirty="0" smtClean="0">
+                <a:solidFill>
+                  <a:srgbClr val="FF0000"/>
+                </a:solidFill>
+                <a:latin typeface="Arial" pitchFamily="34" charset="0"/>
+                <a:cs typeface="Arial" pitchFamily="34" charset="0"/>
+              </a:rPr>
+              <a:t>первый</a:t>
+            </a:r>
+            <a:r>
+              <a:rPr lang="ru-RU" dirty="0" smtClean="0">
+                <a:latin typeface="Arial" pitchFamily="34" charset="0"/>
+                <a:cs typeface="Arial" pitchFamily="34" charset="0"/>
+              </a:rPr>
+              <a:t> этап протокола</a:t>
+            </a:r>
+            <a:endParaRPr lang="en-US" dirty="0" smtClean="0">
+              <a:latin typeface="Arial" pitchFamily="34" charset="0"/>
+              <a:cs typeface="Arial" pitchFamily="34" charset="0"/>
+            </a:endParaRPr>
+          </a:p>
+          <a:p>
+            <a:r>
+              <a:rPr lang="ru-RU" dirty="0" smtClean="0">
+                <a:latin typeface="Arial" pitchFamily="34" charset="0"/>
+                <a:cs typeface="Arial" pitchFamily="34" charset="0"/>
+              </a:rPr>
+              <a:t>Флаг </a:t>
+            </a:r>
+            <a:r>
+              <a:rPr lang="en-US" b="1" dirty="0" smtClean="0">
+                <a:solidFill>
+                  <a:srgbClr val="FF0000"/>
+                </a:solidFill>
+                <a:latin typeface="Arial" pitchFamily="34" charset="0"/>
+                <a:cs typeface="Arial" pitchFamily="34" charset="0"/>
+              </a:rPr>
+              <a:t>0x2</a:t>
+            </a:r>
+            <a:r>
+              <a:rPr lang="en-US" dirty="0" smtClean="0">
+                <a:latin typeface="Arial" pitchFamily="34" charset="0"/>
+                <a:cs typeface="Arial" pitchFamily="34" charset="0"/>
+              </a:rPr>
+              <a:t> –</a:t>
+            </a:r>
+            <a:r>
+              <a:rPr lang="ru-RU" dirty="0" smtClean="0">
+                <a:latin typeface="Arial" pitchFamily="34" charset="0"/>
+                <a:cs typeface="Arial" pitchFamily="34" charset="0"/>
+              </a:rPr>
+              <a:t> </a:t>
+            </a:r>
+            <a:r>
+              <a:rPr lang="ru-RU" b="1" dirty="0" smtClean="0">
+                <a:solidFill>
+                  <a:srgbClr val="FF0000"/>
+                </a:solidFill>
+                <a:latin typeface="Arial" pitchFamily="34" charset="0"/>
+                <a:cs typeface="Arial" pitchFamily="34" charset="0"/>
+              </a:rPr>
+              <a:t>второй</a:t>
+            </a:r>
+            <a:r>
+              <a:rPr lang="ru-RU" dirty="0" smtClean="0">
+                <a:latin typeface="Arial" pitchFamily="34" charset="0"/>
+                <a:cs typeface="Arial" pitchFamily="34" charset="0"/>
+              </a:rPr>
+              <a:t> этап протокола  </a:t>
+            </a:r>
+            <a:r>
+              <a:rPr lang="en-US" dirty="0" smtClean="0">
+                <a:latin typeface="Arial" pitchFamily="34" charset="0"/>
+                <a:cs typeface="Arial" pitchFamily="34" charset="0"/>
+              </a:rPr>
+              <a:t> </a:t>
+            </a:r>
+          </a:p>
+          <a:p>
+            <a:r>
+              <a:rPr lang="ru-RU" dirty="0" smtClean="0">
+                <a:latin typeface="Arial" pitchFamily="34" charset="0"/>
+                <a:cs typeface="Arial" pitchFamily="34" charset="0"/>
+              </a:rPr>
+              <a:t>Флаг </a:t>
+            </a:r>
+            <a:r>
+              <a:rPr lang="en-US" b="1" dirty="0" smtClean="0">
+                <a:solidFill>
+                  <a:srgbClr val="FF0000"/>
+                </a:solidFill>
+                <a:latin typeface="Arial" pitchFamily="34" charset="0"/>
+                <a:cs typeface="Arial" pitchFamily="34" charset="0"/>
+              </a:rPr>
+              <a:t>0x3</a:t>
+            </a:r>
+            <a:r>
+              <a:rPr lang="en-US" dirty="0" smtClean="0">
+                <a:latin typeface="Arial" pitchFamily="34" charset="0"/>
+                <a:cs typeface="Arial" pitchFamily="34" charset="0"/>
+              </a:rPr>
+              <a:t> –</a:t>
+            </a:r>
+            <a:r>
+              <a:rPr lang="ru-RU" dirty="0" smtClean="0">
+                <a:latin typeface="Arial" pitchFamily="34" charset="0"/>
+                <a:cs typeface="Arial" pitchFamily="34" charset="0"/>
+              </a:rPr>
+              <a:t> </a:t>
+            </a:r>
+            <a:r>
+              <a:rPr lang="ru-RU" b="1" dirty="0" smtClean="0">
+                <a:solidFill>
+                  <a:srgbClr val="FF0000"/>
+                </a:solidFill>
+                <a:latin typeface="Arial" pitchFamily="34" charset="0"/>
+                <a:cs typeface="Arial" pitchFamily="34" charset="0"/>
+              </a:rPr>
+              <a:t>третий</a:t>
+            </a:r>
+            <a:r>
+              <a:rPr lang="ru-RU" dirty="0" smtClean="0">
+                <a:latin typeface="Arial" pitchFamily="34" charset="0"/>
+                <a:cs typeface="Arial" pitchFamily="34" charset="0"/>
+              </a:rPr>
+              <a:t> этап протокола  </a:t>
+            </a:r>
+            <a:endParaRPr lang="en-US" dirty="0" smtClean="0">
+              <a:latin typeface="Arial" pitchFamily="34" charset="0"/>
+              <a:cs typeface="Arial" pitchFamily="34" charset="0"/>
+            </a:endParaRPr>
+          </a:p>
+        </p:txBody>
+      </p:sp>
+      <p:sp>
+        <p:nvSpPr>
+          <p:cNvPr id="21" name="Номер слайда 6"/>
+          <p:cNvSpPr>
+            <a:spLocks noGrp="1"/>
+          </p:cNvSpPr>
+          <p:nvPr>
+            <p:ph type="sldNum" sz="quarter" idx="12"/>
+          </p:nvPr>
+        </p:nvSpPr>
+        <p:spPr>
+          <a:xfrm>
+            <a:off x="8582025" y="6309320"/>
+            <a:ext cx="561975" cy="365125"/>
+          </a:xfrm>
+        </p:spPr>
+        <p:txBody>
+          <a:bodyPr/>
+          <a:lstStyle/>
+          <a:p>
+            <a:fld id="{B19B0651-EE4F-4900-A07F-96A6BFA9D0F0}" type="slidenum">
+              <a:rPr lang="ru-RU" sz="2000" smtClean="0"/>
+              <a:pPr/>
+              <a:t>14</a:t>
+            </a:fld>
+            <a:endParaRPr lang="ru-RU" sz="2000" dirty="0"/>
+          </a:p>
+        </p:txBody>
+      </p:sp>
     </p:spTree>
     <p:extLst>
       <p:ext uri="{BB962C8B-B14F-4D97-AF65-F5344CB8AC3E}">
@@ -16770,7 +17739,7 @@
         <p:spPr>
           <a:xfrm>
             <a:off x="107504" y="0"/>
-            <a:ext cx="8928992" cy="1246495"/>
+            <a:ext cx="8928992" cy="1092607"/>
           </a:xfrm>
           <a:prstGeom prst="rect">
             <a:avLst/>
@@ -16785,7 +17754,7 @@
           <a:p>
             <a:pPr algn="ctr"/>
             <a:r>
-              <a:rPr lang="ru-RU" sz="2500" b="1" dirty="0" smtClean="0">
+              <a:rPr lang="ru-RU" sz="2000" b="1" dirty="0" smtClean="0">
                 <a:solidFill>
                   <a:srgbClr val="000000"/>
                 </a:solidFill>
@@ -16795,7 +17764,7 @@
               <a:t>Таблица сравнения протоколов </a:t>
             </a:r>
             <a:r>
-              <a:rPr lang="ru-RU" sz="2500" b="1" dirty="0" smtClean="0">
+              <a:rPr lang="ru-RU" sz="2000" b="1" dirty="0" smtClean="0">
                 <a:solidFill>
                   <a:srgbClr val="FF0000"/>
                 </a:solidFill>
@@ -16805,7 +17774,7 @@
               <a:t>аутентификации</a:t>
             </a:r>
             <a:r>
-              <a:rPr lang="en-US" sz="2500" b="1" dirty="0" smtClean="0">
+              <a:rPr lang="en-US" sz="2000" b="1" dirty="0" smtClean="0">
                 <a:solidFill>
                   <a:srgbClr val="FF0000"/>
                 </a:solidFill>
@@ -16815,7 +17784,7 @@
               <a:t> </a:t>
             </a:r>
             <a:r>
-              <a:rPr lang="ru-RU" sz="2500" b="1" dirty="0" smtClean="0">
+              <a:rPr lang="ru-RU" sz="2000" b="1" dirty="0" smtClean="0">
                 <a:solidFill>
                   <a:srgbClr val="FF0000"/>
                 </a:solidFill>
@@ -16825,7 +17794,7 @@
               <a:t>клиента,</a:t>
             </a:r>
             <a:r>
-              <a:rPr lang="ru-RU" sz="2500" dirty="0" smtClean="0">
+              <a:rPr lang="ru-RU" sz="2000" dirty="0" smtClean="0">
                 <a:solidFill>
                   <a:srgbClr val="FF0000"/>
                 </a:solidFill>
@@ -16835,28 +17804,28 @@
               <a:t> </a:t>
             </a:r>
             <a:r>
-              <a:rPr lang="ru-RU" sz="2500" b="1" dirty="0" smtClean="0">
+              <a:rPr lang="ru-RU" sz="2000" b="1" dirty="0" smtClean="0">
                 <a:latin typeface="Arial" pitchFamily="34" charset="0"/>
                 <a:cs typeface="Arial" pitchFamily="34" charset="0"/>
               </a:rPr>
               <a:t>описанных в</a:t>
             </a:r>
             <a:r>
-              <a:rPr lang="en-US" sz="2500" b="1" dirty="0" smtClean="0">
+              <a:rPr lang="en-US" sz="2000" b="1" dirty="0" smtClean="0">
                 <a:latin typeface="Arial" pitchFamily="34" charset="0"/>
                 <a:cs typeface="Arial" pitchFamily="34" charset="0"/>
               </a:rPr>
               <a:t> </a:t>
             </a:r>
             <a:r>
-              <a:rPr lang="ru-RU" sz="2500" b="1" dirty="0" smtClean="0">
+              <a:rPr lang="ru-RU" sz="2000" b="1" dirty="0" smtClean="0">
                 <a:latin typeface="Arial" pitchFamily="34" charset="0"/>
                 <a:cs typeface="Arial" pitchFamily="34" charset="0"/>
               </a:rPr>
               <a:t>стандарте </a:t>
             </a:r>
             <a:r>
-              <a:rPr lang="en-US" sz="2500" b="1" dirty="0" smtClean="0">
+              <a:rPr lang="en-US" sz="2000" b="1" dirty="0" smtClean="0">
                 <a:solidFill>
                   <a:srgbClr val="FF0000"/>
                 </a:solidFill>
@@ -16866,7 +17835,7 @@
               <a:t>ISO</a:t>
             </a:r>
             <a:r>
-              <a:rPr lang="ru-RU" sz="2500" b="1" dirty="0">
+              <a:rPr lang="ru-RU" sz="2000" b="1" dirty="0">
                 <a:solidFill>
                   <a:srgbClr val="FF0000"/>
                 </a:solidFill>
@@ -16876,7 +17845,7 @@
               <a:t>/ IEC 9798-1</a:t>
             </a:r>
             <a:r>
-              <a:rPr lang="en-US" sz="2500" b="1" dirty="0">
+              <a:rPr lang="en-US" sz="2000" b="1" dirty="0">
                 <a:solidFill>
                   <a:srgbClr val="FF0000"/>
                 </a:solidFill>
@@ -16885,7 +17854,7 @@
               </a:rPr>
               <a:t>:2010 </a:t>
             </a:r>
-            <a:endParaRPr lang="ru-RU" sz="2500" b="1" dirty="0">
+            <a:endParaRPr lang="ru-RU" sz="2000" b="1" dirty="0">
               <a:solidFill>
                 <a:srgbClr val="FF0000"/>
               </a:solidFill>
@@ -16914,14 +17883,14 @@
           <p:nvPr>
             <p:extLst>
               <p:ext uri="{D42A27DB-BD31-4B8C-83A1-F6EECF244321}">
-                <p14:modId xmlns:p14="http://schemas.microsoft.com/office/powerpoint/2010/main" val="1946187439"/>
+                <p14:modId xmlns:p14="http://schemas.microsoft.com/office/powerpoint/2010/main" val="1643896763"/>
               </p:ext>
             </p:extLst>
           </p:nvPr>
         </p:nvGraphicFramePr>
         <p:xfrm>
-          <a:off x="107504" y="836712"/>
-          <a:ext cx="8928992" cy="5832648"/>
+          <a:off x="107504" y="697021"/>
+          <a:ext cx="8928992" cy="5630212"/>
         </p:xfrm>
         <a:graphic>
           <a:graphicData uri="http://schemas.openxmlformats.org/drawingml/2006/table">
@@ -16933,7 +17902,7 @@
                 <a:gridCol w="3384376"/>
                 <a:gridCol w="1944216"/>
               </a:tblGrid>
-              <a:tr h="778403">
+              <a:tr h="805049">
                 <a:tc>
                   <a:txBody>
                     <a:bodyPr/>
@@ -17202,7 +18171,7 @@
                   </a:tcPr>
                 </a:tc>
               </a:tr>
-              <a:tr h="1553304">
+              <a:tr h="1519497">
                 <a:tc>
                   <a:txBody>
                     <a:bodyPr/>
@@ -17217,36 +18186,40 @@
                         </a:spcAft>
                       </a:pPr>
                       <a:r>
-                        <a:rPr lang="ru-RU" sz="1800" b="0" dirty="0" smtClean="0">
-                          <a:latin typeface="Times New Roman"/>
+                        <a:rPr lang="ru-RU" sz="1600" b="0" dirty="0" smtClean="0">
+                          <a:latin typeface="Arial" pitchFamily="34" charset="0"/>
                           <a:ea typeface="Times New Roman"/>
+                          <a:cs typeface="Arial" pitchFamily="34" charset="0"/>
                         </a:rPr>
                         <a:t>Односторонняя,</a:t>
                       </a:r>
                       <a:r>
-                        <a:rPr lang="ru-RU" sz="1800" b="1" dirty="0" smtClean="0">
-                          <a:latin typeface="Times New Roman"/>
+                        <a:rPr lang="ru-RU" sz="1600" b="1" dirty="0" smtClean="0">
+                          <a:latin typeface="Arial" pitchFamily="34" charset="0"/>
                           <a:ea typeface="Times New Roman"/>
+                          <a:cs typeface="Arial" pitchFamily="34" charset="0"/>
                         </a:rPr>
                         <a:t> </a:t>
                       </a:r>
                       <a:r>
-                        <a:rPr lang="ru-RU" sz="1800" b="1" dirty="0" smtClean="0">
+                        <a:rPr lang="ru-RU" sz="1600" b="1" dirty="0" smtClean="0">
                           <a:solidFill>
                             <a:srgbClr val="FF0000"/>
                           </a:solidFill>
-                          <a:latin typeface="Times New Roman"/>
+                          <a:latin typeface="Arial" pitchFamily="34" charset="0"/>
                           <a:ea typeface="Times New Roman"/>
+                          <a:cs typeface="Arial" pitchFamily="34" charset="0"/>
                         </a:rPr>
                         <a:t>основанная </a:t>
                       </a:r>
                       <a:r>
-                        <a:rPr lang="ru-RU" sz="1800" b="1" dirty="0">
+                        <a:rPr lang="ru-RU" sz="1600" b="1" dirty="0">
                           <a:solidFill>
                             <a:srgbClr val="FF0000"/>
                           </a:solidFill>
-                          <a:latin typeface="Times New Roman"/>
+                          <a:latin typeface="Arial" pitchFamily="34" charset="0"/>
                           <a:ea typeface="Times New Roman"/>
+                          <a:cs typeface="Arial" pitchFamily="34" charset="0"/>
                         </a:rPr>
                         <a:t>на метке времени</a:t>
                       </a:r>
@@ -17308,22 +18281,25 @@
                         </a:spcAft>
                       </a:pPr>
                       <a:r>
-                        <a:rPr lang="ru-RU" sz="1800" dirty="0" smtClean="0">
-                          <a:latin typeface="Times New Roman"/>
+                        <a:rPr lang="ru-RU" sz="1600" dirty="0" smtClean="0">
+                          <a:latin typeface="Arial" pitchFamily="34" charset="0"/>
                           <a:ea typeface="Times New Roman"/>
+                          <a:cs typeface="Arial" pitchFamily="34" charset="0"/>
                         </a:rPr>
                         <a:t>Простота</a:t>
                       </a:r>
                       <a:r>
-                        <a:rPr lang="ru-RU" sz="1800" baseline="0" dirty="0" smtClean="0">
-                          <a:latin typeface="Times New Roman"/>
+                        <a:rPr lang="ru-RU" sz="1600" baseline="0" dirty="0" smtClean="0">
+                          <a:latin typeface="Arial" pitchFamily="34" charset="0"/>
                           <a:ea typeface="Times New Roman"/>
+                          <a:cs typeface="Arial" pitchFamily="34" charset="0"/>
                         </a:rPr>
                         <a:t> реализации</a:t>
                       </a:r>
-                      <a:endParaRPr lang="ru-RU" sz="1800" dirty="0">
-                        <a:latin typeface="Times New Roman"/>
+                      <a:endParaRPr lang="ru-RU" sz="1600" dirty="0">
+                        <a:latin typeface="Arial" pitchFamily="34" charset="0"/>
                         <a:ea typeface="Times New Roman"/>
+                        <a:cs typeface="Arial" pitchFamily="34" charset="0"/>
                       </a:endParaRPr>
                     </a:p>
                   </a:txBody>
@@ -17384,49 +18360,56 @@
                       </a:pPr>
                       <a:r>
                         <a:rPr lang="ru-RU" sz="1400" b="0" dirty="0" smtClean="0">
-                          <a:latin typeface="Times New Roman"/>
+                          <a:latin typeface="Arial" pitchFamily="34" charset="0"/>
                           <a:ea typeface="Times New Roman"/>
+                          <a:cs typeface="Arial" pitchFamily="34" charset="0"/>
                         </a:rPr>
                         <a:t>Основан </a:t>
                       </a:r>
                       <a:r>
                         <a:rPr lang="ru-RU" sz="1400" b="0" dirty="0">
-                          <a:latin typeface="Times New Roman"/>
+                          <a:latin typeface="Arial" pitchFamily="34" charset="0"/>
                           <a:ea typeface="Times New Roman"/>
+                          <a:cs typeface="Arial" pitchFamily="34" charset="0"/>
                         </a:rPr>
                         <a:t>на использовании системного времени и </a:t>
                       </a:r>
                       <a:r>
                         <a:rPr lang="ru-RU" sz="1400" b="0" dirty="0" smtClean="0">
-                          <a:latin typeface="Times New Roman"/>
+                          <a:latin typeface="Arial" pitchFamily="34" charset="0"/>
                           <a:ea typeface="Times New Roman"/>
+                          <a:cs typeface="Arial" pitchFamily="34" charset="0"/>
                         </a:rPr>
                         <a:t>требуется </a:t>
                       </a:r>
                       <a:r>
                         <a:rPr lang="ru-RU" sz="1400" b="0" dirty="0">
-                          <a:latin typeface="Times New Roman"/>
+                          <a:latin typeface="Arial" pitchFamily="34" charset="0"/>
                           <a:ea typeface="Times New Roman"/>
+                          <a:cs typeface="Arial" pitchFamily="34" charset="0"/>
                         </a:rPr>
                         <a:t>дополнительную синхронизацию (в некоторых случаях</a:t>
                       </a:r>
                       <a:r>
                         <a:rPr lang="ru-RU" sz="1400" b="0" dirty="0" smtClean="0">
-                          <a:latin typeface="Times New Roman"/>
+                          <a:latin typeface="Arial" pitchFamily="34" charset="0"/>
                           <a:ea typeface="Times New Roman"/>
+                          <a:cs typeface="Arial" pitchFamily="34" charset="0"/>
                         </a:rPr>
-                        <a:t>)</a:t>
+                        <a:t>),</a:t>
                       </a:r>
                       <a:r>
                         <a:rPr lang="ru-RU" sz="1400" b="0" baseline="0" dirty="0" smtClean="0">
-                          <a:latin typeface="Times New Roman"/>
+                          <a:latin typeface="Arial" pitchFamily="34" charset="0"/>
                           <a:ea typeface="Times New Roman"/>
+                          <a:cs typeface="Arial" pitchFamily="34" charset="0"/>
                         </a:rPr>
                         <a:t> </a:t>
                       </a:r>
                       <a:endParaRPr lang="ru-RU" sz="1400" b="0" dirty="0" smtClean="0">
-                        <a:latin typeface="Times New Roman"/>
+                        <a:latin typeface="Arial" pitchFamily="34" charset="0"/>
                         <a:ea typeface="Times New Roman"/>
+                        <a:cs typeface="Arial" pitchFamily="34" charset="0"/>
                       </a:endParaRPr>
                     </a:p>
                     <a:p>
@@ -17440,21 +18423,40 @@
                       </a:pPr>
                       <a:r>
                         <a:rPr lang="ru-RU" sz="1400" b="0" dirty="0" smtClean="0">
-                          <a:latin typeface="Times New Roman"/>
+                          <a:latin typeface="Arial" pitchFamily="34" charset="0"/>
                           <a:ea typeface="Times New Roman"/>
+                          <a:cs typeface="Arial" pitchFamily="34" charset="0"/>
                         </a:rPr>
-                        <a:t>Системная время не обеспечивает</a:t>
+                        <a:t>системная </a:t>
+                      </a:r>
+                      <a:r>
+                        <a:rPr lang="ru-RU" sz="1400" b="0" dirty="0" smtClean="0">
+                          <a:latin typeface="Arial" pitchFamily="34" charset="0"/>
+                          <a:ea typeface="Times New Roman"/>
+                          <a:cs typeface="Arial" pitchFamily="34" charset="0"/>
+                        </a:rPr>
+                        <a:t>время не обеспечивает</a:t>
                       </a:r>
                       <a:r>
                         <a:rPr lang="ru-RU" sz="1400" b="0" baseline="0" dirty="0" smtClean="0">
-                          <a:latin typeface="Times New Roman"/>
+                          <a:latin typeface="Arial" pitchFamily="34" charset="0"/>
                           <a:ea typeface="Times New Roman"/>
+                          <a:cs typeface="Arial" pitchFamily="34" charset="0"/>
                         </a:rPr>
-                        <a:t> случайность</a:t>
+                        <a:t> </a:t>
+                      </a:r>
+                      <a:r>
+                        <a:rPr lang="ru-RU" sz="1400" b="0" baseline="0" dirty="0" smtClean="0">
+                          <a:latin typeface="Arial" pitchFamily="34" charset="0"/>
+                          <a:ea typeface="Times New Roman"/>
+                          <a:cs typeface="Arial" pitchFamily="34" charset="0"/>
+                        </a:rPr>
+                        <a:t>случайность,</a:t>
                       </a:r>
                       <a:endParaRPr lang="ru-RU" sz="1400" b="0" dirty="0">
-                        <a:latin typeface="Times New Roman"/>
+                        <a:latin typeface="Arial" pitchFamily="34" charset="0"/>
                         <a:ea typeface="Times New Roman"/>
+                        <a:cs typeface="Arial" pitchFamily="34" charset="0"/>
                       </a:endParaRPr>
                     </a:p>
                     <a:p>
@@ -17468,28 +18470,32 @@
                       </a:pPr>
                       <a:r>
                         <a:rPr lang="ru-RU" sz="1400" b="0" dirty="0" smtClean="0">
-                          <a:latin typeface="Times New Roman"/>
+                          <a:latin typeface="Arial" pitchFamily="34" charset="0"/>
                           <a:ea typeface="Times New Roman"/>
+                          <a:cs typeface="Arial" pitchFamily="34" charset="0"/>
                         </a:rPr>
-                        <a:t>Не </a:t>
+                        <a:t>не </a:t>
                       </a:r>
                       <a:r>
                         <a:rPr lang="ru-RU" sz="1400" b="0" dirty="0">
-                          <a:latin typeface="Times New Roman"/>
+                          <a:latin typeface="Arial" pitchFamily="34" charset="0"/>
                           <a:ea typeface="Times New Roman"/>
+                          <a:cs typeface="Arial" pitchFamily="34" charset="0"/>
                         </a:rPr>
                         <a:t>используется проверка подлинности </a:t>
                       </a:r>
                       <a:r>
                         <a:rPr lang="ru-RU" sz="1400" b="0" dirty="0" smtClean="0">
-                          <a:latin typeface="Times New Roman"/>
+                          <a:latin typeface="Arial" pitchFamily="34" charset="0"/>
                           <a:ea typeface="Times New Roman"/>
+                          <a:cs typeface="Arial" pitchFamily="34" charset="0"/>
                         </a:rPr>
                         <a:t>сообщения</a:t>
                       </a:r>
                       <a:endParaRPr lang="ru-RU" sz="1400" b="0" dirty="0">
-                        <a:latin typeface="Times New Roman"/>
+                        <a:latin typeface="Arial" pitchFamily="34" charset="0"/>
                         <a:ea typeface="Times New Roman"/>
+                        <a:cs typeface="Arial" pitchFamily="34" charset="0"/>
                       </a:endParaRPr>
                     </a:p>
                   </a:txBody>
@@ -17549,8 +18555,9 @@
                         </a:spcAft>
                       </a:pPr>
                       <a:endParaRPr lang="ru-RU" sz="1400" dirty="0">
-                        <a:latin typeface="Times New Roman"/>
+                        <a:latin typeface="Arial" pitchFamily="34" charset="0"/>
                         <a:ea typeface="Times New Roman"/>
+                        <a:cs typeface="Arial" pitchFamily="34" charset="0"/>
                       </a:endParaRPr>
                     </a:p>
                     <a:p>
@@ -17563,9 +18570,10 @@
                         </a:spcAft>
                       </a:pPr>
                       <a:r>
-                        <a:rPr lang="ru-RU" sz="1800" dirty="0">
-                          <a:latin typeface="Times New Roman"/>
+                        <a:rPr lang="ru-RU" sz="1600" dirty="0">
+                          <a:latin typeface="Arial" pitchFamily="34" charset="0"/>
                           <a:ea typeface="Times New Roman"/>
+                          <a:cs typeface="Arial" pitchFamily="34" charset="0"/>
                         </a:rPr>
                         <a:t>нет</a:t>
                       </a:r>
@@ -17614,7 +18622,7 @@
                   </a:tcPr>
                 </a:tc>
               </a:tr>
-              <a:tr h="1043268">
+              <a:tr h="1020562">
                 <a:tc>
                   <a:txBody>
                     <a:bodyPr/>
@@ -17629,57 +18637,64 @@
                         </a:spcAft>
                       </a:pPr>
                       <a:r>
-                        <a:rPr lang="ru-RU" sz="1800" b="1" dirty="0" smtClean="0">
+                        <a:rPr lang="ru-RU" sz="1600" b="1" dirty="0" smtClean="0">
                           <a:solidFill>
                             <a:srgbClr val="FF0000"/>
                           </a:solidFill>
-                          <a:latin typeface="Times New Roman"/>
+                          <a:latin typeface="Arial" pitchFamily="34" charset="0"/>
                           <a:ea typeface="Times New Roman"/>
+                          <a:cs typeface="Arial" pitchFamily="34" charset="0"/>
                         </a:rPr>
                         <a:t>Односторонняя</a:t>
                       </a:r>
                       <a:r>
-                        <a:rPr lang="ru-RU" sz="1800" b="0" dirty="0" smtClean="0">
-                          <a:latin typeface="Times New Roman"/>
+                        <a:rPr lang="ru-RU" sz="1600" b="0" dirty="0" smtClean="0">
+                          <a:latin typeface="Arial" pitchFamily="34" charset="0"/>
                           <a:ea typeface="Times New Roman"/>
+                          <a:cs typeface="Arial" pitchFamily="34" charset="0"/>
                         </a:rPr>
                         <a:t>,</a:t>
                       </a:r>
                       <a:r>
-                        <a:rPr lang="ru-RU" sz="1800" b="0" baseline="0" dirty="0" smtClean="0">
-                          <a:latin typeface="Times New Roman"/>
+                        <a:rPr lang="ru-RU" sz="1600" b="0" baseline="0" dirty="0" smtClean="0">
+                          <a:latin typeface="Arial" pitchFamily="34" charset="0"/>
                           <a:ea typeface="Times New Roman"/>
+                          <a:cs typeface="Arial" pitchFamily="34" charset="0"/>
                         </a:rPr>
                         <a:t> </a:t>
                       </a:r>
                       <a:r>
-                        <a:rPr lang="ru-RU" sz="1800" b="0" dirty="0" smtClean="0">
-                          <a:latin typeface="Times New Roman"/>
+                        <a:rPr lang="ru-RU" sz="1600" b="0" dirty="0" smtClean="0">
+                          <a:latin typeface="Arial" pitchFamily="34" charset="0"/>
                           <a:ea typeface="Times New Roman"/>
+                          <a:cs typeface="Arial" pitchFamily="34" charset="0"/>
                         </a:rPr>
                         <a:t>с </a:t>
                       </a:r>
                       <a:r>
-                        <a:rPr lang="ru-RU" sz="1800" b="0" dirty="0">
-                          <a:latin typeface="Times New Roman"/>
+                        <a:rPr lang="ru-RU" sz="1600" b="0" dirty="0">
+                          <a:latin typeface="Arial" pitchFamily="34" charset="0"/>
                           <a:ea typeface="Times New Roman"/>
+                          <a:cs typeface="Arial" pitchFamily="34" charset="0"/>
                         </a:rPr>
                         <a:t>использованием</a:t>
                       </a:r>
                       <a:r>
-                        <a:rPr lang="ru-RU" sz="1800" b="1" dirty="0">
-                          <a:latin typeface="Times New Roman"/>
+                        <a:rPr lang="ru-RU" sz="1600" b="1" dirty="0">
+                          <a:latin typeface="Arial" pitchFamily="34" charset="0"/>
                           <a:ea typeface="Times New Roman"/>
+                          <a:cs typeface="Arial" pitchFamily="34" charset="0"/>
                         </a:rPr>
                         <a:t> </a:t>
                       </a:r>
                       <a:r>
-                        <a:rPr lang="ru-RU" sz="1800" b="1" dirty="0">
+                        <a:rPr lang="ru-RU" sz="1600" b="1" dirty="0">
                           <a:solidFill>
                             <a:srgbClr val="FF0000"/>
                           </a:solidFill>
-                          <a:latin typeface="Times New Roman"/>
+                          <a:latin typeface="Arial" pitchFamily="34" charset="0"/>
                           <a:ea typeface="Times New Roman"/>
+                          <a:cs typeface="Arial" pitchFamily="34" charset="0"/>
                         </a:rPr>
                         <a:t>случайных чисел</a:t>
                       </a:r>
@@ -17741,9 +18756,10 @@
                         </a:spcAft>
                       </a:pPr>
                       <a:r>
-                        <a:rPr lang="ru-RU" sz="1800" dirty="0">
-                          <a:latin typeface="Times New Roman"/>
+                        <a:rPr lang="ru-RU" sz="1600" dirty="0">
+                          <a:latin typeface="Arial" pitchFamily="34" charset="0"/>
                           <a:ea typeface="Times New Roman"/>
+                          <a:cs typeface="Arial" pitchFamily="34" charset="0"/>
                         </a:rPr>
                         <a:t>Основан на случайных числах</a:t>
                       </a:r>
@@ -17805,8 +18821,9 @@
                         </a:spcAft>
                       </a:pPr>
                       <a:endParaRPr lang="ru-RU" sz="1400" b="0" dirty="0" smtClean="0">
-                        <a:latin typeface="Times New Roman"/>
+                        <a:latin typeface="Arial" pitchFamily="34" charset="0"/>
                         <a:ea typeface="Times New Roman"/>
+                        <a:cs typeface="Arial" pitchFamily="34" charset="0"/>
                       </a:endParaRPr>
                     </a:p>
                     <a:p>
@@ -17820,15 +18837,17 @@
                       </a:pPr>
                       <a:r>
                         <a:rPr lang="ru-RU" sz="1400" b="0" dirty="0" smtClean="0">
-                          <a:latin typeface="Times New Roman"/>
+                          <a:latin typeface="Arial" pitchFamily="34" charset="0"/>
                           <a:ea typeface="Times New Roman"/>
+                          <a:cs typeface="Arial" pitchFamily="34" charset="0"/>
                         </a:rPr>
                         <a:t>Не </a:t>
                       </a:r>
                       <a:r>
                         <a:rPr lang="ru-RU" sz="1400" b="0" dirty="0">
-                          <a:latin typeface="Times New Roman"/>
+                          <a:latin typeface="Arial" pitchFamily="34" charset="0"/>
                           <a:ea typeface="Times New Roman"/>
+                          <a:cs typeface="Arial" pitchFamily="34" charset="0"/>
                         </a:rPr>
                         <a:t>используется проверка подлинности  сообщения</a:t>
                       </a:r>
@@ -17890,8 +18909,9 @@
                         </a:spcAft>
                       </a:pPr>
                       <a:endParaRPr lang="ru-RU" sz="1400" dirty="0">
-                        <a:latin typeface="Times New Roman"/>
+                        <a:latin typeface="Arial" pitchFamily="34" charset="0"/>
                         <a:ea typeface="Times New Roman"/>
+                        <a:cs typeface="Arial" pitchFamily="34" charset="0"/>
                       </a:endParaRPr>
                     </a:p>
                     <a:p>
@@ -17904,9 +18924,10 @@
                         </a:spcAft>
                       </a:pPr>
                       <a:r>
-                        <a:rPr lang="ru-RU" sz="1800" dirty="0">
-                          <a:latin typeface="Times New Roman"/>
+                        <a:rPr lang="ru-RU" sz="1600" dirty="0">
+                          <a:latin typeface="Arial" pitchFamily="34" charset="0"/>
                           <a:ea typeface="Times New Roman"/>
+                          <a:cs typeface="Arial" pitchFamily="34" charset="0"/>
                         </a:rPr>
                         <a:t>нет</a:t>
                       </a:r>
@@ -17955,7 +18976,7 @@
                   </a:tcPr>
                 </a:tc>
               </a:tr>
-              <a:tr h="1184679">
+              <a:tr h="1158895">
                 <a:tc>
                   <a:txBody>
                     <a:bodyPr/>
@@ -17973,79 +18994,71 @@
                         </a:spcAft>
                       </a:pPr>
                       <a:r>
-                        <a:rPr lang="ru-RU" sz="1800" b="1" dirty="0" smtClean="0">
+                        <a:rPr lang="ru-RU" sz="1600" b="1" dirty="0" smtClean="0">
                           <a:solidFill>
                             <a:srgbClr val="FF0000"/>
                           </a:solidFill>
-                          <a:latin typeface="Times New Roman"/>
+                          <a:latin typeface="Arial" pitchFamily="34" charset="0"/>
                           <a:ea typeface="Times New Roman"/>
-                          <a:cs typeface="Times New Roman"/>
+                          <a:cs typeface="Arial" pitchFamily="34" charset="0"/>
                         </a:rPr>
                         <a:t>Взаимная</a:t>
                       </a:r>
                       <a:r>
-                        <a:rPr lang="ru-RU" sz="1800" b="0" dirty="0" smtClean="0">
+                        <a:rPr lang="ru-RU" sz="1600" b="0" dirty="0" smtClean="0">
                           <a:solidFill>
                             <a:srgbClr val="000000"/>
                           </a:solidFill>
-                          <a:latin typeface="Times New Roman"/>
+                          <a:latin typeface="Arial" pitchFamily="34" charset="0"/>
                           <a:ea typeface="Times New Roman"/>
-                          <a:cs typeface="Times New Roman"/>
+                          <a:cs typeface="Arial" pitchFamily="34" charset="0"/>
                         </a:rPr>
                         <a:t>,</a:t>
                       </a:r>
                       <a:r>
-                        <a:rPr lang="ru-RU" sz="1800" b="0" baseline="0" dirty="0" smtClean="0">
+                        <a:rPr lang="ru-RU" sz="1600" b="0" baseline="0" dirty="0" smtClean="0">
                           <a:solidFill>
                             <a:srgbClr val="000000"/>
                           </a:solidFill>
-                          <a:latin typeface="Times New Roman"/>
+                          <a:latin typeface="Arial" pitchFamily="34" charset="0"/>
                           <a:ea typeface="Times New Roman"/>
-                          <a:cs typeface="Times New Roman"/>
+                          <a:cs typeface="Arial" pitchFamily="34" charset="0"/>
                         </a:rPr>
                         <a:t> </a:t>
                       </a:r>
                       <a:r>
-                        <a:rPr lang="ru-RU" sz="1800" b="0" dirty="0" smtClean="0">
+                        <a:rPr lang="ru-RU" sz="1600" b="0" dirty="0" smtClean="0">
                           <a:solidFill>
                             <a:srgbClr val="000000"/>
                           </a:solidFill>
-                          <a:latin typeface="Times New Roman"/>
+                          <a:latin typeface="Arial" pitchFamily="34" charset="0"/>
                           <a:ea typeface="Times New Roman"/>
-                          <a:cs typeface="Times New Roman"/>
+                          <a:cs typeface="Arial" pitchFamily="34" charset="0"/>
                         </a:rPr>
                         <a:t>с </a:t>
                       </a:r>
                       <a:r>
-                        <a:rPr lang="ru-RU" sz="1800" b="0" dirty="0">
+                        <a:rPr lang="ru-RU" sz="1600" b="0" dirty="0">
                           <a:solidFill>
                             <a:srgbClr val="000000"/>
                           </a:solidFill>
-                          <a:latin typeface="Times New Roman"/>
+                          <a:latin typeface="Arial" pitchFamily="34" charset="0"/>
                           <a:ea typeface="Times New Roman"/>
-                          <a:cs typeface="Times New Roman"/>
+                          <a:cs typeface="Arial" pitchFamily="34" charset="0"/>
                         </a:rPr>
                         <a:t>использованием </a:t>
                       </a:r>
                       <a:r>
-                        <a:rPr lang="ru-RU" sz="1800" b="1" dirty="0">
+                        <a:rPr lang="ru-RU" sz="1600" b="1" dirty="0">
                           <a:solidFill>
                             <a:srgbClr val="FF0000"/>
                           </a:solidFill>
-                          <a:latin typeface="Times New Roman"/>
+                          <a:latin typeface="Arial" pitchFamily="34" charset="0"/>
                           <a:ea typeface="Times New Roman"/>
-                          <a:cs typeface="Times New Roman"/>
+                          <a:cs typeface="Arial" pitchFamily="34" charset="0"/>
                         </a:rPr>
                         <a:t>случайных чисел</a:t>
                       </a:r>
-                      <a:endParaRPr lang="ru-RU" sz="1800" b="1" dirty="0">
-                        <a:solidFill>
-                          <a:srgbClr val="FF0000"/>
-                        </a:solidFill>
-                        <a:latin typeface="Calibri"/>
-                        <a:ea typeface="Times New Roman"/>
-                        <a:cs typeface="Times New Roman"/>
-                      </a:endParaRPr>
                     </a:p>
                   </a:txBody>
                   <a:tcPr marL="42749" marR="42749" marT="0" marB="0">
@@ -18104,9 +19117,10 @@
                         </a:spcAft>
                       </a:pPr>
                       <a:r>
-                        <a:rPr lang="ru-RU" sz="1800" dirty="0">
-                          <a:latin typeface="Times New Roman"/>
+                        <a:rPr lang="ru-RU" sz="1600" dirty="0">
+                          <a:latin typeface="Arial" pitchFamily="34" charset="0"/>
                           <a:ea typeface="Times New Roman"/>
+                          <a:cs typeface="Arial" pitchFamily="34" charset="0"/>
                         </a:rPr>
                         <a:t>Основан на случайных числах</a:t>
                       </a:r>
@@ -18169,38 +19183,32 @@
                       </a:pPr>
                       <a:r>
                         <a:rPr lang="ru-RU" sz="1400" b="0" dirty="0" smtClean="0">
-                          <a:latin typeface="Times New Roman"/>
+                          <a:latin typeface="Arial" pitchFamily="34" charset="0"/>
                           <a:ea typeface="Times New Roman"/>
+                          <a:cs typeface="Arial" pitchFamily="34" charset="0"/>
                         </a:rPr>
                         <a:t>Предназначен </a:t>
                       </a:r>
                       <a:r>
                         <a:rPr lang="ru-RU" sz="1400" b="0" dirty="0">
-                          <a:latin typeface="Times New Roman"/>
+                          <a:latin typeface="Arial" pitchFamily="34" charset="0"/>
                           <a:ea typeface="Times New Roman"/>
+                          <a:cs typeface="Arial" pitchFamily="34" charset="0"/>
                         </a:rPr>
                         <a:t>для взаимной аутентификации (не подходит в случае односторонней</a:t>
                       </a:r>
                       <a:r>
                         <a:rPr lang="ru-RU" sz="1400" b="0" dirty="0" smtClean="0">
-                          <a:latin typeface="Times New Roman"/>
+                          <a:latin typeface="Arial" pitchFamily="34" charset="0"/>
                           <a:ea typeface="Times New Roman"/>
+                          <a:cs typeface="Arial" pitchFamily="34" charset="0"/>
                         </a:rPr>
-                        <a:t>)</a:t>
+                        <a:t>),</a:t>
                       </a:r>
-                    </a:p>
-                    <a:p>
-                      <a:pPr algn="ctr">
-                        <a:lnSpc>
-                          <a:spcPct val="100000"/>
-                        </a:lnSpc>
-                        <a:spcAft>
-                          <a:spcPts val="0"/>
-                        </a:spcAft>
-                      </a:pPr>
                       <a:endParaRPr lang="ru-RU" sz="1400" b="0" dirty="0">
-                        <a:latin typeface="Times New Roman"/>
+                        <a:latin typeface="Arial" pitchFamily="34" charset="0"/>
                         <a:ea typeface="Times New Roman"/>
+                        <a:cs typeface="Arial" pitchFamily="34" charset="0"/>
                       </a:endParaRPr>
                     </a:p>
                     <a:p>
@@ -18214,22 +19222,33 @@
                       </a:pPr>
                       <a:r>
                         <a:rPr lang="ru-RU" sz="1400" b="0" baseline="0" dirty="0" smtClean="0">
-                          <a:latin typeface="Times New Roman"/>
+                          <a:latin typeface="Arial" pitchFamily="34" charset="0"/>
                           <a:ea typeface="Times New Roman"/>
+                          <a:cs typeface="Arial" pitchFamily="34" charset="0"/>
                         </a:rPr>
                         <a:t> </a:t>
                       </a:r>
                       <a:r>
+                        <a:rPr lang="ru-RU" sz="1400" b="0" baseline="0" dirty="0" smtClean="0">
+                          <a:latin typeface="Arial" pitchFamily="34" charset="0"/>
+                          <a:ea typeface="Times New Roman"/>
+                          <a:cs typeface="Arial" pitchFamily="34" charset="0"/>
+                        </a:rPr>
+                        <a:t>н</a:t>
+                      </a:r>
+                      <a:r>
                         <a:rPr lang="ru-RU" sz="1400" b="0" dirty="0" smtClean="0">
-                          <a:latin typeface="Times New Roman"/>
+                          <a:latin typeface="Arial" pitchFamily="34" charset="0"/>
                           <a:ea typeface="Times New Roman"/>
+                          <a:cs typeface="Arial" pitchFamily="34" charset="0"/>
                         </a:rPr>
-                        <a:t>Не </a:t>
+                        <a:t>е </a:t>
                       </a:r>
                       <a:r>
                         <a:rPr lang="ru-RU" sz="1400" b="0" dirty="0">
-                          <a:latin typeface="Times New Roman"/>
+                          <a:latin typeface="Arial" pitchFamily="34" charset="0"/>
                           <a:ea typeface="Times New Roman"/>
+                          <a:cs typeface="Arial" pitchFamily="34" charset="0"/>
                         </a:rPr>
                         <a:t>использует проверка подлинности сообщения</a:t>
                       </a:r>
@@ -18291,8 +19310,9 @@
                         </a:spcAft>
                       </a:pPr>
                       <a:endParaRPr lang="ru-RU" sz="1400" dirty="0">
-                        <a:latin typeface="Times New Roman"/>
+                        <a:latin typeface="Arial" pitchFamily="34" charset="0"/>
                         <a:ea typeface="Times New Roman"/>
+                        <a:cs typeface="Arial" pitchFamily="34" charset="0"/>
                       </a:endParaRPr>
                     </a:p>
                     <a:p>
@@ -18305,9 +19325,10 @@
                         </a:spcAft>
                       </a:pPr>
                       <a:r>
-                        <a:rPr lang="ru-RU" sz="1800" dirty="0">
-                          <a:latin typeface="Times New Roman"/>
+                        <a:rPr lang="ru-RU" sz="1600" dirty="0">
+                          <a:latin typeface="Arial" pitchFamily="34" charset="0"/>
                           <a:ea typeface="Times New Roman"/>
+                          <a:cs typeface="Arial" pitchFamily="34" charset="0"/>
                         </a:rPr>
                         <a:t>нет</a:t>
                       </a:r>
@@ -18356,7 +19377,7 @@
                   </a:tcPr>
                 </a:tc>
               </a:tr>
-              <a:tr h="1132956">
+              <a:tr h="1108298">
                 <a:tc>
                   <a:txBody>
                     <a:bodyPr/>
@@ -18374,111 +19395,111 @@
                         </a:spcAft>
                       </a:pPr>
                       <a:r>
-                        <a:rPr lang="ru-RU" sz="1800" b="0" dirty="0" smtClean="0">
+                        <a:rPr lang="ru-RU" sz="1600" b="0" dirty="0" smtClean="0">
                           <a:solidFill>
                             <a:srgbClr val="000000"/>
                           </a:solidFill>
-                          <a:latin typeface="Times New Roman"/>
+                          <a:latin typeface="Arial" pitchFamily="34" charset="0"/>
                           <a:ea typeface="Times New Roman"/>
-                          <a:cs typeface="Times New Roman"/>
+                          <a:cs typeface="Arial" pitchFamily="34" charset="0"/>
                         </a:rPr>
                         <a:t>На</a:t>
                       </a:r>
                       <a:r>
-                        <a:rPr lang="ru-RU" sz="1800" b="0" baseline="0" dirty="0" smtClean="0">
+                        <a:rPr lang="ru-RU" sz="1600" b="0" baseline="0" dirty="0" smtClean="0">
                           <a:solidFill>
                             <a:srgbClr val="000000"/>
                           </a:solidFill>
-                          <a:latin typeface="Times New Roman"/>
+                          <a:latin typeface="Arial" pitchFamily="34" charset="0"/>
                           <a:ea typeface="Times New Roman"/>
-                          <a:cs typeface="Times New Roman"/>
+                          <a:cs typeface="Arial" pitchFamily="34" charset="0"/>
                         </a:rPr>
                         <a:t> основе</a:t>
                       </a:r>
                       <a:r>
-                        <a:rPr lang="ru-RU" sz="1800" b="1" baseline="0" dirty="0" smtClean="0">
+                        <a:rPr lang="ru-RU" sz="1600" b="1" baseline="0" dirty="0" smtClean="0">
                           <a:solidFill>
                             <a:srgbClr val="000000"/>
                           </a:solidFill>
-                          <a:latin typeface="Times New Roman"/>
+                          <a:latin typeface="Arial" pitchFamily="34" charset="0"/>
                           <a:ea typeface="Times New Roman"/>
-                          <a:cs typeface="Times New Roman"/>
+                          <a:cs typeface="Arial" pitchFamily="34" charset="0"/>
                         </a:rPr>
                         <a:t> </a:t>
                       </a:r>
                       <a:r>
-                        <a:rPr lang="ru-RU" sz="1800" b="1" dirty="0" smtClean="0">
+                        <a:rPr lang="ru-RU" sz="1600" b="1" dirty="0" smtClean="0">
                           <a:solidFill>
                             <a:srgbClr val="FF0000"/>
                           </a:solidFill>
-                          <a:latin typeface="Times New Roman"/>
+                          <a:latin typeface="Arial" pitchFamily="34" charset="0"/>
                           <a:ea typeface="Times New Roman"/>
-                          <a:cs typeface="Times New Roman"/>
+                          <a:cs typeface="Arial" pitchFamily="34" charset="0"/>
                         </a:rPr>
                         <a:t>случайных </a:t>
                       </a:r>
                       <a:r>
-                        <a:rPr lang="ru-RU" sz="1800" b="1" dirty="0">
+                        <a:rPr lang="ru-RU" sz="1600" b="1" dirty="0">
                           <a:solidFill>
                             <a:srgbClr val="FF0000"/>
                           </a:solidFill>
-                          <a:latin typeface="Times New Roman"/>
+                          <a:latin typeface="Arial" pitchFamily="34" charset="0"/>
                           <a:ea typeface="Times New Roman"/>
-                          <a:cs typeface="Times New Roman"/>
+                          <a:cs typeface="Arial" pitchFamily="34" charset="0"/>
                         </a:rPr>
                         <a:t>чисел</a:t>
                       </a:r>
                       <a:r>
-                        <a:rPr lang="ru-RU" sz="1800" b="1" dirty="0">
+                        <a:rPr lang="ru-RU" sz="1600" b="1" dirty="0">
                           <a:solidFill>
                             <a:srgbClr val="000000"/>
                           </a:solidFill>
-                          <a:latin typeface="Times New Roman"/>
+                          <a:latin typeface="Arial" pitchFamily="34" charset="0"/>
                           <a:ea typeface="Times New Roman"/>
-                          <a:cs typeface="Times New Roman"/>
+                          <a:cs typeface="Arial" pitchFamily="34" charset="0"/>
                         </a:rPr>
                         <a:t> </a:t>
                       </a:r>
                       <a:r>
-                        <a:rPr lang="ru-RU" sz="1800" b="0" dirty="0" smtClean="0">
+                        <a:rPr lang="ru-RU" sz="1600" b="0" dirty="0" smtClean="0">
                           <a:solidFill>
                             <a:srgbClr val="000000"/>
                           </a:solidFill>
-                          <a:latin typeface="Times New Roman"/>
+                          <a:latin typeface="Arial" pitchFamily="34" charset="0"/>
                           <a:ea typeface="Times New Roman"/>
-                          <a:cs typeface="Times New Roman"/>
+                          <a:cs typeface="Arial" pitchFamily="34" charset="0"/>
                         </a:rPr>
                         <a:t>и</a:t>
                       </a:r>
                       <a:r>
-                        <a:rPr lang="ru-RU" sz="1800" b="1" dirty="0" smtClean="0">
+                        <a:rPr lang="ru-RU" sz="1600" b="1" dirty="0" smtClean="0">
                           <a:solidFill>
                             <a:srgbClr val="000000"/>
                           </a:solidFill>
-                          <a:latin typeface="Times New Roman"/>
+                          <a:latin typeface="Arial" pitchFamily="34" charset="0"/>
                           <a:ea typeface="Times New Roman"/>
-                          <a:cs typeface="Times New Roman"/>
+                          <a:cs typeface="Arial" pitchFamily="34" charset="0"/>
                         </a:rPr>
                         <a:t> </a:t>
                       </a:r>
                       <a:r>
-                        <a:rPr lang="ru-RU" sz="1800" b="1" dirty="0" err="1" smtClean="0">
+                        <a:rPr lang="ru-RU" sz="1600" b="1" dirty="0" err="1" smtClean="0">
                           <a:solidFill>
                             <a:srgbClr val="FF0000"/>
                           </a:solidFill>
-                          <a:latin typeface="Times New Roman"/>
+                          <a:latin typeface="Arial" pitchFamily="34" charset="0"/>
                           <a:ea typeface="Times New Roman"/>
-                          <a:cs typeface="Times New Roman"/>
+                          <a:cs typeface="Arial" pitchFamily="34" charset="0"/>
                         </a:rPr>
                         <a:t>имитозащиты</a:t>
                       </a:r>
-                      <a:endParaRPr lang="ru-RU" sz="1800" b="1" dirty="0">
+                      <a:endParaRPr lang="ru-RU" sz="1600" b="1" dirty="0">
                         <a:solidFill>
                           <a:srgbClr val="FF0000"/>
                         </a:solidFill>
-                        <a:latin typeface="Calibri"/>
+                        <a:latin typeface="Arial" pitchFamily="34" charset="0"/>
                         <a:ea typeface="Times New Roman"/>
-                        <a:cs typeface="Times New Roman"/>
+                        <a:cs typeface="Arial" pitchFamily="34" charset="0"/>
                       </a:endParaRPr>
                     </a:p>
                   </a:txBody>
@@ -18538,9 +19559,10 @@
                         </a:spcAft>
                       </a:pPr>
                       <a:r>
-                        <a:rPr lang="ru-RU" sz="1800" dirty="0">
-                          <a:latin typeface="Times New Roman"/>
+                        <a:rPr lang="ru-RU" sz="1600" dirty="0">
+                          <a:latin typeface="Arial" pitchFamily="34" charset="0"/>
                           <a:ea typeface="Times New Roman"/>
+                          <a:cs typeface="Arial" pitchFamily="34" charset="0"/>
                         </a:rPr>
                         <a:t>Используется проверка подлинности сообщения</a:t>
                       </a:r>
@@ -18602,8 +19624,9 @@
                         </a:spcAft>
                       </a:pPr>
                       <a:endParaRPr lang="ru-RU" sz="1400" b="0" dirty="0" smtClean="0">
-                        <a:latin typeface="Times New Roman"/>
+                        <a:latin typeface="Arial" pitchFamily="34" charset="0"/>
                         <a:ea typeface="Times New Roman"/>
+                        <a:cs typeface="Arial" pitchFamily="34" charset="0"/>
                       </a:endParaRPr>
                     </a:p>
                     <a:p>
@@ -18617,15 +19640,17 @@
                       </a:pPr>
                       <a:r>
                         <a:rPr lang="ru-RU" sz="1400" b="0" dirty="0" smtClean="0">
-                          <a:latin typeface="Times New Roman"/>
+                          <a:latin typeface="Arial" pitchFamily="34" charset="0"/>
                           <a:ea typeface="Times New Roman"/>
+                          <a:cs typeface="Arial" pitchFamily="34" charset="0"/>
                         </a:rPr>
                         <a:t>Усложняется </a:t>
                       </a:r>
                       <a:r>
                         <a:rPr lang="ru-RU" sz="1400" b="0" dirty="0">
-                          <a:latin typeface="Times New Roman"/>
+                          <a:latin typeface="Arial" pitchFamily="34" charset="0"/>
                           <a:ea typeface="Times New Roman"/>
+                          <a:cs typeface="Arial" pitchFamily="34" charset="0"/>
                         </a:rPr>
                         <a:t>реализация</a:t>
                       </a:r>
@@ -18687,8 +19712,9 @@
                         </a:spcAft>
                       </a:pPr>
                       <a:endParaRPr lang="ru-RU" sz="1400" dirty="0">
-                        <a:latin typeface="Times New Roman"/>
+                        <a:latin typeface="Arial" pitchFamily="34" charset="0"/>
                         <a:ea typeface="Times New Roman"/>
+                        <a:cs typeface="Arial" pitchFamily="34" charset="0"/>
                       </a:endParaRPr>
                     </a:p>
                     <a:p>
@@ -18701,12 +19727,13 @@
                         </a:spcAft>
                       </a:pPr>
                       <a:r>
-                        <a:rPr lang="ru-RU" sz="1800" b="1" dirty="0">
+                        <a:rPr lang="ru-RU" sz="1600" b="1" dirty="0">
                           <a:solidFill>
                             <a:srgbClr val="FF0000"/>
                           </a:solidFill>
-                          <a:latin typeface="Times New Roman"/>
+                          <a:latin typeface="Arial" pitchFamily="34" charset="0"/>
                           <a:ea typeface="Times New Roman"/>
+                          <a:cs typeface="Arial" pitchFamily="34" charset="0"/>
                         </a:rPr>
                         <a:t>да</a:t>
                       </a:r>

--- a/ВКР (выпускная квалификационная работа)/MP-49_Ivanov_Roman_present.pptx
+++ b/ВКР (выпускная квалификационная работа)/MP-49_Ivanov_Roman_present.pptx
@@ -5,7 +5,7 @@
     <p:sldMasterId id="2147483744" r:id="rId1"/>
   </p:sldMasterIdLst>
   <p:notesMasterIdLst>
-    <p:notesMasterId r:id="rId20"/>
+    <p:notesMasterId r:id="rId18"/>
   </p:notesMasterIdLst>
   <p:sldIdLst>
     <p:sldId id="256" r:id="rId2"/>
@@ -23,9 +23,7 @@
     <p:sldId id="276" r:id="rId14"/>
     <p:sldId id="267" r:id="rId15"/>
     <p:sldId id="279" r:id="rId16"/>
-    <p:sldId id="290" r:id="rId17"/>
-    <p:sldId id="291" r:id="rId18"/>
-    <p:sldId id="281" r:id="rId19"/>
+    <p:sldId id="281" r:id="rId17"/>
   </p:sldIdLst>
   <p:sldSz cx="9144000" cy="6858000" type="screen4x3"/>
   <p:notesSz cx="6858000" cy="9144000"/>
@@ -479,6 +477,91 @@
     </a:lvl9pPr>
   </p:notesStyle>
 </p:notesMaster>
+</file>
+
+<file path=ppt/notesSlides/notesSlide1.xml><?xml version="1.0" encoding="utf-8"?>
+<p:notes xmlns:a="http://schemas.openxmlformats.org/drawingml/2006/main" xmlns:r="http://schemas.openxmlformats.org/officeDocument/2006/relationships" xmlns:p="http://schemas.openxmlformats.org/presentationml/2006/main">
+  <p:cSld>
+    <p:spTree>
+      <p:nvGrpSpPr>
+        <p:cNvPr id="1" name=""/>
+        <p:cNvGrpSpPr/>
+        <p:nvPr/>
+      </p:nvGrpSpPr>
+      <p:grpSpPr>
+        <a:xfrm>
+          <a:off x="0" y="0"/>
+          <a:ext cx="0" cy="0"/>
+          <a:chOff x="0" y="0"/>
+          <a:chExt cx="0" cy="0"/>
+        </a:xfrm>
+      </p:grpSpPr>
+      <p:sp>
+        <p:nvSpPr>
+          <p:cNvPr id="2" name="Образ слайда 1"/>
+          <p:cNvSpPr>
+            <a:spLocks noGrp="1" noRot="1" noChangeAspect="1"/>
+          </p:cNvSpPr>
+          <p:nvPr>
+            <p:ph type="sldImg"/>
+          </p:nvPr>
+        </p:nvSpPr>
+        <p:spPr/>
+      </p:sp>
+      <p:sp>
+        <p:nvSpPr>
+          <p:cNvPr id="3" name="Заметки 2"/>
+          <p:cNvSpPr>
+            <a:spLocks noGrp="1"/>
+          </p:cNvSpPr>
+          <p:nvPr>
+            <p:ph type="body" idx="1"/>
+          </p:nvPr>
+        </p:nvSpPr>
+        <p:spPr/>
+        <p:txBody>
+          <a:bodyPr/>
+          <a:lstStyle/>
+          <a:p>
+            <a:endParaRPr lang="ru-RU" dirty="0"/>
+          </a:p>
+        </p:txBody>
+      </p:sp>
+      <p:sp>
+        <p:nvSpPr>
+          <p:cNvPr id="4" name="Номер слайда 3"/>
+          <p:cNvSpPr>
+            <a:spLocks noGrp="1"/>
+          </p:cNvSpPr>
+          <p:nvPr>
+            <p:ph type="sldNum" sz="quarter" idx="10"/>
+          </p:nvPr>
+        </p:nvSpPr>
+        <p:spPr/>
+        <p:txBody>
+          <a:bodyPr/>
+          <a:lstStyle/>
+          <a:p>
+            <a:fld id="{AB9F3844-069D-473E-9217-573C954B07DB}" type="slidenum">
+              <a:rPr lang="ru-RU" smtClean="0"/>
+              <a:pPr/>
+              <a:t>15</a:t>
+            </a:fld>
+            <a:endParaRPr lang="ru-RU"/>
+          </a:p>
+        </p:txBody>
+      </p:sp>
+    </p:spTree>
+    <p:extLst>
+      <p:ext uri="{BB962C8B-B14F-4D97-AF65-F5344CB8AC3E}">
+        <p14:creationId xmlns:p14="http://schemas.microsoft.com/office/powerpoint/2010/main" val="2429663873"/>
+      </p:ext>
+    </p:extLst>
+  </p:cSld>
+  <p:clrMapOvr>
+    <a:masterClrMapping/>
+  </p:clrMapOvr>
+</p:notes>
 </file>
 
 <file path=ppt/slideLayouts/slideLayout1.xml><?xml version="1.0" encoding="utf-8"?>
@@ -5309,7 +5392,7 @@
           <a:noFill/>
           <a:ln>
             <a:solidFill>
-              <a:srgbClr val="FF0000"/>
+              <a:srgbClr val="7030A0"/>
             </a:solidFill>
             <a:prstDash val="lgDash"/>
           </a:ln>
@@ -5356,7 +5439,7 @@
           <a:noFill/>
           <a:ln>
             <a:solidFill>
-              <a:srgbClr val="FF0000"/>
+              <a:srgbClr val="002060"/>
             </a:solidFill>
             <a:prstDash val="lgDash"/>
           </a:ln>
@@ -5403,7 +5486,7 @@
           <a:noFill/>
           <a:ln>
             <a:solidFill>
-              <a:srgbClr val="FF0000"/>
+              <a:srgbClr val="00B050"/>
             </a:solidFill>
             <a:prstDash val="lgDash"/>
           </a:ln>
@@ -5441,8 +5524,8 @@
         </p:nvSpPr>
         <p:spPr>
           <a:xfrm>
-            <a:off x="2510631" y="5104046"/>
-            <a:ext cx="2559150" cy="306894"/>
+            <a:off x="2510631" y="5157192"/>
+            <a:ext cx="2559150" cy="253748"/>
           </a:xfrm>
           <a:prstGeom prst="rect">
             <a:avLst/>
@@ -5450,7 +5533,7 @@
           <a:noFill/>
           <a:ln>
             <a:solidFill>
-              <a:srgbClr val="FF0000"/>
+              <a:srgbClr val="002060"/>
             </a:solidFill>
             <a:prstDash val="lgDash"/>
           </a:ln>
@@ -5620,7 +5703,7 @@
           <a:noFill/>
           <a:ln>
             <a:solidFill>
-              <a:srgbClr val="7030A0"/>
+              <a:srgbClr val="002060"/>
             </a:solidFill>
           </a:ln>
         </p:spPr>
@@ -5689,7 +5772,7 @@
           <a:noFill/>
           <a:ln>
             <a:solidFill>
-              <a:srgbClr val="7030A0"/>
+              <a:srgbClr val="FF0000"/>
             </a:solidFill>
           </a:ln>
         </p:spPr>
@@ -5758,7 +5841,7 @@
           <a:noFill/>
           <a:ln>
             <a:solidFill>
-              <a:srgbClr val="7030A0"/>
+              <a:srgbClr val="00B050"/>
             </a:solidFill>
           </a:ln>
         </p:spPr>
@@ -5827,7 +5910,7 @@
           <a:noFill/>
           <a:ln>
             <a:solidFill>
-              <a:srgbClr val="7030A0"/>
+              <a:srgbClr val="002060"/>
             </a:solidFill>
           </a:ln>
         </p:spPr>
@@ -6173,7 +6256,7 @@
           <a:noFill/>
           <a:ln>
             <a:solidFill>
-              <a:srgbClr val="FF0000"/>
+              <a:srgbClr val="7030A0"/>
             </a:solidFill>
             <a:prstDash val="lgDash"/>
           </a:ln>
@@ -6265,7 +6348,7 @@
             <a:r>
               <a:rPr lang="en-US" b="1" i="1" dirty="0" smtClean="0">
                 <a:solidFill>
-                  <a:srgbClr val="FF0000"/>
+                  <a:srgbClr val="7030A0"/>
                 </a:solidFill>
                 <a:latin typeface="Arial" pitchFamily="34" charset="0"/>
                 <a:cs typeface="Arial" pitchFamily="34" charset="0"/>
@@ -6274,7 +6357,7 @@
             </a:r>
             <a:endParaRPr lang="ru-RU" b="1" i="1" dirty="0">
               <a:solidFill>
-                <a:srgbClr val="FF0000"/>
+                <a:srgbClr val="7030A0"/>
               </a:solidFill>
               <a:latin typeface="Arial" pitchFamily="34" charset="0"/>
               <a:cs typeface="Arial" pitchFamily="34" charset="0"/>
@@ -6299,7 +6382,7 @@
           <a:noFill/>
           <a:ln>
             <a:solidFill>
-              <a:srgbClr val="FF0000"/>
+              <a:srgbClr val="00B050"/>
             </a:solidFill>
             <a:prstDash val="lgDash"/>
           </a:ln>
@@ -6353,7 +6436,7 @@
           <a:noFill/>
           <a:ln>
             <a:solidFill>
-              <a:srgbClr val="7030A0"/>
+              <a:srgbClr val="00B050"/>
             </a:solidFill>
           </a:ln>
         </p:spPr>
@@ -6391,7 +6474,7 @@
             <a:r>
               <a:rPr lang="en-US" b="1" i="1" dirty="0">
                 <a:solidFill>
-                  <a:srgbClr val="FF0000"/>
+                  <a:srgbClr val="00B050"/>
                 </a:solidFill>
                 <a:latin typeface="Arial" pitchFamily="34" charset="0"/>
                 <a:cs typeface="Arial" pitchFamily="34" charset="0"/>
@@ -6400,7 +6483,7 @@
             </a:r>
             <a:endParaRPr lang="ru-RU" b="1" i="1" dirty="0">
               <a:solidFill>
-                <a:srgbClr val="FF0000"/>
+                <a:srgbClr val="00B050"/>
               </a:solidFill>
               <a:latin typeface="Arial" pitchFamily="34" charset="0"/>
               <a:cs typeface="Arial" pitchFamily="34" charset="0"/>
@@ -6425,7 +6508,7 @@
           <a:noFill/>
           <a:ln>
             <a:solidFill>
-              <a:srgbClr val="FF0000"/>
+              <a:schemeClr val="tx2"/>
             </a:solidFill>
             <a:prstDash val="lgDash"/>
           </a:ln>
@@ -6479,7 +6562,7 @@
           <a:noFill/>
           <a:ln>
             <a:solidFill>
-              <a:srgbClr val="7030A0"/>
+              <a:schemeClr val="tx2"/>
             </a:solidFill>
           </a:ln>
         </p:spPr>
@@ -6516,7 +6599,7 @@
             <a:r>
               <a:rPr lang="en-US" b="1" i="1" dirty="0" smtClean="0">
                 <a:solidFill>
-                  <a:srgbClr val="FF0000"/>
+                  <a:schemeClr val="tx2"/>
                 </a:solidFill>
                 <a:latin typeface="Arial" pitchFamily="34" charset="0"/>
                 <a:cs typeface="Arial" pitchFamily="34" charset="0"/>
@@ -6526,7 +6609,7 @@
             <a:r>
               <a:rPr lang="ru-RU" b="1" i="1" dirty="0" smtClean="0">
                 <a:solidFill>
-                  <a:srgbClr val="FF0000"/>
+                  <a:schemeClr val="tx2"/>
                 </a:solidFill>
                 <a:latin typeface="Arial" pitchFamily="34" charset="0"/>
                 <a:cs typeface="Arial" pitchFamily="34" charset="0"/>
@@ -6536,7 +6619,7 @@
             <a:r>
               <a:rPr lang="en-US" b="1" i="1" dirty="0" smtClean="0">
                 <a:solidFill>
-                  <a:srgbClr val="FF0000"/>
+                  <a:schemeClr val="tx2"/>
                 </a:solidFill>
                 <a:latin typeface="Arial" pitchFamily="34" charset="0"/>
                 <a:cs typeface="Arial" pitchFamily="34" charset="0"/>
@@ -6546,7 +6629,7 @@
             <a:r>
               <a:rPr lang="ru-RU" b="1" i="1" dirty="0" smtClean="0">
                 <a:solidFill>
-                  <a:srgbClr val="FF0000"/>
+                  <a:schemeClr val="tx2"/>
                 </a:solidFill>
                 <a:latin typeface="Arial" pitchFamily="34" charset="0"/>
                 <a:cs typeface="Arial" pitchFamily="34" charset="0"/>
@@ -6556,7 +6639,7 @@
             <a:r>
               <a:rPr lang="en-US" b="1" i="1" dirty="0" smtClean="0">
                 <a:solidFill>
-                  <a:srgbClr val="FF0000"/>
+                  <a:schemeClr val="tx2"/>
                 </a:solidFill>
                 <a:latin typeface="Arial" pitchFamily="34" charset="0"/>
                 <a:cs typeface="Arial" pitchFamily="34" charset="0"/>
@@ -6566,7 +6649,7 @@
             <a:r>
               <a:rPr lang="ru-RU" b="1" i="1" dirty="0" smtClean="0">
                 <a:solidFill>
-                  <a:srgbClr val="FF0000"/>
+                  <a:schemeClr val="tx2"/>
                 </a:solidFill>
                 <a:latin typeface="Arial" pitchFamily="34" charset="0"/>
                 <a:cs typeface="Arial" pitchFamily="34" charset="0"/>
@@ -6576,7 +6659,7 @@
             <a:r>
               <a:rPr lang="en-US" b="1" i="1" baseline="30000" dirty="0" smtClean="0">
                 <a:solidFill>
-                  <a:srgbClr val="FF0000"/>
+                  <a:schemeClr val="tx2"/>
                 </a:solidFill>
                 <a:latin typeface="Arial" pitchFamily="34" charset="0"/>
                 <a:cs typeface="Arial" pitchFamily="34" charset="0"/>
@@ -6586,7 +6669,7 @@
             <a:r>
               <a:rPr lang="en-US" b="1" i="1" dirty="0">
                 <a:solidFill>
-                  <a:srgbClr val="FF0000"/>
+                  <a:schemeClr val="tx2"/>
                 </a:solidFill>
                 <a:latin typeface="Arial" pitchFamily="34" charset="0"/>
                 <a:cs typeface="Arial" pitchFamily="34" charset="0"/>
@@ -6596,7 +6679,7 @@
             <a:r>
               <a:rPr lang="en-US" b="1" i="1" dirty="0" smtClean="0">
                 <a:solidFill>
-                  <a:srgbClr val="FF0000"/>
+                  <a:schemeClr val="tx2"/>
                 </a:solidFill>
                 <a:latin typeface="Arial" pitchFamily="34" charset="0"/>
                 <a:cs typeface="Arial" pitchFamily="34" charset="0"/>
@@ -6605,7 +6688,7 @@
             </a:r>
             <a:endParaRPr lang="ru-RU" b="1" dirty="0">
               <a:solidFill>
-                <a:srgbClr val="FF0000"/>
+                <a:schemeClr val="tx2"/>
               </a:solidFill>
               <a:latin typeface="Arial" pitchFamily="34" charset="0"/>
               <a:cs typeface="Arial" pitchFamily="34" charset="0"/>
@@ -6630,7 +6713,10 @@
           <a:noFill/>
           <a:ln>
             <a:solidFill>
-              <a:srgbClr val="FF0000"/>
+              <a:schemeClr val="accent1">
+                <a:lumMod val="40000"/>
+                <a:lumOff val="60000"/>
+              </a:schemeClr>
             </a:solidFill>
             <a:prstDash val="lgDash"/>
           </a:ln>
@@ -6684,7 +6770,10 @@
           <a:noFill/>
           <a:ln>
             <a:solidFill>
-              <a:srgbClr val="7030A0"/>
+              <a:schemeClr val="accent1">
+                <a:lumMod val="40000"/>
+                <a:lumOff val="60000"/>
+              </a:schemeClr>
             </a:solidFill>
           </a:ln>
         </p:spPr>
@@ -6721,7 +6810,7 @@
             <a:r>
               <a:rPr lang="en-US" b="1" i="1" dirty="0" smtClean="0">
                 <a:solidFill>
-                  <a:srgbClr val="FF0000"/>
+                  <a:schemeClr val="tx2"/>
                 </a:solidFill>
                 <a:latin typeface="Arial" pitchFamily="34" charset="0"/>
                 <a:cs typeface="Arial" pitchFamily="34" charset="0"/>
@@ -6731,7 +6820,7 @@
             <a:r>
               <a:rPr lang="ru-RU" b="1" i="1" dirty="0" smtClean="0">
                 <a:solidFill>
-                  <a:srgbClr val="FF0000"/>
+                  <a:schemeClr val="tx2"/>
                 </a:solidFill>
                 <a:latin typeface="Arial" pitchFamily="34" charset="0"/>
                 <a:cs typeface="Arial" pitchFamily="34" charset="0"/>
@@ -6741,7 +6830,7 @@
             <a:r>
               <a:rPr lang="en-US" b="1" i="1" dirty="0" smtClean="0">
                 <a:solidFill>
-                  <a:srgbClr val="FF0000"/>
+                  <a:schemeClr val="tx2"/>
                 </a:solidFill>
                 <a:latin typeface="Arial" pitchFamily="34" charset="0"/>
                 <a:cs typeface="Arial" pitchFamily="34" charset="0"/>
@@ -6751,7 +6840,7 @@
             <a:r>
               <a:rPr lang="ru-RU" b="1" i="1" dirty="0" smtClean="0">
                 <a:solidFill>
-                  <a:srgbClr val="FF0000"/>
+                  <a:schemeClr val="tx2"/>
                 </a:solidFill>
                 <a:latin typeface="Arial" pitchFamily="34" charset="0"/>
                 <a:cs typeface="Arial" pitchFamily="34" charset="0"/>
@@ -6761,7 +6850,7 @@
             <a:r>
               <a:rPr lang="en-US" b="1" i="1" dirty="0" smtClean="0">
                 <a:solidFill>
-                  <a:srgbClr val="FF0000"/>
+                  <a:schemeClr val="tx2"/>
                 </a:solidFill>
                 <a:latin typeface="Arial" pitchFamily="34" charset="0"/>
                 <a:cs typeface="Arial" pitchFamily="34" charset="0"/>
@@ -6771,7 +6860,7 @@
             <a:r>
               <a:rPr lang="ru-RU" b="1" i="1" dirty="0" smtClean="0">
                 <a:solidFill>
-                  <a:srgbClr val="FF0000"/>
+                  <a:schemeClr val="tx2"/>
                 </a:solidFill>
                 <a:latin typeface="Arial" pitchFamily="34" charset="0"/>
                 <a:cs typeface="Arial" pitchFamily="34" charset="0"/>
@@ -6781,7 +6870,7 @@
             <a:r>
               <a:rPr lang="en-US" b="1" i="1" baseline="30000" dirty="0">
                 <a:solidFill>
-                  <a:srgbClr val="FF0000"/>
+                  <a:schemeClr val="tx2"/>
                 </a:solidFill>
                 <a:latin typeface="Arial" pitchFamily="34" charset="0"/>
                 <a:cs typeface="Arial" pitchFamily="34" charset="0"/>
@@ -6791,7 +6880,7 @@
             <a:r>
               <a:rPr lang="en-US" b="1" i="1" dirty="0">
                 <a:solidFill>
-                  <a:srgbClr val="FF0000"/>
+                  <a:schemeClr val="tx2"/>
                 </a:solidFill>
                 <a:latin typeface="Arial" pitchFamily="34" charset="0"/>
                 <a:cs typeface="Arial" pitchFamily="34" charset="0"/>
@@ -6801,7 +6890,7 @@
             <a:r>
               <a:rPr lang="en-US" b="1" i="1" dirty="0" smtClean="0">
                 <a:solidFill>
-                  <a:srgbClr val="FF0000"/>
+                  <a:schemeClr val="tx2"/>
                 </a:solidFill>
                 <a:latin typeface="Arial" pitchFamily="34" charset="0"/>
                 <a:cs typeface="Arial" pitchFamily="34" charset="0"/>
@@ -6810,7 +6899,7 @@
             </a:r>
             <a:endParaRPr lang="ru-RU" b="1" dirty="0">
               <a:solidFill>
-                <a:srgbClr val="FF0000"/>
+                <a:schemeClr val="tx2"/>
               </a:solidFill>
               <a:latin typeface="Arial" pitchFamily="34" charset="0"/>
               <a:cs typeface="Arial" pitchFamily="34" charset="0"/>
@@ -6889,7 +6978,7 @@
           <a:noFill/>
           <a:ln>
             <a:solidFill>
-              <a:srgbClr val="7030A0"/>
+              <a:srgbClr val="FF0000"/>
             </a:solidFill>
           </a:ln>
         </p:spPr>
@@ -7156,14 +7245,14 @@
           <p:nvPr>
             <p:extLst>
               <p:ext uri="{D42A27DB-BD31-4B8C-83A1-F6EECF244321}">
-                <p14:modId xmlns:p14="http://schemas.microsoft.com/office/powerpoint/2010/main" val="839608892"/>
+                <p14:modId xmlns:p14="http://schemas.microsoft.com/office/powerpoint/2010/main" val="3507800204"/>
               </p:ext>
             </p:extLst>
           </p:nvPr>
         </p:nvGraphicFramePr>
         <p:xfrm>
           <a:off x="1695905" y="687414"/>
-          <a:ext cx="6096000" cy="365760"/>
+          <a:ext cx="6096000" cy="335280"/>
         </p:xfrm>
         <a:graphic>
           <a:graphicData uri="http://schemas.openxmlformats.org/drawingml/2006/table">
@@ -7190,10 +7279,16 @@
                     <a:lstStyle/>
                     <a:p>
                       <a:r>
-                        <a:rPr lang="ru-RU" dirty="0" smtClean="0"/>
+                        <a:rPr lang="ru-RU" sz="1600" dirty="0" smtClean="0">
+                          <a:latin typeface="Arial" pitchFamily="34" charset="0"/>
+                          <a:cs typeface="Arial" pitchFamily="34" charset="0"/>
+                        </a:rPr>
                         <a:t>00</a:t>
                       </a:r>
-                      <a:endParaRPr lang="ru-RU" dirty="0"/>
+                      <a:endParaRPr lang="ru-RU" sz="1600" dirty="0">
+                        <a:latin typeface="Arial" pitchFamily="34" charset="0"/>
+                        <a:cs typeface="Arial" pitchFamily="34" charset="0"/>
+                      </a:endParaRPr>
                     </a:p>
                   </a:txBody>
                   <a:tcPr/>
@@ -7204,10 +7299,16 @@
                     <a:lstStyle/>
                     <a:p>
                       <a:r>
-                        <a:rPr lang="ru-RU" dirty="0" smtClean="0"/>
+                        <a:rPr lang="ru-RU" sz="1600" dirty="0" smtClean="0">
+                          <a:latin typeface="Arial" pitchFamily="34" charset="0"/>
+                          <a:cs typeface="Arial" pitchFamily="34" charset="0"/>
+                        </a:rPr>
                         <a:t>01</a:t>
                       </a:r>
-                      <a:endParaRPr lang="ru-RU" dirty="0"/>
+                      <a:endParaRPr lang="ru-RU" sz="1600" dirty="0">
+                        <a:latin typeface="Arial" pitchFamily="34" charset="0"/>
+                        <a:cs typeface="Arial" pitchFamily="34" charset="0"/>
+                      </a:endParaRPr>
                     </a:p>
                   </a:txBody>
                   <a:tcPr/>
@@ -7218,10 +7319,16 @@
                     <a:lstStyle/>
                     <a:p>
                       <a:r>
-                        <a:rPr lang="ru-RU" dirty="0" smtClean="0"/>
+                        <a:rPr lang="ru-RU" sz="1600" dirty="0" smtClean="0">
+                          <a:latin typeface="Arial" pitchFamily="34" charset="0"/>
+                          <a:cs typeface="Arial" pitchFamily="34" charset="0"/>
+                        </a:rPr>
                         <a:t>00</a:t>
                       </a:r>
-                      <a:endParaRPr lang="ru-RU" dirty="0"/>
+                      <a:endParaRPr lang="ru-RU" sz="1600" dirty="0">
+                        <a:latin typeface="Arial" pitchFamily="34" charset="0"/>
+                        <a:cs typeface="Arial" pitchFamily="34" charset="0"/>
+                      </a:endParaRPr>
                     </a:p>
                   </a:txBody>
                   <a:tcPr/>
@@ -7232,10 +7339,16 @@
                     <a:lstStyle/>
                     <a:p>
                       <a:r>
-                        <a:rPr lang="ru-RU" dirty="0" smtClean="0"/>
+                        <a:rPr lang="ru-RU" sz="1600" dirty="0" smtClean="0">
+                          <a:latin typeface="Arial" pitchFamily="34" charset="0"/>
+                          <a:cs typeface="Arial" pitchFamily="34" charset="0"/>
+                        </a:rPr>
                         <a:t>00</a:t>
                       </a:r>
-                      <a:endParaRPr lang="ru-RU" dirty="0"/>
+                      <a:endParaRPr lang="ru-RU" sz="1600" dirty="0">
+                        <a:latin typeface="Arial" pitchFamily="34" charset="0"/>
+                        <a:cs typeface="Arial" pitchFamily="34" charset="0"/>
+                      </a:endParaRPr>
                     </a:p>
                   </a:txBody>
                   <a:tcPr/>
@@ -7246,10 +7359,16 @@
                     <a:lstStyle/>
                     <a:p>
                       <a:r>
-                        <a:rPr lang="en-US" dirty="0" smtClean="0"/>
+                        <a:rPr lang="en-US" sz="1600" dirty="0" smtClean="0">
+                          <a:latin typeface="Arial" pitchFamily="34" charset="0"/>
+                          <a:cs typeface="Arial" pitchFamily="34" charset="0"/>
+                        </a:rPr>
                         <a:t>A1</a:t>
                       </a:r>
-                      <a:endParaRPr lang="ru-RU" dirty="0"/>
+                      <a:endParaRPr lang="ru-RU" sz="1600" dirty="0">
+                        <a:latin typeface="Arial" pitchFamily="34" charset="0"/>
+                        <a:cs typeface="Arial" pitchFamily="34" charset="0"/>
+                      </a:endParaRPr>
                     </a:p>
                   </a:txBody>
                   <a:tcPr/>
@@ -7260,10 +7379,16 @@
                     <a:lstStyle/>
                     <a:p>
                       <a:r>
-                        <a:rPr lang="en-US" dirty="0" smtClean="0"/>
+                        <a:rPr lang="en-US" sz="1600" dirty="0" smtClean="0">
+                          <a:latin typeface="Arial" pitchFamily="34" charset="0"/>
+                          <a:cs typeface="Arial" pitchFamily="34" charset="0"/>
+                        </a:rPr>
                         <a:t>04</a:t>
                       </a:r>
-                      <a:endParaRPr lang="ru-RU" dirty="0"/>
+                      <a:endParaRPr lang="ru-RU" sz="1600" dirty="0">
+                        <a:latin typeface="Arial" pitchFamily="34" charset="0"/>
+                        <a:cs typeface="Arial" pitchFamily="34" charset="0"/>
+                      </a:endParaRPr>
                     </a:p>
                   </a:txBody>
                   <a:tcPr/>
@@ -7274,10 +7399,16 @@
                     <a:lstStyle/>
                     <a:p>
                       <a:r>
-                        <a:rPr lang="en-US" dirty="0" smtClean="0"/>
+                        <a:rPr lang="en-US" sz="1600" dirty="0" smtClean="0">
+                          <a:latin typeface="Arial" pitchFamily="34" charset="0"/>
+                          <a:cs typeface="Arial" pitchFamily="34" charset="0"/>
+                        </a:rPr>
                         <a:t>11</a:t>
                       </a:r>
-                      <a:endParaRPr lang="ru-RU" dirty="0"/>
+                      <a:endParaRPr lang="ru-RU" sz="1600" dirty="0">
+                        <a:latin typeface="Arial" pitchFamily="34" charset="0"/>
+                        <a:cs typeface="Arial" pitchFamily="34" charset="0"/>
+                      </a:endParaRPr>
                     </a:p>
                   </a:txBody>
                   <a:tcPr/>
@@ -7288,10 +7419,16 @@
                     <a:lstStyle/>
                     <a:p>
                       <a:r>
-                        <a:rPr lang="en-US" dirty="0" smtClean="0"/>
+                        <a:rPr lang="en-US" sz="1600" dirty="0" smtClean="0">
+                          <a:latin typeface="Arial" pitchFamily="34" charset="0"/>
+                          <a:cs typeface="Arial" pitchFamily="34" charset="0"/>
+                        </a:rPr>
                         <a:t>0B</a:t>
                       </a:r>
-                      <a:endParaRPr lang="ru-RU" dirty="0"/>
+                      <a:endParaRPr lang="ru-RU" sz="1600" dirty="0">
+                        <a:latin typeface="Arial" pitchFamily="34" charset="0"/>
+                        <a:cs typeface="Arial" pitchFamily="34" charset="0"/>
+                      </a:endParaRPr>
                     </a:p>
                   </a:txBody>
                   <a:tcPr/>
@@ -7302,10 +7439,16 @@
                     <a:lstStyle/>
                     <a:p>
                       <a:r>
-                        <a:rPr lang="en-US" dirty="0" smtClean="0"/>
+                        <a:rPr lang="en-US" sz="1600" dirty="0" smtClean="0">
+                          <a:latin typeface="Arial" pitchFamily="34" charset="0"/>
+                          <a:cs typeface="Arial" pitchFamily="34" charset="0"/>
+                        </a:rPr>
                         <a:t>CD</a:t>
                       </a:r>
-                      <a:endParaRPr lang="ru-RU" dirty="0"/>
+                      <a:endParaRPr lang="ru-RU" sz="1600" dirty="0">
+                        <a:latin typeface="Arial" pitchFamily="34" charset="0"/>
+                        <a:cs typeface="Arial" pitchFamily="34" charset="0"/>
+                      </a:endParaRPr>
                     </a:p>
                   </a:txBody>
                   <a:tcPr/>
@@ -7316,10 +7459,16 @@
                     <a:lstStyle/>
                     <a:p>
                       <a:r>
-                        <a:rPr lang="en-US" dirty="0" smtClean="0"/>
+                        <a:rPr lang="en-US" sz="1600" dirty="0" smtClean="0">
+                          <a:latin typeface="Arial" pitchFamily="34" charset="0"/>
+                          <a:cs typeface="Arial" pitchFamily="34" charset="0"/>
+                        </a:rPr>
                         <a:t>EF</a:t>
                       </a:r>
-                      <a:endParaRPr lang="ru-RU" dirty="0"/>
+                      <a:endParaRPr lang="ru-RU" sz="1600" dirty="0">
+                        <a:latin typeface="Arial" pitchFamily="34" charset="0"/>
+                        <a:cs typeface="Arial" pitchFamily="34" charset="0"/>
+                      </a:endParaRPr>
                     </a:p>
                   </a:txBody>
                   <a:tcPr/>
@@ -7352,7 +7501,7 @@
         </p:blipFill>
         <p:spPr bwMode="auto">
           <a:xfrm>
-            <a:off x="1642490" y="1047454"/>
+            <a:off x="1642490" y="988960"/>
             <a:ext cx="1296144" cy="563541"/>
           </a:xfrm>
           <a:prstGeom prst="rect">
@@ -7416,7 +7565,7 @@
         </p:blipFill>
         <p:spPr bwMode="auto">
           <a:xfrm>
-            <a:off x="2917345" y="1046894"/>
+            <a:off x="2917345" y="1008229"/>
             <a:ext cx="557471" cy="525002"/>
           </a:xfrm>
           <a:prstGeom prst="rect">
@@ -7480,7 +7629,7 @@
         </p:blipFill>
         <p:spPr bwMode="auto">
           <a:xfrm>
-            <a:off x="3474816" y="1046894"/>
+            <a:off x="3452047" y="1008229"/>
             <a:ext cx="1296144" cy="563541"/>
           </a:xfrm>
           <a:prstGeom prst="rect">
@@ -7544,7 +7693,7 @@
         </p:blipFill>
         <p:spPr bwMode="auto">
           <a:xfrm>
-            <a:off x="5453259" y="1046894"/>
+            <a:off x="5440087" y="1066161"/>
             <a:ext cx="2440916" cy="447675"/>
           </a:xfrm>
           <a:prstGeom prst="rect">
@@ -7759,7 +7908,7 @@
         </p:blipFill>
         <p:spPr bwMode="auto">
           <a:xfrm>
-            <a:off x="4716020" y="1109278"/>
+            <a:off x="4702506" y="1109277"/>
             <a:ext cx="710784" cy="322905"/>
           </a:xfrm>
           <a:prstGeom prst="rect">
@@ -7851,7 +8000,7 @@
         </p:nvSpPr>
         <p:spPr>
           <a:xfrm>
-            <a:off x="6120719" y="1610995"/>
+            <a:off x="6184741" y="1552501"/>
             <a:ext cx="1080120" cy="338554"/>
           </a:xfrm>
           <a:prstGeom prst="rect">
@@ -9581,8 +9730,8 @@
         </p:nvSpPr>
         <p:spPr>
           <a:xfrm>
-            <a:off x="0" y="428604"/>
-            <a:ext cx="9144000" cy="584775"/>
+            <a:off x="2171931" y="15098"/>
+            <a:ext cx="4746132" cy="477054"/>
           </a:xfrm>
           <a:prstGeom prst="rect">
             <a:avLst/>
@@ -9597,128 +9746,43 @@
           <a:p>
             <a:pPr algn="ctr"/>
             <a:r>
-              <a:rPr lang="ru-RU" sz="3200" b="1" dirty="0" smtClean="0">
-                <a:latin typeface="Arial" pitchFamily="34" charset="0"/>
-                <a:cs typeface="Arial" pitchFamily="34" charset="0"/>
-              </a:rPr>
-              <a:t>Результат </a:t>
-            </a:r>
-            <a:r>
-              <a:rPr lang="ru-RU" sz="3200" b="1" dirty="0" smtClean="0">
+              <a:rPr lang="ru-RU" sz="2500" b="1" dirty="0" smtClean="0">
                 <a:solidFill>
                   <a:srgbClr val="FF0000"/>
                 </a:solidFill>
                 <a:latin typeface="Arial" pitchFamily="34" charset="0"/>
                 <a:cs typeface="Arial" pitchFamily="34" charset="0"/>
               </a:rPr>
-              <a:t>первого этапа </a:t>
-            </a:r>
-            <a:r>
-              <a:rPr lang="ru-RU" sz="3200" b="1" dirty="0" smtClean="0">
+              <a:t>Результат</a:t>
+            </a:r>
+            <a:r>
+              <a:rPr lang="ru-RU" sz="2500" b="1" dirty="0" smtClean="0">
+                <a:latin typeface="Arial" pitchFamily="34" charset="0"/>
+                <a:cs typeface="Arial" pitchFamily="34" charset="0"/>
+              </a:rPr>
+              <a:t> </a:t>
+            </a:r>
+            <a:r>
+              <a:rPr lang="ru-RU" sz="2500" b="1" dirty="0" smtClean="0">
+                <a:latin typeface="Arial" pitchFamily="34" charset="0"/>
+                <a:cs typeface="Arial" pitchFamily="34" charset="0"/>
+              </a:rPr>
+              <a:t>работы </a:t>
+            </a:r>
+            <a:r>
+              <a:rPr lang="ru-RU" sz="2500" b="1" dirty="0" smtClean="0">
                 <a:latin typeface="Arial" pitchFamily="34" charset="0"/>
                 <a:cs typeface="Arial" pitchFamily="34" charset="0"/>
               </a:rPr>
               <a:t>протокола</a:t>
             </a:r>
-            <a:endParaRPr lang="ru-RU" sz="3200" b="1" dirty="0">
+            <a:endParaRPr lang="ru-RU" sz="2500" b="1" dirty="0">
               <a:latin typeface="Arial" pitchFamily="34" charset="0"/>
               <a:cs typeface="Arial" pitchFamily="34" charset="0"/>
             </a:endParaRPr>
           </a:p>
         </p:txBody>
       </p:sp>
-      <p:sp>
-        <p:nvSpPr>
-          <p:cNvPr id="5" name="TextBox 4"/>
-          <p:cNvSpPr txBox="1"/>
-          <p:nvPr/>
-        </p:nvSpPr>
-        <p:spPr>
-          <a:xfrm>
-            <a:off x="892943" y="3777508"/>
-            <a:ext cx="7358114" cy="369332"/>
-          </a:xfrm>
-          <a:prstGeom prst="rect">
-            <a:avLst/>
-          </a:prstGeom>
-          <a:noFill/>
-        </p:spPr>
-        <p:txBody>
-          <a:bodyPr wrap="square" rtlCol="0">
-            <a:spAutoFit/>
-          </a:bodyPr>
-          <a:lstStyle/>
-          <a:p>
-            <a:pPr algn="ctr"/>
-            <a:r>
-              <a:rPr lang="ru-RU" dirty="0" smtClean="0">
-                <a:latin typeface="Arial" pitchFamily="34" charset="0"/>
-                <a:cs typeface="Arial" pitchFamily="34" charset="0"/>
-              </a:rPr>
-              <a:t>Результат первого этапа протокола со стороны сервера </a:t>
-            </a:r>
-            <a:endParaRPr lang="ru-RU" b="1" dirty="0">
-              <a:solidFill>
-                <a:srgbClr val="FF0000"/>
-              </a:solidFill>
-              <a:latin typeface="Arial" pitchFamily="34" charset="0"/>
-              <a:cs typeface="Arial" pitchFamily="34" charset="0"/>
-            </a:endParaRPr>
-          </a:p>
-        </p:txBody>
-      </p:sp>
-      <p:pic>
-        <p:nvPicPr>
-          <p:cNvPr id="6146" name="Рисунок 8"/>
-          <p:cNvPicPr>
-            <a:picLocks noChangeAspect="1" noChangeArrowheads="1"/>
-          </p:cNvPicPr>
-          <p:nvPr/>
-        </p:nvPicPr>
-        <p:blipFill>
-          <a:blip r:embed="rId2" cstate="print"/>
-          <a:srcRect l="2676" t="7620" r="66264" b="87181"/>
-          <a:stretch>
-            <a:fillRect/>
-          </a:stretch>
-        </p:blipFill>
-        <p:spPr bwMode="auto">
-          <a:xfrm>
-            <a:off x="642909" y="2071678"/>
-            <a:ext cx="7554189" cy="714380"/>
-          </a:xfrm>
-          <a:prstGeom prst="rect">
-            <a:avLst/>
-          </a:prstGeom>
-          <a:noFill/>
-        </p:spPr>
-      </p:pic>
-      <p:pic>
-        <p:nvPicPr>
-          <p:cNvPr id="6145" name="Рисунок 15"/>
-          <p:cNvPicPr>
-            <a:picLocks noChangeAspect="1" noChangeArrowheads="1"/>
-          </p:cNvPicPr>
-          <p:nvPr/>
-        </p:nvPicPr>
-        <p:blipFill>
-          <a:blip r:embed="rId2" cstate="print"/>
-          <a:srcRect l="2676" t="13469" r="66264" b="81427"/>
-          <a:stretch>
-            <a:fillRect/>
-          </a:stretch>
-        </p:blipFill>
-        <p:spPr bwMode="auto">
-          <a:xfrm>
-            <a:off x="642910" y="4143380"/>
-            <a:ext cx="7718410" cy="714380"/>
-          </a:xfrm>
-          <a:prstGeom prst="rect">
-            <a:avLst/>
-          </a:prstGeom>
-          <a:noFill/>
-        </p:spPr>
-      </p:pic>
       <p:sp>
         <p:nvSpPr>
           <p:cNvPr id="6147" name="Rectangle 3"/>
@@ -9729,8 +9793,8 @@
         </p:nvSpPr>
         <p:spPr bwMode="auto">
           <a:xfrm>
-            <a:off x="0" y="0"/>
-            <a:ext cx="9144000" cy="457200"/>
+            <a:off x="2267744" y="-48399"/>
+            <a:ext cx="4554506" cy="553998"/>
           </a:xfrm>
           <a:prstGeom prst="rect">
             <a:avLst/>
@@ -9745,7 +9809,7 @@
           <a:effectLst/>
         </p:spPr>
         <p:txBody>
-          <a:bodyPr vert="horz" wrap="none" lIns="91440" tIns="45720" rIns="91440" bIns="45720" numCol="1" anchor="ctr" anchorCtr="0" compatLnSpc="1">
+          <a:bodyPr vert="horz" wrap="square" lIns="91440" tIns="45720" rIns="91440" bIns="45720" numCol="1" anchor="ctr" anchorCtr="0" compatLnSpc="1">
             <a:prstTxWarp prst="textNoShape">
               <a:avLst/>
             </a:prstTxWarp>
@@ -9770,7 +9834,7 @@
               <a:tabLst/>
             </a:pPr>
             <a:r>
-              <a:rPr kumimoji="0" lang="ru-RU" sz="1200" b="0" i="0" u="none" strike="noStrike" cap="none" normalizeH="0" baseline="0" smtClean="0">
+              <a:rPr kumimoji="0" lang="ru-RU" sz="1200" b="0" i="0" u="none" strike="noStrike" cap="none" normalizeH="0" baseline="0" dirty="0" smtClean="0">
                 <a:ln>
                   <a:noFill/>
                 </a:ln>
@@ -9783,7 +9847,7 @@
               </a:rPr>
               <a:t>	</a:t>
             </a:r>
-            <a:endParaRPr kumimoji="0" lang="ru-RU" sz="600" b="0" i="0" u="none" strike="noStrike" cap="none" normalizeH="0" baseline="0" smtClean="0">
+            <a:endParaRPr kumimoji="0" lang="ru-RU" sz="600" b="0" i="0" u="none" strike="noStrike" cap="none" normalizeH="0" baseline="0" dirty="0" smtClean="0">
               <a:ln>
                 <a:noFill/>
               </a:ln>
@@ -9811,7 +9875,7 @@
               <a:buNone/>
               <a:tabLst/>
             </a:pPr>
-            <a:endParaRPr kumimoji="0" lang="ru-RU" sz="1800" b="0" i="0" u="none" strike="noStrike" cap="none" normalizeH="0" baseline="0" smtClean="0">
+            <a:endParaRPr kumimoji="0" lang="ru-RU" sz="1800" b="0" i="0" u="none" strike="noStrike" cap="none" normalizeH="0" baseline="0" dirty="0" smtClean="0">
               <a:ln>
                 <a:noFill/>
               </a:ln>
@@ -9826,46 +9890,6 @@
       </p:sp>
       <p:sp>
         <p:nvSpPr>
-          <p:cNvPr id="32" name="TextBox 31"/>
-          <p:cNvSpPr txBox="1"/>
-          <p:nvPr/>
-        </p:nvSpPr>
-        <p:spPr>
-          <a:xfrm>
-            <a:off x="700936" y="6021288"/>
-            <a:ext cx="7358114" cy="369332"/>
-          </a:xfrm>
-          <a:prstGeom prst="rect">
-            <a:avLst/>
-          </a:prstGeom>
-          <a:noFill/>
-        </p:spPr>
-        <p:txBody>
-          <a:bodyPr wrap="square" rtlCol="0">
-            <a:spAutoFit/>
-          </a:bodyPr>
-          <a:lstStyle/>
-          <a:p>
-            <a:pPr algn="ctr"/>
-            <a:r>
-              <a:rPr lang="ru-RU" dirty="0" smtClean="0">
-                <a:latin typeface="Arial" pitchFamily="34" charset="0"/>
-                <a:cs typeface="Arial" pitchFamily="34" charset="0"/>
-              </a:rPr>
-              <a:t>Результат первого этапа протокола со стороны клиента </a:t>
-            </a:r>
-            <a:endParaRPr lang="ru-RU" b="1" dirty="0">
-              <a:solidFill>
-                <a:srgbClr val="FF0000"/>
-              </a:solidFill>
-              <a:latin typeface="Arial" pitchFamily="34" charset="0"/>
-              <a:cs typeface="Arial" pitchFamily="34" charset="0"/>
-            </a:endParaRPr>
-          </a:p>
-        </p:txBody>
-      </p:sp>
-      <p:sp>
-        <p:nvSpPr>
           <p:cNvPr id="8" name="Номер слайда 7"/>
           <p:cNvSpPr>
             <a:spLocks noGrp="1"/>
@@ -9874,45 +9898,142 @@
             <p:ph type="sldNum" sz="quarter" idx="12"/>
           </p:nvPr>
         </p:nvSpPr>
-        <p:spPr/>
+        <p:spPr>
+          <a:xfrm>
+            <a:off x="8604448" y="6366705"/>
+            <a:ext cx="561975" cy="365125"/>
+          </a:xfrm>
+        </p:spPr>
         <p:txBody>
           <a:bodyPr/>
           <a:lstStyle/>
           <a:p>
             <a:fld id="{B19B0651-EE4F-4900-A07F-96A6BFA9D0F0}" type="slidenum">
-              <a:rPr lang="ru-RU" smtClean="0"/>
+              <a:rPr lang="ru-RU" sz="2000" smtClean="0"/>
               <a:pPr/>
               <a:t>15</a:t>
             </a:fld>
+            <a:endParaRPr lang="ru-RU" sz="2000" dirty="0"/>
+          </a:p>
+        </p:txBody>
+      </p:sp>
+      <p:sp>
+        <p:nvSpPr>
+          <p:cNvPr id="39" name="Прямоугольник 38"/>
+          <p:cNvSpPr/>
+          <p:nvPr/>
+        </p:nvSpPr>
+        <p:spPr>
+          <a:xfrm>
+            <a:off x="45329" y="520871"/>
+            <a:ext cx="3590567" cy="5572425"/>
+          </a:xfrm>
+          <a:prstGeom prst="rect">
+            <a:avLst/>
+          </a:prstGeom>
+          <a:noFill/>
+          <a:ln>
+            <a:solidFill>
+              <a:srgbClr val="002060"/>
+            </a:solidFill>
+            <a:prstDash val="lgDash"/>
+          </a:ln>
+        </p:spPr>
+        <p:style>
+          <a:lnRef idx="2">
+            <a:schemeClr val="accent1">
+              <a:shade val="50000"/>
+            </a:schemeClr>
+          </a:lnRef>
+          <a:fillRef idx="1">
+            <a:schemeClr val="accent1"/>
+          </a:fillRef>
+          <a:effectRef idx="0">
+            <a:schemeClr val="accent1"/>
+          </a:effectRef>
+          <a:fontRef idx="minor">
+            <a:schemeClr val="lt1"/>
+          </a:fontRef>
+        </p:style>
+        <p:txBody>
+          <a:bodyPr rtlCol="0" anchor="ctr"/>
+          <a:lstStyle/>
+          <a:p>
+            <a:pPr algn="ctr"/>
+            <a:endParaRPr lang="ru-RU"/>
+          </a:p>
+        </p:txBody>
+      </p:sp>
+      <p:sp>
+        <p:nvSpPr>
+          <p:cNvPr id="41" name="Прямоугольник 40"/>
+          <p:cNvSpPr/>
+          <p:nvPr/>
+        </p:nvSpPr>
+        <p:spPr>
+          <a:xfrm>
+            <a:off x="4932040" y="520871"/>
+            <a:ext cx="3816424" cy="5500417"/>
+          </a:xfrm>
+          <a:prstGeom prst="rect">
+            <a:avLst/>
+          </a:prstGeom>
+          <a:noFill/>
+          <a:ln>
+            <a:solidFill>
+              <a:srgbClr val="002060"/>
+            </a:solidFill>
+            <a:prstDash val="lgDash"/>
+          </a:ln>
+        </p:spPr>
+        <p:style>
+          <a:lnRef idx="2">
+            <a:schemeClr val="accent1">
+              <a:shade val="50000"/>
+            </a:schemeClr>
+          </a:lnRef>
+          <a:fillRef idx="1">
+            <a:schemeClr val="accent1"/>
+          </a:fillRef>
+          <a:effectRef idx="0">
+            <a:schemeClr val="accent1"/>
+          </a:effectRef>
+          <a:fontRef idx="minor">
+            <a:schemeClr val="lt1"/>
+          </a:fontRef>
+        </p:style>
+        <p:txBody>
+          <a:bodyPr rtlCol="0" anchor="ctr"/>
+          <a:lstStyle/>
+          <a:p>
+            <a:pPr algn="ctr"/>
             <a:endParaRPr lang="ru-RU"/>
           </a:p>
         </p:txBody>
       </p:sp>
       <p:pic>
         <p:nvPicPr>
-          <p:cNvPr id="10" name="Picture 3"/>
+          <p:cNvPr id="2066" name="Picture 18"/>
           <p:cNvPicPr>
             <a:picLocks noChangeAspect="1" noChangeArrowheads="1"/>
           </p:cNvPicPr>
           <p:nvPr/>
         </p:nvPicPr>
-        <p:blipFill>
-          <a:blip r:embed="rId3" cstate="print">
+        <p:blipFill rotWithShape="1">
+          <a:blip r:embed="rId3">
             <a:extLst>
               <a:ext uri="{28A0092B-C50C-407E-A947-70E740481C1C}">
                 <a14:useLocalDpi xmlns:a14="http://schemas.microsoft.com/office/drawing/2010/main" val="0"/>
               </a:ext>
             </a:extLst>
           </a:blip>
-          <a:srcRect/>
-          <a:stretch>
-            <a:fillRect/>
-          </a:stretch>
+          <a:srcRect l="454" t="5203" r="73170" b="19323"/>
+          <a:stretch/>
         </p:blipFill>
         <p:spPr bwMode="auto">
           <a:xfrm>
-            <a:off x="1907704" y="2786058"/>
-            <a:ext cx="864096" cy="375694"/>
+            <a:off x="136166" y="569755"/>
+            <a:ext cx="3388677" cy="5451533"/>
           </a:xfrm>
           <a:prstGeom prst="rect">
             <a:avLst/>
@@ -9952,31 +10073,271 @@
           </a:extLst>
         </p:spPr>
       </p:pic>
+      <p:sp>
+        <p:nvSpPr>
+          <p:cNvPr id="57" name="Выноска 2 (без границы) 56"/>
+          <p:cNvSpPr/>
+          <p:nvPr/>
+        </p:nvSpPr>
+        <p:spPr>
+          <a:xfrm>
+            <a:off x="4624" y="15098"/>
+            <a:ext cx="1872208" cy="342038"/>
+          </a:xfrm>
+          <a:prstGeom prst="callout2">
+            <a:avLst>
+              <a:gd name="adj1" fmla="val 103869"/>
+              <a:gd name="adj2" fmla="val 29963"/>
+              <a:gd name="adj3" fmla="val 104443"/>
+              <a:gd name="adj4" fmla="val 70640"/>
+              <a:gd name="adj5" fmla="val 147368"/>
+              <a:gd name="adj6" fmla="val 85222"/>
+            </a:avLst>
+          </a:prstGeom>
+          <a:noFill/>
+          <a:ln>
+            <a:solidFill>
+              <a:srgbClr val="002060"/>
+            </a:solidFill>
+          </a:ln>
+        </p:spPr>
+        <p:style>
+          <a:lnRef idx="2">
+            <a:schemeClr val="accent1">
+              <a:shade val="50000"/>
+            </a:schemeClr>
+          </a:lnRef>
+          <a:fillRef idx="1">
+            <a:schemeClr val="accent1"/>
+          </a:fillRef>
+          <a:effectRef idx="0">
+            <a:schemeClr val="accent1"/>
+          </a:effectRef>
+          <a:fontRef idx="minor">
+            <a:schemeClr val="lt1"/>
+          </a:fontRef>
+        </p:style>
+        <p:txBody>
+          <a:bodyPr rtlCol="0" anchor="ctr"/>
+          <a:lstStyle/>
+          <a:p>
+            <a:pPr algn="ctr"/>
+            <a:r>
+              <a:rPr lang="ru-RU" dirty="0" smtClean="0">
+                <a:solidFill>
+                  <a:schemeClr val="tx1"/>
+                </a:solidFill>
+                <a:latin typeface="Arial" pitchFamily="34" charset="0"/>
+                <a:cs typeface="Arial" pitchFamily="34" charset="0"/>
+              </a:rPr>
+              <a:t>сервер</a:t>
+            </a:r>
+            <a:endParaRPr lang="ru-RU" dirty="0">
+              <a:solidFill>
+                <a:schemeClr val="tx1"/>
+              </a:solidFill>
+              <a:latin typeface="Arial" pitchFamily="34" charset="0"/>
+              <a:cs typeface="Arial" pitchFamily="34" charset="0"/>
+            </a:endParaRPr>
+          </a:p>
+        </p:txBody>
+      </p:sp>
+      <p:sp>
+        <p:nvSpPr>
+          <p:cNvPr id="58" name="Выноска 2 (без границы) 57"/>
+          <p:cNvSpPr/>
+          <p:nvPr/>
+        </p:nvSpPr>
+        <p:spPr>
+          <a:xfrm>
+            <a:off x="7884368" y="-4713"/>
+            <a:ext cx="1170932" cy="333275"/>
+          </a:xfrm>
+          <a:prstGeom prst="callout2">
+            <a:avLst>
+              <a:gd name="adj1" fmla="val 96370"/>
+              <a:gd name="adj2" fmla="val 78753"/>
+              <a:gd name="adj3" fmla="val 97108"/>
+              <a:gd name="adj4" fmla="val 22166"/>
+              <a:gd name="adj5" fmla="val 159241"/>
+              <a:gd name="adj6" fmla="val -2234"/>
+            </a:avLst>
+          </a:prstGeom>
+          <a:noFill/>
+          <a:ln>
+            <a:solidFill>
+              <a:srgbClr val="002060"/>
+            </a:solidFill>
+          </a:ln>
+        </p:spPr>
+        <p:style>
+          <a:lnRef idx="2">
+            <a:schemeClr val="accent1">
+              <a:shade val="50000"/>
+            </a:schemeClr>
+          </a:lnRef>
+          <a:fillRef idx="1">
+            <a:schemeClr val="accent1"/>
+          </a:fillRef>
+          <a:effectRef idx="0">
+            <a:schemeClr val="accent1"/>
+          </a:effectRef>
+          <a:fontRef idx="minor">
+            <a:schemeClr val="lt1"/>
+          </a:fontRef>
+        </p:style>
+        <p:txBody>
+          <a:bodyPr rtlCol="0" anchor="ctr"/>
+          <a:lstStyle/>
+          <a:p>
+            <a:pPr algn="ctr"/>
+            <a:r>
+              <a:rPr lang="ru-RU" dirty="0">
+                <a:solidFill>
+                  <a:schemeClr val="tx1"/>
+                </a:solidFill>
+                <a:latin typeface="Arial" pitchFamily="34" charset="0"/>
+                <a:cs typeface="Arial" pitchFamily="34" charset="0"/>
+              </a:rPr>
+              <a:t>к</a:t>
+            </a:r>
+            <a:r>
+              <a:rPr lang="ru-RU" dirty="0" smtClean="0">
+                <a:solidFill>
+                  <a:schemeClr val="tx1"/>
+                </a:solidFill>
+                <a:latin typeface="Arial" pitchFamily="34" charset="0"/>
+                <a:cs typeface="Arial" pitchFamily="34" charset="0"/>
+              </a:rPr>
+              <a:t>лиент</a:t>
+            </a:r>
+            <a:endParaRPr lang="ru-RU" dirty="0">
+              <a:solidFill>
+                <a:schemeClr val="tx1"/>
+              </a:solidFill>
+              <a:latin typeface="Arial" pitchFamily="34" charset="0"/>
+              <a:cs typeface="Arial" pitchFamily="34" charset="0"/>
+            </a:endParaRPr>
+          </a:p>
+        </p:txBody>
+      </p:sp>
+      <p:sp>
+        <p:nvSpPr>
+          <p:cNvPr id="59" name="Прямоугольник 58"/>
+          <p:cNvSpPr/>
+          <p:nvPr/>
+        </p:nvSpPr>
+        <p:spPr>
+          <a:xfrm>
+            <a:off x="549662" y="784917"/>
+            <a:ext cx="439284" cy="3600403"/>
+          </a:xfrm>
+          <a:prstGeom prst="rect">
+            <a:avLst/>
+          </a:prstGeom>
+          <a:noFill/>
+          <a:ln>
+            <a:solidFill>
+              <a:srgbClr val="7030A0"/>
+            </a:solidFill>
+            <a:prstDash val="lgDash"/>
+          </a:ln>
+        </p:spPr>
+        <p:style>
+          <a:lnRef idx="2">
+            <a:schemeClr val="accent1">
+              <a:shade val="50000"/>
+            </a:schemeClr>
+          </a:lnRef>
+          <a:fillRef idx="1">
+            <a:schemeClr val="accent1"/>
+          </a:fillRef>
+          <a:effectRef idx="0">
+            <a:schemeClr val="accent1"/>
+          </a:effectRef>
+          <a:fontRef idx="minor">
+            <a:schemeClr val="lt1"/>
+          </a:fontRef>
+        </p:style>
+        <p:txBody>
+          <a:bodyPr rtlCol="0" anchor="ctr"/>
+          <a:lstStyle/>
+          <a:p>
+            <a:pPr algn="ctr"/>
+            <a:endParaRPr lang="ru-RU"/>
+          </a:p>
+        </p:txBody>
+      </p:sp>
+      <p:sp>
+        <p:nvSpPr>
+          <p:cNvPr id="60" name="Прямоугольник 59"/>
+          <p:cNvSpPr/>
+          <p:nvPr/>
+        </p:nvSpPr>
+        <p:spPr>
+          <a:xfrm>
+            <a:off x="549662" y="4797152"/>
+            <a:ext cx="439284" cy="216024"/>
+          </a:xfrm>
+          <a:prstGeom prst="rect">
+            <a:avLst/>
+          </a:prstGeom>
+          <a:noFill/>
+          <a:ln>
+            <a:solidFill>
+              <a:srgbClr val="7030A0"/>
+            </a:solidFill>
+            <a:prstDash val="lgDash"/>
+          </a:ln>
+        </p:spPr>
+        <p:style>
+          <a:lnRef idx="2">
+            <a:schemeClr val="accent1">
+              <a:shade val="50000"/>
+            </a:schemeClr>
+          </a:lnRef>
+          <a:fillRef idx="1">
+            <a:schemeClr val="accent1"/>
+          </a:fillRef>
+          <a:effectRef idx="0">
+            <a:schemeClr val="accent1"/>
+          </a:effectRef>
+          <a:fontRef idx="minor">
+            <a:schemeClr val="lt1"/>
+          </a:fontRef>
+        </p:style>
+        <p:txBody>
+          <a:bodyPr rtlCol="0" anchor="ctr"/>
+          <a:lstStyle/>
+          <a:p>
+            <a:pPr algn="ctr"/>
+            <a:endParaRPr lang="ru-RU"/>
+          </a:p>
+        </p:txBody>
+      </p:sp>
       <p:pic>
         <p:nvPicPr>
-          <p:cNvPr id="11" name="Picture 3"/>
+          <p:cNvPr id="2067" name="Picture 19"/>
           <p:cNvPicPr>
             <a:picLocks noChangeAspect="1" noChangeArrowheads="1"/>
           </p:cNvPicPr>
           <p:nvPr/>
         </p:nvPicPr>
-        <p:blipFill>
-          <a:blip r:embed="rId3" cstate="print">
+        <p:blipFill rotWithShape="1">
+          <a:blip r:embed="rId4">
             <a:extLst>
               <a:ext uri="{28A0092B-C50C-407E-A947-70E740481C1C}">
                 <a14:useLocalDpi xmlns:a14="http://schemas.microsoft.com/office/drawing/2010/main" val="0"/>
               </a:ext>
             </a:extLst>
           </a:blip>
-          <a:srcRect/>
-          <a:stretch>
-            <a:fillRect/>
-          </a:stretch>
+          <a:srcRect l="560" t="4881" r="71108" b="18924"/>
+          <a:stretch/>
         </p:blipFill>
         <p:spPr bwMode="auto">
           <a:xfrm>
-            <a:off x="3203848" y="2784645"/>
-            <a:ext cx="936104" cy="407002"/>
+            <a:off x="5070558" y="583525"/>
+            <a:ext cx="3539387" cy="5351812"/>
           </a:xfrm>
           <a:prstGeom prst="rect">
             <a:avLst/>
@@ -10016,952 +10377,2367 @@
           </a:extLst>
         </p:spPr>
       </p:pic>
-      <p:pic>
-        <p:nvPicPr>
-          <p:cNvPr id="12" name="Picture 3"/>
-          <p:cNvPicPr>
-            <a:picLocks noChangeAspect="1" noChangeArrowheads="1"/>
-          </p:cNvPicPr>
+      <p:sp>
+        <p:nvSpPr>
+          <p:cNvPr id="64" name="Прямоугольник 63"/>
+          <p:cNvSpPr/>
           <p:nvPr/>
-        </p:nvPicPr>
-        <p:blipFill>
-          <a:blip r:embed="rId3" cstate="print">
-            <a:extLst>
-              <a:ext uri="{28A0092B-C50C-407E-A947-70E740481C1C}">
-                <a14:useLocalDpi xmlns:a14="http://schemas.microsoft.com/office/drawing/2010/main" val="0"/>
-              </a:ext>
-            </a:extLst>
-          </a:blip>
-          <a:srcRect/>
-          <a:stretch>
-            <a:fillRect/>
-          </a:stretch>
-        </p:blipFill>
-        <p:spPr bwMode="auto">
+        </p:nvSpPr>
+        <p:spPr>
           <a:xfrm>
-            <a:off x="4067944" y="2786059"/>
-            <a:ext cx="522232" cy="416358"/>
+            <a:off x="5580112" y="764704"/>
+            <a:ext cx="439284" cy="3600400"/>
           </a:xfrm>
           <a:prstGeom prst="rect">
             <a:avLst/>
           </a:prstGeom>
           <a:noFill/>
           <a:ln>
-            <a:noFill/>
+            <a:solidFill>
+              <a:srgbClr val="7030A0"/>
+            </a:solidFill>
+            <a:prstDash val="lgDash"/>
           </a:ln>
-          <a:effectLst/>
-          <a:extLst>
-            <a:ext uri="{909E8E84-426E-40DD-AFC4-6F175D3DCCD1}">
-              <a14:hiddenFill xmlns:a14="http://schemas.microsoft.com/office/drawing/2010/main">
-                <a:solidFill>
-                  <a:schemeClr val="accent1"/>
-                </a:solidFill>
-              </a14:hiddenFill>
-            </a:ext>
-            <a:ext uri="{91240B29-F687-4F45-9708-019B960494DF}">
-              <a14:hiddenLine xmlns:a14="http://schemas.microsoft.com/office/drawing/2010/main" w="9525">
-                <a:solidFill>
-                  <a:schemeClr val="tx1"/>
-                </a:solidFill>
-                <a:miter lim="800000"/>
-                <a:headEnd/>
-                <a:tailEnd/>
-              </a14:hiddenLine>
-            </a:ext>
-            <a:ext uri="{AF507438-7753-43E0-B8FC-AC1667EBCBE1}">
-              <a14:hiddenEffects xmlns:a14="http://schemas.microsoft.com/office/drawing/2010/main">
-                <a:effectLst>
-                  <a:outerShdw dist="35921" dir="2700000" algn="ctr" rotWithShape="0">
-                    <a:schemeClr val="bg2"/>
-                  </a:outerShdw>
-                </a:effectLst>
-              </a14:hiddenEffects>
-            </a:ext>
-          </a:extLst>
         </p:spPr>
-      </p:pic>
-      <p:pic>
-        <p:nvPicPr>
-          <p:cNvPr id="13" name="Picture 4"/>
-          <p:cNvPicPr>
-            <a:picLocks noChangeAspect="1" noChangeArrowheads="1"/>
-          </p:cNvPicPr>
+        <p:style>
+          <a:lnRef idx="2">
+            <a:schemeClr val="accent1">
+              <a:shade val="50000"/>
+            </a:schemeClr>
+          </a:lnRef>
+          <a:fillRef idx="1">
+            <a:schemeClr val="accent1"/>
+          </a:fillRef>
+          <a:effectRef idx="0">
+            <a:schemeClr val="accent1"/>
+          </a:effectRef>
+          <a:fontRef idx="minor">
+            <a:schemeClr val="lt1"/>
+          </a:fontRef>
+        </p:style>
+        <p:txBody>
+          <a:bodyPr rtlCol="0" anchor="ctr"/>
+          <a:lstStyle/>
+          <a:p>
+            <a:pPr algn="ctr"/>
+            <a:endParaRPr lang="ru-RU"/>
+          </a:p>
+        </p:txBody>
+      </p:sp>
+      <p:sp>
+        <p:nvSpPr>
+          <p:cNvPr id="66" name="Прямоугольник 65"/>
+          <p:cNvSpPr/>
           <p:nvPr/>
-        </p:nvPicPr>
-        <p:blipFill>
-          <a:blip r:embed="rId4" cstate="print">
-            <a:extLst>
-              <a:ext uri="{28A0092B-C50C-407E-A947-70E740481C1C}">
-                <a14:useLocalDpi xmlns:a14="http://schemas.microsoft.com/office/drawing/2010/main" val="0"/>
-              </a:ext>
-            </a:extLst>
-          </a:blip>
-          <a:srcRect/>
-          <a:stretch>
-            <a:fillRect/>
-          </a:stretch>
-        </p:blipFill>
-        <p:spPr bwMode="auto">
+        </p:nvSpPr>
+        <p:spPr>
           <a:xfrm>
-            <a:off x="4592198" y="2786058"/>
-            <a:ext cx="3480263" cy="447675"/>
+            <a:off x="5580112" y="4696344"/>
+            <a:ext cx="468564" cy="216024"/>
           </a:xfrm>
           <a:prstGeom prst="rect">
             <a:avLst/>
           </a:prstGeom>
           <a:noFill/>
           <a:ln>
-            <a:noFill/>
+            <a:solidFill>
+              <a:srgbClr val="7030A0"/>
+            </a:solidFill>
+            <a:prstDash val="lgDash"/>
           </a:ln>
-          <a:effectLst/>
-          <a:extLst>
-            <a:ext uri="{909E8E84-426E-40DD-AFC4-6F175D3DCCD1}">
-              <a14:hiddenFill xmlns:a14="http://schemas.microsoft.com/office/drawing/2010/main">
-                <a:solidFill>
-                  <a:schemeClr val="accent1"/>
-                </a:solidFill>
-              </a14:hiddenFill>
-            </a:ext>
-            <a:ext uri="{91240B29-F687-4F45-9708-019B960494DF}">
-              <a14:hiddenLine xmlns:a14="http://schemas.microsoft.com/office/drawing/2010/main" w="9525">
+        </p:spPr>
+        <p:style>
+          <a:lnRef idx="2">
+            <a:schemeClr val="accent1">
+              <a:shade val="50000"/>
+            </a:schemeClr>
+          </a:lnRef>
+          <a:fillRef idx="1">
+            <a:schemeClr val="accent1"/>
+          </a:fillRef>
+          <a:effectRef idx="0">
+            <a:schemeClr val="accent1"/>
+          </a:effectRef>
+          <a:fontRef idx="minor">
+            <a:schemeClr val="lt1"/>
+          </a:fontRef>
+        </p:style>
+        <p:txBody>
+          <a:bodyPr rtlCol="0" anchor="ctr"/>
+          <a:lstStyle/>
+          <a:p>
+            <a:pPr algn="ctr"/>
+            <a:endParaRPr lang="ru-RU"/>
+          </a:p>
+        </p:txBody>
+      </p:sp>
+      <p:sp>
+        <p:nvSpPr>
+          <p:cNvPr id="67" name="Выноска 2 (без границы) 66"/>
+          <p:cNvSpPr/>
+          <p:nvPr/>
+        </p:nvSpPr>
+        <p:spPr>
+          <a:xfrm>
+            <a:off x="-3110" y="6075652"/>
+            <a:ext cx="486503" cy="836712"/>
+          </a:xfrm>
+          <a:prstGeom prst="callout2">
+            <a:avLst>
+              <a:gd name="adj1" fmla="val 90736"/>
+              <a:gd name="adj2" fmla="val 92230"/>
+              <a:gd name="adj3" fmla="val 9460"/>
+              <a:gd name="adj4" fmla="val 93754"/>
+              <a:gd name="adj5" fmla="val -121744"/>
+              <a:gd name="adj6" fmla="val 140999"/>
+            </a:avLst>
+          </a:prstGeom>
+          <a:noFill/>
+          <a:ln>
+            <a:solidFill>
+              <a:srgbClr val="7030A0"/>
+            </a:solidFill>
+          </a:ln>
+        </p:spPr>
+        <p:style>
+          <a:lnRef idx="2">
+            <a:schemeClr val="accent1">
+              <a:shade val="50000"/>
+            </a:schemeClr>
+          </a:lnRef>
+          <a:fillRef idx="1">
+            <a:schemeClr val="accent1"/>
+          </a:fillRef>
+          <a:effectRef idx="0">
+            <a:schemeClr val="accent1"/>
+          </a:effectRef>
+          <a:fontRef idx="minor">
+            <a:schemeClr val="lt1"/>
+          </a:fontRef>
+        </p:style>
+        <p:txBody>
+          <a:bodyPr vert="vert270" rtlCol="0" anchor="ctr"/>
+          <a:lstStyle/>
+          <a:p>
+            <a:pPr algn="ctr"/>
+            <a:r>
+              <a:rPr lang="en-US" sz="1400" b="1" dirty="0" smtClean="0">
                 <a:solidFill>
                   <a:schemeClr val="tx1"/>
                 </a:solidFill>
-                <a:miter lim="800000"/>
-                <a:headEnd/>
-                <a:tailEnd/>
-              </a14:hiddenLine>
-            </a:ext>
-            <a:ext uri="{AF507438-7753-43E0-B8FC-AC1667EBCBE1}">
-              <a14:hiddenEffects xmlns:a14="http://schemas.microsoft.com/office/drawing/2010/main">
-                <a:effectLst>
-                  <a:outerShdw dist="35921" dir="2700000" algn="ctr" rotWithShape="0">
-                    <a:schemeClr val="bg2"/>
-                  </a:outerShdw>
-                </a:effectLst>
-              </a14:hiddenEffects>
-            </a:ext>
-          </a:extLst>
-        </p:spPr>
-      </p:pic>
-      <p:sp>
-        <p:nvSpPr>
-          <p:cNvPr id="14" name="TextBox 13"/>
-          <p:cNvSpPr txBox="1"/>
-          <p:nvPr/>
-        </p:nvSpPr>
-        <p:spPr>
-          <a:xfrm>
-            <a:off x="2126870" y="3191647"/>
-            <a:ext cx="425764" cy="369332"/>
-          </a:xfrm>
-          <a:prstGeom prst="rect">
-            <a:avLst/>
-          </a:prstGeom>
-          <a:noFill/>
-        </p:spPr>
-        <p:txBody>
-          <a:bodyPr wrap="square" rtlCol="0">
-            <a:spAutoFit/>
-          </a:bodyPr>
-          <a:lstStyle/>
-          <a:p>
-            <a:r>
-              <a:rPr lang="en-US" b="1" dirty="0" smtClean="0">
-                <a:latin typeface="Arial" pitchFamily="34" charset="0"/>
-                <a:cs typeface="Arial" pitchFamily="34" charset="0"/>
-              </a:rPr>
-              <a:t>id</a:t>
-            </a:r>
-            <a:endParaRPr lang="ru-RU" b="1" dirty="0">
+                <a:latin typeface="Arial" pitchFamily="34" charset="0"/>
+                <a:cs typeface="Arial" pitchFamily="34" charset="0"/>
+              </a:rPr>
+              <a:t>ID</a:t>
+            </a:r>
+            <a:endParaRPr lang="ru-RU" sz="1400" b="1" dirty="0" smtClean="0">
+              <a:solidFill>
+                <a:schemeClr val="tx1"/>
+              </a:solidFill>
               <a:latin typeface="Arial" pitchFamily="34" charset="0"/>
               <a:cs typeface="Arial" pitchFamily="34" charset="0"/>
             </a:endParaRPr>
           </a:p>
-        </p:txBody>
-      </p:sp>
-      <p:pic>
-        <p:nvPicPr>
-          <p:cNvPr id="15" name="Picture 3"/>
-          <p:cNvPicPr>
-            <a:picLocks noChangeAspect="1" noChangeArrowheads="1"/>
-          </p:cNvPicPr>
+          <a:p>
+            <a:pPr algn="ctr"/>
+            <a:r>
+              <a:rPr lang="ru-RU" sz="1400" b="1" dirty="0" smtClean="0">
+                <a:solidFill>
+                  <a:schemeClr val="tx1"/>
+                </a:solidFill>
+                <a:latin typeface="Arial" pitchFamily="34" charset="0"/>
+                <a:cs typeface="Arial" pitchFamily="34" charset="0"/>
+              </a:rPr>
+              <a:t>клиента</a:t>
+            </a:r>
+            <a:endParaRPr lang="ru-RU" sz="1400" b="1" dirty="0">
+              <a:solidFill>
+                <a:schemeClr val="tx1"/>
+              </a:solidFill>
+              <a:latin typeface="Arial" pitchFamily="34" charset="0"/>
+              <a:cs typeface="Arial" pitchFamily="34" charset="0"/>
+            </a:endParaRPr>
+          </a:p>
+        </p:txBody>
+      </p:sp>
+      <p:cxnSp>
+        <p:nvCxnSpPr>
+          <p:cNvPr id="7" name="Прямая соединительная линия 6"/>
+          <p:cNvCxnSpPr/>
           <p:nvPr/>
-        </p:nvPicPr>
-        <p:blipFill>
-          <a:blip r:embed="rId3" cstate="print">
-            <a:extLst>
-              <a:ext uri="{28A0092B-C50C-407E-A947-70E740481C1C}">
-                <a14:useLocalDpi xmlns:a14="http://schemas.microsoft.com/office/drawing/2010/main" val="0"/>
-              </a:ext>
-            </a:extLst>
-          </a:blip>
-          <a:srcRect/>
-          <a:stretch>
-            <a:fillRect/>
-          </a:stretch>
-        </p:blipFill>
-        <p:spPr bwMode="auto">
-          <a:xfrm>
-            <a:off x="2736580" y="2801716"/>
-            <a:ext cx="522232" cy="416358"/>
+        </p:nvCxnSpPr>
+        <p:spPr>
+          <a:xfrm flipV="1">
+            <a:off x="483393" y="4365105"/>
+            <a:ext cx="66269" cy="1680367"/>
+          </a:xfrm>
+          <a:prstGeom prst="line">
+            <a:avLst/>
+          </a:prstGeom>
+          <a:ln w="28575">
+            <a:solidFill>
+              <a:srgbClr val="7030A0"/>
+            </a:solidFill>
+          </a:ln>
+        </p:spPr>
+        <p:style>
+          <a:lnRef idx="1">
+            <a:schemeClr val="accent1"/>
+          </a:lnRef>
+          <a:fillRef idx="0">
+            <a:schemeClr val="accent1"/>
+          </a:fillRef>
+          <a:effectRef idx="0">
+            <a:schemeClr val="accent1"/>
+          </a:effectRef>
+          <a:fontRef idx="minor">
+            <a:schemeClr val="tx1"/>
+          </a:fontRef>
+        </p:style>
+      </p:cxnSp>
+      <p:sp>
+        <p:nvSpPr>
+          <p:cNvPr id="81" name="Прямоугольник 80"/>
+          <p:cNvSpPr/>
+          <p:nvPr/>
+        </p:nvSpPr>
+        <p:spPr>
+          <a:xfrm rot="16200000">
+            <a:off x="-356487" y="2362277"/>
+            <a:ext cx="3600402" cy="445683"/>
           </a:xfrm>
           <a:prstGeom prst="rect">
             <a:avLst/>
           </a:prstGeom>
           <a:noFill/>
           <a:ln>
-            <a:noFill/>
+            <a:solidFill>
+              <a:schemeClr val="tx2">
+                <a:lumMod val="75000"/>
+              </a:schemeClr>
+            </a:solidFill>
+            <a:prstDash val="lgDash"/>
           </a:ln>
-          <a:effectLst/>
-          <a:extLst>
-            <a:ext uri="{909E8E84-426E-40DD-AFC4-6F175D3DCCD1}">
-              <a14:hiddenFill xmlns:a14="http://schemas.microsoft.com/office/drawing/2010/main">
-                <a:solidFill>
-                  <a:schemeClr val="accent1"/>
-                </a:solidFill>
-              </a14:hiddenFill>
-            </a:ext>
-            <a:ext uri="{91240B29-F687-4F45-9708-019B960494DF}">
-              <a14:hiddenLine xmlns:a14="http://schemas.microsoft.com/office/drawing/2010/main" w="9525">
-                <a:solidFill>
-                  <a:schemeClr val="tx1"/>
-                </a:solidFill>
-                <a:miter lim="800000"/>
-                <a:headEnd/>
-                <a:tailEnd/>
-              </a14:hiddenLine>
-            </a:ext>
-            <a:ext uri="{AF507438-7753-43E0-B8FC-AC1667EBCBE1}">
-              <a14:hiddenEffects xmlns:a14="http://schemas.microsoft.com/office/drawing/2010/main">
-                <a:effectLst>
-                  <a:outerShdw dist="35921" dir="2700000" algn="ctr" rotWithShape="0">
-                    <a:schemeClr val="bg2"/>
-                  </a:outerShdw>
-                </a:effectLst>
-              </a14:hiddenEffects>
-            </a:ext>
-          </a:extLst>
         </p:spPr>
-      </p:pic>
-      <p:sp>
-        <p:nvSpPr>
-          <p:cNvPr id="17" name="TextBox 16"/>
-          <p:cNvSpPr txBox="1"/>
+        <p:style>
+          <a:lnRef idx="2">
+            <a:schemeClr val="accent1">
+              <a:shade val="50000"/>
+            </a:schemeClr>
+          </a:lnRef>
+          <a:fillRef idx="1">
+            <a:schemeClr val="accent1"/>
+          </a:fillRef>
+          <a:effectRef idx="0">
+            <a:schemeClr val="accent1"/>
+          </a:effectRef>
+          <a:fontRef idx="minor">
+            <a:schemeClr val="lt1"/>
+          </a:fontRef>
+        </p:style>
+        <p:txBody>
+          <a:bodyPr rtlCol="0" anchor="ctr"/>
+          <a:lstStyle/>
+          <a:p>
+            <a:pPr algn="ctr"/>
+            <a:endParaRPr lang="ru-RU"/>
+          </a:p>
+        </p:txBody>
+      </p:sp>
+      <p:sp>
+        <p:nvSpPr>
+          <p:cNvPr id="82" name="Прямоугольник 81"/>
+          <p:cNvSpPr/>
           <p:nvPr/>
         </p:nvSpPr>
         <p:spPr>
           <a:xfrm>
-            <a:off x="2833048" y="3191647"/>
-            <a:ext cx="425764" cy="369332"/>
-          </a:xfrm>
-          <a:prstGeom prst="rect">
-            <a:avLst/>
-          </a:prstGeom>
-          <a:noFill/>
-        </p:spPr>
-        <p:txBody>
-          <a:bodyPr wrap="square" rtlCol="0">
-            <a:spAutoFit/>
-          </a:bodyPr>
-          <a:lstStyle/>
-          <a:p>
-            <a:endParaRPr lang="ru-RU" b="1" dirty="0">
-              <a:latin typeface="Arial" pitchFamily="34" charset="0"/>
-              <a:cs typeface="Arial" pitchFamily="34" charset="0"/>
-            </a:endParaRPr>
-          </a:p>
-        </p:txBody>
-      </p:sp>
-      <p:sp>
-        <p:nvSpPr>
-          <p:cNvPr id="18" name="TextBox 17"/>
-          <p:cNvSpPr txBox="1"/>
-          <p:nvPr/>
-        </p:nvSpPr>
-        <p:spPr>
-          <a:xfrm>
-            <a:off x="2874589" y="3165571"/>
-            <a:ext cx="1627526" cy="307777"/>
-          </a:xfrm>
-          <a:prstGeom prst="rect">
-            <a:avLst/>
-          </a:prstGeom>
-          <a:noFill/>
-        </p:spPr>
-        <p:txBody>
-          <a:bodyPr wrap="square" rtlCol="0">
-            <a:spAutoFit/>
-          </a:bodyPr>
-          <a:lstStyle/>
-          <a:p>
-            <a:pPr algn="ctr"/>
-            <a:r>
-              <a:rPr lang="ru-RU" sz="1400" b="1" dirty="0">
-                <a:latin typeface="Arial" pitchFamily="34" charset="0"/>
-                <a:cs typeface="Arial" pitchFamily="34" charset="0"/>
-              </a:rPr>
-              <a:t>к</a:t>
-            </a:r>
-            <a:r>
-              <a:rPr lang="ru-RU" sz="1400" b="1" dirty="0" smtClean="0">
-                <a:latin typeface="Arial" pitchFamily="34" charset="0"/>
-                <a:cs typeface="Arial" pitchFamily="34" charset="0"/>
-              </a:rPr>
-              <a:t>од ответа</a:t>
-            </a:r>
-            <a:endParaRPr lang="ru-RU" sz="1400" b="1" dirty="0">
-              <a:latin typeface="Arial" pitchFamily="34" charset="0"/>
-              <a:cs typeface="Arial" pitchFamily="34" charset="0"/>
-            </a:endParaRPr>
-          </a:p>
-        </p:txBody>
-      </p:sp>
-      <p:sp>
-        <p:nvSpPr>
-          <p:cNvPr id="19" name="TextBox 18"/>
-          <p:cNvSpPr txBox="1"/>
-          <p:nvPr/>
-        </p:nvSpPr>
-        <p:spPr>
-          <a:xfrm rot="16200000">
-            <a:off x="3828444" y="3272795"/>
-            <a:ext cx="1001232" cy="338554"/>
-          </a:xfrm>
-          <a:prstGeom prst="rect">
-            <a:avLst/>
-          </a:prstGeom>
-          <a:noFill/>
-        </p:spPr>
-        <p:txBody>
-          <a:bodyPr wrap="square" rtlCol="0">
-            <a:spAutoFit/>
-          </a:bodyPr>
-          <a:lstStyle/>
-          <a:p>
-            <a:r>
-              <a:rPr lang="ru-RU" sz="1600" b="1" dirty="0" smtClean="0">
-                <a:latin typeface="Arial" pitchFamily="34" charset="0"/>
-                <a:cs typeface="Arial" pitchFamily="34" charset="0"/>
-              </a:rPr>
-              <a:t>длина</a:t>
-            </a:r>
-            <a:endParaRPr lang="ru-RU" sz="1600" b="1" dirty="0">
-              <a:latin typeface="Arial" pitchFamily="34" charset="0"/>
-              <a:cs typeface="Arial" pitchFamily="34" charset="0"/>
-            </a:endParaRPr>
-          </a:p>
-        </p:txBody>
-      </p:sp>
-      <p:sp>
-        <p:nvSpPr>
-          <p:cNvPr id="21" name="TextBox 20"/>
-          <p:cNvSpPr txBox="1"/>
-          <p:nvPr/>
-        </p:nvSpPr>
-        <p:spPr>
-          <a:xfrm>
-            <a:off x="5971943" y="3288682"/>
-            <a:ext cx="1080120" cy="369332"/>
-          </a:xfrm>
-          <a:prstGeom prst="rect">
-            <a:avLst/>
-          </a:prstGeom>
-          <a:noFill/>
-        </p:spPr>
-        <p:txBody>
-          <a:bodyPr wrap="square" rtlCol="0">
-            <a:spAutoFit/>
-          </a:bodyPr>
-          <a:lstStyle/>
-          <a:p>
-            <a:r>
-              <a:rPr lang="ru-RU" b="1" dirty="0" smtClean="0">
-                <a:latin typeface="Arial" pitchFamily="34" charset="0"/>
-                <a:cs typeface="Arial" pitchFamily="34" charset="0"/>
-              </a:rPr>
-              <a:t>данные</a:t>
-            </a:r>
-            <a:endParaRPr lang="ru-RU" b="1" dirty="0">
-              <a:latin typeface="Arial" pitchFamily="34" charset="0"/>
-              <a:cs typeface="Arial" pitchFamily="34" charset="0"/>
-            </a:endParaRPr>
-          </a:p>
-        </p:txBody>
-      </p:sp>
-      <p:sp>
-        <p:nvSpPr>
-          <p:cNvPr id="22" name="TextBox 21"/>
-          <p:cNvSpPr txBox="1"/>
-          <p:nvPr/>
-        </p:nvSpPr>
-        <p:spPr>
-          <a:xfrm rot="16200000">
-            <a:off x="2494575" y="3207036"/>
-            <a:ext cx="1001232" cy="338554"/>
-          </a:xfrm>
-          <a:prstGeom prst="rect">
-            <a:avLst/>
-          </a:prstGeom>
-          <a:noFill/>
-        </p:spPr>
-        <p:txBody>
-          <a:bodyPr wrap="square" rtlCol="0">
-            <a:spAutoFit/>
-          </a:bodyPr>
-          <a:lstStyle/>
-          <a:p>
-            <a:r>
-              <a:rPr lang="ru-RU" sz="1600" b="1" dirty="0" smtClean="0">
-                <a:latin typeface="Arial" pitchFamily="34" charset="0"/>
-                <a:cs typeface="Arial" pitchFamily="34" charset="0"/>
-              </a:rPr>
-              <a:t>флаг</a:t>
-            </a:r>
-            <a:endParaRPr lang="ru-RU" sz="1600" b="1" dirty="0">
-              <a:latin typeface="Arial" pitchFamily="34" charset="0"/>
-              <a:cs typeface="Arial" pitchFamily="34" charset="0"/>
-            </a:endParaRPr>
-          </a:p>
-        </p:txBody>
-      </p:sp>
-      <p:pic>
-        <p:nvPicPr>
-          <p:cNvPr id="23" name="Picture 3"/>
-          <p:cNvPicPr>
-            <a:picLocks noChangeAspect="1" noChangeArrowheads="1"/>
-          </p:cNvPicPr>
-          <p:nvPr/>
-        </p:nvPicPr>
-        <p:blipFill>
-          <a:blip r:embed="rId3" cstate="print">
-            <a:extLst>
-              <a:ext uri="{28A0092B-C50C-407E-A947-70E740481C1C}">
-                <a14:useLocalDpi xmlns:a14="http://schemas.microsoft.com/office/drawing/2010/main" val="0"/>
-              </a:ext>
-            </a:extLst>
-          </a:blip>
-          <a:srcRect/>
-          <a:stretch>
-            <a:fillRect/>
-          </a:stretch>
-        </p:blipFill>
-        <p:spPr bwMode="auto">
-          <a:xfrm>
-            <a:off x="1735509" y="4941168"/>
-            <a:ext cx="864096" cy="375694"/>
+            <a:off x="1227272" y="4800028"/>
+            <a:ext cx="439284" cy="216024"/>
           </a:xfrm>
           <a:prstGeom prst="rect">
             <a:avLst/>
           </a:prstGeom>
           <a:noFill/>
           <a:ln>
-            <a:noFill/>
+            <a:solidFill>
+              <a:schemeClr val="tx2">
+                <a:lumMod val="75000"/>
+              </a:schemeClr>
+            </a:solidFill>
+            <a:prstDash val="lgDash"/>
           </a:ln>
-          <a:effectLst/>
-          <a:extLst>
-            <a:ext uri="{909E8E84-426E-40DD-AFC4-6F175D3DCCD1}">
-              <a14:hiddenFill xmlns:a14="http://schemas.microsoft.com/office/drawing/2010/main">
-                <a:solidFill>
-                  <a:schemeClr val="accent1"/>
-                </a:solidFill>
-              </a14:hiddenFill>
-            </a:ext>
-            <a:ext uri="{91240B29-F687-4F45-9708-019B960494DF}">
-              <a14:hiddenLine xmlns:a14="http://schemas.microsoft.com/office/drawing/2010/main" w="9525">
+        </p:spPr>
+        <p:style>
+          <a:lnRef idx="2">
+            <a:schemeClr val="accent1">
+              <a:shade val="50000"/>
+            </a:schemeClr>
+          </a:lnRef>
+          <a:fillRef idx="1">
+            <a:schemeClr val="accent1"/>
+          </a:fillRef>
+          <a:effectRef idx="0">
+            <a:schemeClr val="accent1"/>
+          </a:effectRef>
+          <a:fontRef idx="minor">
+            <a:schemeClr val="lt1"/>
+          </a:fontRef>
+        </p:style>
+        <p:txBody>
+          <a:bodyPr rtlCol="0" anchor="ctr"/>
+          <a:lstStyle/>
+          <a:p>
+            <a:pPr algn="ctr"/>
+            <a:endParaRPr lang="ru-RU"/>
+          </a:p>
+        </p:txBody>
+      </p:sp>
+      <p:sp>
+        <p:nvSpPr>
+          <p:cNvPr id="83" name="Выноска 2 (без границы) 82"/>
+          <p:cNvSpPr/>
+          <p:nvPr/>
+        </p:nvSpPr>
+        <p:spPr>
+          <a:xfrm>
+            <a:off x="1217121" y="6021288"/>
+            <a:ext cx="656748" cy="836712"/>
+          </a:xfrm>
+          <a:prstGeom prst="callout2">
+            <a:avLst>
+              <a:gd name="adj1" fmla="val 92254"/>
+              <a:gd name="adj2" fmla="val 98032"/>
+              <a:gd name="adj3" fmla="val 9460"/>
+              <a:gd name="adj4" fmla="val 97622"/>
+              <a:gd name="adj5" fmla="val -119544"/>
+              <a:gd name="adj6" fmla="val 58875"/>
+            </a:avLst>
+          </a:prstGeom>
+          <a:noFill/>
+          <a:ln>
+            <a:solidFill>
+              <a:schemeClr val="tx2">
+                <a:lumMod val="75000"/>
+              </a:schemeClr>
+            </a:solidFill>
+          </a:ln>
+        </p:spPr>
+        <p:style>
+          <a:lnRef idx="2">
+            <a:schemeClr val="accent1">
+              <a:shade val="50000"/>
+            </a:schemeClr>
+          </a:lnRef>
+          <a:fillRef idx="1">
+            <a:schemeClr val="accent1"/>
+          </a:fillRef>
+          <a:effectRef idx="0">
+            <a:schemeClr val="accent1"/>
+          </a:effectRef>
+          <a:fontRef idx="minor">
+            <a:schemeClr val="lt1"/>
+          </a:fontRef>
+        </p:style>
+        <p:txBody>
+          <a:bodyPr vert="vert270" rtlCol="0" anchor="ctr"/>
+          <a:lstStyle/>
+          <a:p>
+            <a:pPr algn="ctr"/>
+            <a:r>
+              <a:rPr lang="ru-RU" sz="1400" b="1" dirty="0" smtClean="0">
                 <a:solidFill>
                   <a:schemeClr val="tx1"/>
                 </a:solidFill>
-                <a:miter lim="800000"/>
-                <a:headEnd/>
-                <a:tailEnd/>
-              </a14:hiddenLine>
-            </a:ext>
-            <a:ext uri="{AF507438-7753-43E0-B8FC-AC1667EBCBE1}">
-              <a14:hiddenEffects xmlns:a14="http://schemas.microsoft.com/office/drawing/2010/main">
-                <a:effectLst>
-                  <a:outerShdw dist="35921" dir="2700000" algn="ctr" rotWithShape="0">
-                    <a:schemeClr val="bg2"/>
-                  </a:outerShdw>
-                </a:effectLst>
-              </a14:hiddenEffects>
-            </a:ext>
-          </a:extLst>
-        </p:spPr>
-      </p:pic>
-      <p:pic>
-        <p:nvPicPr>
-          <p:cNvPr id="24" name="Picture 3"/>
-          <p:cNvPicPr>
-            <a:picLocks noChangeAspect="1" noChangeArrowheads="1"/>
-          </p:cNvPicPr>
+                <a:latin typeface="Arial" pitchFamily="34" charset="0"/>
+                <a:cs typeface="Arial" pitchFamily="34" charset="0"/>
+              </a:rPr>
+              <a:t>код запроса</a:t>
+            </a:r>
+            <a:r>
+              <a:rPr lang="en-US" sz="1400" b="1" dirty="0" smtClean="0">
+                <a:solidFill>
+                  <a:schemeClr val="tx1"/>
+                </a:solidFill>
+                <a:latin typeface="Arial" pitchFamily="34" charset="0"/>
+                <a:cs typeface="Arial" pitchFamily="34" charset="0"/>
+              </a:rPr>
+              <a:t>/</a:t>
+            </a:r>
+            <a:r>
+              <a:rPr lang="ru-RU" sz="1400" b="1" dirty="0" smtClean="0">
+                <a:solidFill>
+                  <a:schemeClr val="tx1"/>
+                </a:solidFill>
+                <a:latin typeface="Arial" pitchFamily="34" charset="0"/>
+                <a:cs typeface="Arial" pitchFamily="34" charset="0"/>
+              </a:rPr>
+              <a:t>ответа</a:t>
+            </a:r>
+            <a:endParaRPr lang="ru-RU" sz="1400" b="1" dirty="0">
+              <a:solidFill>
+                <a:schemeClr val="tx1"/>
+              </a:solidFill>
+              <a:latin typeface="Arial" pitchFamily="34" charset="0"/>
+              <a:cs typeface="Arial" pitchFamily="34" charset="0"/>
+            </a:endParaRPr>
+          </a:p>
+        </p:txBody>
+      </p:sp>
+      <p:sp>
+        <p:nvSpPr>
+          <p:cNvPr id="85" name="Прямоугольник 84"/>
+          <p:cNvSpPr/>
           <p:nvPr/>
-        </p:nvPicPr>
-        <p:blipFill>
-          <a:blip r:embed="rId3" cstate="print">
-            <a:extLst>
-              <a:ext uri="{28A0092B-C50C-407E-A947-70E740481C1C}">
-                <a14:useLocalDpi xmlns:a14="http://schemas.microsoft.com/office/drawing/2010/main" val="0"/>
-              </a:ext>
-            </a:extLst>
-          </a:blip>
-          <a:srcRect/>
-          <a:stretch>
-            <a:fillRect/>
-          </a:stretch>
-        </p:blipFill>
-        <p:spPr bwMode="auto">
+        </p:nvSpPr>
+        <p:spPr>
           <a:xfrm>
-            <a:off x="3031653" y="4939755"/>
-            <a:ext cx="936104" cy="407002"/>
+            <a:off x="6259133" y="754212"/>
+            <a:ext cx="439284" cy="3600400"/>
           </a:xfrm>
           <a:prstGeom prst="rect">
             <a:avLst/>
           </a:prstGeom>
           <a:noFill/>
           <a:ln>
-            <a:noFill/>
+            <a:solidFill>
+              <a:schemeClr val="tx2">
+                <a:lumMod val="75000"/>
+              </a:schemeClr>
+            </a:solidFill>
+            <a:prstDash val="lgDash"/>
           </a:ln>
-          <a:effectLst/>
-          <a:extLst>
-            <a:ext uri="{909E8E84-426E-40DD-AFC4-6F175D3DCCD1}">
-              <a14:hiddenFill xmlns:a14="http://schemas.microsoft.com/office/drawing/2010/main">
-                <a:solidFill>
-                  <a:schemeClr val="accent1"/>
-                </a:solidFill>
-              </a14:hiddenFill>
-            </a:ext>
-            <a:ext uri="{91240B29-F687-4F45-9708-019B960494DF}">
-              <a14:hiddenLine xmlns:a14="http://schemas.microsoft.com/office/drawing/2010/main" w="9525">
-                <a:solidFill>
-                  <a:schemeClr val="tx1"/>
-                </a:solidFill>
-                <a:miter lim="800000"/>
-                <a:headEnd/>
-                <a:tailEnd/>
-              </a14:hiddenLine>
-            </a:ext>
-            <a:ext uri="{AF507438-7753-43E0-B8FC-AC1667EBCBE1}">
-              <a14:hiddenEffects xmlns:a14="http://schemas.microsoft.com/office/drawing/2010/main">
-                <a:effectLst>
-                  <a:outerShdw dist="35921" dir="2700000" algn="ctr" rotWithShape="0">
-                    <a:schemeClr val="bg2"/>
-                  </a:outerShdw>
-                </a:effectLst>
-              </a14:hiddenEffects>
-            </a:ext>
-          </a:extLst>
         </p:spPr>
-      </p:pic>
-      <p:pic>
-        <p:nvPicPr>
-          <p:cNvPr id="25" name="Picture 3"/>
-          <p:cNvPicPr>
-            <a:picLocks noChangeAspect="1" noChangeArrowheads="1"/>
-          </p:cNvPicPr>
+        <p:style>
+          <a:lnRef idx="2">
+            <a:schemeClr val="accent1">
+              <a:shade val="50000"/>
+            </a:schemeClr>
+          </a:lnRef>
+          <a:fillRef idx="1">
+            <a:schemeClr val="accent1"/>
+          </a:fillRef>
+          <a:effectRef idx="0">
+            <a:schemeClr val="accent1"/>
+          </a:effectRef>
+          <a:fontRef idx="minor">
+            <a:schemeClr val="lt1"/>
+          </a:fontRef>
+        </p:style>
+        <p:txBody>
+          <a:bodyPr rtlCol="0" anchor="ctr"/>
+          <a:lstStyle/>
+          <a:p>
+            <a:pPr algn="ctr"/>
+            <a:endParaRPr lang="ru-RU"/>
+          </a:p>
+        </p:txBody>
+      </p:sp>
+      <p:sp>
+        <p:nvSpPr>
+          <p:cNvPr id="86" name="Прямоугольник 85"/>
+          <p:cNvSpPr/>
           <p:nvPr/>
-        </p:nvPicPr>
-        <p:blipFill>
-          <a:blip r:embed="rId3" cstate="print">
-            <a:extLst>
-              <a:ext uri="{28A0092B-C50C-407E-A947-70E740481C1C}">
-                <a14:useLocalDpi xmlns:a14="http://schemas.microsoft.com/office/drawing/2010/main" val="0"/>
-              </a:ext>
-            </a:extLst>
-          </a:blip>
-          <a:srcRect/>
-          <a:stretch>
-            <a:fillRect/>
-          </a:stretch>
-        </p:blipFill>
-        <p:spPr bwMode="auto">
+        </p:nvSpPr>
+        <p:spPr>
           <a:xfrm>
-            <a:off x="3895749" y="4941169"/>
-            <a:ext cx="522232" cy="416358"/>
+            <a:off x="6269023" y="4695600"/>
+            <a:ext cx="419504" cy="216024"/>
           </a:xfrm>
           <a:prstGeom prst="rect">
             <a:avLst/>
           </a:prstGeom>
           <a:noFill/>
           <a:ln>
-            <a:noFill/>
+            <a:solidFill>
+              <a:schemeClr val="tx2">
+                <a:lumMod val="75000"/>
+              </a:schemeClr>
+            </a:solidFill>
+            <a:prstDash val="lgDash"/>
           </a:ln>
-          <a:effectLst/>
-          <a:extLst>
-            <a:ext uri="{909E8E84-426E-40DD-AFC4-6F175D3DCCD1}">
-              <a14:hiddenFill xmlns:a14="http://schemas.microsoft.com/office/drawing/2010/main">
-                <a:solidFill>
-                  <a:schemeClr val="accent1"/>
-                </a:solidFill>
-              </a14:hiddenFill>
-            </a:ext>
-            <a:ext uri="{91240B29-F687-4F45-9708-019B960494DF}">
-              <a14:hiddenLine xmlns:a14="http://schemas.microsoft.com/office/drawing/2010/main" w="9525">
+        </p:spPr>
+        <p:style>
+          <a:lnRef idx="2">
+            <a:schemeClr val="accent1">
+              <a:shade val="50000"/>
+            </a:schemeClr>
+          </a:lnRef>
+          <a:fillRef idx="1">
+            <a:schemeClr val="accent1"/>
+          </a:fillRef>
+          <a:effectRef idx="0">
+            <a:schemeClr val="accent1"/>
+          </a:effectRef>
+          <a:fontRef idx="minor">
+            <a:schemeClr val="lt1"/>
+          </a:fontRef>
+        </p:style>
+        <p:txBody>
+          <a:bodyPr rtlCol="0" anchor="ctr"/>
+          <a:lstStyle/>
+          <a:p>
+            <a:pPr algn="ctr"/>
+            <a:endParaRPr lang="ru-RU"/>
+          </a:p>
+        </p:txBody>
+      </p:sp>
+      <p:sp>
+        <p:nvSpPr>
+          <p:cNvPr id="88" name="Выноска 2 (без границы) 87"/>
+          <p:cNvSpPr/>
+          <p:nvPr/>
+        </p:nvSpPr>
+        <p:spPr>
+          <a:xfrm>
+            <a:off x="4688788" y="6021288"/>
+            <a:ext cx="486503" cy="836712"/>
+          </a:xfrm>
+          <a:prstGeom prst="callout2">
+            <a:avLst>
+              <a:gd name="adj1" fmla="val 90736"/>
+              <a:gd name="adj2" fmla="val 92230"/>
+              <a:gd name="adj3" fmla="val 9460"/>
+              <a:gd name="adj4" fmla="val 93754"/>
+              <a:gd name="adj5" fmla="val -136695"/>
+              <a:gd name="adj6" fmla="val 184985"/>
+            </a:avLst>
+          </a:prstGeom>
+          <a:noFill/>
+          <a:ln>
+            <a:solidFill>
+              <a:srgbClr val="7030A0"/>
+            </a:solidFill>
+          </a:ln>
+        </p:spPr>
+        <p:style>
+          <a:lnRef idx="2">
+            <a:schemeClr val="accent1">
+              <a:shade val="50000"/>
+            </a:schemeClr>
+          </a:lnRef>
+          <a:fillRef idx="1">
+            <a:schemeClr val="accent1"/>
+          </a:fillRef>
+          <a:effectRef idx="0">
+            <a:schemeClr val="accent1"/>
+          </a:effectRef>
+          <a:fontRef idx="minor">
+            <a:schemeClr val="lt1"/>
+          </a:fontRef>
+        </p:style>
+        <p:txBody>
+          <a:bodyPr vert="vert270" rtlCol="0" anchor="ctr"/>
+          <a:lstStyle/>
+          <a:p>
+            <a:pPr algn="ctr"/>
+            <a:r>
+              <a:rPr lang="en-US" sz="1400" b="1" dirty="0" smtClean="0">
                 <a:solidFill>
                   <a:schemeClr val="tx1"/>
                 </a:solidFill>
-                <a:miter lim="800000"/>
-                <a:headEnd/>
-                <a:tailEnd/>
-              </a14:hiddenLine>
-            </a:ext>
-            <a:ext uri="{AF507438-7753-43E0-B8FC-AC1667EBCBE1}">
-              <a14:hiddenEffects xmlns:a14="http://schemas.microsoft.com/office/drawing/2010/main">
-                <a:effectLst>
-                  <a:outerShdw dist="35921" dir="2700000" algn="ctr" rotWithShape="0">
-                    <a:schemeClr val="bg2"/>
-                  </a:outerShdw>
-                </a:effectLst>
-              </a14:hiddenEffects>
-            </a:ext>
-          </a:extLst>
+                <a:latin typeface="Arial" pitchFamily="34" charset="0"/>
+                <a:cs typeface="Arial" pitchFamily="34" charset="0"/>
+              </a:rPr>
+              <a:t>ID</a:t>
+            </a:r>
+            <a:endParaRPr lang="ru-RU" sz="1400" b="1" dirty="0" smtClean="0">
+              <a:solidFill>
+                <a:schemeClr val="tx1"/>
+              </a:solidFill>
+              <a:latin typeface="Arial" pitchFamily="34" charset="0"/>
+              <a:cs typeface="Arial" pitchFamily="34" charset="0"/>
+            </a:endParaRPr>
+          </a:p>
+          <a:p>
+            <a:pPr algn="ctr"/>
+            <a:r>
+              <a:rPr lang="ru-RU" sz="1400" b="1" dirty="0" smtClean="0">
+                <a:solidFill>
+                  <a:schemeClr val="tx1"/>
+                </a:solidFill>
+                <a:latin typeface="Arial" pitchFamily="34" charset="0"/>
+                <a:cs typeface="Arial" pitchFamily="34" charset="0"/>
+              </a:rPr>
+              <a:t>клиента</a:t>
+            </a:r>
+            <a:endParaRPr lang="ru-RU" sz="1400" b="1" dirty="0">
+              <a:solidFill>
+                <a:schemeClr val="tx1"/>
+              </a:solidFill>
+              <a:latin typeface="Arial" pitchFamily="34" charset="0"/>
+              <a:cs typeface="Arial" pitchFamily="34" charset="0"/>
+            </a:endParaRPr>
+          </a:p>
+        </p:txBody>
+      </p:sp>
+      <p:cxnSp>
+        <p:nvCxnSpPr>
+          <p:cNvPr id="89" name="Прямая соединительная линия 88"/>
+          <p:cNvCxnSpPr/>
+          <p:nvPr/>
+        </p:nvCxnSpPr>
+        <p:spPr>
+          <a:xfrm flipV="1">
+            <a:off x="5175291" y="4365104"/>
+            <a:ext cx="404821" cy="1664022"/>
+          </a:xfrm>
+          <a:prstGeom prst="line">
+            <a:avLst/>
+          </a:prstGeom>
+          <a:ln w="28575">
+            <a:solidFill>
+              <a:srgbClr val="7030A0"/>
+            </a:solidFill>
+          </a:ln>
         </p:spPr>
-      </p:pic>
-      <p:pic>
-        <p:nvPicPr>
-          <p:cNvPr id="26" name="Picture 4"/>
-          <p:cNvPicPr>
-            <a:picLocks noChangeAspect="1" noChangeArrowheads="1"/>
-          </p:cNvPicPr>
+        <p:style>
+          <a:lnRef idx="1">
+            <a:schemeClr val="accent1"/>
+          </a:lnRef>
+          <a:fillRef idx="0">
+            <a:schemeClr val="accent1"/>
+          </a:fillRef>
+          <a:effectRef idx="0">
+            <a:schemeClr val="accent1"/>
+          </a:effectRef>
+          <a:fontRef idx="minor">
+            <a:schemeClr val="tx1"/>
+          </a:fontRef>
+        </p:style>
+      </p:cxnSp>
+      <p:sp>
+        <p:nvSpPr>
+          <p:cNvPr id="93" name="Выноска 2 (без границы) 92"/>
+          <p:cNvSpPr/>
           <p:nvPr/>
-        </p:nvPicPr>
-        <p:blipFill>
-          <a:blip r:embed="rId4" cstate="print">
-            <a:extLst>
-              <a:ext uri="{28A0092B-C50C-407E-A947-70E740481C1C}">
-                <a14:useLocalDpi xmlns:a14="http://schemas.microsoft.com/office/drawing/2010/main" val="0"/>
-              </a:ext>
-            </a:extLst>
-          </a:blip>
-          <a:srcRect/>
-          <a:stretch>
-            <a:fillRect/>
-          </a:stretch>
-        </p:blipFill>
-        <p:spPr bwMode="auto">
+        </p:nvSpPr>
+        <p:spPr>
           <a:xfrm>
-            <a:off x="4420003" y="4941168"/>
-            <a:ext cx="3480263" cy="447675"/>
+            <a:off x="6086396" y="6045472"/>
+            <a:ext cx="656748" cy="836712"/>
+          </a:xfrm>
+          <a:prstGeom prst="callout2">
+            <a:avLst>
+              <a:gd name="adj1" fmla="val 92254"/>
+              <a:gd name="adj2" fmla="val 98032"/>
+              <a:gd name="adj3" fmla="val 9460"/>
+              <a:gd name="adj4" fmla="val 97622"/>
+              <a:gd name="adj5" fmla="val -136999"/>
+              <a:gd name="adj6" fmla="val 73619"/>
+            </a:avLst>
+          </a:prstGeom>
+          <a:noFill/>
+          <a:ln>
+            <a:solidFill>
+              <a:schemeClr val="tx2">
+                <a:lumMod val="75000"/>
+              </a:schemeClr>
+            </a:solidFill>
+          </a:ln>
+        </p:spPr>
+        <p:style>
+          <a:lnRef idx="2">
+            <a:schemeClr val="accent1">
+              <a:shade val="50000"/>
+            </a:schemeClr>
+          </a:lnRef>
+          <a:fillRef idx="1">
+            <a:schemeClr val="accent1"/>
+          </a:fillRef>
+          <a:effectRef idx="0">
+            <a:schemeClr val="accent1"/>
+          </a:effectRef>
+          <a:fontRef idx="minor">
+            <a:schemeClr val="lt1"/>
+          </a:fontRef>
+        </p:style>
+        <p:txBody>
+          <a:bodyPr vert="vert270" rtlCol="0" anchor="ctr"/>
+          <a:lstStyle/>
+          <a:p>
+            <a:pPr algn="ctr"/>
+            <a:r>
+              <a:rPr lang="ru-RU" sz="1400" b="1" dirty="0" smtClean="0">
+                <a:solidFill>
+                  <a:schemeClr val="tx1"/>
+                </a:solidFill>
+                <a:latin typeface="Arial" pitchFamily="34" charset="0"/>
+                <a:cs typeface="Arial" pitchFamily="34" charset="0"/>
+              </a:rPr>
+              <a:t>код запроса</a:t>
+            </a:r>
+            <a:r>
+              <a:rPr lang="en-US" sz="1400" b="1" dirty="0" smtClean="0">
+                <a:solidFill>
+                  <a:schemeClr val="tx1"/>
+                </a:solidFill>
+                <a:latin typeface="Arial" pitchFamily="34" charset="0"/>
+                <a:cs typeface="Arial" pitchFamily="34" charset="0"/>
+              </a:rPr>
+              <a:t>/</a:t>
+            </a:r>
+            <a:r>
+              <a:rPr lang="ru-RU" sz="1400" b="1" dirty="0" smtClean="0">
+                <a:solidFill>
+                  <a:schemeClr val="tx1"/>
+                </a:solidFill>
+                <a:latin typeface="Arial" pitchFamily="34" charset="0"/>
+                <a:cs typeface="Arial" pitchFamily="34" charset="0"/>
+              </a:rPr>
+              <a:t>ответа</a:t>
+            </a:r>
+            <a:endParaRPr lang="ru-RU" sz="1400" b="1" dirty="0">
+              <a:solidFill>
+                <a:schemeClr val="tx1"/>
+              </a:solidFill>
+              <a:latin typeface="Arial" pitchFamily="34" charset="0"/>
+              <a:cs typeface="Arial" pitchFamily="34" charset="0"/>
+            </a:endParaRPr>
+          </a:p>
+        </p:txBody>
+      </p:sp>
+      <p:cxnSp>
+        <p:nvCxnSpPr>
+          <p:cNvPr id="94" name="Прямая соединительная линия 93"/>
+          <p:cNvCxnSpPr/>
+          <p:nvPr/>
+        </p:nvCxnSpPr>
+        <p:spPr>
+          <a:xfrm flipH="1" flipV="1">
+            <a:off x="1220872" y="4385321"/>
+            <a:ext cx="609632" cy="1707975"/>
+          </a:xfrm>
+          <a:prstGeom prst="line">
+            <a:avLst/>
+          </a:prstGeom>
+          <a:ln w="28575">
+            <a:solidFill>
+              <a:schemeClr val="tx2">
+                <a:lumMod val="75000"/>
+              </a:schemeClr>
+            </a:solidFill>
+          </a:ln>
+        </p:spPr>
+        <p:style>
+          <a:lnRef idx="1">
+            <a:schemeClr val="accent1"/>
+          </a:lnRef>
+          <a:fillRef idx="0">
+            <a:schemeClr val="accent1"/>
+          </a:fillRef>
+          <a:effectRef idx="0">
+            <a:schemeClr val="accent1"/>
+          </a:effectRef>
+          <a:fontRef idx="minor">
+            <a:schemeClr val="tx1"/>
+          </a:fontRef>
+        </p:style>
+      </p:cxnSp>
+      <p:cxnSp>
+        <p:nvCxnSpPr>
+          <p:cNvPr id="98" name="Прямая соединительная линия 97"/>
+          <p:cNvCxnSpPr/>
+          <p:nvPr/>
+        </p:nvCxnSpPr>
+        <p:spPr>
+          <a:xfrm flipH="1" flipV="1">
+            <a:off x="6258436" y="4354612"/>
+            <a:ext cx="484708" cy="1810692"/>
+          </a:xfrm>
+          <a:prstGeom prst="line">
+            <a:avLst/>
+          </a:prstGeom>
+          <a:ln w="28575">
+            <a:solidFill>
+              <a:schemeClr val="tx2">
+                <a:lumMod val="75000"/>
+              </a:schemeClr>
+            </a:solidFill>
+          </a:ln>
+        </p:spPr>
+        <p:style>
+          <a:lnRef idx="1">
+            <a:schemeClr val="accent1"/>
+          </a:lnRef>
+          <a:fillRef idx="0">
+            <a:schemeClr val="accent1"/>
+          </a:fillRef>
+          <a:effectRef idx="0">
+            <a:schemeClr val="accent1"/>
+          </a:effectRef>
+          <a:fontRef idx="minor">
+            <a:schemeClr val="tx1"/>
+          </a:fontRef>
+        </p:style>
+      </p:cxnSp>
+      <p:sp>
+        <p:nvSpPr>
+          <p:cNvPr id="118" name="Прямоугольник 117"/>
+          <p:cNvSpPr/>
+          <p:nvPr/>
+        </p:nvSpPr>
+        <p:spPr>
+          <a:xfrm>
+            <a:off x="1657417" y="784917"/>
+            <a:ext cx="207313" cy="3600400"/>
           </a:xfrm>
           <a:prstGeom prst="rect">
             <a:avLst/>
           </a:prstGeom>
           <a:noFill/>
           <a:ln>
-            <a:noFill/>
+            <a:solidFill>
+              <a:schemeClr val="accent1">
+                <a:lumMod val="20000"/>
+                <a:lumOff val="80000"/>
+              </a:schemeClr>
+            </a:solidFill>
+            <a:prstDash val="lgDash"/>
           </a:ln>
-          <a:effectLst/>
-          <a:extLst>
-            <a:ext uri="{909E8E84-426E-40DD-AFC4-6F175D3DCCD1}">
-              <a14:hiddenFill xmlns:a14="http://schemas.microsoft.com/office/drawing/2010/main">
-                <a:solidFill>
-                  <a:schemeClr val="accent1"/>
-                </a:solidFill>
-              </a14:hiddenFill>
-            </a:ext>
-            <a:ext uri="{91240B29-F687-4F45-9708-019B960494DF}">
-              <a14:hiddenLine xmlns:a14="http://schemas.microsoft.com/office/drawing/2010/main" w="9525">
-                <a:solidFill>
-                  <a:schemeClr val="tx1"/>
-                </a:solidFill>
-                <a:miter lim="800000"/>
-                <a:headEnd/>
-                <a:tailEnd/>
-              </a14:hiddenLine>
-            </a:ext>
-            <a:ext uri="{AF507438-7753-43E0-B8FC-AC1667EBCBE1}">
-              <a14:hiddenEffects xmlns:a14="http://schemas.microsoft.com/office/drawing/2010/main">
-                <a:effectLst>
-                  <a:outerShdw dist="35921" dir="2700000" algn="ctr" rotWithShape="0">
-                    <a:schemeClr val="bg2"/>
-                  </a:outerShdw>
-                </a:effectLst>
-              </a14:hiddenEffects>
-            </a:ext>
-          </a:extLst>
         </p:spPr>
-      </p:pic>
-      <p:sp>
-        <p:nvSpPr>
-          <p:cNvPr id="27" name="TextBox 26"/>
-          <p:cNvSpPr txBox="1"/>
+        <p:style>
+          <a:lnRef idx="2">
+            <a:schemeClr val="accent1">
+              <a:shade val="50000"/>
+            </a:schemeClr>
+          </a:lnRef>
+          <a:fillRef idx="1">
+            <a:schemeClr val="accent1"/>
+          </a:fillRef>
+          <a:effectRef idx="0">
+            <a:schemeClr val="accent1"/>
+          </a:effectRef>
+          <a:fontRef idx="minor">
+            <a:schemeClr val="lt1"/>
+          </a:fontRef>
+        </p:style>
+        <p:txBody>
+          <a:bodyPr rtlCol="0" anchor="ctr"/>
+          <a:lstStyle/>
+          <a:p>
+            <a:pPr algn="ctr"/>
+            <a:endParaRPr lang="ru-RU"/>
+          </a:p>
+        </p:txBody>
+      </p:sp>
+      <p:sp>
+        <p:nvSpPr>
+          <p:cNvPr id="119" name="Прямоугольник 118"/>
+          <p:cNvSpPr/>
           <p:nvPr/>
         </p:nvSpPr>
         <p:spPr>
           <a:xfrm>
-            <a:off x="1954675" y="5346757"/>
-            <a:ext cx="425764" cy="369332"/>
-          </a:xfrm>
-          <a:prstGeom prst="rect">
-            <a:avLst/>
-          </a:prstGeom>
-          <a:noFill/>
-        </p:spPr>
-        <p:txBody>
-          <a:bodyPr wrap="square" rtlCol="0">
-            <a:spAutoFit/>
-          </a:bodyPr>
-          <a:lstStyle/>
-          <a:p>
-            <a:r>
-              <a:rPr lang="en-US" b="1" dirty="0" smtClean="0">
-                <a:latin typeface="Arial" pitchFamily="34" charset="0"/>
-                <a:cs typeface="Arial" pitchFamily="34" charset="0"/>
-              </a:rPr>
-              <a:t>id</a:t>
-            </a:r>
-            <a:endParaRPr lang="ru-RU" b="1" dirty="0">
-              <a:latin typeface="Arial" pitchFamily="34" charset="0"/>
-              <a:cs typeface="Arial" pitchFamily="34" charset="0"/>
-            </a:endParaRPr>
-          </a:p>
-        </p:txBody>
-      </p:sp>
-      <p:pic>
-        <p:nvPicPr>
-          <p:cNvPr id="28" name="Picture 3"/>
-          <p:cNvPicPr>
-            <a:picLocks noChangeAspect="1" noChangeArrowheads="1"/>
-          </p:cNvPicPr>
-          <p:nvPr/>
-        </p:nvPicPr>
-        <p:blipFill>
-          <a:blip r:embed="rId3" cstate="print">
-            <a:extLst>
-              <a:ext uri="{28A0092B-C50C-407E-A947-70E740481C1C}">
-                <a14:useLocalDpi xmlns:a14="http://schemas.microsoft.com/office/drawing/2010/main" val="0"/>
-              </a:ext>
-            </a:extLst>
-          </a:blip>
-          <a:srcRect/>
-          <a:stretch>
-            <a:fillRect/>
-          </a:stretch>
-        </p:blipFill>
-        <p:spPr bwMode="auto">
-          <a:xfrm>
-            <a:off x="2564385" y="4956826"/>
-            <a:ext cx="522232" cy="416358"/>
+            <a:off x="1657768" y="4797152"/>
+            <a:ext cx="219642" cy="216024"/>
           </a:xfrm>
           <a:prstGeom prst="rect">
             <a:avLst/>
           </a:prstGeom>
           <a:noFill/>
           <a:ln>
-            <a:noFill/>
+            <a:solidFill>
+              <a:schemeClr val="accent1">
+                <a:lumMod val="20000"/>
+                <a:lumOff val="80000"/>
+              </a:schemeClr>
+            </a:solidFill>
+            <a:prstDash val="lgDash"/>
           </a:ln>
-          <a:effectLst/>
-          <a:extLst>
-            <a:ext uri="{909E8E84-426E-40DD-AFC4-6F175D3DCCD1}">
-              <a14:hiddenFill xmlns:a14="http://schemas.microsoft.com/office/drawing/2010/main">
-                <a:solidFill>
-                  <a:schemeClr val="accent1"/>
-                </a:solidFill>
-              </a14:hiddenFill>
-            </a:ext>
-            <a:ext uri="{91240B29-F687-4F45-9708-019B960494DF}">
-              <a14:hiddenLine xmlns:a14="http://schemas.microsoft.com/office/drawing/2010/main" w="9525">
+        </p:spPr>
+        <p:style>
+          <a:lnRef idx="2">
+            <a:schemeClr val="accent1">
+              <a:shade val="50000"/>
+            </a:schemeClr>
+          </a:lnRef>
+          <a:fillRef idx="1">
+            <a:schemeClr val="accent1"/>
+          </a:fillRef>
+          <a:effectRef idx="0">
+            <a:schemeClr val="accent1"/>
+          </a:effectRef>
+          <a:fontRef idx="minor">
+            <a:schemeClr val="lt1"/>
+          </a:fontRef>
+        </p:style>
+        <p:txBody>
+          <a:bodyPr rtlCol="0" anchor="ctr"/>
+          <a:lstStyle/>
+          <a:p>
+            <a:pPr algn="ctr"/>
+            <a:endParaRPr lang="ru-RU"/>
+          </a:p>
+        </p:txBody>
+      </p:sp>
+      <p:sp>
+        <p:nvSpPr>
+          <p:cNvPr id="120" name="Выноска 2 (без границы) 119"/>
+          <p:cNvSpPr/>
+          <p:nvPr/>
+        </p:nvSpPr>
+        <p:spPr>
+          <a:xfrm>
+            <a:off x="1885600" y="6021288"/>
+            <a:ext cx="656748" cy="836712"/>
+          </a:xfrm>
+          <a:prstGeom prst="callout2">
+            <a:avLst>
+              <a:gd name="adj1" fmla="val 92254"/>
+              <a:gd name="adj2" fmla="val 98032"/>
+              <a:gd name="adj3" fmla="val 9460"/>
+              <a:gd name="adj4" fmla="val 97622"/>
+              <a:gd name="adj5" fmla="val -117836"/>
+              <a:gd name="adj6" fmla="val -4214"/>
+            </a:avLst>
+          </a:prstGeom>
+          <a:noFill/>
+          <a:ln>
+            <a:solidFill>
+              <a:schemeClr val="accent1">
+                <a:lumMod val="20000"/>
+                <a:lumOff val="80000"/>
+              </a:schemeClr>
+            </a:solidFill>
+          </a:ln>
+        </p:spPr>
+        <p:style>
+          <a:lnRef idx="2">
+            <a:schemeClr val="accent1">
+              <a:shade val="50000"/>
+            </a:schemeClr>
+          </a:lnRef>
+          <a:fillRef idx="1">
+            <a:schemeClr val="accent1"/>
+          </a:fillRef>
+          <a:effectRef idx="0">
+            <a:schemeClr val="accent1"/>
+          </a:effectRef>
+          <a:fontRef idx="minor">
+            <a:schemeClr val="lt1"/>
+          </a:fontRef>
+        </p:style>
+        <p:txBody>
+          <a:bodyPr vert="vert270" rtlCol="0" anchor="ctr"/>
+          <a:lstStyle/>
+          <a:p>
+            <a:pPr algn="ctr"/>
+            <a:r>
+              <a:rPr lang="ru-RU" sz="1400" b="1" dirty="0" smtClean="0">
                 <a:solidFill>
                   <a:schemeClr val="tx1"/>
                 </a:solidFill>
-                <a:miter lim="800000"/>
-                <a:headEnd/>
-                <a:tailEnd/>
-              </a14:hiddenLine>
-            </a:ext>
-            <a:ext uri="{AF507438-7753-43E0-B8FC-AC1667EBCBE1}">
-              <a14:hiddenEffects xmlns:a14="http://schemas.microsoft.com/office/drawing/2010/main">
-                <a:effectLst>
-                  <a:outerShdw dist="35921" dir="2700000" algn="ctr" rotWithShape="0">
-                    <a:schemeClr val="bg2"/>
-                  </a:outerShdw>
-                </a:effectLst>
-              </a14:hiddenEffects>
-            </a:ext>
-          </a:extLst>
+                <a:latin typeface="Arial" pitchFamily="34" charset="0"/>
+                <a:cs typeface="Arial" pitchFamily="34" charset="0"/>
+              </a:rPr>
+              <a:t>д</a:t>
+            </a:r>
+            <a:r>
+              <a:rPr lang="ru-RU" sz="1400" b="1" dirty="0" smtClean="0">
+                <a:solidFill>
+                  <a:schemeClr val="tx1"/>
+                </a:solidFill>
+                <a:latin typeface="Arial" pitchFamily="34" charset="0"/>
+                <a:cs typeface="Arial" pitchFamily="34" charset="0"/>
+              </a:rPr>
+              <a:t>лина данных</a:t>
+            </a:r>
+            <a:endParaRPr lang="ru-RU" sz="1400" b="1" dirty="0">
+              <a:solidFill>
+                <a:schemeClr val="tx1"/>
+              </a:solidFill>
+              <a:latin typeface="Arial" pitchFamily="34" charset="0"/>
+              <a:cs typeface="Arial" pitchFamily="34" charset="0"/>
+            </a:endParaRPr>
+          </a:p>
+        </p:txBody>
+      </p:sp>
+      <p:cxnSp>
+        <p:nvCxnSpPr>
+          <p:cNvPr id="121" name="Прямая соединительная линия 120"/>
+          <p:cNvCxnSpPr/>
+          <p:nvPr/>
+        </p:nvCxnSpPr>
+        <p:spPr>
+          <a:xfrm flipH="1" flipV="1">
+            <a:off x="1885600" y="4365105"/>
+            <a:ext cx="656748" cy="1728191"/>
+          </a:xfrm>
+          <a:prstGeom prst="line">
+            <a:avLst/>
+          </a:prstGeom>
+          <a:ln w="28575">
+            <a:solidFill>
+              <a:schemeClr val="accent1">
+                <a:lumMod val="20000"/>
+                <a:lumOff val="80000"/>
+              </a:schemeClr>
+            </a:solidFill>
+          </a:ln>
         </p:spPr>
-      </p:pic>
-      <p:sp>
-        <p:nvSpPr>
-          <p:cNvPr id="29" name="TextBox 28"/>
-          <p:cNvSpPr txBox="1"/>
+        <p:style>
+          <a:lnRef idx="1">
+            <a:schemeClr val="accent1"/>
+          </a:lnRef>
+          <a:fillRef idx="0">
+            <a:schemeClr val="accent1"/>
+          </a:fillRef>
+          <a:effectRef idx="0">
+            <a:schemeClr val="accent1"/>
+          </a:effectRef>
+          <a:fontRef idx="minor">
+            <a:schemeClr val="tx1"/>
+          </a:fontRef>
+        </p:style>
+      </p:cxnSp>
+      <p:sp>
+        <p:nvSpPr>
+          <p:cNvPr id="124" name="Прямоугольник 123"/>
+          <p:cNvSpPr/>
           <p:nvPr/>
         </p:nvSpPr>
         <p:spPr>
           <a:xfrm>
-            <a:off x="2660853" y="5346757"/>
-            <a:ext cx="425764" cy="369332"/>
+            <a:off x="6698417" y="754212"/>
+            <a:ext cx="207313" cy="3600400"/>
           </a:xfrm>
           <a:prstGeom prst="rect">
             <a:avLst/>
           </a:prstGeom>
           <a:noFill/>
+          <a:ln>
+            <a:solidFill>
+              <a:schemeClr val="accent1">
+                <a:lumMod val="20000"/>
+                <a:lumOff val="80000"/>
+              </a:schemeClr>
+            </a:solidFill>
+            <a:prstDash val="lgDash"/>
+          </a:ln>
         </p:spPr>
-        <p:txBody>
-          <a:bodyPr wrap="square" rtlCol="0">
-            <a:spAutoFit/>
-          </a:bodyPr>
+        <p:style>
+          <a:lnRef idx="2">
+            <a:schemeClr val="accent1">
+              <a:shade val="50000"/>
+            </a:schemeClr>
+          </a:lnRef>
+          <a:fillRef idx="1">
+            <a:schemeClr val="accent1"/>
+          </a:fillRef>
+          <a:effectRef idx="0">
+            <a:schemeClr val="accent1"/>
+          </a:effectRef>
+          <a:fontRef idx="minor">
+            <a:schemeClr val="lt1"/>
+          </a:fontRef>
+        </p:style>
+        <p:txBody>
+          <a:bodyPr rtlCol="0" anchor="ctr"/>
           <a:lstStyle/>
           <a:p>
-            <a:endParaRPr lang="ru-RU" b="1" dirty="0">
-              <a:latin typeface="Arial" pitchFamily="34" charset="0"/>
-              <a:cs typeface="Arial" pitchFamily="34" charset="0"/>
-            </a:endParaRPr>
-          </a:p>
-        </p:txBody>
-      </p:sp>
-      <p:sp>
-        <p:nvSpPr>
-          <p:cNvPr id="30" name="TextBox 29"/>
-          <p:cNvSpPr txBox="1"/>
+            <a:pPr algn="ctr"/>
+            <a:endParaRPr lang="ru-RU"/>
+          </a:p>
+        </p:txBody>
+      </p:sp>
+      <p:sp>
+        <p:nvSpPr>
+          <p:cNvPr id="125" name="Прямоугольник 124"/>
+          <p:cNvSpPr/>
           <p:nvPr/>
         </p:nvSpPr>
         <p:spPr>
           <a:xfrm>
-            <a:off x="2702394" y="5320681"/>
-            <a:ext cx="1627526" cy="307777"/>
+            <a:off x="6677932" y="4706155"/>
+            <a:ext cx="219642" cy="216024"/>
           </a:xfrm>
           <a:prstGeom prst="rect">
             <a:avLst/>
           </a:prstGeom>
           <a:noFill/>
+          <a:ln>
+            <a:solidFill>
+              <a:schemeClr val="accent1">
+                <a:lumMod val="20000"/>
+                <a:lumOff val="80000"/>
+              </a:schemeClr>
+            </a:solidFill>
+            <a:prstDash val="lgDash"/>
+          </a:ln>
         </p:spPr>
-        <p:txBody>
-          <a:bodyPr wrap="square" rtlCol="0">
-            <a:spAutoFit/>
-          </a:bodyPr>
+        <p:style>
+          <a:lnRef idx="2">
+            <a:schemeClr val="accent1">
+              <a:shade val="50000"/>
+            </a:schemeClr>
+          </a:lnRef>
+          <a:fillRef idx="1">
+            <a:schemeClr val="accent1"/>
+          </a:fillRef>
+          <a:effectRef idx="0">
+            <a:schemeClr val="accent1"/>
+          </a:effectRef>
+          <a:fontRef idx="minor">
+            <a:schemeClr val="lt1"/>
+          </a:fontRef>
+        </p:style>
+        <p:txBody>
+          <a:bodyPr rtlCol="0" anchor="ctr"/>
           <a:lstStyle/>
           <a:p>
             <a:pPr algn="ctr"/>
-            <a:r>
-              <a:rPr lang="ru-RU" sz="1400" b="1" dirty="0">
-                <a:latin typeface="Arial" pitchFamily="34" charset="0"/>
-                <a:cs typeface="Arial" pitchFamily="34" charset="0"/>
-              </a:rPr>
-              <a:t>к</a:t>
-            </a:r>
+            <a:endParaRPr lang="ru-RU"/>
+          </a:p>
+        </p:txBody>
+      </p:sp>
+      <p:sp>
+        <p:nvSpPr>
+          <p:cNvPr id="126" name="Выноска 2 (без границы) 125"/>
+          <p:cNvSpPr/>
+          <p:nvPr/>
+        </p:nvSpPr>
+        <p:spPr>
+          <a:xfrm>
+            <a:off x="6673721" y="6029126"/>
+            <a:ext cx="656748" cy="836712"/>
+          </a:xfrm>
+          <a:prstGeom prst="callout2">
+            <a:avLst>
+              <a:gd name="adj1" fmla="val 92254"/>
+              <a:gd name="adj2" fmla="val 98032"/>
+              <a:gd name="adj3" fmla="val 9460"/>
+              <a:gd name="adj4" fmla="val 97622"/>
+              <a:gd name="adj5" fmla="val -136050"/>
+              <a:gd name="adj6" fmla="val 10289"/>
+            </a:avLst>
+          </a:prstGeom>
+          <a:noFill/>
+          <a:ln>
+            <a:solidFill>
+              <a:schemeClr val="accent1">
+                <a:lumMod val="20000"/>
+                <a:lumOff val="80000"/>
+              </a:schemeClr>
+            </a:solidFill>
+          </a:ln>
+        </p:spPr>
+        <p:style>
+          <a:lnRef idx="2">
+            <a:schemeClr val="accent1">
+              <a:shade val="50000"/>
+            </a:schemeClr>
+          </a:lnRef>
+          <a:fillRef idx="1">
+            <a:schemeClr val="accent1"/>
+          </a:fillRef>
+          <a:effectRef idx="0">
+            <a:schemeClr val="accent1"/>
+          </a:effectRef>
+          <a:fontRef idx="minor">
+            <a:schemeClr val="lt1"/>
+          </a:fontRef>
+        </p:style>
+        <p:txBody>
+          <a:bodyPr vert="vert270" rtlCol="0" anchor="ctr"/>
+          <a:lstStyle/>
+          <a:p>
+            <a:pPr algn="ctr"/>
             <a:r>
               <a:rPr lang="ru-RU" sz="1400" b="1" dirty="0" smtClean="0">
-                <a:latin typeface="Arial" pitchFamily="34" charset="0"/>
-                <a:cs typeface="Arial" pitchFamily="34" charset="0"/>
-              </a:rPr>
-              <a:t>од ответа</a:t>
+                <a:solidFill>
+                  <a:schemeClr val="tx1"/>
+                </a:solidFill>
+                <a:latin typeface="Arial" pitchFamily="34" charset="0"/>
+                <a:cs typeface="Arial" pitchFamily="34" charset="0"/>
+              </a:rPr>
+              <a:t>д</a:t>
+            </a:r>
+            <a:r>
+              <a:rPr lang="ru-RU" sz="1400" b="1" dirty="0" smtClean="0">
+                <a:solidFill>
+                  <a:schemeClr val="tx1"/>
+                </a:solidFill>
+                <a:latin typeface="Arial" pitchFamily="34" charset="0"/>
+                <a:cs typeface="Arial" pitchFamily="34" charset="0"/>
+              </a:rPr>
+              <a:t>лина данных</a:t>
             </a:r>
             <a:endParaRPr lang="ru-RU" sz="1400" b="1" dirty="0">
+              <a:solidFill>
+                <a:schemeClr val="tx1"/>
+              </a:solidFill>
               <a:latin typeface="Arial" pitchFamily="34" charset="0"/>
               <a:cs typeface="Arial" pitchFamily="34" charset="0"/>
             </a:endParaRPr>
           </a:p>
         </p:txBody>
       </p:sp>
-      <p:sp>
-        <p:nvSpPr>
-          <p:cNvPr id="31" name="TextBox 30"/>
-          <p:cNvSpPr txBox="1"/>
+      <p:cxnSp>
+        <p:nvCxnSpPr>
+          <p:cNvPr id="127" name="Прямая соединительная линия 126"/>
+          <p:cNvCxnSpPr>
+            <a:endCxn id="124" idx="2"/>
+          </p:cNvCxnSpPr>
           <p:nvPr/>
-        </p:nvSpPr>
+        </p:nvCxnSpPr>
         <p:spPr>
-          <a:xfrm rot="16200000">
-            <a:off x="2266256" y="5362146"/>
-            <a:ext cx="1001232" cy="338554"/>
+          <a:xfrm flipH="1" flipV="1">
+            <a:off x="6802074" y="4354612"/>
+            <a:ext cx="522752" cy="1779936"/>
+          </a:xfrm>
+          <a:prstGeom prst="line">
+            <a:avLst/>
+          </a:prstGeom>
+          <a:ln w="28575">
+            <a:solidFill>
+              <a:schemeClr val="accent1">
+                <a:lumMod val="20000"/>
+                <a:lumOff val="80000"/>
+              </a:schemeClr>
+            </a:solidFill>
+          </a:ln>
+        </p:spPr>
+        <p:style>
+          <a:lnRef idx="1">
+            <a:schemeClr val="accent1"/>
+          </a:lnRef>
+          <a:fillRef idx="0">
+            <a:schemeClr val="accent1"/>
+          </a:fillRef>
+          <a:effectRef idx="0">
+            <a:schemeClr val="accent1"/>
+          </a:effectRef>
+          <a:fontRef idx="minor">
+            <a:schemeClr val="tx1"/>
+          </a:fontRef>
+        </p:style>
+      </p:cxnSp>
+      <p:sp>
+        <p:nvSpPr>
+          <p:cNvPr id="132" name="Прямоугольник 131"/>
+          <p:cNvSpPr/>
+          <p:nvPr/>
+        </p:nvSpPr>
+        <p:spPr>
+          <a:xfrm>
+            <a:off x="993641" y="784917"/>
+            <a:ext cx="223479" cy="3600404"/>
           </a:xfrm>
           <a:prstGeom prst="rect">
             <a:avLst/>
           </a:prstGeom>
           <a:noFill/>
+          <a:ln>
+            <a:solidFill>
+              <a:srgbClr val="00B050"/>
+            </a:solidFill>
+            <a:prstDash val="lgDash"/>
+          </a:ln>
         </p:spPr>
-        <p:txBody>
-          <a:bodyPr wrap="square" rtlCol="0">
-            <a:spAutoFit/>
-          </a:bodyPr>
+        <p:style>
+          <a:lnRef idx="2">
+            <a:schemeClr val="accent1">
+              <a:shade val="50000"/>
+            </a:schemeClr>
+          </a:lnRef>
+          <a:fillRef idx="1">
+            <a:schemeClr val="accent1"/>
+          </a:fillRef>
+          <a:effectRef idx="0">
+            <a:schemeClr val="accent1"/>
+          </a:effectRef>
+          <a:fontRef idx="minor">
+            <a:schemeClr val="lt1"/>
+          </a:fontRef>
+        </p:style>
+        <p:txBody>
+          <a:bodyPr rtlCol="0" anchor="ctr"/>
           <a:lstStyle/>
           <a:p>
-            <a:r>
-              <a:rPr lang="ru-RU" sz="1600" b="1" dirty="0" smtClean="0">
-                <a:latin typeface="Arial" pitchFamily="34" charset="0"/>
-                <a:cs typeface="Arial" pitchFamily="34" charset="0"/>
-              </a:rPr>
-              <a:t>флаг</a:t>
-            </a:r>
-            <a:endParaRPr lang="ru-RU" sz="1600" b="1" dirty="0">
-              <a:latin typeface="Arial" pitchFamily="34" charset="0"/>
-              <a:cs typeface="Arial" pitchFamily="34" charset="0"/>
-            </a:endParaRPr>
-          </a:p>
-        </p:txBody>
-      </p:sp>
-      <p:sp>
-        <p:nvSpPr>
-          <p:cNvPr id="33" name="TextBox 32"/>
-          <p:cNvSpPr txBox="1"/>
+            <a:pPr algn="ctr"/>
+            <a:endParaRPr lang="ru-RU"/>
+          </a:p>
+        </p:txBody>
+      </p:sp>
+      <p:sp>
+        <p:nvSpPr>
+          <p:cNvPr id="133" name="Прямоугольник 132"/>
+          <p:cNvSpPr/>
           <p:nvPr/>
         </p:nvSpPr>
         <p:spPr>
-          <a:xfrm rot="16200000">
-            <a:off x="3636418" y="5461201"/>
-            <a:ext cx="1001232" cy="338554"/>
+          <a:xfrm>
+            <a:off x="993641" y="4789704"/>
+            <a:ext cx="240504" cy="223472"/>
           </a:xfrm>
           <a:prstGeom prst="rect">
             <a:avLst/>
           </a:prstGeom>
           <a:noFill/>
+          <a:ln>
+            <a:solidFill>
+              <a:srgbClr val="00B050"/>
+            </a:solidFill>
+            <a:prstDash val="lgDash"/>
+          </a:ln>
         </p:spPr>
-        <p:txBody>
-          <a:bodyPr wrap="square" rtlCol="0">
-            <a:spAutoFit/>
-          </a:bodyPr>
+        <p:style>
+          <a:lnRef idx="2">
+            <a:schemeClr val="accent1">
+              <a:shade val="50000"/>
+            </a:schemeClr>
+          </a:lnRef>
+          <a:fillRef idx="1">
+            <a:schemeClr val="accent1"/>
+          </a:fillRef>
+          <a:effectRef idx="0">
+            <a:schemeClr val="accent1"/>
+          </a:effectRef>
+          <a:fontRef idx="minor">
+            <a:schemeClr val="lt1"/>
+          </a:fontRef>
+        </p:style>
+        <p:txBody>
+          <a:bodyPr rtlCol="0" anchor="ctr"/>
           <a:lstStyle/>
           <a:p>
-            <a:r>
-              <a:rPr lang="ru-RU" sz="1600" b="1" dirty="0" smtClean="0">
-                <a:latin typeface="Arial" pitchFamily="34" charset="0"/>
-                <a:cs typeface="Arial" pitchFamily="34" charset="0"/>
-              </a:rPr>
-              <a:t>длина</a:t>
-            </a:r>
-            <a:endParaRPr lang="ru-RU" sz="1600" b="1" dirty="0">
+            <a:pPr algn="ctr"/>
+            <a:endParaRPr lang="ru-RU"/>
+          </a:p>
+        </p:txBody>
+      </p:sp>
+      <p:sp>
+        <p:nvSpPr>
+          <p:cNvPr id="135" name="Выноска 2 (без границы) 134"/>
+          <p:cNvSpPr/>
+          <p:nvPr/>
+        </p:nvSpPr>
+        <p:spPr>
+          <a:xfrm>
+            <a:off x="856105" y="6021288"/>
+            <a:ext cx="265682" cy="836712"/>
+          </a:xfrm>
+          <a:prstGeom prst="callout2">
+            <a:avLst>
+              <a:gd name="adj1" fmla="val 93392"/>
+              <a:gd name="adj2" fmla="val 92671"/>
+              <a:gd name="adj3" fmla="val 9460"/>
+              <a:gd name="adj4" fmla="val 97622"/>
+              <a:gd name="adj5" fmla="val -121251"/>
+              <a:gd name="adj6" fmla="val 52715"/>
+            </a:avLst>
+          </a:prstGeom>
+          <a:noFill/>
+          <a:ln>
+            <a:solidFill>
+              <a:srgbClr val="00B050"/>
+            </a:solidFill>
+          </a:ln>
+        </p:spPr>
+        <p:style>
+          <a:lnRef idx="2">
+            <a:schemeClr val="accent1">
+              <a:shade val="50000"/>
+            </a:schemeClr>
+          </a:lnRef>
+          <a:fillRef idx="1">
+            <a:schemeClr val="accent1"/>
+          </a:fillRef>
+          <a:effectRef idx="0">
+            <a:schemeClr val="accent1"/>
+          </a:effectRef>
+          <a:fontRef idx="minor">
+            <a:schemeClr val="lt1"/>
+          </a:fontRef>
+        </p:style>
+        <p:txBody>
+          <a:bodyPr vert="vert270" rtlCol="0" anchor="ctr"/>
+          <a:lstStyle/>
+          <a:p>
+            <a:pPr algn="ctr"/>
+            <a:r>
+              <a:rPr lang="ru-RU" sz="1400" b="1" dirty="0" smtClean="0">
+                <a:solidFill>
+                  <a:schemeClr val="tx1"/>
+                </a:solidFill>
+                <a:latin typeface="Arial" pitchFamily="34" charset="0"/>
+                <a:cs typeface="Arial" pitchFamily="34" charset="0"/>
+              </a:rPr>
+              <a:t>флаг</a:t>
+            </a:r>
+            <a:endParaRPr lang="ru-RU" sz="1400" b="1" dirty="0">
+              <a:solidFill>
+                <a:schemeClr val="tx1"/>
+              </a:solidFill>
               <a:latin typeface="Arial" pitchFamily="34" charset="0"/>
               <a:cs typeface="Arial" pitchFamily="34" charset="0"/>
             </a:endParaRPr>
           </a:p>
         </p:txBody>
       </p:sp>
-      <p:sp>
-        <p:nvSpPr>
-          <p:cNvPr id="34" name="TextBox 33"/>
-          <p:cNvSpPr txBox="1"/>
+      <p:cxnSp>
+        <p:nvCxnSpPr>
+          <p:cNvPr id="136" name="Прямая соединительная линия 135"/>
+          <p:cNvCxnSpPr/>
+          <p:nvPr/>
+        </p:nvCxnSpPr>
+        <p:spPr>
+          <a:xfrm flipH="1" flipV="1">
+            <a:off x="1105380" y="4385321"/>
+            <a:ext cx="21591" cy="1713248"/>
+          </a:xfrm>
+          <a:prstGeom prst="line">
+            <a:avLst/>
+          </a:prstGeom>
+          <a:ln w="28575">
+            <a:solidFill>
+              <a:srgbClr val="00B050"/>
+            </a:solidFill>
+          </a:ln>
+        </p:spPr>
+        <p:style>
+          <a:lnRef idx="1">
+            <a:schemeClr val="accent1"/>
+          </a:lnRef>
+          <a:fillRef idx="0">
+            <a:schemeClr val="accent1"/>
+          </a:fillRef>
+          <a:effectRef idx="0">
+            <a:schemeClr val="accent1"/>
+          </a:effectRef>
+          <a:fontRef idx="minor">
+            <a:schemeClr val="tx1"/>
+          </a:fontRef>
+        </p:style>
+      </p:cxnSp>
+      <p:sp>
+        <p:nvSpPr>
+          <p:cNvPr id="140" name="Прямоугольник 139"/>
+          <p:cNvSpPr/>
           <p:nvPr/>
         </p:nvSpPr>
         <p:spPr>
           <a:xfrm>
-            <a:off x="5625946" y="5445811"/>
-            <a:ext cx="1080120" cy="369332"/>
+            <a:off x="6918063" y="1124744"/>
+            <a:ext cx="1585926" cy="3229868"/>
           </a:xfrm>
           <a:prstGeom prst="rect">
             <a:avLst/>
           </a:prstGeom>
           <a:noFill/>
+          <a:ln>
+            <a:solidFill>
+              <a:srgbClr val="00B0F0"/>
+            </a:solidFill>
+            <a:prstDash val="lgDash"/>
+          </a:ln>
         </p:spPr>
-        <p:txBody>
-          <a:bodyPr wrap="square" rtlCol="0">
-            <a:spAutoFit/>
-          </a:bodyPr>
+        <p:style>
+          <a:lnRef idx="2">
+            <a:schemeClr val="accent1">
+              <a:shade val="50000"/>
+            </a:schemeClr>
+          </a:lnRef>
+          <a:fillRef idx="1">
+            <a:schemeClr val="accent1"/>
+          </a:fillRef>
+          <a:effectRef idx="0">
+            <a:schemeClr val="accent1"/>
+          </a:effectRef>
+          <a:fontRef idx="minor">
+            <a:schemeClr val="lt1"/>
+          </a:fontRef>
+        </p:style>
+        <p:txBody>
+          <a:bodyPr rtlCol="0" anchor="ctr"/>
           <a:lstStyle/>
           <a:p>
-            <a:r>
-              <a:rPr lang="ru-RU" b="1" dirty="0" smtClean="0">
+            <a:pPr algn="ctr"/>
+            <a:endParaRPr lang="ru-RU"/>
+          </a:p>
+        </p:txBody>
+      </p:sp>
+      <p:sp>
+        <p:nvSpPr>
+          <p:cNvPr id="141" name="Прямоугольник 140"/>
+          <p:cNvSpPr/>
+          <p:nvPr/>
+        </p:nvSpPr>
+        <p:spPr>
+          <a:xfrm>
+            <a:off x="1877410" y="784917"/>
+            <a:ext cx="1585926" cy="3600405"/>
+          </a:xfrm>
+          <a:prstGeom prst="rect">
+            <a:avLst/>
+          </a:prstGeom>
+          <a:noFill/>
+          <a:ln>
+            <a:solidFill>
+              <a:srgbClr val="00B0F0"/>
+            </a:solidFill>
+            <a:prstDash val="lgDash"/>
+          </a:ln>
+        </p:spPr>
+        <p:style>
+          <a:lnRef idx="2">
+            <a:schemeClr val="accent1">
+              <a:shade val="50000"/>
+            </a:schemeClr>
+          </a:lnRef>
+          <a:fillRef idx="1">
+            <a:schemeClr val="accent1"/>
+          </a:fillRef>
+          <a:effectRef idx="0">
+            <a:schemeClr val="accent1"/>
+          </a:effectRef>
+          <a:fontRef idx="minor">
+            <a:schemeClr val="lt1"/>
+          </a:fontRef>
+        </p:style>
+        <p:txBody>
+          <a:bodyPr rtlCol="0" anchor="ctr"/>
+          <a:lstStyle/>
+          <a:p>
+            <a:pPr algn="ctr"/>
+            <a:endParaRPr lang="ru-RU"/>
+          </a:p>
+        </p:txBody>
+      </p:sp>
+      <p:sp>
+        <p:nvSpPr>
+          <p:cNvPr id="142" name="Прямоугольник 141"/>
+          <p:cNvSpPr/>
+          <p:nvPr/>
+        </p:nvSpPr>
+        <p:spPr>
+          <a:xfrm>
+            <a:off x="6892836" y="4692760"/>
+            <a:ext cx="1611153" cy="694485"/>
+          </a:xfrm>
+          <a:prstGeom prst="rect">
+            <a:avLst/>
+          </a:prstGeom>
+          <a:noFill/>
+          <a:ln>
+            <a:solidFill>
+              <a:srgbClr val="00B0F0"/>
+            </a:solidFill>
+            <a:prstDash val="lgDash"/>
+          </a:ln>
+        </p:spPr>
+        <p:style>
+          <a:lnRef idx="2">
+            <a:schemeClr val="accent1">
+              <a:shade val="50000"/>
+            </a:schemeClr>
+          </a:lnRef>
+          <a:fillRef idx="1">
+            <a:schemeClr val="accent1"/>
+          </a:fillRef>
+          <a:effectRef idx="0">
+            <a:schemeClr val="accent1"/>
+          </a:effectRef>
+          <a:fontRef idx="minor">
+            <a:schemeClr val="lt1"/>
+          </a:fontRef>
+        </p:style>
+        <p:txBody>
+          <a:bodyPr rtlCol="0" anchor="ctr"/>
+          <a:lstStyle/>
+          <a:p>
+            <a:pPr algn="ctr"/>
+            <a:endParaRPr lang="ru-RU"/>
+          </a:p>
+        </p:txBody>
+      </p:sp>
+      <p:sp>
+        <p:nvSpPr>
+          <p:cNvPr id="143" name="Прямоугольник 142"/>
+          <p:cNvSpPr/>
+          <p:nvPr/>
+        </p:nvSpPr>
+        <p:spPr>
+          <a:xfrm>
+            <a:off x="1876832" y="4804356"/>
+            <a:ext cx="498069" cy="235646"/>
+          </a:xfrm>
+          <a:prstGeom prst="rect">
+            <a:avLst/>
+          </a:prstGeom>
+          <a:noFill/>
+          <a:ln>
+            <a:solidFill>
+              <a:srgbClr val="00B0F0"/>
+            </a:solidFill>
+            <a:prstDash val="lgDash"/>
+          </a:ln>
+        </p:spPr>
+        <p:style>
+          <a:lnRef idx="2">
+            <a:schemeClr val="accent1">
+              <a:shade val="50000"/>
+            </a:schemeClr>
+          </a:lnRef>
+          <a:fillRef idx="1">
+            <a:schemeClr val="accent1"/>
+          </a:fillRef>
+          <a:effectRef idx="0">
+            <a:schemeClr val="accent1"/>
+          </a:effectRef>
+          <a:fontRef idx="minor">
+            <a:schemeClr val="lt1"/>
+          </a:fontRef>
+        </p:style>
+        <p:txBody>
+          <a:bodyPr rtlCol="0" anchor="ctr"/>
+          <a:lstStyle/>
+          <a:p>
+            <a:pPr algn="ctr"/>
+            <a:endParaRPr lang="ru-RU"/>
+          </a:p>
+        </p:txBody>
+      </p:sp>
+      <p:sp>
+        <p:nvSpPr>
+          <p:cNvPr id="144" name="Выноска 2 (без границы) 143"/>
+          <p:cNvSpPr/>
+          <p:nvPr/>
+        </p:nvSpPr>
+        <p:spPr>
+          <a:xfrm>
+            <a:off x="2915817" y="6021288"/>
+            <a:ext cx="421620" cy="836712"/>
+          </a:xfrm>
+          <a:prstGeom prst="callout2">
+            <a:avLst>
+              <a:gd name="adj1" fmla="val 92254"/>
+              <a:gd name="adj2" fmla="val 98032"/>
+              <a:gd name="adj3" fmla="val 9460"/>
+              <a:gd name="adj4" fmla="val 97622"/>
+              <a:gd name="adj5" fmla="val -119051"/>
+              <a:gd name="adj6" fmla="val -140864"/>
+            </a:avLst>
+          </a:prstGeom>
+          <a:noFill/>
+          <a:ln>
+            <a:solidFill>
+              <a:srgbClr val="00B0F0"/>
+            </a:solidFill>
+          </a:ln>
+        </p:spPr>
+        <p:style>
+          <a:lnRef idx="2">
+            <a:schemeClr val="accent1">
+              <a:shade val="50000"/>
+            </a:schemeClr>
+          </a:lnRef>
+          <a:fillRef idx="1">
+            <a:schemeClr val="accent1"/>
+          </a:fillRef>
+          <a:effectRef idx="0">
+            <a:schemeClr val="accent1"/>
+          </a:effectRef>
+          <a:fontRef idx="minor">
+            <a:schemeClr val="lt1"/>
+          </a:fontRef>
+        </p:style>
+        <p:txBody>
+          <a:bodyPr vert="vert270" rtlCol="0" anchor="ctr"/>
+          <a:lstStyle/>
+          <a:p>
+            <a:pPr algn="ctr"/>
+            <a:r>
+              <a:rPr lang="ru-RU" sz="1400" b="1" dirty="0" smtClean="0">
+                <a:solidFill>
+                  <a:schemeClr val="tx1"/>
+                </a:solidFill>
                 <a:latin typeface="Arial" pitchFamily="34" charset="0"/>
                 <a:cs typeface="Arial" pitchFamily="34" charset="0"/>
               </a:rPr>
               <a:t>данные</a:t>
             </a:r>
-            <a:endParaRPr lang="ru-RU" b="1" dirty="0">
+            <a:endParaRPr lang="ru-RU" sz="1400" b="1" dirty="0">
+              <a:solidFill>
+                <a:schemeClr val="tx1"/>
+              </a:solidFill>
               <a:latin typeface="Arial" pitchFamily="34" charset="0"/>
               <a:cs typeface="Arial" pitchFamily="34" charset="0"/>
             </a:endParaRPr>
           </a:p>
         </p:txBody>
       </p:sp>
+      <p:cxnSp>
+        <p:nvCxnSpPr>
+          <p:cNvPr id="145" name="Прямая соединительная линия 144"/>
+          <p:cNvCxnSpPr/>
+          <p:nvPr/>
+        </p:nvCxnSpPr>
+        <p:spPr>
+          <a:xfrm flipH="1" flipV="1">
+            <a:off x="2771800" y="4385317"/>
+            <a:ext cx="565637" cy="1779989"/>
+          </a:xfrm>
+          <a:prstGeom prst="line">
+            <a:avLst/>
+          </a:prstGeom>
+          <a:ln w="28575">
+            <a:solidFill>
+              <a:srgbClr val="00B0F0"/>
+            </a:solidFill>
+          </a:ln>
+        </p:spPr>
+        <p:style>
+          <a:lnRef idx="1">
+            <a:schemeClr val="accent1"/>
+          </a:lnRef>
+          <a:fillRef idx="0">
+            <a:schemeClr val="accent1"/>
+          </a:fillRef>
+          <a:effectRef idx="0">
+            <a:schemeClr val="accent1"/>
+          </a:effectRef>
+          <a:fontRef idx="minor">
+            <a:schemeClr val="tx1"/>
+          </a:fontRef>
+        </p:style>
+      </p:cxnSp>
+      <p:sp>
+        <p:nvSpPr>
+          <p:cNvPr id="148" name="Выноска 2 (без границы) 147"/>
+          <p:cNvSpPr/>
+          <p:nvPr/>
+        </p:nvSpPr>
+        <p:spPr>
+          <a:xfrm>
+            <a:off x="7918892" y="6045472"/>
+            <a:ext cx="421620" cy="836712"/>
+          </a:xfrm>
+          <a:prstGeom prst="callout2">
+            <a:avLst>
+              <a:gd name="adj1" fmla="val 92254"/>
+              <a:gd name="adj2" fmla="val 98032"/>
+              <a:gd name="adj3" fmla="val 9460"/>
+              <a:gd name="adj4" fmla="val 97622"/>
+              <a:gd name="adj5" fmla="val -78070"/>
+              <a:gd name="adj6" fmla="val -125803"/>
+            </a:avLst>
+          </a:prstGeom>
+          <a:noFill/>
+          <a:ln>
+            <a:solidFill>
+              <a:srgbClr val="00B0F0"/>
+            </a:solidFill>
+          </a:ln>
+        </p:spPr>
+        <p:style>
+          <a:lnRef idx="2">
+            <a:schemeClr val="accent1">
+              <a:shade val="50000"/>
+            </a:schemeClr>
+          </a:lnRef>
+          <a:fillRef idx="1">
+            <a:schemeClr val="accent1"/>
+          </a:fillRef>
+          <a:effectRef idx="0">
+            <a:schemeClr val="accent1"/>
+          </a:effectRef>
+          <a:fontRef idx="minor">
+            <a:schemeClr val="lt1"/>
+          </a:fontRef>
+        </p:style>
+        <p:txBody>
+          <a:bodyPr vert="vert270" rtlCol="0" anchor="ctr"/>
+          <a:lstStyle/>
+          <a:p>
+            <a:pPr algn="ctr"/>
+            <a:r>
+              <a:rPr lang="ru-RU" sz="1400" b="1" dirty="0" smtClean="0">
+                <a:solidFill>
+                  <a:schemeClr val="tx1"/>
+                </a:solidFill>
+                <a:latin typeface="Arial" pitchFamily="34" charset="0"/>
+                <a:cs typeface="Arial" pitchFamily="34" charset="0"/>
+              </a:rPr>
+              <a:t>данные</a:t>
+            </a:r>
+            <a:endParaRPr lang="ru-RU" sz="1400" b="1" dirty="0">
+              <a:solidFill>
+                <a:schemeClr val="tx1"/>
+              </a:solidFill>
+              <a:latin typeface="Arial" pitchFamily="34" charset="0"/>
+              <a:cs typeface="Arial" pitchFamily="34" charset="0"/>
+            </a:endParaRPr>
+          </a:p>
+        </p:txBody>
+      </p:sp>
+      <p:cxnSp>
+        <p:nvCxnSpPr>
+          <p:cNvPr id="149" name="Прямая соединительная линия 148"/>
+          <p:cNvCxnSpPr>
+            <a:endCxn id="140" idx="2"/>
+          </p:cNvCxnSpPr>
+          <p:nvPr/>
+        </p:nvCxnSpPr>
+        <p:spPr>
+          <a:xfrm flipH="1" flipV="1">
+            <a:off x="7711026" y="4354612"/>
+            <a:ext cx="629486" cy="1766034"/>
+          </a:xfrm>
+          <a:prstGeom prst="line">
+            <a:avLst/>
+          </a:prstGeom>
+          <a:ln w="28575">
+            <a:solidFill>
+              <a:srgbClr val="00B0F0"/>
+            </a:solidFill>
+          </a:ln>
+        </p:spPr>
+        <p:style>
+          <a:lnRef idx="1">
+            <a:schemeClr val="accent1"/>
+          </a:lnRef>
+          <a:fillRef idx="0">
+            <a:schemeClr val="accent1"/>
+          </a:fillRef>
+          <a:effectRef idx="0">
+            <a:schemeClr val="accent1"/>
+          </a:effectRef>
+          <a:fontRef idx="minor">
+            <a:schemeClr val="tx1"/>
+          </a:fontRef>
+        </p:style>
+      </p:cxnSp>
+      <p:sp>
+        <p:nvSpPr>
+          <p:cNvPr id="152" name="Прямоугольник 151"/>
+          <p:cNvSpPr/>
+          <p:nvPr/>
+        </p:nvSpPr>
+        <p:spPr>
+          <a:xfrm>
+            <a:off x="6019396" y="764704"/>
+            <a:ext cx="239040" cy="3600400"/>
+          </a:xfrm>
+          <a:prstGeom prst="rect">
+            <a:avLst/>
+          </a:prstGeom>
+          <a:noFill/>
+          <a:ln>
+            <a:solidFill>
+              <a:srgbClr val="00B050"/>
+            </a:solidFill>
+            <a:prstDash val="lgDash"/>
+          </a:ln>
+        </p:spPr>
+        <p:style>
+          <a:lnRef idx="2">
+            <a:schemeClr val="accent1">
+              <a:shade val="50000"/>
+            </a:schemeClr>
+          </a:lnRef>
+          <a:fillRef idx="1">
+            <a:schemeClr val="accent1"/>
+          </a:fillRef>
+          <a:effectRef idx="0">
+            <a:schemeClr val="accent1"/>
+          </a:effectRef>
+          <a:fontRef idx="minor">
+            <a:schemeClr val="lt1"/>
+          </a:fontRef>
+        </p:style>
+        <p:txBody>
+          <a:bodyPr rtlCol="0" anchor="ctr"/>
+          <a:lstStyle/>
+          <a:p>
+            <a:pPr algn="ctr"/>
+            <a:endParaRPr lang="ru-RU"/>
+          </a:p>
+        </p:txBody>
+      </p:sp>
+      <p:sp>
+        <p:nvSpPr>
+          <p:cNvPr id="155" name="Прямоугольник 154"/>
+          <p:cNvSpPr/>
+          <p:nvPr/>
+        </p:nvSpPr>
+        <p:spPr>
+          <a:xfrm>
+            <a:off x="6048676" y="4695600"/>
+            <a:ext cx="218110" cy="212440"/>
+          </a:xfrm>
+          <a:prstGeom prst="rect">
+            <a:avLst/>
+          </a:prstGeom>
+          <a:noFill/>
+          <a:ln>
+            <a:solidFill>
+              <a:srgbClr val="00B050"/>
+            </a:solidFill>
+            <a:prstDash val="lgDash"/>
+          </a:ln>
+        </p:spPr>
+        <p:style>
+          <a:lnRef idx="2">
+            <a:schemeClr val="accent1">
+              <a:shade val="50000"/>
+            </a:schemeClr>
+          </a:lnRef>
+          <a:fillRef idx="1">
+            <a:schemeClr val="accent1"/>
+          </a:fillRef>
+          <a:effectRef idx="0">
+            <a:schemeClr val="accent1"/>
+          </a:effectRef>
+          <a:fontRef idx="minor">
+            <a:schemeClr val="lt1"/>
+          </a:fontRef>
+        </p:style>
+        <p:txBody>
+          <a:bodyPr rtlCol="0" anchor="ctr"/>
+          <a:lstStyle/>
+          <a:p>
+            <a:pPr algn="ctr"/>
+            <a:endParaRPr lang="ru-RU"/>
+          </a:p>
+        </p:txBody>
+      </p:sp>
+      <p:sp>
+        <p:nvSpPr>
+          <p:cNvPr id="156" name="Выноска 2 (без границы) 155"/>
+          <p:cNvSpPr/>
+          <p:nvPr/>
+        </p:nvSpPr>
+        <p:spPr>
+          <a:xfrm>
+            <a:off x="5681553" y="6021288"/>
+            <a:ext cx="265682" cy="836712"/>
+          </a:xfrm>
+          <a:prstGeom prst="callout2">
+            <a:avLst>
+              <a:gd name="adj1" fmla="val 93392"/>
+              <a:gd name="adj2" fmla="val 92671"/>
+              <a:gd name="adj3" fmla="val 9460"/>
+              <a:gd name="adj4" fmla="val 97622"/>
+              <a:gd name="adj5" fmla="val -130965"/>
+              <a:gd name="adj6" fmla="val 207114"/>
+            </a:avLst>
+          </a:prstGeom>
+          <a:noFill/>
+          <a:ln>
+            <a:solidFill>
+              <a:srgbClr val="00B050"/>
+            </a:solidFill>
+          </a:ln>
+        </p:spPr>
+        <p:style>
+          <a:lnRef idx="2">
+            <a:schemeClr val="accent1">
+              <a:shade val="50000"/>
+            </a:schemeClr>
+          </a:lnRef>
+          <a:fillRef idx="1">
+            <a:schemeClr val="accent1"/>
+          </a:fillRef>
+          <a:effectRef idx="0">
+            <a:schemeClr val="accent1"/>
+          </a:effectRef>
+          <a:fontRef idx="minor">
+            <a:schemeClr val="lt1"/>
+          </a:fontRef>
+        </p:style>
+        <p:txBody>
+          <a:bodyPr vert="vert270" rtlCol="0" anchor="ctr"/>
+          <a:lstStyle/>
+          <a:p>
+            <a:pPr algn="ctr"/>
+            <a:r>
+              <a:rPr lang="ru-RU" sz="1400" b="1" dirty="0" smtClean="0">
+                <a:solidFill>
+                  <a:schemeClr val="tx1"/>
+                </a:solidFill>
+                <a:latin typeface="Arial" pitchFamily="34" charset="0"/>
+                <a:cs typeface="Arial" pitchFamily="34" charset="0"/>
+              </a:rPr>
+              <a:t>флаг</a:t>
+            </a:r>
+            <a:endParaRPr lang="ru-RU" sz="1400" b="1" dirty="0">
+              <a:solidFill>
+                <a:schemeClr val="tx1"/>
+              </a:solidFill>
+              <a:latin typeface="Arial" pitchFamily="34" charset="0"/>
+              <a:cs typeface="Arial" pitchFamily="34" charset="0"/>
+            </a:endParaRPr>
+          </a:p>
+        </p:txBody>
+      </p:sp>
+      <p:sp>
+        <p:nvSpPr>
+          <p:cNvPr id="157" name="Прямоугольник 156"/>
+          <p:cNvSpPr/>
+          <p:nvPr/>
+        </p:nvSpPr>
+        <p:spPr>
+          <a:xfrm>
+            <a:off x="988946" y="4460698"/>
+            <a:ext cx="1782854" cy="235646"/>
+          </a:xfrm>
+          <a:prstGeom prst="rect">
+            <a:avLst/>
+          </a:prstGeom>
+          <a:noFill/>
+          <a:ln>
+            <a:solidFill>
+              <a:srgbClr val="FF0000"/>
+            </a:solidFill>
+            <a:prstDash val="lgDash"/>
+          </a:ln>
+        </p:spPr>
+        <p:style>
+          <a:lnRef idx="2">
+            <a:schemeClr val="accent1">
+              <a:shade val="50000"/>
+            </a:schemeClr>
+          </a:lnRef>
+          <a:fillRef idx="1">
+            <a:schemeClr val="accent1"/>
+          </a:fillRef>
+          <a:effectRef idx="0">
+            <a:schemeClr val="accent1"/>
+          </a:effectRef>
+          <a:fontRef idx="minor">
+            <a:schemeClr val="lt1"/>
+          </a:fontRef>
+        </p:style>
+        <p:txBody>
+          <a:bodyPr rtlCol="0" anchor="ctr"/>
+          <a:lstStyle/>
+          <a:p>
+            <a:pPr algn="ctr"/>
+            <a:endParaRPr lang="ru-RU"/>
+          </a:p>
+        </p:txBody>
+      </p:sp>
+      <p:sp>
+        <p:nvSpPr>
+          <p:cNvPr id="158" name="Прямоугольник 157"/>
+          <p:cNvSpPr/>
+          <p:nvPr/>
+        </p:nvSpPr>
+        <p:spPr>
+          <a:xfrm>
+            <a:off x="988945" y="5369654"/>
+            <a:ext cx="1926871" cy="235646"/>
+          </a:xfrm>
+          <a:prstGeom prst="rect">
+            <a:avLst/>
+          </a:prstGeom>
+          <a:noFill/>
+          <a:ln>
+            <a:solidFill>
+              <a:srgbClr val="FF0000"/>
+            </a:solidFill>
+            <a:prstDash val="lgDash"/>
+          </a:ln>
+        </p:spPr>
+        <p:style>
+          <a:lnRef idx="2">
+            <a:schemeClr val="accent1">
+              <a:shade val="50000"/>
+            </a:schemeClr>
+          </a:lnRef>
+          <a:fillRef idx="1">
+            <a:schemeClr val="accent1"/>
+          </a:fillRef>
+          <a:effectRef idx="0">
+            <a:schemeClr val="accent1"/>
+          </a:effectRef>
+          <a:fontRef idx="minor">
+            <a:schemeClr val="lt1"/>
+          </a:fontRef>
+        </p:style>
+        <p:txBody>
+          <a:bodyPr rtlCol="0" anchor="ctr"/>
+          <a:lstStyle/>
+          <a:p>
+            <a:pPr algn="ctr"/>
+            <a:endParaRPr lang="ru-RU"/>
+          </a:p>
+        </p:txBody>
+      </p:sp>
+      <p:sp>
+        <p:nvSpPr>
+          <p:cNvPr id="159" name="Прямоугольник 158"/>
+          <p:cNvSpPr/>
+          <p:nvPr/>
+        </p:nvSpPr>
+        <p:spPr>
+          <a:xfrm>
+            <a:off x="5580111" y="4460698"/>
+            <a:ext cx="2923877" cy="232062"/>
+          </a:xfrm>
+          <a:prstGeom prst="rect">
+            <a:avLst/>
+          </a:prstGeom>
+          <a:noFill/>
+          <a:ln>
+            <a:solidFill>
+              <a:srgbClr val="FF0000"/>
+            </a:solidFill>
+            <a:prstDash val="lgDash"/>
+          </a:ln>
+        </p:spPr>
+        <p:style>
+          <a:lnRef idx="2">
+            <a:schemeClr val="accent1">
+              <a:shade val="50000"/>
+            </a:schemeClr>
+          </a:lnRef>
+          <a:fillRef idx="1">
+            <a:schemeClr val="accent1"/>
+          </a:fillRef>
+          <a:effectRef idx="0">
+            <a:schemeClr val="accent1"/>
+          </a:effectRef>
+          <a:fontRef idx="minor">
+            <a:schemeClr val="lt1"/>
+          </a:fontRef>
+        </p:style>
+        <p:txBody>
+          <a:bodyPr rtlCol="0" anchor="ctr"/>
+          <a:lstStyle/>
+          <a:p>
+            <a:pPr algn="ctr"/>
+            <a:endParaRPr lang="ru-RU"/>
+          </a:p>
+        </p:txBody>
+      </p:sp>
+      <p:sp>
+        <p:nvSpPr>
+          <p:cNvPr id="161" name="Прямоугольник 160"/>
+          <p:cNvSpPr/>
+          <p:nvPr/>
+        </p:nvSpPr>
+        <p:spPr>
+          <a:xfrm>
+            <a:off x="5929400" y="5387245"/>
+            <a:ext cx="2574589" cy="548092"/>
+          </a:xfrm>
+          <a:prstGeom prst="rect">
+            <a:avLst/>
+          </a:prstGeom>
+          <a:noFill/>
+          <a:ln>
+            <a:solidFill>
+              <a:srgbClr val="FF0000"/>
+            </a:solidFill>
+            <a:prstDash val="lgDash"/>
+          </a:ln>
+        </p:spPr>
+        <p:style>
+          <a:lnRef idx="2">
+            <a:schemeClr val="accent1">
+              <a:shade val="50000"/>
+            </a:schemeClr>
+          </a:lnRef>
+          <a:fillRef idx="1">
+            <a:schemeClr val="accent1"/>
+          </a:fillRef>
+          <a:effectRef idx="0">
+            <a:schemeClr val="accent1"/>
+          </a:effectRef>
+          <a:fontRef idx="minor">
+            <a:schemeClr val="lt1"/>
+          </a:fontRef>
+        </p:style>
+        <p:txBody>
+          <a:bodyPr rtlCol="0" anchor="ctr"/>
+          <a:lstStyle/>
+          <a:p>
+            <a:pPr algn="ctr"/>
+            <a:endParaRPr lang="ru-RU"/>
+          </a:p>
+        </p:txBody>
+      </p:sp>
+      <p:sp>
+        <p:nvSpPr>
+          <p:cNvPr id="162" name="Выноска 2 (без границы) 161"/>
+          <p:cNvSpPr/>
+          <p:nvPr/>
+        </p:nvSpPr>
+        <p:spPr>
+          <a:xfrm>
+            <a:off x="3995936" y="5040002"/>
+            <a:ext cx="421620" cy="1732047"/>
+          </a:xfrm>
+          <a:prstGeom prst="callout2">
+            <a:avLst>
+              <a:gd name="adj1" fmla="val 92254"/>
+              <a:gd name="adj2" fmla="val 98032"/>
+              <a:gd name="adj3" fmla="val 9460"/>
+              <a:gd name="adj4" fmla="val 97622"/>
+              <a:gd name="adj5" fmla="val -32873"/>
+              <a:gd name="adj6" fmla="val -294486"/>
+            </a:avLst>
+          </a:prstGeom>
+          <a:noFill/>
+          <a:ln>
+            <a:solidFill>
+              <a:srgbClr val="FF0000"/>
+            </a:solidFill>
+          </a:ln>
+        </p:spPr>
+        <p:style>
+          <a:lnRef idx="2">
+            <a:schemeClr val="accent1">
+              <a:shade val="50000"/>
+            </a:schemeClr>
+          </a:lnRef>
+          <a:fillRef idx="1">
+            <a:schemeClr val="accent1"/>
+          </a:fillRef>
+          <a:effectRef idx="0">
+            <a:schemeClr val="accent1"/>
+          </a:effectRef>
+          <a:fontRef idx="minor">
+            <a:schemeClr val="lt1"/>
+          </a:fontRef>
+        </p:style>
+        <p:txBody>
+          <a:bodyPr vert="vert270" rtlCol="0" anchor="ctr"/>
+          <a:lstStyle/>
+          <a:p>
+            <a:pPr algn="ctr"/>
+            <a:r>
+              <a:rPr lang="ru-RU" sz="1400" b="1" dirty="0" smtClean="0">
+                <a:solidFill>
+                  <a:schemeClr val="tx1"/>
+                </a:solidFill>
+                <a:latin typeface="Arial" pitchFamily="34" charset="0"/>
+                <a:cs typeface="Arial" pitchFamily="34" charset="0"/>
+              </a:rPr>
+              <a:t>зашифрованные данные</a:t>
+            </a:r>
+            <a:endParaRPr lang="ru-RU" sz="1400" b="1" dirty="0">
+              <a:solidFill>
+                <a:schemeClr val="tx1"/>
+              </a:solidFill>
+              <a:latin typeface="Arial" pitchFamily="34" charset="0"/>
+              <a:cs typeface="Arial" pitchFamily="34" charset="0"/>
+            </a:endParaRPr>
+          </a:p>
+        </p:txBody>
+      </p:sp>
+      <p:cxnSp>
+        <p:nvCxnSpPr>
+          <p:cNvPr id="163" name="Прямая соединительная линия 162"/>
+          <p:cNvCxnSpPr>
+            <a:endCxn id="158" idx="3"/>
+          </p:cNvCxnSpPr>
+          <p:nvPr/>
+        </p:nvCxnSpPr>
+        <p:spPr>
+          <a:xfrm flipH="1">
+            <a:off x="2915816" y="5219092"/>
+            <a:ext cx="1501740" cy="268385"/>
+          </a:xfrm>
+          <a:prstGeom prst="line">
+            <a:avLst/>
+          </a:prstGeom>
+          <a:ln w="28575">
+            <a:solidFill>
+              <a:srgbClr val="FF0000"/>
+            </a:solidFill>
+          </a:ln>
+        </p:spPr>
+        <p:style>
+          <a:lnRef idx="1">
+            <a:schemeClr val="accent1"/>
+          </a:lnRef>
+          <a:fillRef idx="0">
+            <a:schemeClr val="accent1"/>
+          </a:fillRef>
+          <a:effectRef idx="0">
+            <a:schemeClr val="accent1"/>
+          </a:effectRef>
+          <a:fontRef idx="minor">
+            <a:schemeClr val="tx1"/>
+          </a:fontRef>
+        </p:style>
+      </p:cxnSp>
+      <p:cxnSp>
+        <p:nvCxnSpPr>
+          <p:cNvPr id="165" name="Прямая соединительная линия 164"/>
+          <p:cNvCxnSpPr/>
+          <p:nvPr/>
+        </p:nvCxnSpPr>
+        <p:spPr>
+          <a:xfrm flipV="1">
+            <a:off x="4417556" y="4695600"/>
+            <a:ext cx="1162556" cy="509689"/>
+          </a:xfrm>
+          <a:prstGeom prst="line">
+            <a:avLst/>
+          </a:prstGeom>
+          <a:ln w="28575">
+            <a:solidFill>
+              <a:srgbClr val="FF0000"/>
+            </a:solidFill>
+          </a:ln>
+        </p:spPr>
+        <p:style>
+          <a:lnRef idx="1">
+            <a:schemeClr val="accent1"/>
+          </a:lnRef>
+          <a:fillRef idx="0">
+            <a:schemeClr val="accent1"/>
+          </a:fillRef>
+          <a:effectRef idx="0">
+            <a:schemeClr val="accent1"/>
+          </a:effectRef>
+          <a:fontRef idx="minor">
+            <a:schemeClr val="tx1"/>
+          </a:fontRef>
+        </p:style>
+      </p:cxnSp>
+      <p:cxnSp>
+        <p:nvCxnSpPr>
+          <p:cNvPr id="171" name="Прямая соединительная линия 170"/>
+          <p:cNvCxnSpPr>
+            <a:endCxn id="161" idx="1"/>
+          </p:cNvCxnSpPr>
+          <p:nvPr/>
+        </p:nvCxnSpPr>
+        <p:spPr>
+          <a:xfrm>
+            <a:off x="4417556" y="5219093"/>
+            <a:ext cx="1511844" cy="442198"/>
+          </a:xfrm>
+          <a:prstGeom prst="line">
+            <a:avLst/>
+          </a:prstGeom>
+          <a:ln w="28575">
+            <a:solidFill>
+              <a:srgbClr val="FF0000"/>
+            </a:solidFill>
+          </a:ln>
+        </p:spPr>
+        <p:style>
+          <a:lnRef idx="1">
+            <a:schemeClr val="accent1"/>
+          </a:lnRef>
+          <a:fillRef idx="0">
+            <a:schemeClr val="accent1"/>
+          </a:fillRef>
+          <a:effectRef idx="0">
+            <a:schemeClr val="accent1"/>
+          </a:effectRef>
+          <a:fontRef idx="minor">
+            <a:schemeClr val="tx1"/>
+          </a:fontRef>
+        </p:style>
+      </p:cxnSp>
     </p:spTree>
     <p:extLst>
       <p:ext uri="{BB962C8B-B14F-4D97-AF65-F5344CB8AC3E}">
@@ -11007,2475 +12783,6 @@
         </p:nvSpPr>
         <p:spPr>
           <a:xfrm>
-            <a:off x="0" y="70551"/>
-            <a:ext cx="9144000" cy="584775"/>
-          </a:xfrm>
-          <a:prstGeom prst="rect">
-            <a:avLst/>
-          </a:prstGeom>
-          <a:noFill/>
-        </p:spPr>
-        <p:txBody>
-          <a:bodyPr wrap="square" rtlCol="0">
-            <a:spAutoFit/>
-          </a:bodyPr>
-          <a:lstStyle/>
-          <a:p>
-            <a:pPr algn="ctr"/>
-            <a:r>
-              <a:rPr lang="ru-RU" sz="3200" b="1" dirty="0" smtClean="0">
-                <a:latin typeface="Arial" pitchFamily="34" charset="0"/>
-                <a:cs typeface="Arial" pitchFamily="34" charset="0"/>
-              </a:rPr>
-              <a:t>Результат работы </a:t>
-            </a:r>
-            <a:r>
-              <a:rPr lang="ru-RU" sz="3200" b="1" dirty="0" smtClean="0">
-                <a:solidFill>
-                  <a:srgbClr val="FF0000"/>
-                </a:solidFill>
-                <a:latin typeface="Arial" pitchFamily="34" charset="0"/>
-                <a:cs typeface="Arial" pitchFamily="34" charset="0"/>
-              </a:rPr>
-              <a:t>второго этапа </a:t>
-            </a:r>
-            <a:r>
-              <a:rPr lang="ru-RU" sz="3200" b="1" dirty="0" smtClean="0">
-                <a:latin typeface="Arial" pitchFamily="34" charset="0"/>
-                <a:cs typeface="Arial" pitchFamily="34" charset="0"/>
-              </a:rPr>
-              <a:t>протокола</a:t>
-            </a:r>
-            <a:endParaRPr lang="ru-RU" sz="3200" b="1" dirty="0">
-              <a:latin typeface="Arial" pitchFamily="34" charset="0"/>
-              <a:cs typeface="Arial" pitchFamily="34" charset="0"/>
-            </a:endParaRPr>
-          </a:p>
-        </p:txBody>
-      </p:sp>
-      <p:pic>
-        <p:nvPicPr>
-          <p:cNvPr id="6" name="Рисунок 5"/>
-          <p:cNvPicPr/>
-          <p:nvPr/>
-        </p:nvPicPr>
-        <p:blipFill rotWithShape="1">
-          <a:blip r:embed="rId2" cstate="print"/>
-          <a:srcRect l="2802" t="7619" r="50602" b="72521"/>
-          <a:stretch/>
-        </p:blipFill>
-        <p:spPr bwMode="auto">
-          <a:xfrm>
-            <a:off x="928662" y="764704"/>
-            <a:ext cx="7500990" cy="1857388"/>
-          </a:xfrm>
-          <a:prstGeom prst="rect">
-            <a:avLst/>
-          </a:prstGeom>
-          <a:ln>
-            <a:noFill/>
-          </a:ln>
-          <a:extLst>
-            <a:ext uri="{53640926-AAD7-44D8-BBD7-CCE9431645EC}">
-              <a14:shadowObscured xmlns:a14="http://schemas.microsoft.com/office/drawing/2010/main"/>
-            </a:ext>
-          </a:extLst>
-        </p:spPr>
-      </p:pic>
-      <p:pic>
-        <p:nvPicPr>
-          <p:cNvPr id="7" name="Рисунок 6"/>
-          <p:cNvPicPr/>
-          <p:nvPr/>
-        </p:nvPicPr>
-        <p:blipFill rotWithShape="1">
-          <a:blip r:embed="rId2" cstate="print"/>
-          <a:srcRect l="2607" t="27247" r="50601" b="54519"/>
-          <a:stretch/>
-        </p:blipFill>
-        <p:spPr bwMode="auto">
-          <a:xfrm>
-            <a:off x="1038073" y="4071942"/>
-            <a:ext cx="7572428" cy="1785950"/>
-          </a:xfrm>
-          <a:prstGeom prst="rect">
-            <a:avLst/>
-          </a:prstGeom>
-          <a:ln>
-            <a:noFill/>
-          </a:ln>
-          <a:extLst>
-            <a:ext uri="{53640926-AAD7-44D8-BBD7-CCE9431645EC}">
-              <a14:shadowObscured xmlns:a14="http://schemas.microsoft.com/office/drawing/2010/main"/>
-            </a:ext>
-          </a:extLst>
-        </p:spPr>
-      </p:pic>
-      <p:sp>
-        <p:nvSpPr>
-          <p:cNvPr id="8" name="TextBox 7"/>
-          <p:cNvSpPr txBox="1"/>
-          <p:nvPr/>
-        </p:nvSpPr>
-        <p:spPr>
-          <a:xfrm>
-            <a:off x="928662" y="3571876"/>
-            <a:ext cx="7358114" cy="369332"/>
-          </a:xfrm>
-          <a:prstGeom prst="rect">
-            <a:avLst/>
-          </a:prstGeom>
-          <a:noFill/>
-        </p:spPr>
-        <p:txBody>
-          <a:bodyPr wrap="square" rtlCol="0">
-            <a:spAutoFit/>
-          </a:bodyPr>
-          <a:lstStyle/>
-          <a:p>
-            <a:pPr algn="ctr"/>
-            <a:r>
-              <a:rPr lang="ru-RU" dirty="0" smtClean="0">
-                <a:latin typeface="Arial" pitchFamily="34" charset="0"/>
-                <a:cs typeface="Arial" pitchFamily="34" charset="0"/>
-              </a:rPr>
-              <a:t>Рис 13. Результат второго этапа протокола со стороны сервера </a:t>
-            </a:r>
-            <a:endParaRPr lang="ru-RU" b="1" dirty="0">
-              <a:solidFill>
-                <a:srgbClr val="FF0000"/>
-              </a:solidFill>
-              <a:latin typeface="Arial" pitchFamily="34" charset="0"/>
-              <a:cs typeface="Arial" pitchFamily="34" charset="0"/>
-            </a:endParaRPr>
-          </a:p>
-        </p:txBody>
-      </p:sp>
-      <p:sp>
-        <p:nvSpPr>
-          <p:cNvPr id="10" name="TextBox 9"/>
-          <p:cNvSpPr txBox="1"/>
-          <p:nvPr/>
-        </p:nvSpPr>
-        <p:spPr>
-          <a:xfrm>
-            <a:off x="928662" y="6000768"/>
-            <a:ext cx="7358114" cy="369332"/>
-          </a:xfrm>
-          <a:prstGeom prst="rect">
-            <a:avLst/>
-          </a:prstGeom>
-          <a:noFill/>
-        </p:spPr>
-        <p:txBody>
-          <a:bodyPr wrap="square" rtlCol="0">
-            <a:spAutoFit/>
-          </a:bodyPr>
-          <a:lstStyle/>
-          <a:p>
-            <a:pPr algn="ctr"/>
-            <a:r>
-              <a:rPr lang="ru-RU" dirty="0" smtClean="0">
-                <a:latin typeface="Arial" pitchFamily="34" charset="0"/>
-                <a:cs typeface="Arial" pitchFamily="34" charset="0"/>
-              </a:rPr>
-              <a:t>Рис 14. Результат второго этапа протокола со стороны клиента</a:t>
-            </a:r>
-            <a:endParaRPr lang="ru-RU" b="1" dirty="0">
-              <a:solidFill>
-                <a:srgbClr val="FF0000"/>
-              </a:solidFill>
-              <a:latin typeface="Arial" pitchFamily="34" charset="0"/>
-              <a:cs typeface="Arial" pitchFamily="34" charset="0"/>
-            </a:endParaRPr>
-          </a:p>
-        </p:txBody>
-      </p:sp>
-      <p:sp>
-        <p:nvSpPr>
-          <p:cNvPr id="9" name="Номер слайда 8"/>
-          <p:cNvSpPr>
-            <a:spLocks noGrp="1"/>
-          </p:cNvSpPr>
-          <p:nvPr>
-            <p:ph type="sldNum" sz="quarter" idx="12"/>
-          </p:nvPr>
-        </p:nvSpPr>
-        <p:spPr/>
-        <p:txBody>
-          <a:bodyPr/>
-          <a:lstStyle/>
-          <a:p>
-            <a:fld id="{B19B0651-EE4F-4900-A07F-96A6BFA9D0F0}" type="slidenum">
-              <a:rPr lang="ru-RU" smtClean="0"/>
-              <a:pPr/>
-              <a:t>16</a:t>
-            </a:fld>
-            <a:endParaRPr lang="ru-RU"/>
-          </a:p>
-        </p:txBody>
-      </p:sp>
-      <p:sp>
-        <p:nvSpPr>
-          <p:cNvPr id="32" name="TextBox 31"/>
-          <p:cNvSpPr txBox="1"/>
-          <p:nvPr/>
-        </p:nvSpPr>
-        <p:spPr>
-          <a:xfrm>
-            <a:off x="254662" y="1508732"/>
-            <a:ext cx="425764" cy="369332"/>
-          </a:xfrm>
-          <a:prstGeom prst="rect">
-            <a:avLst/>
-          </a:prstGeom>
-          <a:noFill/>
-        </p:spPr>
-        <p:txBody>
-          <a:bodyPr wrap="square" rtlCol="0">
-            <a:spAutoFit/>
-          </a:bodyPr>
-          <a:lstStyle/>
-          <a:p>
-            <a:r>
-              <a:rPr lang="en-US" b="1" dirty="0" smtClean="0">
-                <a:latin typeface="Arial" pitchFamily="34" charset="0"/>
-                <a:cs typeface="Arial" pitchFamily="34" charset="0"/>
-              </a:rPr>
-              <a:t>id</a:t>
-            </a:r>
-            <a:endParaRPr lang="ru-RU" b="1" dirty="0">
-              <a:latin typeface="Arial" pitchFamily="34" charset="0"/>
-              <a:cs typeface="Arial" pitchFamily="34" charset="0"/>
-            </a:endParaRPr>
-          </a:p>
-        </p:txBody>
-      </p:sp>
-      <p:sp>
-        <p:nvSpPr>
-          <p:cNvPr id="33" name="TextBox 32"/>
-          <p:cNvSpPr txBox="1"/>
-          <p:nvPr/>
-        </p:nvSpPr>
-        <p:spPr>
-          <a:xfrm>
-            <a:off x="2020762" y="3027681"/>
-            <a:ext cx="425764" cy="369332"/>
-          </a:xfrm>
-          <a:prstGeom prst="rect">
-            <a:avLst/>
-          </a:prstGeom>
-          <a:noFill/>
-        </p:spPr>
-        <p:txBody>
-          <a:bodyPr wrap="square" rtlCol="0">
-            <a:spAutoFit/>
-          </a:bodyPr>
-          <a:lstStyle/>
-          <a:p>
-            <a:endParaRPr lang="ru-RU" b="1" dirty="0">
-              <a:latin typeface="Arial" pitchFamily="34" charset="0"/>
-              <a:cs typeface="Arial" pitchFamily="34" charset="0"/>
-            </a:endParaRPr>
-          </a:p>
-        </p:txBody>
-      </p:sp>
-      <p:sp>
-        <p:nvSpPr>
-          <p:cNvPr id="5" name="Прямоугольник 4"/>
-          <p:cNvSpPr/>
-          <p:nvPr/>
-        </p:nvSpPr>
-        <p:spPr>
-          <a:xfrm>
-            <a:off x="1129518" y="685813"/>
-            <a:ext cx="610830" cy="226308"/>
-          </a:xfrm>
-          <a:prstGeom prst="rect">
-            <a:avLst/>
-          </a:prstGeom>
-          <a:noFill/>
-          <a:ln>
-            <a:solidFill>
-              <a:srgbClr val="FF0000"/>
-            </a:solidFill>
-          </a:ln>
-        </p:spPr>
-        <p:style>
-          <a:lnRef idx="2">
-            <a:schemeClr val="accent1">
-              <a:shade val="50000"/>
-            </a:schemeClr>
-          </a:lnRef>
-          <a:fillRef idx="1">
-            <a:schemeClr val="accent1"/>
-          </a:fillRef>
-          <a:effectRef idx="0">
-            <a:schemeClr val="accent1"/>
-          </a:effectRef>
-          <a:fontRef idx="minor">
-            <a:schemeClr val="lt1"/>
-          </a:fontRef>
-        </p:style>
-        <p:txBody>
-          <a:bodyPr rtlCol="0" anchor="ctr"/>
-          <a:lstStyle/>
-          <a:p>
-            <a:pPr algn="ctr"/>
-            <a:endParaRPr lang="ru-RU"/>
-          </a:p>
-        </p:txBody>
-      </p:sp>
-      <p:sp>
-        <p:nvSpPr>
-          <p:cNvPr id="39" name="Прямоугольник 38"/>
-          <p:cNvSpPr/>
-          <p:nvPr/>
-        </p:nvSpPr>
-        <p:spPr>
-          <a:xfrm>
-            <a:off x="1094406" y="1124744"/>
-            <a:ext cx="610830" cy="226308"/>
-          </a:xfrm>
-          <a:prstGeom prst="rect">
-            <a:avLst/>
-          </a:prstGeom>
-          <a:noFill/>
-          <a:ln>
-            <a:solidFill>
-              <a:srgbClr val="FF0000"/>
-            </a:solidFill>
-          </a:ln>
-        </p:spPr>
-        <p:style>
-          <a:lnRef idx="2">
-            <a:schemeClr val="accent1">
-              <a:shade val="50000"/>
-            </a:schemeClr>
-          </a:lnRef>
-          <a:fillRef idx="1">
-            <a:schemeClr val="accent1"/>
-          </a:fillRef>
-          <a:effectRef idx="0">
-            <a:schemeClr val="accent1"/>
-          </a:effectRef>
-          <a:fontRef idx="minor">
-            <a:schemeClr val="lt1"/>
-          </a:fontRef>
-        </p:style>
-        <p:txBody>
-          <a:bodyPr rtlCol="0" anchor="ctr"/>
-          <a:lstStyle/>
-          <a:p>
-            <a:pPr algn="ctr"/>
-            <a:endParaRPr lang="ru-RU"/>
-          </a:p>
-        </p:txBody>
-      </p:sp>
-      <p:sp>
-        <p:nvSpPr>
-          <p:cNvPr id="40" name="Прямоугольник 39"/>
-          <p:cNvSpPr/>
-          <p:nvPr/>
-        </p:nvSpPr>
-        <p:spPr>
-          <a:xfrm>
-            <a:off x="1117266" y="1580244"/>
-            <a:ext cx="610830" cy="226308"/>
-          </a:xfrm>
-          <a:prstGeom prst="rect">
-            <a:avLst/>
-          </a:prstGeom>
-          <a:noFill/>
-          <a:ln>
-            <a:solidFill>
-              <a:srgbClr val="FF0000"/>
-            </a:solidFill>
-          </a:ln>
-        </p:spPr>
-        <p:style>
-          <a:lnRef idx="2">
-            <a:schemeClr val="accent1">
-              <a:shade val="50000"/>
-            </a:schemeClr>
-          </a:lnRef>
-          <a:fillRef idx="1">
-            <a:schemeClr val="accent1"/>
-          </a:fillRef>
-          <a:effectRef idx="0">
-            <a:schemeClr val="accent1"/>
-          </a:effectRef>
-          <a:fontRef idx="minor">
-            <a:schemeClr val="lt1"/>
-          </a:fontRef>
-        </p:style>
-        <p:txBody>
-          <a:bodyPr rtlCol="0" anchor="ctr"/>
-          <a:lstStyle/>
-          <a:p>
-            <a:pPr algn="ctr"/>
-            <a:endParaRPr lang="ru-RU"/>
-          </a:p>
-        </p:txBody>
-      </p:sp>
-      <p:sp>
-        <p:nvSpPr>
-          <p:cNvPr id="41" name="Прямоугольник 40"/>
-          <p:cNvSpPr/>
-          <p:nvPr/>
-        </p:nvSpPr>
-        <p:spPr>
-          <a:xfrm>
-            <a:off x="1692984" y="1988840"/>
-            <a:ext cx="610830" cy="226308"/>
-          </a:xfrm>
-          <a:prstGeom prst="rect">
-            <a:avLst/>
-          </a:prstGeom>
-          <a:noFill/>
-          <a:ln>
-            <a:solidFill>
-              <a:srgbClr val="FF0000"/>
-            </a:solidFill>
-          </a:ln>
-        </p:spPr>
-        <p:style>
-          <a:lnRef idx="2">
-            <a:schemeClr val="accent1">
-              <a:shade val="50000"/>
-            </a:schemeClr>
-          </a:lnRef>
-          <a:fillRef idx="1">
-            <a:schemeClr val="accent1"/>
-          </a:fillRef>
-          <a:effectRef idx="0">
-            <a:schemeClr val="accent1"/>
-          </a:effectRef>
-          <a:fontRef idx="minor">
-            <a:schemeClr val="lt1"/>
-          </a:fontRef>
-        </p:style>
-        <p:txBody>
-          <a:bodyPr rtlCol="0" anchor="ctr"/>
-          <a:lstStyle/>
-          <a:p>
-            <a:pPr algn="ctr"/>
-            <a:endParaRPr lang="ru-RU"/>
-          </a:p>
-        </p:txBody>
-      </p:sp>
-      <p:sp>
-        <p:nvSpPr>
-          <p:cNvPr id="42" name="Прямоугольник 41"/>
-          <p:cNvSpPr/>
-          <p:nvPr/>
-        </p:nvSpPr>
-        <p:spPr>
-          <a:xfrm>
-            <a:off x="1978996" y="685826"/>
-            <a:ext cx="610830" cy="226308"/>
-          </a:xfrm>
-          <a:prstGeom prst="rect">
-            <a:avLst/>
-          </a:prstGeom>
-          <a:noFill/>
-          <a:ln>
-            <a:solidFill>
-              <a:srgbClr val="FF0000"/>
-            </a:solidFill>
-          </a:ln>
-        </p:spPr>
-        <p:style>
-          <a:lnRef idx="2">
-            <a:schemeClr val="accent1">
-              <a:shade val="50000"/>
-            </a:schemeClr>
-          </a:lnRef>
-          <a:fillRef idx="1">
-            <a:schemeClr val="accent1"/>
-          </a:fillRef>
-          <a:effectRef idx="0">
-            <a:schemeClr val="accent1"/>
-          </a:effectRef>
-          <a:fontRef idx="minor">
-            <a:schemeClr val="lt1"/>
-          </a:fontRef>
-        </p:style>
-        <p:txBody>
-          <a:bodyPr rtlCol="0" anchor="ctr"/>
-          <a:lstStyle/>
-          <a:p>
-            <a:pPr algn="ctr"/>
-            <a:endParaRPr lang="ru-RU"/>
-          </a:p>
-        </p:txBody>
-      </p:sp>
-      <p:sp>
-        <p:nvSpPr>
-          <p:cNvPr id="43" name="Прямоугольник 42"/>
-          <p:cNvSpPr/>
-          <p:nvPr/>
-        </p:nvSpPr>
-        <p:spPr>
-          <a:xfrm>
-            <a:off x="1978996" y="1124744"/>
-            <a:ext cx="610830" cy="226308"/>
-          </a:xfrm>
-          <a:prstGeom prst="rect">
-            <a:avLst/>
-          </a:prstGeom>
-          <a:noFill/>
-          <a:ln>
-            <a:solidFill>
-              <a:srgbClr val="FF0000"/>
-            </a:solidFill>
-          </a:ln>
-        </p:spPr>
-        <p:style>
-          <a:lnRef idx="2">
-            <a:schemeClr val="accent1">
-              <a:shade val="50000"/>
-            </a:schemeClr>
-          </a:lnRef>
-          <a:fillRef idx="1">
-            <a:schemeClr val="accent1"/>
-          </a:fillRef>
-          <a:effectRef idx="0">
-            <a:schemeClr val="accent1"/>
-          </a:effectRef>
-          <a:fontRef idx="minor">
-            <a:schemeClr val="lt1"/>
-          </a:fontRef>
-        </p:style>
-        <p:txBody>
-          <a:bodyPr rtlCol="0" anchor="ctr"/>
-          <a:lstStyle/>
-          <a:p>
-            <a:pPr algn="ctr"/>
-            <a:endParaRPr lang="ru-RU"/>
-          </a:p>
-        </p:txBody>
-      </p:sp>
-      <p:sp>
-        <p:nvSpPr>
-          <p:cNvPr id="44" name="Прямоугольник 43"/>
-          <p:cNvSpPr/>
-          <p:nvPr/>
-        </p:nvSpPr>
-        <p:spPr>
-          <a:xfrm>
-            <a:off x="1977415" y="1580244"/>
-            <a:ext cx="610830" cy="226308"/>
-          </a:xfrm>
-          <a:prstGeom prst="rect">
-            <a:avLst/>
-          </a:prstGeom>
-          <a:noFill/>
-          <a:ln>
-            <a:solidFill>
-              <a:srgbClr val="FF0000"/>
-            </a:solidFill>
-          </a:ln>
-        </p:spPr>
-        <p:style>
-          <a:lnRef idx="2">
-            <a:schemeClr val="accent1">
-              <a:shade val="50000"/>
-            </a:schemeClr>
-          </a:lnRef>
-          <a:fillRef idx="1">
-            <a:schemeClr val="accent1"/>
-          </a:fillRef>
-          <a:effectRef idx="0">
-            <a:schemeClr val="accent1"/>
-          </a:effectRef>
-          <a:fontRef idx="minor">
-            <a:schemeClr val="lt1"/>
-          </a:fontRef>
-        </p:style>
-        <p:txBody>
-          <a:bodyPr rtlCol="0" anchor="ctr"/>
-          <a:lstStyle/>
-          <a:p>
-            <a:pPr algn="ctr"/>
-            <a:endParaRPr lang="ru-RU"/>
-          </a:p>
-        </p:txBody>
-      </p:sp>
-      <p:sp>
-        <p:nvSpPr>
-          <p:cNvPr id="45" name="Прямоугольник 44"/>
-          <p:cNvSpPr/>
-          <p:nvPr/>
-        </p:nvSpPr>
-        <p:spPr>
-          <a:xfrm>
-            <a:off x="2478350" y="1988840"/>
-            <a:ext cx="610830" cy="226308"/>
-          </a:xfrm>
-          <a:prstGeom prst="rect">
-            <a:avLst/>
-          </a:prstGeom>
-          <a:noFill/>
-          <a:ln>
-            <a:solidFill>
-              <a:srgbClr val="FF0000"/>
-            </a:solidFill>
-          </a:ln>
-        </p:spPr>
-        <p:style>
-          <a:lnRef idx="2">
-            <a:schemeClr val="accent1">
-              <a:shade val="50000"/>
-            </a:schemeClr>
-          </a:lnRef>
-          <a:fillRef idx="1">
-            <a:schemeClr val="accent1"/>
-          </a:fillRef>
-          <a:effectRef idx="0">
-            <a:schemeClr val="accent1"/>
-          </a:effectRef>
-          <a:fontRef idx="minor">
-            <a:schemeClr val="lt1"/>
-          </a:fontRef>
-        </p:style>
-        <p:txBody>
-          <a:bodyPr rtlCol="0" anchor="ctr"/>
-          <a:lstStyle/>
-          <a:p>
-            <a:pPr algn="ctr"/>
-            <a:endParaRPr lang="ru-RU"/>
-          </a:p>
-        </p:txBody>
-      </p:sp>
-      <p:cxnSp>
-        <p:nvCxnSpPr>
-          <p:cNvPr id="47" name="Прямая со стрелкой 46"/>
-          <p:cNvCxnSpPr>
-            <a:stCxn id="32" idx="0"/>
-            <a:endCxn id="5" idx="1"/>
-          </p:cNvCxnSpPr>
-          <p:nvPr/>
-        </p:nvCxnSpPr>
-        <p:spPr>
-          <a:xfrm flipV="1">
-            <a:off x="467544" y="798967"/>
-            <a:ext cx="661974" cy="709765"/>
-          </a:xfrm>
-          <a:prstGeom prst="straightConnector1">
-            <a:avLst/>
-          </a:prstGeom>
-          <a:ln>
-            <a:solidFill>
-              <a:srgbClr val="FF0000"/>
-            </a:solidFill>
-            <a:tailEnd type="arrow"/>
-          </a:ln>
-        </p:spPr>
-        <p:style>
-          <a:lnRef idx="1">
-            <a:schemeClr val="accent1"/>
-          </a:lnRef>
-          <a:fillRef idx="0">
-            <a:schemeClr val="accent1"/>
-          </a:fillRef>
-          <a:effectRef idx="0">
-            <a:schemeClr val="accent1"/>
-          </a:effectRef>
-          <a:fontRef idx="minor">
-            <a:schemeClr val="tx1"/>
-          </a:fontRef>
-        </p:style>
-      </p:cxnSp>
-      <p:cxnSp>
-        <p:nvCxnSpPr>
-          <p:cNvPr id="49" name="Прямая со стрелкой 48"/>
-          <p:cNvCxnSpPr>
-            <a:stCxn id="32" idx="0"/>
-          </p:cNvCxnSpPr>
-          <p:nvPr/>
-        </p:nvCxnSpPr>
-        <p:spPr>
-          <a:xfrm flipV="1">
-            <a:off x="467544" y="1268350"/>
-            <a:ext cx="615289" cy="240382"/>
-          </a:xfrm>
-          <a:prstGeom prst="straightConnector1">
-            <a:avLst/>
-          </a:prstGeom>
-          <a:ln>
-            <a:solidFill>
-              <a:srgbClr val="FF0000"/>
-            </a:solidFill>
-            <a:tailEnd type="arrow"/>
-          </a:ln>
-        </p:spPr>
-        <p:style>
-          <a:lnRef idx="1">
-            <a:schemeClr val="accent1"/>
-          </a:lnRef>
-          <a:fillRef idx="0">
-            <a:schemeClr val="accent1"/>
-          </a:fillRef>
-          <a:effectRef idx="0">
-            <a:schemeClr val="accent1"/>
-          </a:effectRef>
-          <a:fontRef idx="minor">
-            <a:schemeClr val="tx1"/>
-          </a:fontRef>
-        </p:style>
-      </p:cxnSp>
-      <p:cxnSp>
-        <p:nvCxnSpPr>
-          <p:cNvPr id="51" name="Прямая со стрелкой 50"/>
-          <p:cNvCxnSpPr>
-            <a:stCxn id="32" idx="0"/>
-            <a:endCxn id="40" idx="1"/>
-          </p:cNvCxnSpPr>
-          <p:nvPr/>
-        </p:nvCxnSpPr>
-        <p:spPr>
-          <a:xfrm>
-            <a:off x="467544" y="1508732"/>
-            <a:ext cx="649722" cy="184666"/>
-          </a:xfrm>
-          <a:prstGeom prst="straightConnector1">
-            <a:avLst/>
-          </a:prstGeom>
-          <a:ln>
-            <a:solidFill>
-              <a:srgbClr val="FF0000"/>
-            </a:solidFill>
-            <a:tailEnd type="arrow"/>
-          </a:ln>
-        </p:spPr>
-        <p:style>
-          <a:lnRef idx="1">
-            <a:schemeClr val="accent1"/>
-          </a:lnRef>
-          <a:fillRef idx="0">
-            <a:schemeClr val="accent1"/>
-          </a:fillRef>
-          <a:effectRef idx="0">
-            <a:schemeClr val="accent1"/>
-          </a:effectRef>
-          <a:fontRef idx="minor">
-            <a:schemeClr val="tx1"/>
-          </a:fontRef>
-        </p:style>
-      </p:cxnSp>
-      <p:cxnSp>
-        <p:nvCxnSpPr>
-          <p:cNvPr id="53" name="Прямая со стрелкой 52"/>
-          <p:cNvCxnSpPr>
-            <a:stCxn id="32" idx="0"/>
-          </p:cNvCxnSpPr>
-          <p:nvPr/>
-        </p:nvCxnSpPr>
-        <p:spPr>
-          <a:xfrm>
-            <a:off x="467544" y="1508732"/>
-            <a:ext cx="1225440" cy="593262"/>
-          </a:xfrm>
-          <a:prstGeom prst="straightConnector1">
-            <a:avLst/>
-          </a:prstGeom>
-          <a:ln>
-            <a:solidFill>
-              <a:srgbClr val="FF0000"/>
-            </a:solidFill>
-            <a:tailEnd type="arrow"/>
-          </a:ln>
-        </p:spPr>
-        <p:style>
-          <a:lnRef idx="1">
-            <a:schemeClr val="accent1"/>
-          </a:lnRef>
-          <a:fillRef idx="0">
-            <a:schemeClr val="accent1"/>
-          </a:fillRef>
-          <a:effectRef idx="0">
-            <a:schemeClr val="accent1"/>
-          </a:effectRef>
-          <a:fontRef idx="minor">
-            <a:schemeClr val="tx1"/>
-          </a:fontRef>
-        </p:style>
-      </p:cxnSp>
-      <p:cxnSp>
-        <p:nvCxnSpPr>
-          <p:cNvPr id="59" name="Прямая со стрелкой 58"/>
-          <p:cNvCxnSpPr/>
-          <p:nvPr/>
-        </p:nvCxnSpPr>
-        <p:spPr>
-          <a:xfrm flipH="1" flipV="1">
-            <a:off x="2783766" y="2215149"/>
-            <a:ext cx="1500202" cy="812532"/>
-          </a:xfrm>
-          <a:prstGeom prst="straightConnector1">
-            <a:avLst/>
-          </a:prstGeom>
-          <a:ln>
-            <a:solidFill>
-              <a:srgbClr val="FF0000"/>
-            </a:solidFill>
-            <a:tailEnd type="arrow"/>
-          </a:ln>
-        </p:spPr>
-        <p:style>
-          <a:lnRef idx="1">
-            <a:schemeClr val="accent1"/>
-          </a:lnRef>
-          <a:fillRef idx="0">
-            <a:schemeClr val="accent1"/>
-          </a:fillRef>
-          <a:effectRef idx="0">
-            <a:schemeClr val="accent1"/>
-          </a:effectRef>
-          <a:fontRef idx="minor">
-            <a:schemeClr val="tx1"/>
-          </a:fontRef>
-        </p:style>
-      </p:cxnSp>
-      <p:cxnSp>
-        <p:nvCxnSpPr>
-          <p:cNvPr id="60" name="Прямая со стрелкой 59"/>
-          <p:cNvCxnSpPr/>
-          <p:nvPr/>
-        </p:nvCxnSpPr>
-        <p:spPr>
-          <a:xfrm flipH="1" flipV="1">
-            <a:off x="2280101" y="1775911"/>
-            <a:ext cx="2003867" cy="1251770"/>
-          </a:xfrm>
-          <a:prstGeom prst="straightConnector1">
-            <a:avLst/>
-          </a:prstGeom>
-          <a:ln>
-            <a:solidFill>
-              <a:srgbClr val="FF0000"/>
-            </a:solidFill>
-            <a:tailEnd type="arrow"/>
-          </a:ln>
-        </p:spPr>
-        <p:style>
-          <a:lnRef idx="1">
-            <a:schemeClr val="accent1"/>
-          </a:lnRef>
-          <a:fillRef idx="0">
-            <a:schemeClr val="accent1"/>
-          </a:fillRef>
-          <a:effectRef idx="0">
-            <a:schemeClr val="accent1"/>
-          </a:effectRef>
-          <a:fontRef idx="minor">
-            <a:schemeClr val="tx1"/>
-          </a:fontRef>
-        </p:style>
-      </p:cxnSp>
-      <p:cxnSp>
-        <p:nvCxnSpPr>
-          <p:cNvPr id="64" name="Прямая со стрелкой 63"/>
-          <p:cNvCxnSpPr/>
-          <p:nvPr/>
-        </p:nvCxnSpPr>
-        <p:spPr>
-          <a:xfrm flipH="1" flipV="1">
-            <a:off x="2589827" y="1194799"/>
-            <a:ext cx="1694141" cy="1832882"/>
-          </a:xfrm>
-          <a:prstGeom prst="straightConnector1">
-            <a:avLst/>
-          </a:prstGeom>
-          <a:ln>
-            <a:solidFill>
-              <a:srgbClr val="FF0000"/>
-            </a:solidFill>
-            <a:tailEnd type="arrow"/>
-          </a:ln>
-        </p:spPr>
-        <p:style>
-          <a:lnRef idx="1">
-            <a:schemeClr val="accent1"/>
-          </a:lnRef>
-          <a:fillRef idx="0">
-            <a:schemeClr val="accent1"/>
-          </a:fillRef>
-          <a:effectRef idx="0">
-            <a:schemeClr val="accent1"/>
-          </a:effectRef>
-          <a:fontRef idx="minor">
-            <a:schemeClr val="tx1"/>
-          </a:fontRef>
-        </p:style>
-      </p:cxnSp>
-      <p:cxnSp>
-        <p:nvCxnSpPr>
-          <p:cNvPr id="66" name="Прямая со стрелкой 65"/>
-          <p:cNvCxnSpPr/>
-          <p:nvPr/>
-        </p:nvCxnSpPr>
-        <p:spPr>
-          <a:xfrm flipH="1" flipV="1">
-            <a:off x="2573725" y="755802"/>
-            <a:ext cx="1710243" cy="2271879"/>
-          </a:xfrm>
-          <a:prstGeom prst="straightConnector1">
-            <a:avLst/>
-          </a:prstGeom>
-          <a:ln>
-            <a:solidFill>
-              <a:srgbClr val="FF0000"/>
-            </a:solidFill>
-            <a:tailEnd type="arrow"/>
-          </a:ln>
-        </p:spPr>
-        <p:style>
-          <a:lnRef idx="1">
-            <a:schemeClr val="accent1"/>
-          </a:lnRef>
-          <a:fillRef idx="0">
-            <a:schemeClr val="accent1"/>
-          </a:fillRef>
-          <a:effectRef idx="0">
-            <a:schemeClr val="accent1"/>
-          </a:effectRef>
-          <a:fontRef idx="minor">
-            <a:schemeClr val="tx1"/>
-          </a:fontRef>
-        </p:style>
-      </p:cxnSp>
-      <p:sp>
-        <p:nvSpPr>
-          <p:cNvPr id="68" name="TextBox 67"/>
-          <p:cNvSpPr txBox="1"/>
-          <p:nvPr/>
-        </p:nvSpPr>
-        <p:spPr>
-          <a:xfrm>
-            <a:off x="3792203" y="3187264"/>
-            <a:ext cx="1512168" cy="307777"/>
-          </a:xfrm>
-          <a:prstGeom prst="rect">
-            <a:avLst/>
-          </a:prstGeom>
-          <a:noFill/>
-        </p:spPr>
-        <p:txBody>
-          <a:bodyPr wrap="square" rtlCol="0">
-            <a:spAutoFit/>
-          </a:bodyPr>
-          <a:lstStyle/>
-          <a:p>
-            <a:pPr algn="ctr"/>
-            <a:r>
-              <a:rPr lang="ru-RU" sz="1400" b="1" dirty="0" smtClean="0">
-                <a:latin typeface="Arial" pitchFamily="34" charset="0"/>
-                <a:cs typeface="Arial" pitchFamily="34" charset="0"/>
-              </a:rPr>
-              <a:t>Код запроса</a:t>
-            </a:r>
-            <a:endParaRPr lang="ru-RU" sz="1400" b="1" dirty="0">
-              <a:latin typeface="Arial" pitchFamily="34" charset="0"/>
-              <a:cs typeface="Arial" pitchFamily="34" charset="0"/>
-            </a:endParaRPr>
-          </a:p>
-        </p:txBody>
-      </p:sp>
-      <p:sp>
-        <p:nvSpPr>
-          <p:cNvPr id="69" name="Прямоугольник 68"/>
-          <p:cNvSpPr/>
-          <p:nvPr/>
-        </p:nvSpPr>
-        <p:spPr>
-          <a:xfrm>
-            <a:off x="2671204" y="5013176"/>
-            <a:ext cx="610830" cy="226308"/>
-          </a:xfrm>
-          <a:prstGeom prst="rect">
-            <a:avLst/>
-          </a:prstGeom>
-          <a:noFill/>
-          <a:ln>
-            <a:solidFill>
-              <a:srgbClr val="FF0000"/>
-            </a:solidFill>
-          </a:ln>
-        </p:spPr>
-        <p:style>
-          <a:lnRef idx="2">
-            <a:schemeClr val="accent1">
-              <a:shade val="50000"/>
-            </a:schemeClr>
-          </a:lnRef>
-          <a:fillRef idx="1">
-            <a:schemeClr val="accent1"/>
-          </a:fillRef>
-          <a:effectRef idx="0">
-            <a:schemeClr val="accent1"/>
-          </a:effectRef>
-          <a:fontRef idx="minor">
-            <a:schemeClr val="lt1"/>
-          </a:fontRef>
-        </p:style>
-        <p:txBody>
-          <a:bodyPr rtlCol="0" anchor="ctr"/>
-          <a:lstStyle/>
-          <a:p>
-            <a:pPr algn="ctr"/>
-            <a:endParaRPr lang="ru-RU"/>
-          </a:p>
-        </p:txBody>
-      </p:sp>
-      <p:sp>
-        <p:nvSpPr>
-          <p:cNvPr id="70" name="Прямоугольник 69"/>
-          <p:cNvSpPr/>
-          <p:nvPr/>
-        </p:nvSpPr>
-        <p:spPr>
-          <a:xfrm>
-            <a:off x="1832969" y="4541490"/>
-            <a:ext cx="610830" cy="226308"/>
-          </a:xfrm>
-          <a:prstGeom prst="rect">
-            <a:avLst/>
-          </a:prstGeom>
-          <a:noFill/>
-          <a:ln>
-            <a:solidFill>
-              <a:srgbClr val="FF0000"/>
-            </a:solidFill>
-          </a:ln>
-        </p:spPr>
-        <p:style>
-          <a:lnRef idx="2">
-            <a:schemeClr val="accent1">
-              <a:shade val="50000"/>
-            </a:schemeClr>
-          </a:lnRef>
-          <a:fillRef idx="1">
-            <a:schemeClr val="accent1"/>
-          </a:fillRef>
-          <a:effectRef idx="0">
-            <a:schemeClr val="accent1"/>
-          </a:effectRef>
-          <a:fontRef idx="minor">
-            <a:schemeClr val="lt1"/>
-          </a:fontRef>
-        </p:style>
-        <p:txBody>
-          <a:bodyPr rtlCol="0" anchor="ctr"/>
-          <a:lstStyle/>
-          <a:p>
-            <a:pPr algn="ctr"/>
-            <a:endParaRPr lang="ru-RU"/>
-          </a:p>
-        </p:txBody>
-      </p:sp>
-      <p:sp>
-        <p:nvSpPr>
-          <p:cNvPr id="72" name="Прямоугольник 71"/>
-          <p:cNvSpPr/>
-          <p:nvPr/>
-        </p:nvSpPr>
-        <p:spPr>
-          <a:xfrm>
-            <a:off x="1740348" y="5013176"/>
-            <a:ext cx="610830" cy="226308"/>
-          </a:xfrm>
-          <a:prstGeom prst="rect">
-            <a:avLst/>
-          </a:prstGeom>
-          <a:noFill/>
-          <a:ln>
-            <a:solidFill>
-              <a:srgbClr val="FF0000"/>
-            </a:solidFill>
-          </a:ln>
-        </p:spPr>
-        <p:style>
-          <a:lnRef idx="2">
-            <a:schemeClr val="accent1">
-              <a:shade val="50000"/>
-            </a:schemeClr>
-          </a:lnRef>
-          <a:fillRef idx="1">
-            <a:schemeClr val="accent1"/>
-          </a:fillRef>
-          <a:effectRef idx="0">
-            <a:schemeClr val="accent1"/>
-          </a:effectRef>
-          <a:fontRef idx="minor">
-            <a:schemeClr val="lt1"/>
-          </a:fontRef>
-        </p:style>
-        <p:txBody>
-          <a:bodyPr rtlCol="0" anchor="ctr"/>
-          <a:lstStyle/>
-          <a:p>
-            <a:pPr algn="ctr"/>
-            <a:endParaRPr lang="ru-RU"/>
-          </a:p>
-        </p:txBody>
-      </p:sp>
-      <p:sp>
-        <p:nvSpPr>
-          <p:cNvPr id="73" name="Прямоугольник 72"/>
-          <p:cNvSpPr/>
-          <p:nvPr/>
-        </p:nvSpPr>
-        <p:spPr>
-          <a:xfrm>
-            <a:off x="1223989" y="5445224"/>
-            <a:ext cx="610830" cy="226308"/>
-          </a:xfrm>
-          <a:prstGeom prst="rect">
-            <a:avLst/>
-          </a:prstGeom>
-          <a:noFill/>
-          <a:ln>
-            <a:solidFill>
-              <a:srgbClr val="FF0000"/>
-            </a:solidFill>
-          </a:ln>
-        </p:spPr>
-        <p:style>
-          <a:lnRef idx="2">
-            <a:schemeClr val="accent1">
-              <a:shade val="50000"/>
-            </a:schemeClr>
-          </a:lnRef>
-          <a:fillRef idx="1">
-            <a:schemeClr val="accent1"/>
-          </a:fillRef>
-          <a:effectRef idx="0">
-            <a:schemeClr val="accent1"/>
-          </a:effectRef>
-          <a:fontRef idx="minor">
-            <a:schemeClr val="lt1"/>
-          </a:fontRef>
-        </p:style>
-        <p:txBody>
-          <a:bodyPr rtlCol="0" anchor="ctr"/>
-          <a:lstStyle/>
-          <a:p>
-            <a:pPr algn="ctr"/>
-            <a:endParaRPr lang="ru-RU"/>
-          </a:p>
-        </p:txBody>
-      </p:sp>
-      <p:sp>
-        <p:nvSpPr>
-          <p:cNvPr id="75" name="Прямоугольник 74"/>
-          <p:cNvSpPr/>
-          <p:nvPr/>
-        </p:nvSpPr>
-        <p:spPr>
-          <a:xfrm>
-            <a:off x="2671204" y="4094516"/>
-            <a:ext cx="610830" cy="226308"/>
-          </a:xfrm>
-          <a:prstGeom prst="rect">
-            <a:avLst/>
-          </a:prstGeom>
-          <a:noFill/>
-          <a:ln>
-            <a:solidFill>
-              <a:srgbClr val="FF0000"/>
-            </a:solidFill>
-          </a:ln>
-        </p:spPr>
-        <p:style>
-          <a:lnRef idx="2">
-            <a:schemeClr val="accent1">
-              <a:shade val="50000"/>
-            </a:schemeClr>
-          </a:lnRef>
-          <a:fillRef idx="1">
-            <a:schemeClr val="accent1"/>
-          </a:fillRef>
-          <a:effectRef idx="0">
-            <a:schemeClr val="accent1"/>
-          </a:effectRef>
-          <a:fontRef idx="minor">
-            <a:schemeClr val="lt1"/>
-          </a:fontRef>
-        </p:style>
-        <p:txBody>
-          <a:bodyPr rtlCol="0" anchor="ctr"/>
-          <a:lstStyle/>
-          <a:p>
-            <a:pPr algn="ctr"/>
-            <a:endParaRPr lang="ru-RU"/>
-          </a:p>
-        </p:txBody>
-      </p:sp>
-      <p:sp>
-        <p:nvSpPr>
-          <p:cNvPr id="76" name="Прямоугольник 75"/>
-          <p:cNvSpPr/>
-          <p:nvPr/>
-        </p:nvSpPr>
-        <p:spPr>
-          <a:xfrm>
-            <a:off x="2671204" y="4541490"/>
-            <a:ext cx="610830" cy="226308"/>
-          </a:xfrm>
-          <a:prstGeom prst="rect">
-            <a:avLst/>
-          </a:prstGeom>
-          <a:noFill/>
-          <a:ln>
-            <a:solidFill>
-              <a:srgbClr val="FF0000"/>
-            </a:solidFill>
-          </a:ln>
-        </p:spPr>
-        <p:style>
-          <a:lnRef idx="2">
-            <a:schemeClr val="accent1">
-              <a:shade val="50000"/>
-            </a:schemeClr>
-          </a:lnRef>
-          <a:fillRef idx="1">
-            <a:schemeClr val="accent1"/>
-          </a:fillRef>
-          <a:effectRef idx="0">
-            <a:schemeClr val="accent1"/>
-          </a:effectRef>
-          <a:fontRef idx="minor">
-            <a:schemeClr val="lt1"/>
-          </a:fontRef>
-        </p:style>
-        <p:txBody>
-          <a:bodyPr rtlCol="0" anchor="ctr"/>
-          <a:lstStyle/>
-          <a:p>
-            <a:pPr algn="ctr"/>
-            <a:endParaRPr lang="ru-RU"/>
-          </a:p>
-        </p:txBody>
-      </p:sp>
-      <p:sp>
-        <p:nvSpPr>
-          <p:cNvPr id="77" name="Прямоугольник 76"/>
-          <p:cNvSpPr/>
-          <p:nvPr/>
-        </p:nvSpPr>
-        <p:spPr>
-          <a:xfrm>
-            <a:off x="2136887" y="5445224"/>
-            <a:ext cx="610830" cy="226308"/>
-          </a:xfrm>
-          <a:prstGeom prst="rect">
-            <a:avLst/>
-          </a:prstGeom>
-          <a:noFill/>
-          <a:ln>
-            <a:solidFill>
-              <a:srgbClr val="FF0000"/>
-            </a:solidFill>
-          </a:ln>
-        </p:spPr>
-        <p:style>
-          <a:lnRef idx="2">
-            <a:schemeClr val="accent1">
-              <a:shade val="50000"/>
-            </a:schemeClr>
-          </a:lnRef>
-          <a:fillRef idx="1">
-            <a:schemeClr val="accent1"/>
-          </a:fillRef>
-          <a:effectRef idx="0">
-            <a:schemeClr val="accent1"/>
-          </a:effectRef>
-          <a:fontRef idx="minor">
-            <a:schemeClr val="lt1"/>
-          </a:fontRef>
-        </p:style>
-        <p:txBody>
-          <a:bodyPr rtlCol="0" anchor="ctr"/>
-          <a:lstStyle/>
-          <a:p>
-            <a:pPr algn="ctr"/>
-            <a:endParaRPr lang="ru-RU"/>
-          </a:p>
-        </p:txBody>
-      </p:sp>
-      <p:sp>
-        <p:nvSpPr>
-          <p:cNvPr id="78" name="Прямоугольник 77"/>
-          <p:cNvSpPr/>
-          <p:nvPr/>
-        </p:nvSpPr>
-        <p:spPr>
-          <a:xfrm>
-            <a:off x="1835696" y="4075510"/>
-            <a:ext cx="610830" cy="226308"/>
-          </a:xfrm>
-          <a:prstGeom prst="rect">
-            <a:avLst/>
-          </a:prstGeom>
-          <a:noFill/>
-          <a:ln>
-            <a:solidFill>
-              <a:srgbClr val="FF0000"/>
-            </a:solidFill>
-          </a:ln>
-        </p:spPr>
-        <p:style>
-          <a:lnRef idx="2">
-            <a:schemeClr val="accent1">
-              <a:shade val="50000"/>
-            </a:schemeClr>
-          </a:lnRef>
-          <a:fillRef idx="1">
-            <a:schemeClr val="accent1"/>
-          </a:fillRef>
-          <a:effectRef idx="0">
-            <a:schemeClr val="accent1"/>
-          </a:effectRef>
-          <a:fontRef idx="minor">
-            <a:schemeClr val="lt1"/>
-          </a:fontRef>
-        </p:style>
-        <p:txBody>
-          <a:bodyPr rtlCol="0" anchor="ctr"/>
-          <a:lstStyle/>
-          <a:p>
-            <a:pPr algn="ctr"/>
-            <a:endParaRPr lang="ru-RU"/>
-          </a:p>
-        </p:txBody>
-      </p:sp>
-      <p:cxnSp>
-        <p:nvCxnSpPr>
-          <p:cNvPr id="81" name="Прямая со стрелкой 80"/>
-          <p:cNvCxnSpPr>
-            <a:stCxn id="32" idx="0"/>
-            <a:endCxn id="78" idx="0"/>
-          </p:cNvCxnSpPr>
-          <p:nvPr/>
-        </p:nvCxnSpPr>
-        <p:spPr>
-          <a:xfrm>
-            <a:off x="467544" y="1508732"/>
-            <a:ext cx="1673567" cy="2566778"/>
-          </a:xfrm>
-          <a:prstGeom prst="straightConnector1">
-            <a:avLst/>
-          </a:prstGeom>
-          <a:ln>
-            <a:solidFill>
-              <a:srgbClr val="FF0000"/>
-            </a:solidFill>
-            <a:tailEnd type="arrow"/>
-          </a:ln>
-        </p:spPr>
-        <p:style>
-          <a:lnRef idx="1">
-            <a:schemeClr val="accent1"/>
-          </a:lnRef>
-          <a:fillRef idx="0">
-            <a:schemeClr val="accent1"/>
-          </a:fillRef>
-          <a:effectRef idx="0">
-            <a:schemeClr val="accent1"/>
-          </a:effectRef>
-          <a:fontRef idx="minor">
-            <a:schemeClr val="tx1"/>
-          </a:fontRef>
-        </p:style>
-      </p:cxnSp>
-      <p:cxnSp>
-        <p:nvCxnSpPr>
-          <p:cNvPr id="83" name="Прямая со стрелкой 82"/>
-          <p:cNvCxnSpPr>
-            <a:stCxn id="32" idx="0"/>
-            <a:endCxn id="70" idx="0"/>
-          </p:cNvCxnSpPr>
-          <p:nvPr/>
-        </p:nvCxnSpPr>
-        <p:spPr>
-          <a:xfrm>
-            <a:off x="467544" y="1508732"/>
-            <a:ext cx="1670840" cy="3032758"/>
-          </a:xfrm>
-          <a:prstGeom prst="straightConnector1">
-            <a:avLst/>
-          </a:prstGeom>
-          <a:ln>
-            <a:solidFill>
-              <a:srgbClr val="FF0000"/>
-            </a:solidFill>
-            <a:tailEnd type="arrow"/>
-          </a:ln>
-        </p:spPr>
-        <p:style>
-          <a:lnRef idx="1">
-            <a:schemeClr val="accent1"/>
-          </a:lnRef>
-          <a:fillRef idx="0">
-            <a:schemeClr val="accent1"/>
-          </a:fillRef>
-          <a:effectRef idx="0">
-            <a:schemeClr val="accent1"/>
-          </a:effectRef>
-          <a:fontRef idx="minor">
-            <a:schemeClr val="tx1"/>
-          </a:fontRef>
-        </p:style>
-      </p:cxnSp>
-      <p:cxnSp>
-        <p:nvCxnSpPr>
-          <p:cNvPr id="85" name="Прямая со стрелкой 84"/>
-          <p:cNvCxnSpPr>
-            <a:stCxn id="32" idx="0"/>
-            <a:endCxn id="72" idx="0"/>
-          </p:cNvCxnSpPr>
-          <p:nvPr/>
-        </p:nvCxnSpPr>
-        <p:spPr>
-          <a:xfrm>
-            <a:off x="467544" y="1508732"/>
-            <a:ext cx="1578219" cy="3504444"/>
-          </a:xfrm>
-          <a:prstGeom prst="straightConnector1">
-            <a:avLst/>
-          </a:prstGeom>
-          <a:ln>
-            <a:solidFill>
-              <a:srgbClr val="FF0000"/>
-            </a:solidFill>
-            <a:tailEnd type="arrow"/>
-          </a:ln>
-        </p:spPr>
-        <p:style>
-          <a:lnRef idx="1">
-            <a:schemeClr val="accent1"/>
-          </a:lnRef>
-          <a:fillRef idx="0">
-            <a:schemeClr val="accent1"/>
-          </a:fillRef>
-          <a:effectRef idx="0">
-            <a:schemeClr val="accent1"/>
-          </a:effectRef>
-          <a:fontRef idx="minor">
-            <a:schemeClr val="tx1"/>
-          </a:fontRef>
-        </p:style>
-      </p:cxnSp>
-      <p:cxnSp>
-        <p:nvCxnSpPr>
-          <p:cNvPr id="87" name="Прямая со стрелкой 86"/>
-          <p:cNvCxnSpPr>
-            <a:stCxn id="32" idx="0"/>
-            <a:endCxn id="73" idx="0"/>
-          </p:cNvCxnSpPr>
-          <p:nvPr/>
-        </p:nvCxnSpPr>
-        <p:spPr>
-          <a:xfrm>
-            <a:off x="467544" y="1508732"/>
-            <a:ext cx="1061860" cy="3936492"/>
-          </a:xfrm>
-          <a:prstGeom prst="straightConnector1">
-            <a:avLst/>
-          </a:prstGeom>
-          <a:ln>
-            <a:solidFill>
-              <a:srgbClr val="FF0000"/>
-            </a:solidFill>
-            <a:tailEnd type="arrow"/>
-          </a:ln>
-        </p:spPr>
-        <p:style>
-          <a:lnRef idx="1">
-            <a:schemeClr val="accent1"/>
-          </a:lnRef>
-          <a:fillRef idx="0">
-            <a:schemeClr val="accent1"/>
-          </a:fillRef>
-          <a:effectRef idx="0">
-            <a:schemeClr val="accent1"/>
-          </a:effectRef>
-          <a:fontRef idx="minor">
-            <a:schemeClr val="tx1"/>
-          </a:fontRef>
-        </p:style>
-      </p:cxnSp>
-      <p:cxnSp>
-        <p:nvCxnSpPr>
-          <p:cNvPr id="89" name="Прямая со стрелкой 88"/>
-          <p:cNvCxnSpPr>
-            <a:stCxn id="68" idx="2"/>
-            <a:endCxn id="75" idx="0"/>
-          </p:cNvCxnSpPr>
-          <p:nvPr/>
-        </p:nvCxnSpPr>
-        <p:spPr>
-          <a:xfrm flipH="1">
-            <a:off x="2976619" y="3495041"/>
-            <a:ext cx="1571668" cy="599475"/>
-          </a:xfrm>
-          <a:prstGeom prst="straightConnector1">
-            <a:avLst/>
-          </a:prstGeom>
-          <a:ln>
-            <a:solidFill>
-              <a:srgbClr val="FF0000"/>
-            </a:solidFill>
-            <a:tailEnd type="arrow"/>
-          </a:ln>
-        </p:spPr>
-        <p:style>
-          <a:lnRef idx="1">
-            <a:schemeClr val="accent1"/>
-          </a:lnRef>
-          <a:fillRef idx="0">
-            <a:schemeClr val="accent1"/>
-          </a:fillRef>
-          <a:effectRef idx="0">
-            <a:schemeClr val="accent1"/>
-          </a:effectRef>
-          <a:fontRef idx="minor">
-            <a:schemeClr val="tx1"/>
-          </a:fontRef>
-        </p:style>
-      </p:cxnSp>
-      <p:cxnSp>
-        <p:nvCxnSpPr>
-          <p:cNvPr id="91" name="Прямая со стрелкой 90"/>
-          <p:cNvCxnSpPr>
-            <a:stCxn id="68" idx="2"/>
-          </p:cNvCxnSpPr>
-          <p:nvPr/>
-        </p:nvCxnSpPr>
-        <p:spPr>
-          <a:xfrm flipH="1">
-            <a:off x="2950749" y="3495041"/>
-            <a:ext cx="1597538" cy="1057548"/>
-          </a:xfrm>
-          <a:prstGeom prst="straightConnector1">
-            <a:avLst/>
-          </a:prstGeom>
-          <a:ln>
-            <a:solidFill>
-              <a:srgbClr val="FF0000"/>
-            </a:solidFill>
-            <a:tailEnd type="arrow"/>
-          </a:ln>
-        </p:spPr>
-        <p:style>
-          <a:lnRef idx="1">
-            <a:schemeClr val="accent1"/>
-          </a:lnRef>
-          <a:fillRef idx="0">
-            <a:schemeClr val="accent1"/>
-          </a:fillRef>
-          <a:effectRef idx="0">
-            <a:schemeClr val="accent1"/>
-          </a:effectRef>
-          <a:fontRef idx="minor">
-            <a:schemeClr val="tx1"/>
-          </a:fontRef>
-        </p:style>
-      </p:cxnSp>
-      <p:cxnSp>
-        <p:nvCxnSpPr>
-          <p:cNvPr id="93" name="Прямая со стрелкой 92"/>
-          <p:cNvCxnSpPr>
-            <a:stCxn id="68" idx="2"/>
-            <a:endCxn id="69" idx="0"/>
-          </p:cNvCxnSpPr>
-          <p:nvPr/>
-        </p:nvCxnSpPr>
-        <p:spPr>
-          <a:xfrm flipH="1">
-            <a:off x="2976619" y="3495041"/>
-            <a:ext cx="1571668" cy="1518135"/>
-          </a:xfrm>
-          <a:prstGeom prst="straightConnector1">
-            <a:avLst/>
-          </a:prstGeom>
-          <a:ln>
-            <a:solidFill>
-              <a:srgbClr val="FF0000"/>
-            </a:solidFill>
-            <a:tailEnd type="arrow"/>
-          </a:ln>
-        </p:spPr>
-        <p:style>
-          <a:lnRef idx="1">
-            <a:schemeClr val="accent1"/>
-          </a:lnRef>
-          <a:fillRef idx="0">
-            <a:schemeClr val="accent1"/>
-          </a:fillRef>
-          <a:effectRef idx="0">
-            <a:schemeClr val="accent1"/>
-          </a:effectRef>
-          <a:fontRef idx="minor">
-            <a:schemeClr val="tx1"/>
-          </a:fontRef>
-        </p:style>
-      </p:cxnSp>
-      <p:cxnSp>
-        <p:nvCxnSpPr>
-          <p:cNvPr id="95" name="Прямая со стрелкой 94"/>
-          <p:cNvCxnSpPr>
-            <a:stCxn id="68" idx="2"/>
-            <a:endCxn id="77" idx="0"/>
-          </p:cNvCxnSpPr>
-          <p:nvPr/>
-        </p:nvCxnSpPr>
-        <p:spPr>
-          <a:xfrm flipH="1">
-            <a:off x="2442302" y="3495041"/>
-            <a:ext cx="2105985" cy="1950183"/>
-          </a:xfrm>
-          <a:prstGeom prst="straightConnector1">
-            <a:avLst/>
-          </a:prstGeom>
-          <a:ln>
-            <a:solidFill>
-              <a:srgbClr val="FF0000"/>
-            </a:solidFill>
-            <a:tailEnd type="arrow"/>
-          </a:ln>
-        </p:spPr>
-        <p:style>
-          <a:lnRef idx="1">
-            <a:schemeClr val="accent1"/>
-          </a:lnRef>
-          <a:fillRef idx="0">
-            <a:schemeClr val="accent1"/>
-          </a:fillRef>
-          <a:effectRef idx="0">
-            <a:schemeClr val="accent1"/>
-          </a:effectRef>
-          <a:fontRef idx="minor">
-            <a:schemeClr val="tx1"/>
-          </a:fontRef>
-        </p:style>
-      </p:cxnSp>
-      <p:sp>
-        <p:nvSpPr>
-          <p:cNvPr id="96" name="TextBox 95"/>
-          <p:cNvSpPr txBox="1"/>
-          <p:nvPr/>
-        </p:nvSpPr>
-        <p:spPr>
-          <a:xfrm>
-            <a:off x="3436897" y="2968388"/>
-            <a:ext cx="1512168" cy="307777"/>
-          </a:xfrm>
-          <a:prstGeom prst="rect">
-            <a:avLst/>
-          </a:prstGeom>
-          <a:noFill/>
-        </p:spPr>
-        <p:txBody>
-          <a:bodyPr wrap="square" rtlCol="0">
-            <a:spAutoFit/>
-          </a:bodyPr>
-          <a:lstStyle/>
-          <a:p>
-            <a:pPr algn="ctr"/>
-            <a:r>
-              <a:rPr lang="ru-RU" sz="1400" b="1" dirty="0" smtClean="0">
-                <a:latin typeface="Arial" pitchFamily="34" charset="0"/>
-                <a:cs typeface="Arial" pitchFamily="34" charset="0"/>
-              </a:rPr>
-              <a:t>Код ответа</a:t>
-            </a:r>
-            <a:endParaRPr lang="ru-RU" sz="1400" b="1" dirty="0">
-              <a:latin typeface="Arial" pitchFamily="34" charset="0"/>
-              <a:cs typeface="Arial" pitchFamily="34" charset="0"/>
-            </a:endParaRPr>
-          </a:p>
-        </p:txBody>
-      </p:sp>
-    </p:spTree>
-  </p:cSld>
-  <p:clrMapOvr>
-    <a:masterClrMapping/>
-  </p:clrMapOvr>
-  <p:timing>
-    <p:tnLst>
-      <p:par>
-        <p:cTn id="1" dur="indefinite" restart="never" nodeType="tmRoot"/>
-      </p:par>
-    </p:tnLst>
-  </p:timing>
-</p:sld>
-</file>
-
-<file path=ppt/slides/slide17.xml><?xml version="1.0" encoding="utf-8"?>
-<p:sld xmlns:a="http://schemas.openxmlformats.org/drawingml/2006/main" xmlns:r="http://schemas.openxmlformats.org/officeDocument/2006/relationships" xmlns:p="http://schemas.openxmlformats.org/presentationml/2006/main">
-  <p:cSld>
-    <p:spTree>
-      <p:nvGrpSpPr>
-        <p:cNvPr id="1" name=""/>
-        <p:cNvGrpSpPr/>
-        <p:nvPr/>
-      </p:nvGrpSpPr>
-      <p:grpSpPr>
-        <a:xfrm>
-          <a:off x="0" y="0"/>
-          <a:ext cx="0" cy="0"/>
-          <a:chOff x="0" y="0"/>
-          <a:chExt cx="0" cy="0"/>
-        </a:xfrm>
-      </p:grpSpPr>
-      <p:sp>
-        <p:nvSpPr>
-          <p:cNvPr id="4" name="TextBox 3"/>
-          <p:cNvSpPr txBox="1"/>
-          <p:nvPr/>
-        </p:nvSpPr>
-        <p:spPr>
-          <a:xfrm>
-            <a:off x="-1484" y="186708"/>
-            <a:ext cx="9144000" cy="584775"/>
-          </a:xfrm>
-          <a:prstGeom prst="rect">
-            <a:avLst/>
-          </a:prstGeom>
-          <a:noFill/>
-        </p:spPr>
-        <p:txBody>
-          <a:bodyPr wrap="square" rtlCol="0">
-            <a:spAutoFit/>
-          </a:bodyPr>
-          <a:lstStyle/>
-          <a:p>
-            <a:pPr algn="ctr"/>
-            <a:r>
-              <a:rPr lang="ru-RU" sz="3200" b="1" dirty="0" smtClean="0">
-                <a:latin typeface="Arial" pitchFamily="34" charset="0"/>
-                <a:cs typeface="Arial" pitchFamily="34" charset="0"/>
-              </a:rPr>
-              <a:t>Результат работы </a:t>
-            </a:r>
-            <a:r>
-              <a:rPr lang="ru-RU" sz="3200" b="1" dirty="0" smtClean="0">
-                <a:solidFill>
-                  <a:srgbClr val="FF0000"/>
-                </a:solidFill>
-                <a:latin typeface="Arial" pitchFamily="34" charset="0"/>
-                <a:cs typeface="Arial" pitchFamily="34" charset="0"/>
-              </a:rPr>
-              <a:t>третьего этапа </a:t>
-            </a:r>
-            <a:r>
-              <a:rPr lang="ru-RU" sz="3200" b="1" dirty="0" smtClean="0">
-                <a:latin typeface="Arial" pitchFamily="34" charset="0"/>
-                <a:cs typeface="Arial" pitchFamily="34" charset="0"/>
-              </a:rPr>
-              <a:t>протокола</a:t>
-            </a:r>
-            <a:endParaRPr lang="ru-RU" sz="3200" b="1" dirty="0">
-              <a:latin typeface="Arial" pitchFamily="34" charset="0"/>
-              <a:cs typeface="Arial" pitchFamily="34" charset="0"/>
-            </a:endParaRPr>
-          </a:p>
-        </p:txBody>
-      </p:sp>
-      <p:pic>
-        <p:nvPicPr>
-          <p:cNvPr id="6" name="Рисунок 5"/>
-          <p:cNvPicPr/>
-          <p:nvPr/>
-        </p:nvPicPr>
-        <p:blipFill rotWithShape="1">
-          <a:blip r:embed="rId2" cstate="print"/>
-          <a:srcRect l="2009" t="7183" r="65296" b="84727"/>
-          <a:stretch/>
-        </p:blipFill>
-        <p:spPr bwMode="auto">
-          <a:xfrm>
-            <a:off x="1428728" y="1905000"/>
-            <a:ext cx="6929486" cy="952496"/>
-          </a:xfrm>
-          <a:prstGeom prst="rect">
-            <a:avLst/>
-          </a:prstGeom>
-          <a:ln>
-            <a:noFill/>
-          </a:ln>
-          <a:extLst>
-            <a:ext uri="{53640926-AAD7-44D8-BBD7-CCE9431645EC}">
-              <a14:shadowObscured xmlns:a14="http://schemas.microsoft.com/office/drawing/2010/main"/>
-            </a:ext>
-          </a:extLst>
-        </p:spPr>
-      </p:pic>
-      <p:pic>
-        <p:nvPicPr>
-          <p:cNvPr id="7" name="Рисунок 6"/>
-          <p:cNvPicPr/>
-          <p:nvPr/>
-        </p:nvPicPr>
-        <p:blipFill rotWithShape="1">
-          <a:blip r:embed="rId3" cstate="print"/>
-          <a:srcRect l="8969" t="15478" r="43910" b="72854"/>
-          <a:stretch/>
-        </p:blipFill>
-        <p:spPr bwMode="auto">
-          <a:xfrm>
-            <a:off x="1209974" y="4567444"/>
-            <a:ext cx="7358114" cy="1143008"/>
-          </a:xfrm>
-          <a:prstGeom prst="rect">
-            <a:avLst/>
-          </a:prstGeom>
-          <a:ln>
-            <a:noFill/>
-          </a:ln>
-          <a:extLst>
-            <a:ext uri="{53640926-AAD7-44D8-BBD7-CCE9431645EC}">
-              <a14:shadowObscured xmlns:a14="http://schemas.microsoft.com/office/drawing/2010/main"/>
-            </a:ext>
-          </a:extLst>
-        </p:spPr>
-      </p:pic>
-      <p:sp>
-        <p:nvSpPr>
-          <p:cNvPr id="8" name="TextBox 7"/>
-          <p:cNvSpPr txBox="1"/>
-          <p:nvPr/>
-        </p:nvSpPr>
-        <p:spPr>
-          <a:xfrm>
-            <a:off x="1357290" y="2857496"/>
-            <a:ext cx="7358114" cy="369332"/>
-          </a:xfrm>
-          <a:prstGeom prst="rect">
-            <a:avLst/>
-          </a:prstGeom>
-          <a:noFill/>
-        </p:spPr>
-        <p:txBody>
-          <a:bodyPr wrap="square" rtlCol="0">
-            <a:spAutoFit/>
-          </a:bodyPr>
-          <a:lstStyle/>
-          <a:p>
-            <a:pPr algn="ctr"/>
-            <a:r>
-              <a:rPr lang="ru-RU" dirty="0" smtClean="0">
-                <a:latin typeface="Arial" pitchFamily="34" charset="0"/>
-                <a:cs typeface="Arial" pitchFamily="34" charset="0"/>
-              </a:rPr>
-              <a:t>Результат третьего этапа протокола со стороны сервера </a:t>
-            </a:r>
-            <a:endParaRPr lang="ru-RU" b="1" dirty="0">
-              <a:solidFill>
-                <a:srgbClr val="FF0000"/>
-              </a:solidFill>
-              <a:latin typeface="Arial" pitchFamily="34" charset="0"/>
-              <a:cs typeface="Arial" pitchFamily="34" charset="0"/>
-            </a:endParaRPr>
-          </a:p>
-        </p:txBody>
-      </p:sp>
-      <p:sp>
-        <p:nvSpPr>
-          <p:cNvPr id="9" name="TextBox 8"/>
-          <p:cNvSpPr txBox="1"/>
-          <p:nvPr/>
-        </p:nvSpPr>
-        <p:spPr>
-          <a:xfrm>
-            <a:off x="1285159" y="5877272"/>
-            <a:ext cx="7358114" cy="369332"/>
-          </a:xfrm>
-          <a:prstGeom prst="rect">
-            <a:avLst/>
-          </a:prstGeom>
-          <a:noFill/>
-        </p:spPr>
-        <p:txBody>
-          <a:bodyPr wrap="square" rtlCol="0">
-            <a:spAutoFit/>
-          </a:bodyPr>
-          <a:lstStyle/>
-          <a:p>
-            <a:pPr algn="ctr"/>
-            <a:r>
-              <a:rPr lang="ru-RU" dirty="0" smtClean="0">
-                <a:latin typeface="Arial" pitchFamily="34" charset="0"/>
-                <a:cs typeface="Arial" pitchFamily="34" charset="0"/>
-              </a:rPr>
-              <a:t>Результат третьего этапа протокола со стороны клиента</a:t>
-            </a:r>
-            <a:endParaRPr lang="ru-RU" b="1" dirty="0">
-              <a:solidFill>
-                <a:srgbClr val="FF0000"/>
-              </a:solidFill>
-              <a:latin typeface="Arial" pitchFamily="34" charset="0"/>
-              <a:cs typeface="Arial" pitchFamily="34" charset="0"/>
-            </a:endParaRPr>
-          </a:p>
-        </p:txBody>
-      </p:sp>
-      <p:sp>
-        <p:nvSpPr>
-          <p:cNvPr id="10" name="Номер слайда 9"/>
-          <p:cNvSpPr>
-            <a:spLocks noGrp="1"/>
-          </p:cNvSpPr>
-          <p:nvPr>
-            <p:ph type="sldNum" sz="quarter" idx="12"/>
-          </p:nvPr>
-        </p:nvSpPr>
-        <p:spPr/>
-        <p:txBody>
-          <a:bodyPr/>
-          <a:lstStyle/>
-          <a:p>
-            <a:fld id="{B19B0651-EE4F-4900-A07F-96A6BFA9D0F0}" type="slidenum">
-              <a:rPr lang="ru-RU" smtClean="0"/>
-              <a:pPr/>
-              <a:t>17</a:t>
-            </a:fld>
-            <a:endParaRPr lang="ru-RU"/>
-          </a:p>
-        </p:txBody>
-      </p:sp>
-      <p:sp>
-        <p:nvSpPr>
-          <p:cNvPr id="11" name="Прямоугольник 10"/>
-          <p:cNvSpPr/>
-          <p:nvPr/>
-        </p:nvSpPr>
-        <p:spPr>
-          <a:xfrm>
-            <a:off x="4889031" y="1820684"/>
-            <a:ext cx="610830" cy="226308"/>
-          </a:xfrm>
-          <a:prstGeom prst="rect">
-            <a:avLst/>
-          </a:prstGeom>
-          <a:noFill/>
-          <a:ln>
-            <a:solidFill>
-              <a:srgbClr val="FF0000"/>
-            </a:solidFill>
-          </a:ln>
-        </p:spPr>
-        <p:style>
-          <a:lnRef idx="2">
-            <a:schemeClr val="accent1">
-              <a:shade val="50000"/>
-            </a:schemeClr>
-          </a:lnRef>
-          <a:fillRef idx="1">
-            <a:schemeClr val="accent1"/>
-          </a:fillRef>
-          <a:effectRef idx="0">
-            <a:schemeClr val="accent1"/>
-          </a:effectRef>
-          <a:fontRef idx="minor">
-            <a:schemeClr val="lt1"/>
-          </a:fontRef>
-        </p:style>
-        <p:txBody>
-          <a:bodyPr rtlCol="0" anchor="ctr"/>
-          <a:lstStyle/>
-          <a:p>
-            <a:pPr algn="ctr"/>
-            <a:endParaRPr lang="ru-RU"/>
-          </a:p>
-        </p:txBody>
-      </p:sp>
-      <p:sp>
-        <p:nvSpPr>
-          <p:cNvPr id="12" name="Прямоугольник 11"/>
-          <p:cNvSpPr/>
-          <p:nvPr/>
-        </p:nvSpPr>
-        <p:spPr>
-          <a:xfrm>
-            <a:off x="4139952" y="2176306"/>
-            <a:ext cx="610830" cy="226308"/>
-          </a:xfrm>
-          <a:prstGeom prst="rect">
-            <a:avLst/>
-          </a:prstGeom>
-          <a:noFill/>
-          <a:ln>
-            <a:solidFill>
-              <a:srgbClr val="FF0000"/>
-            </a:solidFill>
-          </a:ln>
-        </p:spPr>
-        <p:style>
-          <a:lnRef idx="2">
-            <a:schemeClr val="accent1">
-              <a:shade val="50000"/>
-            </a:schemeClr>
-          </a:lnRef>
-          <a:fillRef idx="1">
-            <a:schemeClr val="accent1"/>
-          </a:fillRef>
-          <a:effectRef idx="0">
-            <a:schemeClr val="accent1"/>
-          </a:effectRef>
-          <a:fontRef idx="minor">
-            <a:schemeClr val="lt1"/>
-          </a:fontRef>
-        </p:style>
-        <p:txBody>
-          <a:bodyPr rtlCol="0" anchor="ctr"/>
-          <a:lstStyle/>
-          <a:p>
-            <a:pPr algn="ctr"/>
-            <a:endParaRPr lang="ru-RU"/>
-          </a:p>
-        </p:txBody>
-      </p:sp>
-      <p:sp>
-        <p:nvSpPr>
-          <p:cNvPr id="2" name="TextBox 1"/>
-          <p:cNvSpPr txBox="1"/>
-          <p:nvPr/>
-        </p:nvSpPr>
-        <p:spPr>
-          <a:xfrm>
-            <a:off x="5522681" y="653929"/>
-            <a:ext cx="3215543" cy="1200329"/>
-          </a:xfrm>
-          <a:prstGeom prst="rect">
-            <a:avLst/>
-          </a:prstGeom>
-          <a:noFill/>
-          <a:ln>
-            <a:solidFill>
-              <a:srgbClr val="FF0000"/>
-            </a:solidFill>
-          </a:ln>
-        </p:spPr>
-        <p:txBody>
-          <a:bodyPr wrap="square" rtlCol="0">
-            <a:spAutoFit/>
-          </a:bodyPr>
-          <a:lstStyle/>
-          <a:p>
-            <a:pPr algn="ctr"/>
-            <a:r>
-              <a:rPr lang="ru-RU" dirty="0" smtClean="0"/>
-              <a:t>Код ответа сообщения результата проверки идентификатора смарт –карты пользователя </a:t>
-            </a:r>
-            <a:endParaRPr lang="ru-RU" dirty="0"/>
-          </a:p>
-        </p:txBody>
-      </p:sp>
-      <p:cxnSp>
-        <p:nvCxnSpPr>
-          <p:cNvPr id="5" name="Прямая со стрелкой 4"/>
-          <p:cNvCxnSpPr>
-            <a:stCxn id="2" idx="1"/>
-            <a:endCxn id="11" idx="0"/>
-          </p:cNvCxnSpPr>
-          <p:nvPr/>
-        </p:nvCxnSpPr>
-        <p:spPr>
-          <a:xfrm flipH="1">
-            <a:off x="5194446" y="1254094"/>
-            <a:ext cx="328235" cy="566590"/>
-          </a:xfrm>
-          <a:prstGeom prst="straightConnector1">
-            <a:avLst/>
-          </a:prstGeom>
-          <a:ln>
-            <a:solidFill>
-              <a:srgbClr val="FF0000"/>
-            </a:solidFill>
-            <a:tailEnd type="arrow"/>
-          </a:ln>
-        </p:spPr>
-        <p:style>
-          <a:lnRef idx="1">
-            <a:schemeClr val="accent1"/>
-          </a:lnRef>
-          <a:fillRef idx="0">
-            <a:schemeClr val="accent1"/>
-          </a:fillRef>
-          <a:effectRef idx="0">
-            <a:schemeClr val="accent1"/>
-          </a:effectRef>
-          <a:fontRef idx="minor">
-            <a:schemeClr val="tx1"/>
-          </a:fontRef>
-        </p:style>
-      </p:cxnSp>
-      <p:sp>
-        <p:nvSpPr>
-          <p:cNvPr id="16" name="Прямоугольник 15"/>
-          <p:cNvSpPr/>
-          <p:nvPr/>
-        </p:nvSpPr>
-        <p:spPr>
-          <a:xfrm>
-            <a:off x="3468073" y="4653136"/>
-            <a:ext cx="610830" cy="226308"/>
-          </a:xfrm>
-          <a:prstGeom prst="rect">
-            <a:avLst/>
-          </a:prstGeom>
-          <a:noFill/>
-          <a:ln>
-            <a:solidFill>
-              <a:srgbClr val="FF0000"/>
-            </a:solidFill>
-          </a:ln>
-        </p:spPr>
-        <p:style>
-          <a:lnRef idx="2">
-            <a:schemeClr val="accent1">
-              <a:shade val="50000"/>
-            </a:schemeClr>
-          </a:lnRef>
-          <a:fillRef idx="1">
-            <a:schemeClr val="accent1"/>
-          </a:fillRef>
-          <a:effectRef idx="0">
-            <a:schemeClr val="accent1"/>
-          </a:effectRef>
-          <a:fontRef idx="minor">
-            <a:schemeClr val="lt1"/>
-          </a:fontRef>
-        </p:style>
-        <p:txBody>
-          <a:bodyPr rtlCol="0" anchor="ctr"/>
-          <a:lstStyle/>
-          <a:p>
-            <a:pPr algn="ctr"/>
-            <a:endParaRPr lang="ru-RU"/>
-          </a:p>
-        </p:txBody>
-      </p:sp>
-      <p:sp>
-        <p:nvSpPr>
-          <p:cNvPr id="17" name="Прямоугольник 16"/>
-          <p:cNvSpPr/>
-          <p:nvPr/>
-        </p:nvSpPr>
-        <p:spPr>
-          <a:xfrm>
-            <a:off x="3445124" y="4960713"/>
-            <a:ext cx="610830" cy="191989"/>
-          </a:xfrm>
-          <a:prstGeom prst="rect">
-            <a:avLst/>
-          </a:prstGeom>
-          <a:noFill/>
-          <a:ln>
-            <a:solidFill>
-              <a:srgbClr val="FF0000"/>
-            </a:solidFill>
-          </a:ln>
-        </p:spPr>
-        <p:style>
-          <a:lnRef idx="2">
-            <a:schemeClr val="accent1">
-              <a:shade val="50000"/>
-            </a:schemeClr>
-          </a:lnRef>
-          <a:fillRef idx="1">
-            <a:schemeClr val="accent1"/>
-          </a:fillRef>
-          <a:effectRef idx="0">
-            <a:schemeClr val="accent1"/>
-          </a:effectRef>
-          <a:fontRef idx="minor">
-            <a:schemeClr val="lt1"/>
-          </a:fontRef>
-        </p:style>
-        <p:txBody>
-          <a:bodyPr rtlCol="0" anchor="ctr"/>
-          <a:lstStyle/>
-          <a:p>
-            <a:pPr algn="ctr"/>
-            <a:endParaRPr lang="ru-RU"/>
-          </a:p>
-        </p:txBody>
-      </p:sp>
-      <p:sp>
-        <p:nvSpPr>
-          <p:cNvPr id="19" name="TextBox 18"/>
-          <p:cNvSpPr txBox="1"/>
-          <p:nvPr/>
-        </p:nvSpPr>
-        <p:spPr>
-          <a:xfrm>
-            <a:off x="1413076" y="792429"/>
-            <a:ext cx="3215543" cy="923330"/>
-          </a:xfrm>
-          <a:prstGeom prst="rect">
-            <a:avLst/>
-          </a:prstGeom>
-          <a:noFill/>
-          <a:ln>
-            <a:solidFill>
-              <a:srgbClr val="FF0000"/>
-            </a:solidFill>
-          </a:ln>
-        </p:spPr>
-        <p:txBody>
-          <a:bodyPr wrap="square" rtlCol="0">
-            <a:spAutoFit/>
-          </a:bodyPr>
-          <a:lstStyle/>
-          <a:p>
-            <a:pPr algn="ctr"/>
-            <a:r>
-              <a:rPr lang="ru-RU" dirty="0" smtClean="0"/>
-              <a:t>Код ответа сообщения результата проверки пароля</a:t>
-            </a:r>
-            <a:endParaRPr lang="ru-RU" dirty="0"/>
-          </a:p>
-        </p:txBody>
-      </p:sp>
-      <p:cxnSp>
-        <p:nvCxnSpPr>
-          <p:cNvPr id="21" name="Прямая со стрелкой 20"/>
-          <p:cNvCxnSpPr>
-            <a:stCxn id="19" idx="2"/>
-            <a:endCxn id="12" idx="0"/>
-          </p:cNvCxnSpPr>
-          <p:nvPr/>
-        </p:nvCxnSpPr>
-        <p:spPr>
-          <a:xfrm>
-            <a:off x="3020848" y="1715759"/>
-            <a:ext cx="1424519" cy="460547"/>
-          </a:xfrm>
-          <a:prstGeom prst="straightConnector1">
-            <a:avLst/>
-          </a:prstGeom>
-          <a:ln>
-            <a:solidFill>
-              <a:srgbClr val="FF0000"/>
-            </a:solidFill>
-            <a:tailEnd type="arrow"/>
-          </a:ln>
-        </p:spPr>
-        <p:style>
-          <a:lnRef idx="1">
-            <a:schemeClr val="accent1"/>
-          </a:lnRef>
-          <a:fillRef idx="0">
-            <a:schemeClr val="accent1"/>
-          </a:fillRef>
-          <a:effectRef idx="0">
-            <a:schemeClr val="accent1"/>
-          </a:effectRef>
-          <a:fontRef idx="minor">
-            <a:schemeClr val="tx1"/>
-          </a:fontRef>
-        </p:style>
-      </p:cxnSp>
-      <p:sp>
-        <p:nvSpPr>
-          <p:cNvPr id="22" name="TextBox 21"/>
-          <p:cNvSpPr txBox="1"/>
-          <p:nvPr/>
-        </p:nvSpPr>
-        <p:spPr>
-          <a:xfrm>
-            <a:off x="4889031" y="3429000"/>
-            <a:ext cx="3215543" cy="923330"/>
-          </a:xfrm>
-          <a:prstGeom prst="rect">
-            <a:avLst/>
-          </a:prstGeom>
-          <a:noFill/>
-          <a:ln>
-            <a:solidFill>
-              <a:srgbClr val="FF0000"/>
-            </a:solidFill>
-          </a:ln>
-        </p:spPr>
-        <p:txBody>
-          <a:bodyPr wrap="square" rtlCol="0">
-            <a:spAutoFit/>
-          </a:bodyPr>
-          <a:lstStyle/>
-          <a:p>
-            <a:pPr algn="ctr"/>
-            <a:r>
-              <a:rPr lang="ru-RU" dirty="0" smtClean="0"/>
-              <a:t>Код запроса на проверку идентификатора смарт –карты пользователя </a:t>
-            </a:r>
-            <a:endParaRPr lang="ru-RU" dirty="0"/>
-          </a:p>
-        </p:txBody>
-      </p:sp>
-      <p:cxnSp>
-        <p:nvCxnSpPr>
-          <p:cNvPr id="24" name="Прямая со стрелкой 23"/>
-          <p:cNvCxnSpPr>
-            <a:stCxn id="22" idx="1"/>
-            <a:endCxn id="16" idx="0"/>
-          </p:cNvCxnSpPr>
-          <p:nvPr/>
-        </p:nvCxnSpPr>
-        <p:spPr>
-          <a:xfrm flipH="1">
-            <a:off x="3773488" y="3890665"/>
-            <a:ext cx="1115543" cy="762471"/>
-          </a:xfrm>
-          <a:prstGeom prst="straightConnector1">
-            <a:avLst/>
-          </a:prstGeom>
-          <a:ln>
-            <a:solidFill>
-              <a:srgbClr val="FF0000"/>
-            </a:solidFill>
-            <a:tailEnd type="arrow"/>
-          </a:ln>
-        </p:spPr>
-        <p:style>
-          <a:lnRef idx="1">
-            <a:schemeClr val="accent1"/>
-          </a:lnRef>
-          <a:fillRef idx="0">
-            <a:schemeClr val="accent1"/>
-          </a:fillRef>
-          <a:effectRef idx="0">
-            <a:schemeClr val="accent1"/>
-          </a:effectRef>
-          <a:fontRef idx="minor">
-            <a:schemeClr val="tx1"/>
-          </a:fontRef>
-        </p:style>
-      </p:cxnSp>
-      <p:sp>
-        <p:nvSpPr>
-          <p:cNvPr id="25" name="TextBox 24"/>
-          <p:cNvSpPr txBox="1"/>
-          <p:nvPr/>
-        </p:nvSpPr>
-        <p:spPr>
-          <a:xfrm>
-            <a:off x="107504" y="3429000"/>
-            <a:ext cx="3215543" cy="646331"/>
-          </a:xfrm>
-          <a:prstGeom prst="rect">
-            <a:avLst/>
-          </a:prstGeom>
-          <a:noFill/>
-          <a:ln>
-            <a:solidFill>
-              <a:srgbClr val="FF0000"/>
-            </a:solidFill>
-          </a:ln>
-        </p:spPr>
-        <p:txBody>
-          <a:bodyPr wrap="square" rtlCol="0">
-            <a:spAutoFit/>
-          </a:bodyPr>
-          <a:lstStyle/>
-          <a:p>
-            <a:pPr algn="ctr"/>
-            <a:r>
-              <a:rPr lang="ru-RU" dirty="0" smtClean="0"/>
-              <a:t>Код запроса на проверку пароля пользователя </a:t>
-            </a:r>
-            <a:endParaRPr lang="ru-RU" dirty="0"/>
-          </a:p>
-        </p:txBody>
-      </p:sp>
-      <p:cxnSp>
-        <p:nvCxnSpPr>
-          <p:cNvPr id="27" name="Прямая со стрелкой 26"/>
-          <p:cNvCxnSpPr>
-            <a:stCxn id="25" idx="3"/>
-            <a:endCxn id="17" idx="0"/>
-          </p:cNvCxnSpPr>
-          <p:nvPr/>
-        </p:nvCxnSpPr>
-        <p:spPr>
-          <a:xfrm>
-            <a:off x="3323047" y="3752166"/>
-            <a:ext cx="427492" cy="1208547"/>
-          </a:xfrm>
-          <a:prstGeom prst="straightConnector1">
-            <a:avLst/>
-          </a:prstGeom>
-          <a:ln>
-            <a:solidFill>
-              <a:srgbClr val="FF0000"/>
-            </a:solidFill>
-            <a:tailEnd type="arrow"/>
-          </a:ln>
-        </p:spPr>
-        <p:style>
-          <a:lnRef idx="1">
-            <a:schemeClr val="accent1"/>
-          </a:lnRef>
-          <a:fillRef idx="0">
-            <a:schemeClr val="accent1"/>
-          </a:fillRef>
-          <a:effectRef idx="0">
-            <a:schemeClr val="accent1"/>
-          </a:effectRef>
-          <a:fontRef idx="minor">
-            <a:schemeClr val="tx1"/>
-          </a:fontRef>
-        </p:style>
-      </p:cxnSp>
-    </p:spTree>
-    <p:extLst>
-      <p:ext uri="{BB962C8B-B14F-4D97-AF65-F5344CB8AC3E}">
-        <p14:creationId xmlns:p14="http://schemas.microsoft.com/office/powerpoint/2010/main" val="3504847441"/>
-      </p:ext>
-    </p:extLst>
-  </p:cSld>
-  <p:clrMapOvr>
-    <a:masterClrMapping/>
-  </p:clrMapOvr>
-  <p:timing>
-    <p:tnLst>
-      <p:par>
-        <p:cTn id="1" dur="indefinite" restart="never" nodeType="tmRoot"/>
-      </p:par>
-    </p:tnLst>
-  </p:timing>
-</p:sld>
-</file>
-
-<file path=ppt/slides/slide18.xml><?xml version="1.0" encoding="utf-8"?>
-<p:sld xmlns:a="http://schemas.openxmlformats.org/drawingml/2006/main" xmlns:r="http://schemas.openxmlformats.org/officeDocument/2006/relationships" xmlns:p="http://schemas.openxmlformats.org/presentationml/2006/main">
-  <p:cSld>
-    <p:spTree>
-      <p:nvGrpSpPr>
-        <p:cNvPr id="1" name=""/>
-        <p:cNvGrpSpPr/>
-        <p:nvPr/>
-      </p:nvGrpSpPr>
-      <p:grpSpPr>
-        <a:xfrm>
-          <a:off x="0" y="0"/>
-          <a:ext cx="0" cy="0"/>
-          <a:chOff x="0" y="0"/>
-          <a:chExt cx="0" cy="0"/>
-        </a:xfrm>
-      </p:grpSpPr>
-      <p:sp>
-        <p:nvSpPr>
-          <p:cNvPr id="4" name="TextBox 3"/>
-          <p:cNvSpPr txBox="1"/>
-          <p:nvPr/>
-        </p:nvSpPr>
-        <p:spPr>
-          <a:xfrm>
             <a:off x="827584" y="291239"/>
             <a:ext cx="7776864" cy="584775"/>
           </a:xfrm>
@@ -13565,16 +12872,20 @@
             </a:endParaRPr>
           </a:p>
           <a:p>
-            <a:pPr lvl="0">
-              <a:buFontTx/>
-              <a:buChar char="-"/>
-            </a:pPr>
+            <a:pPr lvl="0"/>
             <a:r>
               <a:rPr lang="ru-RU" sz="2000" dirty="0" smtClean="0">
                 <a:latin typeface="Arial" pitchFamily="34" charset="0"/>
                 <a:cs typeface="Arial" pitchFamily="34" charset="0"/>
               </a:rPr>
-              <a:t>  реализована библиотека, включающая в себе российские криптографические алгоритмы, предназначенные для данного протокола </a:t>
+              <a:t>-  реализована </a:t>
+            </a:r>
+            <a:r>
+              <a:rPr lang="ru-RU" sz="2000" dirty="0" smtClean="0">
+                <a:latin typeface="Arial" pitchFamily="34" charset="0"/>
+                <a:cs typeface="Arial" pitchFamily="34" charset="0"/>
+              </a:rPr>
+              <a:t>библиотека, включающая в себе российские криптографические алгоритмы, предназначенные для данного протокола </a:t>
             </a:r>
           </a:p>
           <a:p>
@@ -13684,7 +12995,7 @@
             <a:fld id="{B19B0651-EE4F-4900-A07F-96A6BFA9D0F0}" type="slidenum">
               <a:rPr lang="ru-RU" smtClean="0"/>
               <a:pPr/>
-              <a:t>18</a:t>
+              <a:t>16</a:t>
             </a:fld>
             <a:endParaRPr lang="ru-RU"/>
           </a:p>
@@ -15133,8 +14444,8 @@
           </a:xfrm>
           <a:prstGeom prst="callout2">
             <a:avLst>
-              <a:gd name="adj1" fmla="val 99412"/>
-              <a:gd name="adj2" fmla="val 68374"/>
+              <a:gd name="adj1" fmla="val 97323"/>
+              <a:gd name="adj2" fmla="val 68178"/>
               <a:gd name="adj3" fmla="val 97108"/>
               <a:gd name="adj4" fmla="val 29487"/>
               <a:gd name="adj5" fmla="val 257366"/>
